--- a/M2R_presentation.pptx
+++ b/M2R_presentation.pptx
@@ -154,7 +154,7 @@
         <p:txBody>
           <a:bodyPr/>
           <a:p>
-            <a:fld id="{5BDF0AA6-CA05-4953-A3D7-DEBBC931B349}" type="slidenum">
+            <a:fld id="{1491DE3F-ED52-4A45-BA99-67C8B02E48EB}" type="slidenum">
               <a:t>&lt;#&gt;</a:t>
             </a:fld>
           </a:p>
@@ -237,7 +237,7 @@
         <p:txBody>
           <a:bodyPr/>
           <a:p>
-            <a:fld id="{80E6C5BD-3CC3-444E-8447-36BCB25341F1}" type="slidenum">
+            <a:fld id="{59A13DE9-56E0-4464-8FF6-0E126B4DD029}" type="slidenum">
               <a:t>&lt;#&gt;</a:t>
             </a:fld>
           </a:p>
@@ -342,7 +342,7 @@
         <p:txBody>
           <a:bodyPr/>
           <a:p>
-            <a:fld id="{0DF4BBFE-08CD-4224-9152-B340B8F0C69C}" type="slidenum">
+            <a:fld id="{7ACA07AF-F8C3-4E73-A9C4-AE5927779D12}" type="slidenum">
               <a:t>&lt;#&gt;</a:t>
             </a:fld>
           </a:p>
@@ -425,7 +425,7 @@
         <p:txBody>
           <a:bodyPr/>
           <a:p>
-            <a:fld id="{4523A0FD-3D8E-4675-BAD4-7E8AAEFC73DF}" type="slidenum">
+            <a:fld id="{D77FE269-8151-449F-9A67-AD87FBDB34C6}" type="slidenum">
               <a:t>&lt;#&gt;</a:t>
             </a:fld>
           </a:p>
@@ -508,7 +508,7 @@
         <p:txBody>
           <a:bodyPr/>
           <a:p>
-            <a:fld id="{6E23AEAC-30F3-45E1-BFDF-D062D6493205}" type="slidenum">
+            <a:fld id="{5AB9A354-F37C-451E-9848-A4B2760B821F}" type="slidenum">
               <a:t>&lt;#&gt;</a:t>
             </a:fld>
           </a:p>
@@ -591,7 +591,7 @@
         <p:txBody>
           <a:bodyPr/>
           <a:p>
-            <a:fld id="{F0BDC7AF-4ABE-4E4C-99F4-1E16DEBB3E28}" type="slidenum">
+            <a:fld id="{B643C68F-2F5E-4D46-A643-2B7BB78019D7}" type="slidenum">
               <a:t>&lt;#&gt;</a:t>
             </a:fld>
           </a:p>
@@ -674,7 +674,7 @@
         <p:txBody>
           <a:bodyPr/>
           <a:p>
-            <a:fld id="{B1FECD85-6C51-4BF2-BC49-9B8F44E421BA}" type="slidenum">
+            <a:fld id="{2F787B48-1176-4351-9D0A-C1E31060FDAA}" type="slidenum">
               <a:t>&lt;#&gt;</a:t>
             </a:fld>
           </a:p>
@@ -757,7 +757,7 @@
         <p:txBody>
           <a:bodyPr/>
           <a:p>
-            <a:fld id="{0AC34268-86F5-4554-ADCD-B1A5C29611BD}" type="slidenum">
+            <a:fld id="{F39E0B96-E0C5-4520-86F7-3C7FCC09A6D2}" type="slidenum">
               <a:t>&lt;#&gt;</a:t>
             </a:fld>
           </a:p>
@@ -840,7 +840,7 @@
         <p:txBody>
           <a:bodyPr/>
           <a:p>
-            <a:fld id="{745DC754-FAE3-42FA-AA33-4E141D652B95}" type="slidenum">
+            <a:fld id="{96988885-FF08-4E89-A5D3-6C90BD76845B}" type="slidenum">
               <a:t>&lt;#&gt;</a:t>
             </a:fld>
           </a:p>
@@ -923,7 +923,7 @@
         <p:txBody>
           <a:bodyPr/>
           <a:p>
-            <a:fld id="{079B7977-EE9A-46C9-B6D3-AC368963F0F9}" type="slidenum">
+            <a:fld id="{4318367A-3BF1-49CC-987A-FF9CA7BCAE96}" type="slidenum">
               <a:t>&lt;#&gt;</a:t>
             </a:fld>
           </a:p>
@@ -1006,7 +1006,7 @@
         <p:txBody>
           <a:bodyPr/>
           <a:p>
-            <a:fld id="{F71D4D90-E37F-47C7-B901-3BE003DE6B23}" type="slidenum">
+            <a:fld id="{C225332C-FD75-4AA1-9C7E-5F9A34BA6F6E}" type="slidenum">
               <a:t>&lt;#&gt;</a:t>
             </a:fld>
           </a:p>
@@ -1089,7 +1089,7 @@
         <p:txBody>
           <a:bodyPr/>
           <a:p>
-            <a:fld id="{2D8F7253-FC5C-4920-8501-DEC5ADDBF0CE}" type="slidenum">
+            <a:fld id="{9F812863-34E0-4CAE-AD1A-7B6EA4EA9941}" type="slidenum">
               <a:t>&lt;#&gt;</a:t>
             </a:fld>
           </a:p>
@@ -1172,7 +1172,7 @@
         <p:txBody>
           <a:bodyPr/>
           <a:p>
-            <a:fld id="{76AA7EF4-C369-402D-BEC6-DB6D05463DBC}" type="slidenum">
+            <a:fld id="{92EF5E57-86B8-4971-A174-4E1563C64045}" type="slidenum">
               <a:t>&lt;#&gt;</a:t>
             </a:fld>
           </a:p>
@@ -1277,7 +1277,7 @@
         <p:txBody>
           <a:bodyPr/>
           <a:p>
-            <a:fld id="{B77B570A-C8F8-4B9F-B3D3-23BD875C67F9}" type="slidenum">
+            <a:fld id="{968A7BD1-1B40-4EEC-88D9-DB92FD12398C}" type="slidenum">
               <a:t>&lt;#&gt;</a:t>
             </a:fld>
           </a:p>
@@ -1360,7 +1360,7 @@
         <p:txBody>
           <a:bodyPr/>
           <a:p>
-            <a:fld id="{2EB97A21-0FCE-4EB2-BD8E-5AC5D586654B}" type="slidenum">
+            <a:fld id="{43451F39-CBB5-4195-8266-3BA3A6D5115C}" type="slidenum">
               <a:t>&lt;#&gt;</a:t>
             </a:fld>
           </a:p>
@@ -1443,7 +1443,7 @@
         <p:txBody>
           <a:bodyPr/>
           <a:p>
-            <a:fld id="{2EAF100C-6844-464E-B9B1-79177E9CDC59}" type="slidenum">
+            <a:fld id="{2B201CA8-73E1-42FD-9B95-BCD24231D4FF}" type="slidenum">
               <a:t>&lt;#&gt;</a:t>
             </a:fld>
           </a:p>
@@ -1526,7 +1526,7 @@
         <p:txBody>
           <a:bodyPr/>
           <a:p>
-            <a:fld id="{426E8CC4-947F-4FD4-A425-E885B7D195CF}" type="slidenum">
+            <a:fld id="{4FA09CAE-FDCA-4AEC-99A8-78098CDFB4D6}" type="slidenum">
               <a:t>&lt;#&gt;</a:t>
             </a:fld>
           </a:p>
@@ -1609,7 +1609,7 @@
         <p:txBody>
           <a:bodyPr/>
           <a:p>
-            <a:fld id="{5D2FAC6D-D39E-4899-997A-0EBF077F8942}" type="slidenum">
+            <a:fld id="{1BED58CB-9429-4B30-A838-C71E23370B7A}" type="slidenum">
               <a:t>&lt;#&gt;</a:t>
             </a:fld>
           </a:p>
@@ -1692,7 +1692,7 @@
         <p:txBody>
           <a:bodyPr/>
           <a:p>
-            <a:fld id="{25F72267-E9F2-48FB-8E32-45B85E305F67}" type="slidenum">
+            <a:fld id="{A0EE64A8-8C91-46F5-BF97-9BBF3CD5488E}" type="slidenum">
               <a:t>&lt;#&gt;</a:t>
             </a:fld>
           </a:p>
@@ -1775,7 +1775,7 @@
         <p:txBody>
           <a:bodyPr/>
           <a:p>
-            <a:fld id="{F5287E49-AB3B-4CF0-A012-F40946D378AA}" type="slidenum">
+            <a:fld id="{DC3C4D8F-4F4F-47A8-9CE6-B277E15184FC}" type="slidenum">
               <a:t>&lt;#&gt;</a:t>
             </a:fld>
           </a:p>
@@ -1858,7 +1858,7 @@
         <p:txBody>
           <a:bodyPr/>
           <a:p>
-            <a:fld id="{74EB26E0-A49B-499E-8432-96B87F1864D3}" type="slidenum">
+            <a:fld id="{DDB48258-5EF9-4886-8665-5C787E61FE9C}" type="slidenum">
               <a:t>&lt;#&gt;</a:t>
             </a:fld>
           </a:p>
@@ -1941,7 +1941,7 @@
         <p:txBody>
           <a:bodyPr/>
           <a:p>
-            <a:fld id="{0AAFDC07-DDE3-422B-8BDC-7FE0A87F597F}" type="slidenum">
+            <a:fld id="{F9F4A6F7-C04F-4DCA-A03B-04886D7F6F27}" type="slidenum">
               <a:t>&lt;#&gt;</a:t>
             </a:fld>
           </a:p>
@@ -2024,7 +2024,7 @@
         <p:txBody>
           <a:bodyPr/>
           <a:p>
-            <a:fld id="{319BA247-3C7C-46BC-8F6C-E0C59C4AEAE8}" type="slidenum">
+            <a:fld id="{D8261F64-FC28-407F-A55F-34B5E8E7DA82}" type="slidenum">
               <a:t>&lt;#&gt;</a:t>
             </a:fld>
           </a:p>
@@ -2107,7 +2107,7 @@
         <p:txBody>
           <a:bodyPr/>
           <a:p>
-            <a:fld id="{192E2D73-7482-4E39-B3E1-473CA294F20B}" type="slidenum">
+            <a:fld id="{1972AD4B-8945-42D3-A7C4-064006D8117B}" type="slidenum">
               <a:t>&lt;#&gt;</a:t>
             </a:fld>
           </a:p>
@@ -2212,7 +2212,7 @@
         <p:txBody>
           <a:bodyPr/>
           <a:p>
-            <a:fld id="{47642D6B-11AB-4393-89BA-236563AAB1EA}" type="slidenum">
+            <a:fld id="{6D448608-874D-4AFC-8E57-0FDB875C35DB}" type="slidenum">
               <a:t>&lt;#&gt;</a:t>
             </a:fld>
           </a:p>
@@ -2295,7 +2295,7 @@
         <p:txBody>
           <a:bodyPr/>
           <a:p>
-            <a:fld id="{23A5456B-F0E8-4FA4-8C2D-CB5FADEF9872}" type="slidenum">
+            <a:fld id="{D580573C-9F57-4696-9B59-1615E645CDA7}" type="slidenum">
               <a:t>&lt;#&gt;</a:t>
             </a:fld>
           </a:p>
@@ -2378,7 +2378,7 @@
         <p:txBody>
           <a:bodyPr/>
           <a:p>
-            <a:fld id="{71F846A6-CBE9-4003-ACAF-D3BD7D74996E}" type="slidenum">
+            <a:fld id="{3553D03B-70B1-49FD-831E-61B4429C76AA}" type="slidenum">
               <a:t>&lt;#&gt;</a:t>
             </a:fld>
           </a:p>
@@ -2461,7 +2461,7 @@
         <p:txBody>
           <a:bodyPr/>
           <a:p>
-            <a:fld id="{D2329D27-B625-4609-9233-54919E63842D}" type="slidenum">
+            <a:fld id="{4F79CAF0-ACA3-49E9-8B52-D6E792212995}" type="slidenum">
               <a:t>&lt;#&gt;</a:t>
             </a:fld>
           </a:p>
@@ -2544,7 +2544,7 @@
         <p:txBody>
           <a:bodyPr/>
           <a:p>
-            <a:fld id="{D169A143-CDFD-4500-A01C-2AF21AE7D560}" type="slidenum">
+            <a:fld id="{5C006507-BC94-481F-95B1-64069751D265}" type="slidenum">
               <a:t>&lt;#&gt;</a:t>
             </a:fld>
           </a:p>
@@ -2627,7 +2627,7 @@
         <p:txBody>
           <a:bodyPr/>
           <a:p>
-            <a:fld id="{62FBDDE3-1EA4-4C24-A069-B1D82839633E}" type="slidenum">
+            <a:fld id="{C9E93B15-0115-45AF-AA7F-212CC1C7FD55}" type="slidenum">
               <a:t>&lt;#&gt;</a:t>
             </a:fld>
           </a:p>
@@ -2710,7 +2710,7 @@
         <p:txBody>
           <a:bodyPr/>
           <a:p>
-            <a:fld id="{7CA5BE0A-6C90-4EEB-8E88-6467498A8C47}" type="slidenum">
+            <a:fld id="{E2789D17-E205-4110-9EB6-A1AF8BD0B383}" type="slidenum">
               <a:t>&lt;#&gt;</a:t>
             </a:fld>
           </a:p>
@@ -2793,7 +2793,7 @@
         <p:txBody>
           <a:bodyPr/>
           <a:p>
-            <a:fld id="{2C6937B7-A96F-462F-B6D8-4A26FC4A70C6}" type="slidenum">
+            <a:fld id="{402EDC12-268E-4960-BCFB-782C78A3C91F}" type="slidenum">
               <a:t>&lt;#&gt;</a:t>
             </a:fld>
           </a:p>
@@ -2876,7 +2876,7 @@
         <p:txBody>
           <a:bodyPr/>
           <a:p>
-            <a:fld id="{A98763B9-ED88-4AAF-9343-DD802A8F438B}" type="slidenum">
+            <a:fld id="{0BD3992B-BFF3-446F-B6C6-8BFE3385C9CF}" type="slidenum">
               <a:t>&lt;#&gt;</a:t>
             </a:fld>
           </a:p>
@@ -3113,7 +3113,7 @@
         <p:txBody>
           <a:bodyPr/>
           <a:p>
-            <a:fld id="{1C150283-3BD6-4DEA-8F9C-E608FCFC1BC7}" type="slidenum">
+            <a:fld id="{D4FD81CD-CA38-41EE-A0EC-C996FE5F4CA6}" type="slidenum">
               <a:t>&lt;#&gt;</a:t>
             </a:fld>
           </a:p>
@@ -3284,7 +3284,7 @@
         <p:txBody>
           <a:bodyPr/>
           <a:p>
-            <a:fld id="{F536ECFB-817E-44FD-AC0B-29CE1EDA49F0}" type="slidenum">
+            <a:fld id="{92722C5D-02F6-41AF-B25F-BC9ED67A4541}" type="slidenum">
               <a:t>&lt;#&gt;</a:t>
             </a:fld>
           </a:p>
@@ -3367,7 +3367,7 @@
         <p:txBody>
           <a:bodyPr/>
           <a:p>
-            <a:fld id="{4A90A8AF-B795-4518-BA77-ED8A94A5AD35}" type="slidenum">
+            <a:fld id="{F39C4772-6068-4502-905B-507D3DA33870}" type="slidenum">
               <a:t>&lt;#&gt;</a:t>
             </a:fld>
           </a:p>
@@ -3450,7 +3450,7 @@
         <p:txBody>
           <a:bodyPr/>
           <a:p>
-            <a:fld id="{53F2CA66-42DE-4F68-92AC-BDFCBBB8CBF7}" type="slidenum">
+            <a:fld id="{B6C9616E-F09B-4A5D-AF5E-06A9C0D8E87A}" type="slidenum">
               <a:t>&lt;#&gt;</a:t>
             </a:fld>
           </a:p>
@@ -3533,7 +3533,7 @@
         <p:txBody>
           <a:bodyPr/>
           <a:p>
-            <a:fld id="{FA8424C9-3AC8-45ED-8609-F30281A19DF8}" type="slidenum">
+            <a:fld id="{0E74E05B-18B7-45F0-9AB8-480297DA0748}" type="slidenum">
               <a:t>&lt;#&gt;</a:t>
             </a:fld>
           </a:p>
@@ -3616,7 +3616,7 @@
         <p:txBody>
           <a:bodyPr/>
           <a:p>
-            <a:fld id="{2A67FBAF-623C-4E37-81D4-11D30EC4AD47}" type="slidenum">
+            <a:fld id="{079A6DEC-9669-479E-9B55-F7AF728FC5A9}" type="slidenum">
               <a:t>&lt;#&gt;</a:t>
             </a:fld>
           </a:p>
@@ -3699,7 +3699,7 @@
         <p:txBody>
           <a:bodyPr/>
           <a:p>
-            <a:fld id="{D8CBAA3F-94FE-4CC3-9A03-382C2313C304}" type="slidenum">
+            <a:fld id="{9031D395-4CDF-4277-B97D-7B80ECF102AB}" type="slidenum">
               <a:t>&lt;#&gt;</a:t>
             </a:fld>
           </a:p>
@@ -3782,7 +3782,7 @@
         <p:txBody>
           <a:bodyPr/>
           <a:p>
-            <a:fld id="{DA4F32E8-B32F-4FDC-9EF5-26D143E54C89}" type="slidenum">
+            <a:fld id="{472EF8FF-5E99-41CD-867F-6703DD537F68}" type="slidenum">
               <a:t>&lt;#&gt;</a:t>
             </a:fld>
           </a:p>
@@ -3865,7 +3865,7 @@
         <p:txBody>
           <a:bodyPr/>
           <a:p>
-            <a:fld id="{9B8C0132-B5DA-4205-BBB0-BEDA18C22B2E}" type="slidenum">
+            <a:fld id="{F317966C-2797-4F9D-8F41-0AF602BDEC78}" type="slidenum">
               <a:t>&lt;#&gt;</a:t>
             </a:fld>
           </a:p>
@@ -3948,7 +3948,7 @@
         <p:txBody>
           <a:bodyPr/>
           <a:p>
-            <a:fld id="{06134206-1730-4614-B722-CC6A46192D6F}" type="slidenum">
+            <a:fld id="{C668111E-6B7F-4140-8652-D994E50410D5}" type="slidenum">
               <a:t>&lt;#&gt;</a:t>
             </a:fld>
           </a:p>
@@ -4031,7 +4031,7 @@
         <p:txBody>
           <a:bodyPr/>
           <a:p>
-            <a:fld id="{DE154E89-7D25-4688-86C9-3C27E74F9345}" type="slidenum">
+            <a:fld id="{28ACC4C6-8F56-43AE-95AD-75B008E91490}" type="slidenum">
               <a:t>&lt;#&gt;</a:t>
             </a:fld>
           </a:p>
@@ -4114,7 +4114,7 @@
         <p:txBody>
           <a:bodyPr/>
           <a:p>
-            <a:fld id="{E9499694-D171-488A-8F89-D4A5E64ED9D3}" type="slidenum">
+            <a:fld id="{2ACAFFDF-529A-40EF-939C-8EB00DE2DA83}" type="slidenum">
               <a:t>&lt;#&gt;</a:t>
             </a:fld>
           </a:p>
@@ -4241,7 +4241,7 @@
         <p:txBody>
           <a:bodyPr/>
           <a:p>
-            <a:fld id="{73137BA6-EE65-4272-AC02-053B4D038D84}" type="slidenum">
+            <a:fld id="{1B25C7BE-8C8C-406D-AD3E-DC3271CB065B}" type="slidenum">
               <a:t>&lt;#&gt;</a:t>
             </a:fld>
           </a:p>
@@ -4324,7 +4324,7 @@
         <p:txBody>
           <a:bodyPr/>
           <a:p>
-            <a:fld id="{601CE500-BB8D-46B4-B208-47A3F915DC75}" type="slidenum">
+            <a:fld id="{7F6B4765-F28A-459F-88C8-2F16747539EA}" type="slidenum">
               <a:t>&lt;#&gt;</a:t>
             </a:fld>
           </a:p>
@@ -4407,7 +4407,7 @@
         <p:txBody>
           <a:bodyPr/>
           <a:p>
-            <a:fld id="{50022324-048A-4D34-A2FA-6D2DAC3DC160}" type="slidenum">
+            <a:fld id="{4E64E533-2374-46A3-968E-DBFB7DE2B743}" type="slidenum">
               <a:t>&lt;#&gt;</a:t>
             </a:fld>
           </a:p>
@@ -5897,7 +5897,7 @@
                 <a:tab algn="l" pos="0"/>
               </a:tabLst>
             </a:pPr>
-            <a:fld id="{47662B57-5CEC-48C1-95C3-708353CD359C}" type="slidenum">
+            <a:fld id="{7583E98B-9523-4763-8379-96356366A986}" type="slidenum">
               <a:rPr b="1" lang="en-GB" sz="850" strike="noStrike" u="none">
                 <a:solidFill>
                   <a:schemeClr val="accent1"/>
@@ -6198,7 +6198,7 @@
                 <a:tab algn="l" pos="0"/>
               </a:tabLst>
             </a:pPr>
-            <a:fld id="{90416CA9-5B8E-4602-8463-2ED40BEB4187}" type="slidenum">
+            <a:fld id="{8BAA2ECE-3A35-4E73-9821-89E4C41D71DC}" type="slidenum">
               <a:rPr b="1" lang="en-GB" sz="850" strike="noStrike" u="none">
                 <a:solidFill>
                   <a:schemeClr val="accent1"/>
@@ -7458,7 +7458,7 @@
                 <a:tab algn="l" pos="0"/>
               </a:tabLst>
             </a:pPr>
-            <a:fld id="{7401B08E-07BF-47AD-A0C7-905056771DD2}" type="slidenum">
+            <a:fld id="{176F194A-4BC1-4351-88DF-FB22CA4E55DD}" type="slidenum">
               <a:rPr b="1" lang="en-GB" sz="850" strike="noStrike" u="none">
                 <a:solidFill>
                   <a:schemeClr val="accent1"/>
@@ -7759,7 +7759,7 @@
                 <a:tab algn="l" pos="0"/>
               </a:tabLst>
             </a:pPr>
-            <a:fld id="{9AF945EE-31DD-45F3-8B6E-62740886855F}" type="slidenum">
+            <a:fld id="{0221E7AE-69BA-4BED-B085-2171694390DC}" type="slidenum">
               <a:rPr b="1" lang="en-GB" sz="850" strike="noStrike" u="none">
                 <a:solidFill>
                   <a:schemeClr val="accent1"/>
@@ -8060,7 +8060,7 @@
                 <a:tab algn="l" pos="0"/>
               </a:tabLst>
             </a:pPr>
-            <a:fld id="{26FAE1DB-186F-4711-8F45-98A3FCDB0A72}" type="slidenum">
+            <a:fld id="{2AF86646-4188-4101-8335-DD0DA29AB533}" type="slidenum">
               <a:rPr b="1" lang="en-GB" sz="850" strike="noStrike" u="none">
                 <a:solidFill>
                   <a:schemeClr val="accent1"/>
@@ -8361,7 +8361,7 @@
                 <a:tab algn="l" pos="0"/>
               </a:tabLst>
             </a:pPr>
-            <a:fld id="{88C64CA7-4532-41E5-BC23-C9EF26D636E9}" type="slidenum">
+            <a:fld id="{6AD2E630-EF5B-4B9A-9FE9-50BE524C6AAB}" type="slidenum">
               <a:rPr b="1" lang="en-GB" sz="850" strike="noStrike" u="none">
                 <a:solidFill>
                   <a:schemeClr val="accent1"/>
@@ -8662,7 +8662,7 @@
                 <a:tab algn="l" pos="0"/>
               </a:tabLst>
             </a:pPr>
-            <a:fld id="{2C6F75EF-A400-44FC-86CC-D50681CCC515}" type="slidenum">
+            <a:fld id="{060DBC22-BCE9-4ECB-842E-A879FB091BCD}" type="slidenum">
               <a:rPr b="1" lang="en-GB" sz="850" strike="noStrike" u="none">
                 <a:solidFill>
                   <a:schemeClr val="accent1"/>
@@ -9018,7 +9018,7 @@
                 <a:tab algn="l" pos="0"/>
               </a:tabLst>
             </a:pPr>
-            <a:fld id="{1E1B1174-A95E-4B8A-ACB2-12F81B9783E4}" type="slidenum">
+            <a:fld id="{3265DDB2-6828-4DF8-8267-AF7E5B1210B7}" type="slidenum">
               <a:rPr b="1" lang="en-GB" sz="850" strike="noStrike" u="none">
                 <a:solidFill>
                   <a:schemeClr val="lt1"/>
@@ -9319,7 +9319,7 @@
                 <a:tab algn="l" pos="0"/>
               </a:tabLst>
             </a:pPr>
-            <a:fld id="{93ECE75B-7107-499D-9724-922FDDE4DCD4}" type="slidenum">
+            <a:fld id="{BAD6FBB8-0FB8-4EA6-AC55-63A1980ABABA}" type="slidenum">
               <a:rPr b="1" lang="en-GB" sz="850" strike="noStrike" u="none">
                 <a:solidFill>
                   <a:schemeClr val="accent1"/>
@@ -9620,7 +9620,7 @@
                 <a:tab algn="l" pos="0"/>
               </a:tabLst>
             </a:pPr>
-            <a:fld id="{6BA7EBBE-2D22-4C24-AAB9-7B8E4728AAD9}" type="slidenum">
+            <a:fld id="{58B8D257-F527-4F4B-A2EE-6F3E6D6D5DED}" type="slidenum">
               <a:rPr b="1" lang="en-GB" sz="850" strike="noStrike" u="none">
                 <a:solidFill>
                   <a:schemeClr val="accent1"/>
@@ -9921,7 +9921,7 @@
                 <a:tab algn="l" pos="0"/>
               </a:tabLst>
             </a:pPr>
-            <a:fld id="{EC7F7022-D695-4EC1-AD8F-F151C737AD9D}" type="slidenum">
+            <a:fld id="{C2227E80-3686-44C1-B7A3-005DA9194787}" type="slidenum">
               <a:rPr b="1" lang="en-GB" sz="850" strike="noStrike" u="none">
                 <a:solidFill>
                   <a:schemeClr val="accent1"/>
@@ -10222,7 +10222,7 @@
                 <a:tab algn="l" pos="0"/>
               </a:tabLst>
             </a:pPr>
-            <a:fld id="{F25D378D-7C93-4AA3-AF55-AB4A6AA4AB56}" type="slidenum">
+            <a:fld id="{F501514C-1E70-43BA-B9C6-8B3877D5587E}" type="slidenum">
               <a:rPr b="1" lang="en-GB" sz="850" strike="noStrike" u="none">
                 <a:solidFill>
                   <a:schemeClr val="accent1"/>
@@ -10578,7 +10578,7 @@
                 <a:tab algn="l" pos="0"/>
               </a:tabLst>
             </a:pPr>
-            <a:fld id="{5AE15370-F7D7-4F85-8C2A-77DEBEBA538C}" type="slidenum">
+            <a:fld id="{704CCB8B-4845-46E4-987C-8AAFC8C56659}" type="slidenum">
               <a:rPr b="1" lang="en-GB" sz="850" strike="noStrike" u="none">
                 <a:solidFill>
                   <a:schemeClr val="lt1"/>
@@ -11838,7 +11838,7 @@
                 <a:tab algn="l" pos="0"/>
               </a:tabLst>
             </a:pPr>
-            <a:fld id="{458B935A-6B86-4518-92CF-9B062E234BD2}" type="slidenum">
+            <a:fld id="{5EB589B0-AC17-4E4C-8053-B6037B1E47EA}" type="slidenum">
               <a:rPr b="1" lang="en-GB" sz="850" strike="noStrike" u="none">
                 <a:solidFill>
                   <a:schemeClr val="accent1"/>
@@ -12139,7 +12139,7 @@
                 <a:tab algn="l" pos="0"/>
               </a:tabLst>
             </a:pPr>
-            <a:fld id="{20CFCC39-695A-4A3E-8200-01004C1DA002}" type="slidenum">
+            <a:fld id="{5DF1401C-1AD9-4C0F-A778-0B3EEDEF0E26}" type="slidenum">
               <a:rPr b="1" lang="en-GB" sz="850" strike="noStrike" u="none">
                 <a:solidFill>
                   <a:schemeClr val="accent1"/>
@@ -12440,7 +12440,7 @@
                 <a:tab algn="l" pos="0"/>
               </a:tabLst>
             </a:pPr>
-            <a:fld id="{BE0DC9BE-C8D4-4373-97EE-ABCBC00DD7F7}" type="slidenum">
+            <a:fld id="{7DF19069-AE4E-46D9-9CA7-136434F2B3E2}" type="slidenum">
               <a:rPr b="1" lang="en-GB" sz="850" strike="noStrike" u="none">
                 <a:solidFill>
                   <a:schemeClr val="accent1"/>
@@ -12741,7 +12741,7 @@
                 <a:tab algn="l" pos="0"/>
               </a:tabLst>
             </a:pPr>
-            <a:fld id="{521E3C3F-3D33-4BC6-9D14-0701AE8F868E}" type="slidenum">
+            <a:fld id="{B5AFFBCE-E48B-4740-9693-122B8B350C2A}" type="slidenum">
               <a:rPr b="1" lang="en-GB" sz="850" strike="noStrike" u="none">
                 <a:solidFill>
                   <a:schemeClr val="accent1"/>
@@ -13042,7 +13042,7 @@
                 <a:tab algn="l" pos="0"/>
               </a:tabLst>
             </a:pPr>
-            <a:fld id="{2EC2A6C2-D1AD-4739-93B4-1F7F67BB92BF}" type="slidenum">
+            <a:fld id="{404529A8-5A53-4ADB-9C7C-C98C5C9474F1}" type="slidenum">
               <a:rPr b="1" lang="en-GB" sz="850" strike="noStrike" u="none">
                 <a:solidFill>
                   <a:schemeClr val="accent1"/>
@@ -13343,7 +13343,7 @@
                 <a:tab algn="l" pos="0"/>
               </a:tabLst>
             </a:pPr>
-            <a:fld id="{E8A9C026-C976-48DE-80E7-FD4BD8EA02C5}" type="slidenum">
+            <a:fld id="{D2A52A44-6FCE-44FB-A7B6-E279F278E340}" type="slidenum">
               <a:rPr b="1" lang="en-GB" sz="850" strike="noStrike" u="none">
                 <a:solidFill>
                   <a:schemeClr val="accent1"/>
@@ -13644,7 +13644,7 @@
                 <a:tab algn="l" pos="0"/>
               </a:tabLst>
             </a:pPr>
-            <a:fld id="{7E0DC51C-7D15-4163-8FFE-D438EF8E4C3E}" type="slidenum">
+            <a:fld id="{A955E6F8-302B-4E31-82DE-E1178E6B3B1C}" type="slidenum">
               <a:rPr b="1" lang="en-GB" sz="850" strike="noStrike" u="none">
                 <a:solidFill>
                   <a:schemeClr val="accent1"/>
@@ -13945,7 +13945,7 @@
                 <a:tab algn="l" pos="0"/>
               </a:tabLst>
             </a:pPr>
-            <a:fld id="{756E717B-9D32-4875-B60A-19606D88365A}" type="slidenum">
+            <a:fld id="{A44CC4BB-79E4-4EFC-AAE4-08504BEFADE5}" type="slidenum">
               <a:rPr b="1" lang="en-GB" sz="850" strike="noStrike" u="none">
                 <a:solidFill>
                   <a:schemeClr val="accent1"/>
@@ -14246,7 +14246,7 @@
                 <a:tab algn="l" pos="0"/>
               </a:tabLst>
             </a:pPr>
-            <a:fld id="{21844D2A-0AFD-4075-B447-496EE499654A}" type="slidenum">
+            <a:fld id="{A9F53DD5-38C3-4B9B-BE83-E5AFA5831771}" type="slidenum">
               <a:rPr b="1" lang="en-GB" sz="850" strike="noStrike" u="none">
                 <a:solidFill>
                   <a:schemeClr val="accent1"/>
@@ -14547,7 +14547,7 @@
                 <a:tab algn="l" pos="0"/>
               </a:tabLst>
             </a:pPr>
-            <a:fld id="{F57F0F4A-D0AF-4211-9873-7750DF4A4CE6}" type="slidenum">
+            <a:fld id="{38F3ADFD-131F-4FD7-9919-26F8D31F713C}" type="slidenum">
               <a:rPr b="1" lang="en-GB" sz="850" strike="noStrike" u="none">
                 <a:solidFill>
                   <a:schemeClr val="accent1"/>
@@ -14848,7 +14848,7 @@
                 <a:tab algn="l" pos="0"/>
               </a:tabLst>
             </a:pPr>
-            <a:fld id="{4BDA0B34-FF0C-4343-A8EE-CB8DC97AC9BE}" type="slidenum">
+            <a:fld id="{F4DB0176-5C04-4E27-998D-3199712EE31F}" type="slidenum">
               <a:rPr b="1" lang="en-GB" sz="850" strike="noStrike" u="none">
                 <a:solidFill>
                   <a:schemeClr val="accent1"/>
@@ -16108,7 +16108,7 @@
                 <a:tab algn="l" pos="0"/>
               </a:tabLst>
             </a:pPr>
-            <a:fld id="{79AF3E01-E6CD-420C-94F7-8C47287ED24F}" type="slidenum">
+            <a:fld id="{A8D109D2-4EDC-443E-B3E0-4071AAD35347}" type="slidenum">
               <a:rPr b="1" lang="en-GB" sz="850" strike="noStrike" u="none">
                 <a:solidFill>
                   <a:schemeClr val="accent1"/>
@@ -16409,7 +16409,7 @@
                 <a:tab algn="l" pos="0"/>
               </a:tabLst>
             </a:pPr>
-            <a:fld id="{BFA069FB-A080-4B87-B3E9-C67281E030FE}" type="slidenum">
+            <a:fld id="{ECD780DB-3317-410A-9F84-6C78C7237AA1}" type="slidenum">
               <a:rPr b="1" lang="en-GB" sz="850" strike="noStrike" u="none">
                 <a:solidFill>
                   <a:schemeClr val="accent1"/>
@@ -16710,7 +16710,7 @@
                 <a:tab algn="l" pos="0"/>
               </a:tabLst>
             </a:pPr>
-            <a:fld id="{A7FD3D6E-A062-4263-A3F0-734B9AA73BC8}" type="slidenum">
+            <a:fld id="{61839396-DC68-4145-BCDD-93DF68D38AC3}" type="slidenum">
               <a:rPr b="1" lang="en-GB" sz="850" strike="noStrike" u="none">
                 <a:solidFill>
                   <a:schemeClr val="accent1"/>
@@ -17011,7 +17011,7 @@
                 <a:tab algn="l" pos="0"/>
               </a:tabLst>
             </a:pPr>
-            <a:fld id="{FDF25203-BB10-4B08-A62B-3D876767DB95}" type="slidenum">
+            <a:fld id="{B20401E6-C3F8-4BFC-A056-F7CB321AC249}" type="slidenum">
               <a:rPr b="1" lang="en-GB" sz="850" strike="noStrike" u="none">
                 <a:solidFill>
                   <a:schemeClr val="accent1"/>
@@ -17312,7 +17312,7 @@
                 <a:tab algn="l" pos="0"/>
               </a:tabLst>
             </a:pPr>
-            <a:fld id="{38190BED-F4A4-432F-946E-75180C166AC4}" type="slidenum">
+            <a:fld id="{9E59AFB8-5289-4137-B417-C74FD4CFB7EF}" type="slidenum">
               <a:rPr b="1" lang="en-GB" sz="850" strike="noStrike" u="none">
                 <a:solidFill>
                   <a:schemeClr val="accent1"/>
@@ -17613,7 +17613,7 @@
                 <a:tab algn="l" pos="0"/>
               </a:tabLst>
             </a:pPr>
-            <a:fld id="{FFA902B3-CDEA-4945-BE9D-EB2858D1AD0B}" type="slidenum">
+            <a:fld id="{073E5498-EDD6-4058-873A-D4144844AE3A}" type="slidenum">
               <a:rPr b="1" lang="en-GB" sz="850" strike="noStrike" u="none">
                 <a:solidFill>
                   <a:schemeClr val="accent1"/>
@@ -17914,7 +17914,7 @@
                 <a:tab algn="l" pos="0"/>
               </a:tabLst>
             </a:pPr>
-            <a:fld id="{FB14796A-8314-4D12-A93B-1CEE731DA9A5}" type="slidenum">
+            <a:fld id="{4581E6A0-A8C7-4D4D-B83D-5797F5260E4E}" type="slidenum">
               <a:rPr b="1" lang="en-GB" sz="850" strike="noStrike" u="none">
                 <a:solidFill>
                   <a:schemeClr val="accent1"/>
@@ -18215,7 +18215,7 @@
                 <a:tab algn="l" pos="0"/>
               </a:tabLst>
             </a:pPr>
-            <a:fld id="{A063326D-0CBF-42B5-BF8A-4A685C48C98A}" type="slidenum">
+            <a:fld id="{B5D0ED2A-45B8-4DFF-A5EE-697ED70CA7D5}" type="slidenum">
               <a:rPr b="1" lang="en-GB" sz="850" strike="noStrike" u="none">
                 <a:solidFill>
                   <a:schemeClr val="accent1"/>
@@ -18516,7 +18516,7 @@
                 <a:tab algn="l" pos="0"/>
               </a:tabLst>
             </a:pPr>
-            <a:fld id="{45F384D7-2953-4FE6-881A-CB312ABC305E}" type="slidenum">
+            <a:fld id="{9E341617-4A97-45BB-A4AC-66CFE665F376}" type="slidenum">
               <a:rPr b="1" lang="en-GB" sz="850" strike="noStrike" u="none">
                 <a:solidFill>
                   <a:schemeClr val="accent1"/>
@@ -24663,7 +24663,7 @@
                 <a:tab algn="l" pos="0"/>
               </a:tabLst>
             </a:pPr>
-            <a:fld id="{21C4E1F6-80CF-43A2-9A71-C41E8613D1FA}" type="slidenum">
+            <a:fld id="{5B64A94C-667E-44B0-AF2E-E4BCBC9CCD27}" type="slidenum">
               <a:rPr b="1" lang="en-GB" sz="850" strike="noStrike" u="none">
                 <a:solidFill>
                   <a:schemeClr val="accent1"/>
@@ -28800,7 +28800,7 @@
                 <a:tab algn="l" pos="0"/>
               </a:tabLst>
             </a:pPr>
-            <a:fld id="{0C9756FF-26A6-4B89-8B59-7D6965F1F22D}" type="slidenum">
+            <a:fld id="{0AE97E08-5DED-433D-9712-CBF4E4E41A5F}" type="slidenum">
               <a:rPr b="1" lang="en-GB" sz="850" strike="noStrike" u="none">
                 <a:solidFill>
                   <a:schemeClr val="accent1"/>
@@ -29101,7 +29101,7 @@
                 <a:tab algn="l" pos="0"/>
               </a:tabLst>
             </a:pPr>
-            <a:fld id="{4AC5D8EB-FCFB-4275-B5E4-EB721BB526F5}" type="slidenum">
+            <a:fld id="{E4FB9E95-F209-401D-9023-5535613D831C}" type="slidenum">
               <a:rPr b="1" lang="en-GB" sz="850" strike="noStrike" u="none">
                 <a:solidFill>
                   <a:schemeClr val="accent1"/>
@@ -29402,7 +29402,7 @@
                 <a:tab algn="l" pos="0"/>
               </a:tabLst>
             </a:pPr>
-            <a:fld id="{D58A1730-55CC-49EC-832A-CAE6E99D41E0}" type="slidenum">
+            <a:fld id="{50FFEE96-171F-4F24-9D8C-3C1C8F1DDAE4}" type="slidenum">
               <a:rPr b="1" lang="en-GB" sz="850" strike="noStrike" u="none">
                 <a:solidFill>
                   <a:schemeClr val="accent1"/>
@@ -29703,7 +29703,7 @@
                 <a:tab algn="l" pos="0"/>
               </a:tabLst>
             </a:pPr>
-            <a:fld id="{A44850A0-4330-45B8-86B8-A7764886FD0A}" type="slidenum">
+            <a:fld id="{C2A0AE84-9742-430B-A898-01E412B750FC}" type="slidenum">
               <a:rPr b="1" lang="en-GB" sz="850" strike="noStrike" u="none">
                 <a:solidFill>
                   <a:schemeClr val="accent1"/>
@@ -30004,7 +30004,7 @@
                 <a:tab algn="l" pos="0"/>
               </a:tabLst>
             </a:pPr>
-            <a:fld id="{733E52DC-378A-42D3-B47B-C2A2A5D4EC5C}" type="slidenum">
+            <a:fld id="{C0FF6C75-9A58-4450-9F55-4D6A923B5E96}" type="slidenum">
               <a:rPr b="1" lang="en-GB" sz="850" strike="noStrike" u="none">
                 <a:solidFill>
                   <a:schemeClr val="accent1"/>
@@ -30305,7 +30305,7 @@
                 <a:tab algn="l" pos="0"/>
               </a:tabLst>
             </a:pPr>
-            <a:fld id="{8D9082C8-F0E9-4D74-8773-A5CD3E0E4A69}" type="slidenum">
+            <a:fld id="{FDC81623-4A15-4BE0-A33F-6185AB3DB447}" type="slidenum">
               <a:rPr b="1" lang="en-GB" sz="850" strike="noStrike" u="none">
                 <a:solidFill>
                   <a:schemeClr val="accent1"/>
@@ -30606,7 +30606,7 @@
                 <a:tab algn="l" pos="0"/>
               </a:tabLst>
             </a:pPr>
-            <a:fld id="{43B239AC-5FD2-4F6D-BF9F-7035FBE494B3}" type="slidenum">
+            <a:fld id="{088E105E-6AB0-45CE-BBAE-5FE7F84384DB}" type="slidenum">
               <a:rPr b="1" lang="en-GB" sz="850" strike="noStrike" u="none">
                 <a:solidFill>
                   <a:schemeClr val="accent1"/>
@@ -30907,7 +30907,7 @@
                 <a:tab algn="l" pos="0"/>
               </a:tabLst>
             </a:pPr>
-            <a:fld id="{FFC9C7E3-711B-4AD3-BD1E-CB059B7D78FF}" type="slidenum">
+            <a:fld id="{21FF53DA-9E8F-41BA-982A-CFD52471D8A3}" type="slidenum">
               <a:rPr b="1" lang="en-GB" sz="850" strike="noStrike" u="none">
                 <a:solidFill>
                   <a:schemeClr val="accent1"/>
@@ -31208,7 +31208,7 @@
                 <a:tab algn="l" pos="0"/>
               </a:tabLst>
             </a:pPr>
-            <a:fld id="{3E52EE6E-BC04-4C4C-80D2-537B1A236D04}" type="slidenum">
+            <a:fld id="{62463CBF-B4B5-4C2E-AE3A-81DA2561BBD0}" type="slidenum">
               <a:rPr b="1" lang="en-GB" sz="850" strike="noStrike" u="none">
                 <a:solidFill>
                   <a:schemeClr val="accent1"/>
@@ -31509,7 +31509,7 @@
                 <a:tab algn="l" pos="0"/>
               </a:tabLst>
             </a:pPr>
-            <a:fld id="{8E8B5E70-4DBD-4977-8848-C62E2DE16F30}" type="slidenum">
+            <a:fld id="{D2486DD6-F175-4C49-891C-1F6401DBDC2B}" type="slidenum">
               <a:rPr b="1" lang="en-GB" sz="850" strike="noStrike" u="none">
                 <a:solidFill>
                   <a:schemeClr val="accent1"/>
@@ -31798,7 +31798,7 @@
                 <a:uFillTx/>
                 <a:latin typeface="Imperial Sans Text"/>
               </a:rPr>
-              <a:t>&lt;footer&gt;</a:t>
+              <a:t> </a:t>
             </a:r>
             <a:endParaRPr b="0" lang="en-GB" sz="850" strike="noStrike" u="none">
               <a:solidFill>
@@ -31865,7 +31865,7 @@
                 <a:tab algn="l" pos="0"/>
               </a:tabLst>
             </a:pPr>
-            <a:fld id="{53CCE1A0-A09B-49D7-9A0D-F2842C587A77}" type="slidenum">
+            <a:fld id="{4ADBDCBE-961B-43AE-87F5-5052F8E4F195}" type="slidenum">
               <a:rPr b="1" lang="en-GB" sz="850" strike="noStrike" u="none">
                 <a:solidFill>
                   <a:schemeClr val="lt1"/>
@@ -31873,7 +31873,7 @@
                 <a:uFillTx/>
                 <a:latin typeface="Imperial Sans Text"/>
               </a:rPr>
-              <a:t>&lt;number&gt;</a:t>
+              <a:t>1</a:t>
             </a:fld>
             <a:endParaRPr b="0" lang="en-GB" sz="850" strike="noStrike" u="none">
               <a:solidFill>
@@ -31936,7 +31936,7 @@
                 <a:uFillTx/>
                 <a:latin typeface="Times New Roman"/>
               </a:rPr>
-              <a:t>&lt;date/time&gt;</a:t>
+              <a:t> </a:t>
             </a:r>
             <a:endParaRPr b="0" lang="en-GB" sz="1400" strike="noStrike" u="none">
               <a:solidFill>
@@ -34664,7 +34664,7 @@
                 <a:tab algn="l" pos="0"/>
               </a:tabLst>
             </a:pPr>
-            <a:fld id="{C8CA71FE-CAA1-4D2B-84EE-8CA13895D657}" type="slidenum">
+            <a:fld id="{3FB86468-6487-4B92-B8B2-83CB41AADF26}" type="slidenum">
               <a:rPr b="1" lang="en-GB" sz="850" strike="noStrike" u="none">
                 <a:solidFill>
                   <a:schemeClr val="accent1"/>
@@ -34965,7 +34965,7 @@
                 <a:tab algn="l" pos="0"/>
               </a:tabLst>
             </a:pPr>
-            <a:fld id="{F9592035-D568-4D56-BF5E-2EFF64958F58}" type="slidenum">
+            <a:fld id="{68820D0E-228D-4067-AF1A-5E77068ABDAD}" type="slidenum">
               <a:rPr b="1" lang="en-GB" sz="850" strike="noStrike" u="none">
                 <a:solidFill>
                   <a:schemeClr val="accent1"/>
@@ -35266,7 +35266,7 @@
                 <a:tab algn="l" pos="0"/>
               </a:tabLst>
             </a:pPr>
-            <a:fld id="{2526131F-6EA4-4F13-B9B9-8438DAA55960}" type="slidenum">
+            <a:fld id="{07D6E525-4ABB-48AE-850D-CA1EF84E8F92}" type="slidenum">
               <a:rPr b="1" lang="en-GB" sz="850" strike="noStrike" u="none">
                 <a:solidFill>
                   <a:schemeClr val="accent1"/>
@@ -36006,6 +36006,87 @@
           </a:p>
         </p:txBody>
       </p:sp>
+      <p:sp>
+        <p:nvSpPr>
+          <p:cNvPr id="369" name="PlaceHolder 3"/>
+          <p:cNvSpPr txBox="1"/>
+          <p:nvPr/>
+        </p:nvSpPr>
+        <p:spPr>
+          <a:xfrm>
+            <a:off x="180360" y="6408000"/>
+            <a:ext cx="1439640" cy="409320"/>
+          </a:xfrm>
+          <a:prstGeom prst="rect">
+            <a:avLst/>
+          </a:prstGeom>
+          <a:noFill/>
+          <a:ln w="0">
+            <a:noFill/>
+          </a:ln>
+        </p:spPr>
+        <p:txBody>
+          <a:bodyPr lIns="0" rIns="0" tIns="0" bIns="0" anchor="b">
+            <a:noAutofit/>
+          </a:bodyPr>
+          <a:p>
+            <a:pPr defTabSz="685800">
+              <a:lnSpc>
+                <a:spcPct val="105000"/>
+              </a:lnSpc>
+              <a:tabLst>
+                <a:tab algn="l" pos="0"/>
+              </a:tabLst>
+            </a:pPr>
+            <a:r>
+              <a:rPr b="0" lang="en-US" sz="1200" strike="noStrike" u="none">
+                <a:solidFill>
+                  <a:schemeClr val="accent1"/>
+                </a:solidFill>
+                <a:uFillTx/>
+                <a:latin typeface="Imperial Sans Text Medium"/>
+                <a:ea typeface="Inter Medium"/>
+              </a:rPr>
+              <a:t>Charlie Lowman</a:t>
+            </a:r>
+            <a:endParaRPr b="0" lang="en-GB" sz="1200" strike="noStrike" u="none">
+              <a:solidFill>
+                <a:srgbClr val="000000"/>
+              </a:solidFill>
+              <a:uFillTx/>
+              <a:latin typeface="Arial"/>
+            </a:endParaRPr>
+          </a:p>
+          <a:p>
+            <a:pPr defTabSz="685800">
+              <a:lnSpc>
+                <a:spcPct val="105000"/>
+              </a:lnSpc>
+              <a:tabLst>
+                <a:tab algn="l" pos="0"/>
+              </a:tabLst>
+            </a:pPr>
+            <a:r>
+              <a:rPr b="0" lang="en-US" sz="1200" strike="noStrike" u="none">
+                <a:solidFill>
+                  <a:schemeClr val="accent1"/>
+                </a:solidFill>
+                <a:uFillTx/>
+                <a:latin typeface="Imperial Sans Text Medium"/>
+                <a:ea typeface="Inter Medium"/>
+              </a:rPr>
+              <a:t>18/06/2025</a:t>
+            </a:r>
+            <a:endParaRPr b="0" lang="en-GB" sz="1200" strike="noStrike" u="none">
+              <a:solidFill>
+                <a:srgbClr val="000000"/>
+              </a:solidFill>
+              <a:uFillTx/>
+              <a:latin typeface="Arial"/>
+            </a:endParaRPr>
+          </a:p>
+        </p:txBody>
+      </p:sp>
     </p:spTree>
   </p:cSld>
   <p:transition>
@@ -36033,7 +36114,7 @@
       </p:grpSpPr>
       <p:sp>
         <p:nvSpPr>
-          <p:cNvPr id="369" name="Title 5"/>
+          <p:cNvPr id="370" name="Title 5"/>
           <p:cNvSpPr/>
           <p:nvPr/>
         </p:nvSpPr>
@@ -36088,7 +36169,7 @@
       </p:sp>
       <p:sp>
         <p:nvSpPr>
-          <p:cNvPr id="370" name="Text Placeholder 12"/>
+          <p:cNvPr id="371" name="Text Placeholder 12"/>
           <p:cNvSpPr/>
           <p:nvPr/>
         </p:nvSpPr>
@@ -36163,7 +36244,7 @@
       </p:sp>
       <p:sp>
         <p:nvSpPr>
-          <p:cNvPr id="371" name="Text Placeholder 28"/>
+          <p:cNvPr id="372" name="Text Placeholder 28"/>
           <p:cNvSpPr/>
           <p:nvPr/>
         </p:nvSpPr>
@@ -36272,7 +36353,7 @@
       </p:sp>
       <p:sp>
         <p:nvSpPr>
-          <p:cNvPr id="372" name="Text Placeholder 3"/>
+          <p:cNvPr id="373" name="Text Placeholder 3"/>
           <p:cNvSpPr/>
           <p:nvPr/>
         </p:nvSpPr>
@@ -36347,7 +36428,7 @@
       </p:sp>
       <p:sp>
         <p:nvSpPr>
-          <p:cNvPr id="373" name="Text Placeholder 4"/>
+          <p:cNvPr id="374" name="Text Placeholder 4"/>
           <p:cNvSpPr/>
           <p:nvPr/>
         </p:nvSpPr>
@@ -36526,6 +36607,87 @@
                 <a:ea typeface="Inter Medium"/>
               </a:rPr>
               <a:t>- Solution using Julia</a:t>
+            </a:r>
+            <a:endParaRPr b="0" lang="en-GB" sz="1200" strike="noStrike" u="none">
+              <a:solidFill>
+                <a:srgbClr val="000000"/>
+              </a:solidFill>
+              <a:uFillTx/>
+              <a:latin typeface="Arial"/>
+            </a:endParaRPr>
+          </a:p>
+        </p:txBody>
+      </p:sp>
+      <p:sp>
+        <p:nvSpPr>
+          <p:cNvPr id="375" name="PlaceHolder 4"/>
+          <p:cNvSpPr txBox="1"/>
+          <p:nvPr/>
+        </p:nvSpPr>
+        <p:spPr>
+          <a:xfrm>
+            <a:off x="180720" y="6408360"/>
+            <a:ext cx="1439640" cy="409320"/>
+          </a:xfrm>
+          <a:prstGeom prst="rect">
+            <a:avLst/>
+          </a:prstGeom>
+          <a:noFill/>
+          <a:ln w="0">
+            <a:noFill/>
+          </a:ln>
+        </p:spPr>
+        <p:txBody>
+          <a:bodyPr lIns="0" rIns="0" tIns="0" bIns="0" anchor="b">
+            <a:noAutofit/>
+          </a:bodyPr>
+          <a:p>
+            <a:pPr defTabSz="685800">
+              <a:lnSpc>
+                <a:spcPct val="105000"/>
+              </a:lnSpc>
+              <a:tabLst>
+                <a:tab algn="l" pos="0"/>
+              </a:tabLst>
+            </a:pPr>
+            <a:r>
+              <a:rPr b="0" lang="en-US" sz="1200" strike="noStrike" u="none">
+                <a:solidFill>
+                  <a:schemeClr val="accent1"/>
+                </a:solidFill>
+                <a:uFillTx/>
+                <a:latin typeface="Imperial Sans Text Medium"/>
+                <a:ea typeface="Inter Medium"/>
+              </a:rPr>
+              <a:t>Charlie Lowman</a:t>
+            </a:r>
+            <a:endParaRPr b="0" lang="en-GB" sz="1200" strike="noStrike" u="none">
+              <a:solidFill>
+                <a:srgbClr val="000000"/>
+              </a:solidFill>
+              <a:uFillTx/>
+              <a:latin typeface="Arial"/>
+            </a:endParaRPr>
+          </a:p>
+          <a:p>
+            <a:pPr defTabSz="685800">
+              <a:lnSpc>
+                <a:spcPct val="105000"/>
+              </a:lnSpc>
+              <a:tabLst>
+                <a:tab algn="l" pos="0"/>
+              </a:tabLst>
+            </a:pPr>
+            <a:r>
+              <a:rPr b="0" lang="en-US" sz="1200" strike="noStrike" u="none">
+                <a:solidFill>
+                  <a:schemeClr val="accent1"/>
+                </a:solidFill>
+                <a:uFillTx/>
+                <a:latin typeface="Imperial Sans Text Medium"/>
+                <a:ea typeface="Inter Medium"/>
+              </a:rPr>
+              <a:t>18/06/2025</a:t>
             </a:r>
             <a:endParaRPr b="0" lang="en-GB" sz="1200" strike="noStrike" u="none">
               <a:solidFill>
@@ -36564,7 +36726,7 @@
       </p:grpSpPr>
       <p:sp>
         <p:nvSpPr>
-          <p:cNvPr id="374" name="Title 3"/>
+          <p:cNvPr id="376" name="Title 3"/>
           <p:cNvSpPr/>
           <p:nvPr/>
         </p:nvSpPr>
@@ -36619,7 +36781,7 @@
       </p:sp>
       <p:sp>
         <p:nvSpPr>
-          <p:cNvPr id="375" name="Text Placeholder 15"/>
+          <p:cNvPr id="377" name="Text Placeholder 15"/>
           <p:cNvSpPr/>
           <p:nvPr/>
         </p:nvSpPr>
@@ -36694,7 +36856,7 @@
       </p:sp>
       <p:sp>
         <p:nvSpPr>
-          <p:cNvPr id="376" name="Text Placeholder 16"/>
+          <p:cNvPr id="378" name="Text Placeholder 16"/>
           <p:cNvSpPr/>
           <p:nvPr/>
         </p:nvSpPr>
@@ -36769,7 +36931,7 @@
       </p:sp>
       <p:sp>
         <p:nvSpPr>
-          <p:cNvPr id="377" name="Text Placeholder 19"/>
+          <p:cNvPr id="379" name="Text Placeholder 19"/>
           <p:cNvSpPr/>
           <p:nvPr/>
         </p:nvSpPr>
@@ -36878,7 +37040,7 @@
       </p:sp>
       <p:sp>
         <p:nvSpPr>
-          <p:cNvPr id="378" name="Text Placeholder 8"/>
+          <p:cNvPr id="380" name="Text Placeholder 8"/>
           <p:cNvSpPr/>
           <p:nvPr/>
         </p:nvSpPr>
@@ -37065,7 +37227,7 @@
       </p:sp>
       <p:sp>
         <p:nvSpPr>
-          <p:cNvPr id="379" name="Text Placeholder 9"/>
+          <p:cNvPr id="381" name="Text Placeholder 9"/>
           <p:cNvSpPr/>
           <p:nvPr/>
         </p:nvSpPr>
@@ -37140,7 +37302,7 @@
       </p:sp>
       <p:sp>
         <p:nvSpPr>
-          <p:cNvPr id="380" name="Text Placeholder 10"/>
+          <p:cNvPr id="382" name="Text Placeholder 10"/>
           <p:cNvSpPr/>
           <p:nvPr/>
         </p:nvSpPr>
@@ -37258,6 +37420,87 @@
                 <a:ea typeface="Inter Medium"/>
               </a:rPr>
               <a:t>- Convolution of the Green’s function and the right hand         side over the domain</a:t>
+            </a:r>
+            <a:endParaRPr b="0" lang="en-GB" sz="1200" strike="noStrike" u="none">
+              <a:solidFill>
+                <a:srgbClr val="000000"/>
+              </a:solidFill>
+              <a:uFillTx/>
+              <a:latin typeface="Arial"/>
+            </a:endParaRPr>
+          </a:p>
+        </p:txBody>
+      </p:sp>
+      <p:sp>
+        <p:nvSpPr>
+          <p:cNvPr id="383" name="PlaceHolder 5"/>
+          <p:cNvSpPr txBox="1"/>
+          <p:nvPr/>
+        </p:nvSpPr>
+        <p:spPr>
+          <a:xfrm>
+            <a:off x="180720" y="6408360"/>
+            <a:ext cx="1439640" cy="409320"/>
+          </a:xfrm>
+          <a:prstGeom prst="rect">
+            <a:avLst/>
+          </a:prstGeom>
+          <a:noFill/>
+          <a:ln w="0">
+            <a:noFill/>
+          </a:ln>
+        </p:spPr>
+        <p:txBody>
+          <a:bodyPr lIns="0" rIns="0" tIns="0" bIns="0" anchor="b">
+            <a:noAutofit/>
+          </a:bodyPr>
+          <a:p>
+            <a:pPr defTabSz="685800">
+              <a:lnSpc>
+                <a:spcPct val="105000"/>
+              </a:lnSpc>
+              <a:tabLst>
+                <a:tab algn="l" pos="0"/>
+              </a:tabLst>
+            </a:pPr>
+            <a:r>
+              <a:rPr b="0" lang="en-US" sz="1200" strike="noStrike" u="none">
+                <a:solidFill>
+                  <a:schemeClr val="accent1"/>
+                </a:solidFill>
+                <a:uFillTx/>
+                <a:latin typeface="Imperial Sans Text Medium"/>
+                <a:ea typeface="Inter Medium"/>
+              </a:rPr>
+              <a:t>Charlie Lowman</a:t>
+            </a:r>
+            <a:endParaRPr b="0" lang="en-GB" sz="1200" strike="noStrike" u="none">
+              <a:solidFill>
+                <a:srgbClr val="000000"/>
+              </a:solidFill>
+              <a:uFillTx/>
+              <a:latin typeface="Arial"/>
+            </a:endParaRPr>
+          </a:p>
+          <a:p>
+            <a:pPr defTabSz="685800">
+              <a:lnSpc>
+                <a:spcPct val="105000"/>
+              </a:lnSpc>
+              <a:tabLst>
+                <a:tab algn="l" pos="0"/>
+              </a:tabLst>
+            </a:pPr>
+            <a:r>
+              <a:rPr b="0" lang="en-US" sz="1200" strike="noStrike" u="none">
+                <a:solidFill>
+                  <a:schemeClr val="accent1"/>
+                </a:solidFill>
+                <a:uFillTx/>
+                <a:latin typeface="Imperial Sans Text Medium"/>
+                <a:ea typeface="Inter Medium"/>
+              </a:rPr>
+              <a:t>18/06/2025</a:t>
             </a:r>
             <a:endParaRPr b="0" lang="en-GB" sz="1200" strike="noStrike" u="none">
               <a:solidFill>
@@ -37296,7 +37539,7 @@
       </p:grpSpPr>
       <p:sp>
         <p:nvSpPr>
-          <p:cNvPr id="381" name="Title 4"/>
+          <p:cNvPr id="384" name="Title 4"/>
           <p:cNvSpPr/>
           <p:nvPr/>
         </p:nvSpPr>
@@ -37351,7 +37594,7 @@
       </p:sp>
       <p:sp>
         <p:nvSpPr>
-          <p:cNvPr id="382" name="Text Placeholder 11"/>
+          <p:cNvPr id="385" name="Text Placeholder 11"/>
           <p:cNvSpPr/>
           <p:nvPr/>
         </p:nvSpPr>
@@ -37426,7 +37669,7 @@
       </p:sp>
       <p:sp>
         <p:nvSpPr>
-          <p:cNvPr id="383" name="Text Placeholder 14"/>
+          <p:cNvPr id="386" name="Text Placeholder 14"/>
           <p:cNvSpPr/>
           <p:nvPr/>
         </p:nvSpPr>
@@ -37522,6 +37765,87 @@
                 <a:ea typeface="Inter Medium"/>
               </a:rPr>
               <a:t>- Solution to a specific right hand side</a:t>
+            </a:r>
+            <a:endParaRPr b="0" lang="en-GB" sz="1200" strike="noStrike" u="none">
+              <a:solidFill>
+                <a:srgbClr val="000000"/>
+              </a:solidFill>
+              <a:uFillTx/>
+              <a:latin typeface="Arial"/>
+            </a:endParaRPr>
+          </a:p>
+        </p:txBody>
+      </p:sp>
+      <p:sp>
+        <p:nvSpPr>
+          <p:cNvPr id="387" name="PlaceHolder 6"/>
+          <p:cNvSpPr txBox="1"/>
+          <p:nvPr/>
+        </p:nvSpPr>
+        <p:spPr>
+          <a:xfrm>
+            <a:off x="180720" y="6408360"/>
+            <a:ext cx="1439640" cy="409320"/>
+          </a:xfrm>
+          <a:prstGeom prst="rect">
+            <a:avLst/>
+          </a:prstGeom>
+          <a:noFill/>
+          <a:ln w="0">
+            <a:noFill/>
+          </a:ln>
+        </p:spPr>
+        <p:txBody>
+          <a:bodyPr lIns="0" rIns="0" tIns="0" bIns="0" anchor="b">
+            <a:noAutofit/>
+          </a:bodyPr>
+          <a:p>
+            <a:pPr defTabSz="685800">
+              <a:lnSpc>
+                <a:spcPct val="105000"/>
+              </a:lnSpc>
+              <a:tabLst>
+                <a:tab algn="l" pos="0"/>
+              </a:tabLst>
+            </a:pPr>
+            <a:r>
+              <a:rPr b="0" lang="en-US" sz="1200" strike="noStrike" u="none">
+                <a:solidFill>
+                  <a:schemeClr val="accent1"/>
+                </a:solidFill>
+                <a:uFillTx/>
+                <a:latin typeface="Imperial Sans Text Medium"/>
+                <a:ea typeface="Inter Medium"/>
+              </a:rPr>
+              <a:t>Charlie Lowman</a:t>
+            </a:r>
+            <a:endParaRPr b="0" lang="en-GB" sz="1200" strike="noStrike" u="none">
+              <a:solidFill>
+                <a:srgbClr val="000000"/>
+              </a:solidFill>
+              <a:uFillTx/>
+              <a:latin typeface="Arial"/>
+            </a:endParaRPr>
+          </a:p>
+          <a:p>
+            <a:pPr defTabSz="685800">
+              <a:lnSpc>
+                <a:spcPct val="105000"/>
+              </a:lnSpc>
+              <a:tabLst>
+                <a:tab algn="l" pos="0"/>
+              </a:tabLst>
+            </a:pPr>
+            <a:r>
+              <a:rPr b="0" lang="en-US" sz="1200" strike="noStrike" u="none">
+                <a:solidFill>
+                  <a:schemeClr val="accent1"/>
+                </a:solidFill>
+                <a:uFillTx/>
+                <a:latin typeface="Imperial Sans Text Medium"/>
+                <a:ea typeface="Inter Medium"/>
+              </a:rPr>
+              <a:t>18/06/2025</a:t>
             </a:r>
             <a:endParaRPr b="0" lang="en-GB" sz="1200" strike="noStrike" u="none">
               <a:solidFill>
@@ -37560,7 +37884,7 @@
       </p:grpSpPr>
       <p:sp>
         <p:nvSpPr>
-          <p:cNvPr id="384" name="Title 6"/>
+          <p:cNvPr id="388" name="Title 6"/>
           <p:cNvSpPr/>
           <p:nvPr/>
         </p:nvSpPr>
@@ -37615,7 +37939,7 @@
       </p:sp>
       <p:sp>
         <p:nvSpPr>
-          <p:cNvPr id="385" name="Text Placeholder 13"/>
+          <p:cNvPr id="389" name="Text Placeholder 13"/>
           <p:cNvSpPr/>
           <p:nvPr/>
         </p:nvSpPr>
@@ -37692,7 +38016,7 @@
         <mc:Choice xmlns:a14="http://schemas.microsoft.com/office/drawing/2010/main" Requires="a14">
           <p:sp>
             <p:nvSpPr>
-              <p:cNvPr id="386" name=""/>
+              <p:cNvPr id="390" name=""/>
               <p:cNvSpPr txBox="1"/>
               <p:nvPr/>
             </p:nvSpPr>
@@ -37718,7 +38042,7 @@
         <mc:Fallback>
           <p:sp>
             <p:nvSpPr>
-              <p:cNvPr id="386" name=""/>
+              <p:cNvPr id="390" name=""/>
               <p:cNvSpPr txBox="1"/>
               <p:nvPr/>
             </p:nvSpPr>
@@ -37740,6 +38064,87 @@
           </p:sp>
         </mc:Fallback>
       </mc:AlternateContent>
+      <p:sp>
+        <p:nvSpPr>
+          <p:cNvPr id="391" name="PlaceHolder 7"/>
+          <p:cNvSpPr txBox="1"/>
+          <p:nvPr/>
+        </p:nvSpPr>
+        <p:spPr>
+          <a:xfrm>
+            <a:off x="180720" y="6408360"/>
+            <a:ext cx="1439640" cy="409320"/>
+          </a:xfrm>
+          <a:prstGeom prst="rect">
+            <a:avLst/>
+          </a:prstGeom>
+          <a:noFill/>
+          <a:ln w="0">
+            <a:noFill/>
+          </a:ln>
+        </p:spPr>
+        <p:txBody>
+          <a:bodyPr lIns="0" rIns="0" tIns="0" bIns="0" anchor="b">
+            <a:noAutofit/>
+          </a:bodyPr>
+          <a:p>
+            <a:pPr defTabSz="685800">
+              <a:lnSpc>
+                <a:spcPct val="105000"/>
+              </a:lnSpc>
+              <a:tabLst>
+                <a:tab algn="l" pos="0"/>
+              </a:tabLst>
+            </a:pPr>
+            <a:r>
+              <a:rPr b="0" lang="en-US" sz="1200" strike="noStrike" u="none">
+                <a:solidFill>
+                  <a:schemeClr val="accent1"/>
+                </a:solidFill>
+                <a:uFillTx/>
+                <a:latin typeface="Imperial Sans Text Medium"/>
+                <a:ea typeface="Inter Medium"/>
+              </a:rPr>
+              <a:t>Charlie Lowman</a:t>
+            </a:r>
+            <a:endParaRPr b="0" lang="en-GB" sz="1200" strike="noStrike" u="none">
+              <a:solidFill>
+                <a:srgbClr val="000000"/>
+              </a:solidFill>
+              <a:uFillTx/>
+              <a:latin typeface="Arial"/>
+            </a:endParaRPr>
+          </a:p>
+          <a:p>
+            <a:pPr defTabSz="685800">
+              <a:lnSpc>
+                <a:spcPct val="105000"/>
+              </a:lnSpc>
+              <a:tabLst>
+                <a:tab algn="l" pos="0"/>
+              </a:tabLst>
+            </a:pPr>
+            <a:r>
+              <a:rPr b="0" lang="en-US" sz="1200" strike="noStrike" u="none">
+                <a:solidFill>
+                  <a:schemeClr val="accent1"/>
+                </a:solidFill>
+                <a:uFillTx/>
+                <a:latin typeface="Imperial Sans Text Medium"/>
+                <a:ea typeface="Inter Medium"/>
+              </a:rPr>
+              <a:t>18/06/2025</a:t>
+            </a:r>
+            <a:endParaRPr b="0" lang="en-GB" sz="1200" strike="noStrike" u="none">
+              <a:solidFill>
+                <a:srgbClr val="000000"/>
+              </a:solidFill>
+              <a:uFillTx/>
+              <a:latin typeface="Arial"/>
+            </a:endParaRPr>
+          </a:p>
+        </p:txBody>
+      </p:sp>
     </p:spTree>
   </p:cSld>
   <p:transition>

--- a/M2R_presentation.pptx
+++ b/M2R_presentation.pptx
@@ -74,7 +74,6 @@
     <p:sldId id="258" r:id="rId69"/>
     <p:sldId id="259" r:id="rId70"/>
     <p:sldId id="260" r:id="rId71"/>
-    <p:sldId id="261" r:id="rId72"/>
   </p:sldIdLst>
   <p:sldSz cx="12192000" cy="6858000"/>
   <p:notesSz cx="7559675" cy="10691813"/>
@@ -154,7 +153,7 @@
         <p:txBody>
           <a:bodyPr/>
           <a:p>
-            <a:fld id="{B63B57F9-1E03-4D6C-A88F-E2D4BD9ACED4}" type="slidenum">
+            <a:fld id="{0B9902B3-922A-4B0D-B8EC-13F7632001DF}" type="slidenum">
               <a:t>&lt;#&gt;</a:t>
             </a:fld>
           </a:p>
@@ -237,7 +236,7 @@
         <p:txBody>
           <a:bodyPr/>
           <a:p>
-            <a:fld id="{A535C42A-7ED9-4B39-B4F8-DC90CA57B40B}" type="slidenum">
+            <a:fld id="{BA6E1923-E797-463B-8D12-F65920D8818A}" type="slidenum">
               <a:t>&lt;#&gt;</a:t>
             </a:fld>
           </a:p>
@@ -342,7 +341,7 @@
         <p:txBody>
           <a:bodyPr/>
           <a:p>
-            <a:fld id="{75C4A44D-EAE5-41AF-8B57-F66F546871DA}" type="slidenum">
+            <a:fld id="{65AD72C2-F796-44FE-8A89-9B79EAE91728}" type="slidenum">
               <a:t>&lt;#&gt;</a:t>
             </a:fld>
           </a:p>
@@ -425,7 +424,7 @@
         <p:txBody>
           <a:bodyPr/>
           <a:p>
-            <a:fld id="{BDEE3910-57AF-4A85-B412-3A711B4A9035}" type="slidenum">
+            <a:fld id="{E20B8F89-80ED-4FE3-9CCC-ECE4B9B8197B}" type="slidenum">
               <a:t>&lt;#&gt;</a:t>
             </a:fld>
           </a:p>
@@ -508,7 +507,7 @@
         <p:txBody>
           <a:bodyPr/>
           <a:p>
-            <a:fld id="{75FC9227-29F3-4639-B7D1-E66379CB21EA}" type="slidenum">
+            <a:fld id="{E0E74851-EE6D-41BB-A939-98A298F93CA7}" type="slidenum">
               <a:t>&lt;#&gt;</a:t>
             </a:fld>
           </a:p>
@@ -591,7 +590,7 @@
         <p:txBody>
           <a:bodyPr/>
           <a:p>
-            <a:fld id="{C948ABD0-DB9A-4415-AD29-1F7CAB041CEA}" type="slidenum">
+            <a:fld id="{39F5352B-F036-4417-A34F-DBED4B98A5E4}" type="slidenum">
               <a:t>&lt;#&gt;</a:t>
             </a:fld>
           </a:p>
@@ -674,7 +673,7 @@
         <p:txBody>
           <a:bodyPr/>
           <a:p>
-            <a:fld id="{67FFD472-2221-4BAB-A159-643EDF7543B5}" type="slidenum">
+            <a:fld id="{E6E79D0F-26BA-408D-BB36-19D42B02AF71}" type="slidenum">
               <a:t>&lt;#&gt;</a:t>
             </a:fld>
           </a:p>
@@ -757,7 +756,7 @@
         <p:txBody>
           <a:bodyPr/>
           <a:p>
-            <a:fld id="{A15B4900-6228-4280-9AE5-3F90337A1C53}" type="slidenum">
+            <a:fld id="{E0D930EF-F534-47E0-83F2-05ACF91F2EC4}" type="slidenum">
               <a:t>&lt;#&gt;</a:t>
             </a:fld>
           </a:p>
@@ -840,7 +839,7 @@
         <p:txBody>
           <a:bodyPr/>
           <a:p>
-            <a:fld id="{E9F86DC4-F6DF-4277-9BBC-D9DB9674B78B}" type="slidenum">
+            <a:fld id="{4FFE6336-4E9F-4D88-959E-C1E50F6267D3}" type="slidenum">
               <a:t>&lt;#&gt;</a:t>
             </a:fld>
           </a:p>
@@ -923,7 +922,7 @@
         <p:txBody>
           <a:bodyPr/>
           <a:p>
-            <a:fld id="{971DAAAF-ED92-4604-BE0D-9F99A77BC365}" type="slidenum">
+            <a:fld id="{A305DABE-A4D3-419E-8616-59458FBDFE71}" type="slidenum">
               <a:t>&lt;#&gt;</a:t>
             </a:fld>
           </a:p>
@@ -1006,7 +1005,7 @@
         <p:txBody>
           <a:bodyPr/>
           <a:p>
-            <a:fld id="{F7BEA1EB-C6E5-4718-900E-C68988F32B97}" type="slidenum">
+            <a:fld id="{DD341A4C-582C-427B-BA0C-C13B262906F3}" type="slidenum">
               <a:t>&lt;#&gt;</a:t>
             </a:fld>
           </a:p>
@@ -1089,7 +1088,7 @@
         <p:txBody>
           <a:bodyPr/>
           <a:p>
-            <a:fld id="{07992B0D-5D73-46B3-9F94-7AD6932EBAEF}" type="slidenum">
+            <a:fld id="{5021E1C2-62E4-418A-A86F-6542ECBFC16F}" type="slidenum">
               <a:t>&lt;#&gt;</a:t>
             </a:fld>
           </a:p>
@@ -1172,7 +1171,7 @@
         <p:txBody>
           <a:bodyPr/>
           <a:p>
-            <a:fld id="{04A3A794-24A2-4053-8D31-4270347B6356}" type="slidenum">
+            <a:fld id="{8AE3B09E-F016-4212-9E16-B54AB02C0A28}" type="slidenum">
               <a:t>&lt;#&gt;</a:t>
             </a:fld>
           </a:p>
@@ -1277,7 +1276,7 @@
         <p:txBody>
           <a:bodyPr/>
           <a:p>
-            <a:fld id="{0A1E09DA-FF9B-4585-A3EC-DDC00CFD0D1B}" type="slidenum">
+            <a:fld id="{8D5C9370-A784-4505-81A3-5AD624B763BB}" type="slidenum">
               <a:t>&lt;#&gt;</a:t>
             </a:fld>
           </a:p>
@@ -1360,7 +1359,7 @@
         <p:txBody>
           <a:bodyPr/>
           <a:p>
-            <a:fld id="{F3CBBED9-04FD-45F9-BE84-508ED822776B}" type="slidenum">
+            <a:fld id="{CD61BC37-FC01-4F8F-B75E-9B7E1CAA4C58}" type="slidenum">
               <a:t>&lt;#&gt;</a:t>
             </a:fld>
           </a:p>
@@ -1443,7 +1442,7 @@
         <p:txBody>
           <a:bodyPr/>
           <a:p>
-            <a:fld id="{7BE4F84E-77C4-4459-91FD-AD1CB0A3681B}" type="slidenum">
+            <a:fld id="{5F683332-2476-4CA6-9AA9-64A2DBBA7FFF}" type="slidenum">
               <a:t>&lt;#&gt;</a:t>
             </a:fld>
           </a:p>
@@ -1526,7 +1525,7 @@
         <p:txBody>
           <a:bodyPr/>
           <a:p>
-            <a:fld id="{2424D9CE-9167-4B94-9C7C-9485FDC04F12}" type="slidenum">
+            <a:fld id="{B446651B-F93D-46C1-9ED1-21262B948F46}" type="slidenum">
               <a:t>&lt;#&gt;</a:t>
             </a:fld>
           </a:p>
@@ -1609,7 +1608,7 @@
         <p:txBody>
           <a:bodyPr/>
           <a:p>
-            <a:fld id="{4B7885B1-EFA9-4094-8293-01561663C127}" type="slidenum">
+            <a:fld id="{0FE1F354-A5DC-4D0B-8192-4814D521CA59}" type="slidenum">
               <a:t>&lt;#&gt;</a:t>
             </a:fld>
           </a:p>
@@ -1692,7 +1691,7 @@
         <p:txBody>
           <a:bodyPr/>
           <a:p>
-            <a:fld id="{9C3BC782-8E29-4C33-9011-06DA8B7FA158}" type="slidenum">
+            <a:fld id="{0C92061C-9716-4104-BB14-511F70F2A6D9}" type="slidenum">
               <a:t>&lt;#&gt;</a:t>
             </a:fld>
           </a:p>
@@ -1775,7 +1774,7 @@
         <p:txBody>
           <a:bodyPr/>
           <a:p>
-            <a:fld id="{BC2F7022-826E-47F3-B4CF-74665F6896F7}" type="slidenum">
+            <a:fld id="{4633FF03-D653-4715-A4C9-4C5546C00A72}" type="slidenum">
               <a:t>&lt;#&gt;</a:t>
             </a:fld>
           </a:p>
@@ -1858,7 +1857,7 @@
         <p:txBody>
           <a:bodyPr/>
           <a:p>
-            <a:fld id="{517EEEDD-6D5F-43B1-9277-238147B15015}" type="slidenum">
+            <a:fld id="{5B939AB9-EC60-467A-B6D8-F76F23A1A2F5}" type="slidenum">
               <a:t>&lt;#&gt;</a:t>
             </a:fld>
           </a:p>
@@ -1941,7 +1940,7 @@
         <p:txBody>
           <a:bodyPr/>
           <a:p>
-            <a:fld id="{66095432-F3C1-44B8-BED3-B63F33D72F1B}" type="slidenum">
+            <a:fld id="{B6084901-5E47-429A-87BD-A26E67FFD80E}" type="slidenum">
               <a:t>&lt;#&gt;</a:t>
             </a:fld>
           </a:p>
@@ -2024,7 +2023,7 @@
         <p:txBody>
           <a:bodyPr/>
           <a:p>
-            <a:fld id="{D3F0FC6C-6E96-4D51-931F-9DBF2C02118D}" type="slidenum">
+            <a:fld id="{0509ABC5-F520-467F-AA3C-0296081A413C}" type="slidenum">
               <a:t>&lt;#&gt;</a:t>
             </a:fld>
           </a:p>
@@ -2107,7 +2106,7 @@
         <p:txBody>
           <a:bodyPr/>
           <a:p>
-            <a:fld id="{7394B59B-A00E-434E-8890-E256952B7FD9}" type="slidenum">
+            <a:fld id="{15289FCA-539C-42BE-838D-F994A022D9F2}" type="slidenum">
               <a:t>&lt;#&gt;</a:t>
             </a:fld>
           </a:p>
@@ -2212,7 +2211,7 @@
         <p:txBody>
           <a:bodyPr/>
           <a:p>
-            <a:fld id="{F50DE6D8-93AB-4091-9848-65915883545C}" type="slidenum">
+            <a:fld id="{F9BFA60E-87F1-49F6-B950-A4D7ACD1C6E2}" type="slidenum">
               <a:t>&lt;#&gt;</a:t>
             </a:fld>
           </a:p>
@@ -2295,7 +2294,7 @@
         <p:txBody>
           <a:bodyPr/>
           <a:p>
-            <a:fld id="{AD968105-919D-4BAF-AEF1-35E18EEDB76A}" type="slidenum">
+            <a:fld id="{20AA4957-0E96-4D59-A931-CF94F1C3B21C}" type="slidenum">
               <a:t>&lt;#&gt;</a:t>
             </a:fld>
           </a:p>
@@ -2378,7 +2377,7 @@
         <p:txBody>
           <a:bodyPr/>
           <a:p>
-            <a:fld id="{D44A7105-F0AA-41CB-B05C-DC762CF878BF}" type="slidenum">
+            <a:fld id="{0CAA9E3E-89A5-45CB-BC30-FBE0B5F6F48E}" type="slidenum">
               <a:t>&lt;#&gt;</a:t>
             </a:fld>
           </a:p>
@@ -2461,7 +2460,7 @@
         <p:txBody>
           <a:bodyPr/>
           <a:p>
-            <a:fld id="{5FE0EAE1-EECB-4342-B97B-20C6C44AB4E5}" type="slidenum">
+            <a:fld id="{A20F5774-C3E2-4923-BC0A-D881DEBB5EC7}" type="slidenum">
               <a:t>&lt;#&gt;</a:t>
             </a:fld>
           </a:p>
@@ -2544,7 +2543,7 @@
         <p:txBody>
           <a:bodyPr/>
           <a:p>
-            <a:fld id="{21D80BA0-0770-4763-9244-C42D43B9A684}" type="slidenum">
+            <a:fld id="{862AE270-2CF9-4340-8508-9C4B10422D9E}" type="slidenum">
               <a:t>&lt;#&gt;</a:t>
             </a:fld>
           </a:p>
@@ -2627,7 +2626,7 @@
         <p:txBody>
           <a:bodyPr/>
           <a:p>
-            <a:fld id="{429A778D-DAE6-4153-B636-4A83D18B516D}" type="slidenum">
+            <a:fld id="{CE8EFC88-2FF7-410F-A7F6-3A566A32D51F}" type="slidenum">
               <a:t>&lt;#&gt;</a:t>
             </a:fld>
           </a:p>
@@ -2710,7 +2709,7 @@
         <p:txBody>
           <a:bodyPr/>
           <a:p>
-            <a:fld id="{1BA17BB3-C9F5-4C0C-8175-4259CB72C001}" type="slidenum">
+            <a:fld id="{02BEB15B-28FD-4684-A30D-B29902C516CB}" type="slidenum">
               <a:t>&lt;#&gt;</a:t>
             </a:fld>
           </a:p>
@@ -2793,7 +2792,7 @@
         <p:txBody>
           <a:bodyPr/>
           <a:p>
-            <a:fld id="{7A37990E-87E0-4825-A1B6-9BD9D14590C4}" type="slidenum">
+            <a:fld id="{0599242A-EC02-401B-AA69-8633D65586DD}" type="slidenum">
               <a:t>&lt;#&gt;</a:t>
             </a:fld>
           </a:p>
@@ -2876,7 +2875,7 @@
         <p:txBody>
           <a:bodyPr/>
           <a:p>
-            <a:fld id="{A54FAF01-6C13-4FEB-A125-1FCD0D0B509B}" type="slidenum">
+            <a:fld id="{8FEF0409-164D-4BF2-A300-164008E98AEF}" type="slidenum">
               <a:t>&lt;#&gt;</a:t>
             </a:fld>
           </a:p>
@@ -3113,7 +3112,7 @@
         <p:txBody>
           <a:bodyPr/>
           <a:p>
-            <a:fld id="{3E149D07-BE79-4E78-BE5F-99377669AB5B}" type="slidenum">
+            <a:fld id="{4CC5DD81-317E-4830-AB80-DF86CA216B49}" type="slidenum">
               <a:t>&lt;#&gt;</a:t>
             </a:fld>
           </a:p>
@@ -3284,7 +3283,7 @@
         <p:txBody>
           <a:bodyPr/>
           <a:p>
-            <a:fld id="{7004F686-8848-428F-B6CD-2FED003DF99A}" type="slidenum">
+            <a:fld id="{A28E3BF5-283C-4BFA-B82B-FBA0F68539B5}" type="slidenum">
               <a:t>&lt;#&gt;</a:t>
             </a:fld>
           </a:p>
@@ -3367,7 +3366,7 @@
         <p:txBody>
           <a:bodyPr/>
           <a:p>
-            <a:fld id="{1A2DE18F-4E76-4984-8EE8-AEFC861762EC}" type="slidenum">
+            <a:fld id="{03451564-0954-44D6-B4B0-2E116DED89D5}" type="slidenum">
               <a:t>&lt;#&gt;</a:t>
             </a:fld>
           </a:p>
@@ -3450,7 +3449,7 @@
         <p:txBody>
           <a:bodyPr/>
           <a:p>
-            <a:fld id="{713C92CE-83F7-43A0-BB26-3A2CA0218F8C}" type="slidenum">
+            <a:fld id="{9DFE530A-BCF4-46F2-86AB-EF75FB1F75A5}" type="slidenum">
               <a:t>&lt;#&gt;</a:t>
             </a:fld>
           </a:p>
@@ -3533,7 +3532,7 @@
         <p:txBody>
           <a:bodyPr/>
           <a:p>
-            <a:fld id="{E7021917-BFE1-4D01-B406-B67BAA43494F}" type="slidenum">
+            <a:fld id="{064DE56E-4172-4FC8-A866-A8895CB9B3F2}" type="slidenum">
               <a:t>&lt;#&gt;</a:t>
             </a:fld>
           </a:p>
@@ -3616,7 +3615,7 @@
         <p:txBody>
           <a:bodyPr/>
           <a:p>
-            <a:fld id="{8418654D-A3C6-48B6-A89E-84A60F9F1867}" type="slidenum">
+            <a:fld id="{CA854863-CFF8-4326-843C-1321ED83EF0D}" type="slidenum">
               <a:t>&lt;#&gt;</a:t>
             </a:fld>
           </a:p>
@@ -3699,7 +3698,7 @@
         <p:txBody>
           <a:bodyPr/>
           <a:p>
-            <a:fld id="{20CDF191-4FBB-42B1-99F5-8256FA407346}" type="slidenum">
+            <a:fld id="{8BF9B7EB-51FD-4AD9-80C8-32806FD00564}" type="slidenum">
               <a:t>&lt;#&gt;</a:t>
             </a:fld>
           </a:p>
@@ -3782,7 +3781,7 @@
         <p:txBody>
           <a:bodyPr/>
           <a:p>
-            <a:fld id="{7B54D306-B39C-44CB-B63C-652ED7777595}" type="slidenum">
+            <a:fld id="{255FE7EA-DF19-457C-B5F3-4F9C4F549200}" type="slidenum">
               <a:t>&lt;#&gt;</a:t>
             </a:fld>
           </a:p>
@@ -3865,7 +3864,7 @@
         <p:txBody>
           <a:bodyPr/>
           <a:p>
-            <a:fld id="{D2CAE067-3739-4F22-A56A-0237485135FB}" type="slidenum">
+            <a:fld id="{99A13386-1106-416A-A352-DA31B4F78818}" type="slidenum">
               <a:t>&lt;#&gt;</a:t>
             </a:fld>
           </a:p>
@@ -3948,7 +3947,7 @@
         <p:txBody>
           <a:bodyPr/>
           <a:p>
-            <a:fld id="{2AD8C84E-7788-41D6-8E31-0AEFE65E77C2}" type="slidenum">
+            <a:fld id="{7938A6B8-FDEB-4C08-AB6A-C21E10F0012A}" type="slidenum">
               <a:t>&lt;#&gt;</a:t>
             </a:fld>
           </a:p>
@@ -4031,7 +4030,7 @@
         <p:txBody>
           <a:bodyPr/>
           <a:p>
-            <a:fld id="{F034B954-14F1-4AFE-AC37-CF159948C864}" type="slidenum">
+            <a:fld id="{BC5122E6-361C-4EBF-B86E-0DCFF150149A}" type="slidenum">
               <a:t>&lt;#&gt;</a:t>
             </a:fld>
           </a:p>
@@ -4114,7 +4113,7 @@
         <p:txBody>
           <a:bodyPr/>
           <a:p>
-            <a:fld id="{ACCCC6E3-9B5C-476F-9441-E77D6A21CA93}" type="slidenum">
+            <a:fld id="{A6B8C3E2-8CB8-4BEB-A497-3E5B8EFF3995}" type="slidenum">
               <a:t>&lt;#&gt;</a:t>
             </a:fld>
           </a:p>
@@ -4241,7 +4240,7 @@
         <p:txBody>
           <a:bodyPr/>
           <a:p>
-            <a:fld id="{4E542264-DB64-4F02-ABC6-F7642717F807}" type="slidenum">
+            <a:fld id="{F49B84CB-4194-465D-B424-87A937470D5F}" type="slidenum">
               <a:t>&lt;#&gt;</a:t>
             </a:fld>
           </a:p>
@@ -4324,7 +4323,7 @@
         <p:txBody>
           <a:bodyPr/>
           <a:p>
-            <a:fld id="{342820DB-7EF7-4821-91B0-81831CBE85C9}" type="slidenum">
+            <a:fld id="{96FC2739-FA6C-46A9-B5DB-EAF3B8974910}" type="slidenum">
               <a:t>&lt;#&gt;</a:t>
             </a:fld>
           </a:p>
@@ -4407,7 +4406,7 @@
         <p:txBody>
           <a:bodyPr/>
           <a:p>
-            <a:fld id="{8EEE2E15-2A91-4160-B6A9-2DE674226C2B}" type="slidenum">
+            <a:fld id="{05A79582-998C-4B96-9AEC-64BD1A10AC40}" type="slidenum">
               <a:t>&lt;#&gt;</a:t>
             </a:fld>
           </a:p>
@@ -5929,7 +5928,7 @@
                 <a:tab algn="l" pos="0"/>
               </a:tabLst>
             </a:pPr>
-            <a:fld id="{6F24E18D-E430-46F9-A820-F4F2B1882D8A}" type="slidenum">
+            <a:fld id="{6AB3A1E9-112C-4197-9E51-F93522E4EC24}" type="slidenum">
               <a:rPr b="1" lang="en-GB" sz="850" strike="noStrike" u="none">
                 <a:solidFill>
                   <a:schemeClr val="accent1"/>
@@ -6241,7 +6240,7 @@
                 <a:tab algn="l" pos="0"/>
               </a:tabLst>
             </a:pPr>
-            <a:fld id="{9937F268-736F-4EA9-9321-5E6415ADA617}" type="slidenum">
+            <a:fld id="{2F654CD6-6CEA-4B01-9E10-65CDFD742F1F}" type="slidenum">
               <a:rPr b="1" lang="en-GB" sz="850" strike="noStrike" u="none">
                 <a:solidFill>
                   <a:schemeClr val="accent1"/>
@@ -7522,7 +7521,7 @@
                 <a:tab algn="l" pos="0"/>
               </a:tabLst>
             </a:pPr>
-            <a:fld id="{101E5CAE-8C79-4339-A315-8BED437D6616}" type="slidenum">
+            <a:fld id="{DE64CECF-4A37-497E-8A6D-01E2287380F0}" type="slidenum">
               <a:rPr b="1" lang="en-GB" sz="850" strike="noStrike" u="none">
                 <a:solidFill>
                   <a:schemeClr val="accent1"/>
@@ -7834,7 +7833,7 @@
                 <a:tab algn="l" pos="0"/>
               </a:tabLst>
             </a:pPr>
-            <a:fld id="{5033CEEB-348D-499B-B853-2D9E0416AE13}" type="slidenum">
+            <a:fld id="{E7BE8B41-C337-4D5C-BAF2-5AA1A72838A8}" type="slidenum">
               <a:rPr b="1" lang="en-GB" sz="850" strike="noStrike" u="none">
                 <a:solidFill>
                   <a:schemeClr val="accent1"/>
@@ -8146,7 +8145,7 @@
                 <a:tab algn="l" pos="0"/>
               </a:tabLst>
             </a:pPr>
-            <a:fld id="{2E417CA0-F125-4DF2-94D8-9BDE857EB37F}" type="slidenum">
+            <a:fld id="{5985BB38-1227-4FCD-848C-58CC8E9A4818}" type="slidenum">
               <a:rPr b="1" lang="en-GB" sz="850" strike="noStrike" u="none">
                 <a:solidFill>
                   <a:schemeClr val="accent1"/>
@@ -8458,7 +8457,7 @@
                 <a:tab algn="l" pos="0"/>
               </a:tabLst>
             </a:pPr>
-            <a:fld id="{74ECC8CE-BEC2-4515-807D-EC9653471487}" type="slidenum">
+            <a:fld id="{C00D8385-2D18-47AA-BCCB-F5BCCCFD5A38}" type="slidenum">
               <a:rPr b="1" lang="en-GB" sz="850" strike="noStrike" u="none">
                 <a:solidFill>
                   <a:schemeClr val="accent1"/>
@@ -8770,7 +8769,7 @@
                 <a:tab algn="l" pos="0"/>
               </a:tabLst>
             </a:pPr>
-            <a:fld id="{2889C252-2AE0-47A7-97B0-3538DD8F62A6}" type="slidenum">
+            <a:fld id="{63F26347-C896-4ABF-A3F4-ED0DEDB913C0}" type="slidenum">
               <a:rPr b="1" lang="en-GB" sz="850" strike="noStrike" u="none">
                 <a:solidFill>
                   <a:schemeClr val="accent1"/>
@@ -9139,7 +9138,7 @@
                 <a:tab algn="l" pos="0"/>
               </a:tabLst>
             </a:pPr>
-            <a:fld id="{A4317F03-B72E-4FA9-B03A-AFA2B6E399E6}" type="slidenum">
+            <a:fld id="{B8154FC4-A8C3-474D-96AB-3EADEA3A522D}" type="slidenum">
               <a:rPr b="1" lang="en-GB" sz="850" strike="noStrike" u="none">
                 <a:solidFill>
                   <a:schemeClr val="lt1"/>
@@ -9451,7 +9450,7 @@
                 <a:tab algn="l" pos="0"/>
               </a:tabLst>
             </a:pPr>
-            <a:fld id="{5D21570B-07C8-457C-A1BC-97A21F36BC43}" type="slidenum">
+            <a:fld id="{2053C108-C9E0-4742-946D-D5754CD1E522}" type="slidenum">
               <a:rPr b="1" lang="en-GB" sz="850" strike="noStrike" u="none">
                 <a:solidFill>
                   <a:schemeClr val="accent1"/>
@@ -9763,7 +9762,7 @@
                 <a:tab algn="l" pos="0"/>
               </a:tabLst>
             </a:pPr>
-            <a:fld id="{86FE3C30-AFD4-4518-89AA-11BF92B79242}" type="slidenum">
+            <a:fld id="{2362AFCF-1DBF-4F8D-BAF3-D71CFF0881FE}" type="slidenum">
               <a:rPr b="1" lang="en-GB" sz="850" strike="noStrike" u="none">
                 <a:solidFill>
                   <a:schemeClr val="accent1"/>
@@ -10075,7 +10074,7 @@
                 <a:tab algn="l" pos="0"/>
               </a:tabLst>
             </a:pPr>
-            <a:fld id="{F6809E4A-A5DA-446C-9B28-867A9B64DDF3}" type="slidenum">
+            <a:fld id="{7C139B3B-D08E-4F40-B3C8-EEA99412D2C4}" type="slidenum">
               <a:rPr b="1" lang="en-GB" sz="850" strike="noStrike" u="none">
                 <a:solidFill>
                   <a:schemeClr val="accent1"/>
@@ -10387,7 +10386,7 @@
                 <a:tab algn="l" pos="0"/>
               </a:tabLst>
             </a:pPr>
-            <a:fld id="{D3A97A5C-0AB2-4B6F-BEA9-BFDC14DBA820}" type="slidenum">
+            <a:fld id="{2ECEA4A8-434C-4EF3-8A8F-9AEC736E31D2}" type="slidenum">
               <a:rPr b="1" lang="en-GB" sz="850" strike="noStrike" u="none">
                 <a:solidFill>
                   <a:schemeClr val="accent1"/>
@@ -10756,7 +10755,7 @@
                 <a:tab algn="l" pos="0"/>
               </a:tabLst>
             </a:pPr>
-            <a:fld id="{02C0D209-CCAB-466A-A267-EBDEE89B38D7}" type="slidenum">
+            <a:fld id="{047CE9E4-C9AF-4219-96EF-2D788F31B11A}" type="slidenum">
               <a:rPr b="1" lang="en-GB" sz="850" strike="noStrike" u="none">
                 <a:solidFill>
                   <a:schemeClr val="lt1"/>
@@ -12037,7 +12036,7 @@
                 <a:tab algn="l" pos="0"/>
               </a:tabLst>
             </a:pPr>
-            <a:fld id="{D88D3AD9-7DE4-43DD-A0AE-BDD8A99E3263}" type="slidenum">
+            <a:fld id="{0EA7A1EC-36D3-46D2-93D1-6A33B34F4198}" type="slidenum">
               <a:rPr b="1" lang="en-GB" sz="850" strike="noStrike" u="none">
                 <a:solidFill>
                   <a:schemeClr val="accent1"/>
@@ -12349,7 +12348,7 @@
                 <a:tab algn="l" pos="0"/>
               </a:tabLst>
             </a:pPr>
-            <a:fld id="{2B38F2FE-94C6-4F1C-81D8-884631F0BDC8}" type="slidenum">
+            <a:fld id="{06D74F76-6B77-47E1-9362-8F7D2C0B6E75}" type="slidenum">
               <a:rPr b="1" lang="en-GB" sz="850" strike="noStrike" u="none">
                 <a:solidFill>
                   <a:schemeClr val="accent1"/>
@@ -12661,7 +12660,7 @@
                 <a:tab algn="l" pos="0"/>
               </a:tabLst>
             </a:pPr>
-            <a:fld id="{9F6C7872-E0EE-4245-A257-440D787690C2}" type="slidenum">
+            <a:fld id="{1F1B35B9-7FBA-46A2-AC8D-77BF3CB09EE5}" type="slidenum">
               <a:rPr b="1" lang="en-GB" sz="850" strike="noStrike" u="none">
                 <a:solidFill>
                   <a:schemeClr val="accent1"/>
@@ -12973,7 +12972,7 @@
                 <a:tab algn="l" pos="0"/>
               </a:tabLst>
             </a:pPr>
-            <a:fld id="{1BD9D253-3E88-4B53-A77F-DF24C790A0D2}" type="slidenum">
+            <a:fld id="{B6643A3E-676E-47EC-82B7-EE72208A76EB}" type="slidenum">
               <a:rPr b="1" lang="en-GB" sz="850" strike="noStrike" u="none">
                 <a:solidFill>
                   <a:schemeClr val="accent1"/>
@@ -13285,7 +13284,7 @@
                 <a:tab algn="l" pos="0"/>
               </a:tabLst>
             </a:pPr>
-            <a:fld id="{0D221AA0-2008-4CC5-8EBB-DCAA6EB8E7DB}" type="slidenum">
+            <a:fld id="{F3626B46-6144-4002-B850-1CBA2F9623FE}" type="slidenum">
               <a:rPr b="1" lang="en-GB" sz="850" strike="noStrike" u="none">
                 <a:solidFill>
                   <a:schemeClr val="accent1"/>
@@ -13597,7 +13596,7 @@
                 <a:tab algn="l" pos="0"/>
               </a:tabLst>
             </a:pPr>
-            <a:fld id="{B08CCBC0-CB2F-4E02-BF2E-A804A5DD81F9}" type="slidenum">
+            <a:fld id="{40A3D876-230C-40DD-96EC-1D02826BD311}" type="slidenum">
               <a:rPr b="1" lang="en-GB" sz="850" strike="noStrike" u="none">
                 <a:solidFill>
                   <a:schemeClr val="accent1"/>
@@ -13909,7 +13908,7 @@
                 <a:tab algn="l" pos="0"/>
               </a:tabLst>
             </a:pPr>
-            <a:fld id="{98FBAAF2-2A78-4025-A4A2-6D7DDC80060F}" type="slidenum">
+            <a:fld id="{17ABB12E-A2CD-4691-BCB6-F9B90A89402F}" type="slidenum">
               <a:rPr b="1" lang="en-GB" sz="850" strike="noStrike" u="none">
                 <a:solidFill>
                   <a:schemeClr val="accent1"/>
@@ -14221,7 +14220,7 @@
                 <a:tab algn="l" pos="0"/>
               </a:tabLst>
             </a:pPr>
-            <a:fld id="{2D6A088D-1FCE-4210-902C-DE3D966181CF}" type="slidenum">
+            <a:fld id="{37479C57-F8CB-43CC-B7B3-AC338867CF7D}" type="slidenum">
               <a:rPr b="1" lang="en-GB" sz="850" strike="noStrike" u="none">
                 <a:solidFill>
                   <a:schemeClr val="accent1"/>
@@ -14533,7 +14532,7 @@
                 <a:tab algn="l" pos="0"/>
               </a:tabLst>
             </a:pPr>
-            <a:fld id="{9DB64703-5660-473B-90C7-F40601D50D4C}" type="slidenum">
+            <a:fld id="{8435C870-4DE4-4BD7-A499-32F492328AA9}" type="slidenum">
               <a:rPr b="1" lang="en-GB" sz="850" strike="noStrike" u="none">
                 <a:solidFill>
                   <a:schemeClr val="accent1"/>
@@ -14845,7 +14844,7 @@
                 <a:tab algn="l" pos="0"/>
               </a:tabLst>
             </a:pPr>
-            <a:fld id="{38D8455B-5227-4D67-9266-99C97A4B2897}" type="slidenum">
+            <a:fld id="{847A0D03-359C-42E8-BF2A-EDC3BD08D5A5}" type="slidenum">
               <a:rPr b="1" lang="en-GB" sz="850" strike="noStrike" u="none">
                 <a:solidFill>
                   <a:schemeClr val="accent1"/>
@@ -15157,7 +15156,7 @@
                 <a:tab algn="l" pos="0"/>
               </a:tabLst>
             </a:pPr>
-            <a:fld id="{752433B3-7C86-44A7-A303-CBC268F508D0}" type="slidenum">
+            <a:fld id="{1F82CA4D-7E48-48A1-8B11-9D56E28D0470}" type="slidenum">
               <a:rPr b="1" lang="en-GB" sz="850" strike="noStrike" u="none">
                 <a:solidFill>
                   <a:schemeClr val="accent1"/>
@@ -16438,7 +16437,7 @@
                 <a:tab algn="l" pos="0"/>
               </a:tabLst>
             </a:pPr>
-            <a:fld id="{2C4AC09C-1DFB-4718-BB35-02D732310046}" type="slidenum">
+            <a:fld id="{737B08A7-1FC3-4DA0-81CA-9D8D781D04EE}" type="slidenum">
               <a:rPr b="1" lang="en-GB" sz="850" strike="noStrike" u="none">
                 <a:solidFill>
                   <a:schemeClr val="accent1"/>
@@ -16750,7 +16749,7 @@
                 <a:tab algn="l" pos="0"/>
               </a:tabLst>
             </a:pPr>
-            <a:fld id="{43D7003C-1FD2-47CD-9E96-EDD6F2BC74C7}" type="slidenum">
+            <a:fld id="{3D7B035B-E574-4D9B-B3BC-3178B9A65447}" type="slidenum">
               <a:rPr b="1" lang="en-GB" sz="850" strike="noStrike" u="none">
                 <a:solidFill>
                   <a:schemeClr val="accent1"/>
@@ -17062,7 +17061,7 @@
                 <a:tab algn="l" pos="0"/>
               </a:tabLst>
             </a:pPr>
-            <a:fld id="{DC705C84-ABCB-4143-B4E3-B0561749BC6C}" type="slidenum">
+            <a:fld id="{9B6F190A-6015-4E80-BF8A-D9B689858B03}" type="slidenum">
               <a:rPr b="1" lang="en-GB" sz="850" strike="noStrike" u="none">
                 <a:solidFill>
                   <a:schemeClr val="accent1"/>
@@ -17374,7 +17373,7 @@
                 <a:tab algn="l" pos="0"/>
               </a:tabLst>
             </a:pPr>
-            <a:fld id="{8C8B34F5-5ACB-43E4-A420-0A5C53F2299F}" type="slidenum">
+            <a:fld id="{90CA09F3-6C0D-42F5-82BE-838F8DF922BB}" type="slidenum">
               <a:rPr b="1" lang="en-GB" sz="850" strike="noStrike" u="none">
                 <a:solidFill>
                   <a:schemeClr val="accent1"/>
@@ -17686,7 +17685,7 @@
                 <a:tab algn="l" pos="0"/>
               </a:tabLst>
             </a:pPr>
-            <a:fld id="{E1CB0F64-A127-4DB9-A233-DA0D09DBEF9F}" type="slidenum">
+            <a:fld id="{DED05AE8-346D-4B27-A76E-682E5FCCE936}" type="slidenum">
               <a:rPr b="1" lang="en-GB" sz="850" strike="noStrike" u="none">
                 <a:solidFill>
                   <a:schemeClr val="accent1"/>
@@ -17998,7 +17997,7 @@
                 <a:tab algn="l" pos="0"/>
               </a:tabLst>
             </a:pPr>
-            <a:fld id="{20478F76-3B87-42BE-B4AA-C33EDE420241}" type="slidenum">
+            <a:fld id="{F7109EFD-1F84-45B1-863E-A66C2340D612}" type="slidenum">
               <a:rPr b="1" lang="en-GB" sz="850" strike="noStrike" u="none">
                 <a:solidFill>
                   <a:schemeClr val="accent1"/>
@@ -18310,7 +18309,7 @@
                 <a:tab algn="l" pos="0"/>
               </a:tabLst>
             </a:pPr>
-            <a:fld id="{45CABE25-8D0B-408E-B994-6B59B8C64547}" type="slidenum">
+            <a:fld id="{2A945331-5B9C-49DF-B4D2-437316BAEBE1}" type="slidenum">
               <a:rPr b="1" lang="en-GB" sz="850" strike="noStrike" u="none">
                 <a:solidFill>
                   <a:schemeClr val="accent1"/>
@@ -18622,7 +18621,7 @@
                 <a:tab algn="l" pos="0"/>
               </a:tabLst>
             </a:pPr>
-            <a:fld id="{561B7A00-951C-4A44-B22E-F963CA9E5FB0}" type="slidenum">
+            <a:fld id="{D59E7741-C3D3-4A03-83A7-27CAADD0830D}" type="slidenum">
               <a:rPr b="1" lang="en-GB" sz="850" strike="noStrike" u="none">
                 <a:solidFill>
                   <a:schemeClr val="accent1"/>
@@ -18934,7 +18933,7 @@
                 <a:tab algn="l" pos="0"/>
               </a:tabLst>
             </a:pPr>
-            <a:fld id="{ECD50163-5373-437A-86BE-8B1A163CBE45}" type="slidenum">
+            <a:fld id="{0557F23C-8689-48D2-B5C9-1BF26C728E3F}" type="slidenum">
               <a:rPr b="1" lang="en-GB" sz="850" strike="noStrike" u="none">
                 <a:solidFill>
                   <a:schemeClr val="accent1"/>
@@ -25154,7 +25153,7 @@
                 <a:tab algn="l" pos="0"/>
               </a:tabLst>
             </a:pPr>
-            <a:fld id="{2EBA7B03-C56F-4E78-B1B2-31C2BC012D3B}" type="slidenum">
+            <a:fld id="{999911DB-3B58-44F0-ADBB-59145BB40E39}" type="slidenum">
               <a:rPr b="1" lang="en-GB" sz="850" strike="noStrike" u="none">
                 <a:solidFill>
                   <a:schemeClr val="accent1"/>
@@ -29342,7 +29341,7 @@
                 <a:tab algn="l" pos="0"/>
               </a:tabLst>
             </a:pPr>
-            <a:fld id="{FAC8F97C-D56D-4773-922C-0AE6703A9F54}" type="slidenum">
+            <a:fld id="{D1FAC694-5EC5-4232-948A-B2DC594CA9CE}" type="slidenum">
               <a:rPr b="1" lang="en-GB" sz="850" strike="noStrike" u="none">
                 <a:solidFill>
                   <a:schemeClr val="accent1"/>
@@ -29654,7 +29653,7 @@
                 <a:tab algn="l" pos="0"/>
               </a:tabLst>
             </a:pPr>
-            <a:fld id="{7872EAA2-6928-409A-81A7-9D82ADB7114D}" type="slidenum">
+            <a:fld id="{3E9D188C-B3B0-4EA1-9ACB-E5C3CAAB0D8A}" type="slidenum">
               <a:rPr b="1" lang="en-GB" sz="850" strike="noStrike" u="none">
                 <a:solidFill>
                   <a:schemeClr val="accent1"/>
@@ -29966,7 +29965,7 @@
                 <a:tab algn="l" pos="0"/>
               </a:tabLst>
             </a:pPr>
-            <a:fld id="{35ADCF68-B7B7-453B-A7A8-ACE09477509C}" type="slidenum">
+            <a:fld id="{23FFCA28-DB74-42F9-8837-9618207158D3}" type="slidenum">
               <a:rPr b="1" lang="en-GB" sz="850" strike="noStrike" u="none">
                 <a:solidFill>
                   <a:schemeClr val="accent1"/>
@@ -30278,7 +30277,7 @@
                 <a:tab algn="l" pos="0"/>
               </a:tabLst>
             </a:pPr>
-            <a:fld id="{E300F63E-F854-4C1B-BC9E-95C75FBF6383}" type="slidenum">
+            <a:fld id="{D5582DDB-A78D-479A-8F2C-616FDACDA5F8}" type="slidenum">
               <a:rPr b="1" lang="en-GB" sz="850" strike="noStrike" u="none">
                 <a:solidFill>
                   <a:schemeClr val="accent1"/>
@@ -30590,7 +30589,7 @@
                 <a:tab algn="l" pos="0"/>
               </a:tabLst>
             </a:pPr>
-            <a:fld id="{7D1C7816-3B6E-4C5C-AD9C-E29BB83F227B}" type="slidenum">
+            <a:fld id="{20B1080F-7235-46F2-B01C-2D47425BF5FB}" type="slidenum">
               <a:rPr b="1" lang="en-GB" sz="850" strike="noStrike" u="none">
                 <a:solidFill>
                   <a:schemeClr val="accent1"/>
@@ -30902,7 +30901,7 @@
                 <a:tab algn="l" pos="0"/>
               </a:tabLst>
             </a:pPr>
-            <a:fld id="{D653CB38-04BC-438D-86A0-1B862FFA9C9E}" type="slidenum">
+            <a:fld id="{1ABD18DF-568E-4573-9C2E-F0C7D3F0FC32}" type="slidenum">
               <a:rPr b="1" lang="en-GB" sz="850" strike="noStrike" u="none">
                 <a:solidFill>
                   <a:schemeClr val="accent1"/>
@@ -31214,7 +31213,7 @@
                 <a:tab algn="l" pos="0"/>
               </a:tabLst>
             </a:pPr>
-            <a:fld id="{5A5E7411-0FDA-406B-A045-944EB4954EAC}" type="slidenum">
+            <a:fld id="{C85AE3A7-E52F-47AA-A253-0C30365F6CEF}" type="slidenum">
               <a:rPr b="1" lang="en-GB" sz="850" strike="noStrike" u="none">
                 <a:solidFill>
                   <a:schemeClr val="accent1"/>
@@ -31526,7 +31525,7 @@
                 <a:tab algn="l" pos="0"/>
               </a:tabLst>
             </a:pPr>
-            <a:fld id="{F58D434D-CAE8-415F-823A-A355AE7EF2B8}" type="slidenum">
+            <a:fld id="{B0E58ED5-2BB4-44E7-A806-89289FC79174}" type="slidenum">
               <a:rPr b="1" lang="en-GB" sz="850" strike="noStrike" u="none">
                 <a:solidFill>
                   <a:schemeClr val="accent1"/>
@@ -31838,7 +31837,7 @@
                 <a:tab algn="l" pos="0"/>
               </a:tabLst>
             </a:pPr>
-            <a:fld id="{A25EA721-DAEA-4F79-81D2-F612A9323A93}" type="slidenum">
+            <a:fld id="{0148A678-6C97-421D-81F3-93007E0E526C}" type="slidenum">
               <a:rPr b="1" lang="en-GB" sz="850" strike="noStrike" u="none">
                 <a:solidFill>
                   <a:schemeClr val="accent1"/>
@@ -32150,7 +32149,7 @@
                 <a:tab algn="l" pos="0"/>
               </a:tabLst>
             </a:pPr>
-            <a:fld id="{8788F8E3-2B01-4130-9899-51A6231CB853}" type="slidenum">
+            <a:fld id="{BD82232D-5EA0-4263-A3CF-4F17D911BF09}" type="slidenum">
               <a:rPr b="1" lang="en-GB" sz="850" strike="noStrike" u="none">
                 <a:solidFill>
                   <a:schemeClr val="accent1"/>
@@ -32225,7 +32224,7 @@
                 <a:uFillTx/>
                 <a:latin typeface="Times New Roman"/>
               </a:rPr>
-              <a:t>&lt;date/time&gt;</a:t>
+              <a:t> </a:t>
             </a:r>
             <a:endParaRPr b="0" lang="en-US" sz="1400" strike="noStrike" u="none">
               <a:solidFill>
@@ -32450,7 +32449,7 @@
                 <a:uFillTx/>
                 <a:latin typeface="Imperial Sans Text"/>
               </a:rPr>
-              <a:t>&lt;footer&gt;</a:t>
+              <a:t> </a:t>
             </a:r>
             <a:endParaRPr b="0" lang="en-US" sz="850" strike="noStrike" u="none">
               <a:solidFill>
@@ -32519,7 +32518,7 @@
                 <a:tab algn="l" pos="0"/>
               </a:tabLst>
             </a:pPr>
-            <a:fld id="{28EDCB74-80C9-42E2-836D-D158AF9A4EF3}" type="slidenum">
+            <a:fld id="{99546B0F-480B-4D2B-829A-77266E9F926A}" type="slidenum">
               <a:rPr b="1" lang="en-GB" sz="850" strike="noStrike" u="none">
                 <a:solidFill>
                   <a:schemeClr val="lt1"/>
@@ -32528,7 +32527,7 @@
                 <a:uFillTx/>
                 <a:latin typeface="Imperial Sans Text"/>
               </a:rPr>
-              <a:t>&lt;number&gt;</a:t>
+              <a:t>1</a:t>
             </a:fld>
             <a:endParaRPr b="0" lang="en-US" sz="850" strike="noStrike" u="none">
               <a:solidFill>
@@ -32594,7 +32593,7 @@
                 <a:uFillTx/>
                 <a:latin typeface="Times New Roman"/>
               </a:rPr>
-              <a:t>&lt;date/time&gt;</a:t>
+              <a:t> </a:t>
             </a:r>
             <a:endParaRPr b="0" lang="en-US" sz="1400" strike="noStrike" u="none">
               <a:solidFill>
@@ -35381,7 +35380,7 @@
                 <a:tab algn="l" pos="0"/>
               </a:tabLst>
             </a:pPr>
-            <a:fld id="{68A6F7E9-95C3-4599-9DED-C2210C0579D2}" type="slidenum">
+            <a:fld id="{262E2399-B299-4E95-ADBF-CCFC6675FCF1}" type="slidenum">
               <a:rPr b="1" lang="en-GB" sz="850" strike="noStrike" u="none">
                 <a:solidFill>
                   <a:schemeClr val="accent1"/>
@@ -35693,7 +35692,7 @@
                 <a:tab algn="l" pos="0"/>
               </a:tabLst>
             </a:pPr>
-            <a:fld id="{5B5E014F-B2A7-4C04-914C-900AD0561401}" type="slidenum">
+            <a:fld id="{0DEDF00D-9B03-429F-B174-C2A34EAF4885}" type="slidenum">
               <a:rPr b="1" lang="en-GB" sz="850" strike="noStrike" u="none">
                 <a:solidFill>
                   <a:schemeClr val="accent1"/>
@@ -36005,7 +36004,7 @@
                 <a:tab algn="l" pos="0"/>
               </a:tabLst>
             </a:pPr>
-            <a:fld id="{3BD9D962-C7AB-485C-B36C-2BF921E276A0}" type="slidenum">
+            <a:fld id="{F0F6D3F2-C9E7-4C4D-9461-91586F6B968A}" type="slidenum">
               <a:rPr b="1" lang="en-GB" sz="850" strike="noStrike" u="none">
                 <a:solidFill>
                   <a:schemeClr val="accent1"/>
@@ -36895,7 +36894,7 @@
         </p:blipFill>
         <p:spPr>
           <a:xfrm>
-            <a:off x="7743240" y="4114800"/>
+            <a:off x="7671240" y="4114800"/>
             <a:ext cx="3000960" cy="1388520"/>
           </a:xfrm>
           <a:prstGeom prst="rect">
@@ -36932,9 +36931,33 @@
           <a:chExt cx="0" cy="0"/>
         </a:xfrm>
       </p:grpSpPr>
+      <p:pic>
+        <p:nvPicPr>
+          <p:cNvPr id="375" name="" descr=""/>
+          <p:cNvPicPr/>
+          <p:nvPr/>
+        </p:nvPicPr>
+        <p:blipFill>
+          <a:blip r:embed="rId1"/>
+          <a:stretch/>
+        </p:blipFill>
+        <p:spPr>
+          <a:xfrm>
+            <a:off x="8229600" y="4001400"/>
+            <a:ext cx="2057400" cy="1037880"/>
+          </a:xfrm>
+          <a:prstGeom prst="rect">
+            <a:avLst/>
+          </a:prstGeom>
+          <a:noFill/>
+          <a:ln w="0">
+            <a:noFill/>
+          </a:ln>
+        </p:spPr>
+      </p:pic>
       <p:sp>
         <p:nvSpPr>
-          <p:cNvPr id="375" name="Title 5"/>
+          <p:cNvPr id="376" name="Title 5"/>
           <p:cNvSpPr/>
           <p:nvPr/>
         </p:nvSpPr>
@@ -36991,7 +37014,7 @@
       </p:sp>
       <p:sp>
         <p:nvSpPr>
-          <p:cNvPr id="376" name="Text Placeholder 12"/>
+          <p:cNvPr id="377" name="Text Placeholder 12"/>
           <p:cNvSpPr/>
           <p:nvPr/>
         </p:nvSpPr>
@@ -37057,7 +37080,7 @@
       </p:sp>
       <p:sp>
         <p:nvSpPr>
-          <p:cNvPr id="377" name="Text Placeholder 28"/>
+          <p:cNvPr id="378" name="Text Placeholder 28"/>
           <p:cNvSpPr/>
           <p:nvPr/>
         </p:nvSpPr>
@@ -37144,11 +37167,65 @@
               <a:latin typeface="Arial"/>
             </a:endParaRPr>
           </a:p>
+          <a:p>
+            <a:pPr defTabSz="685800">
+              <a:lnSpc>
+                <a:spcPct val="105000"/>
+              </a:lnSpc>
+              <a:tabLst>
+                <a:tab algn="l" pos="0"/>
+              </a:tabLst>
+            </a:pPr>
+            <a:r>
+              <a:rPr b="0" lang="en-US" sz="1200" strike="noStrike" u="none">
+                <a:solidFill>
+                  <a:schemeClr val="accent1"/>
+                </a:solidFill>
+                <a:effectLst/>
+                <a:uFillTx/>
+                <a:latin typeface="Imperial Sans Text Medium"/>
+                <a:ea typeface="Inter Medium"/>
+              </a:rPr>
+              <a:t> - Boundary conditions for u = cos(x</a:t>
+            </a:r>
+            <a:r>
+              <a:rPr b="0" lang="en-US" sz="1200" strike="noStrike" u="none" baseline="33000">
+                <a:solidFill>
+                  <a:schemeClr val="accent1"/>
+                </a:solidFill>
+                <a:effectLst/>
+                <a:uFillTx/>
+                <a:latin typeface="Imperial Sans Text Medium"/>
+                <a:ea typeface="Inter Medium"/>
+              </a:rPr>
+              <a:t>2</a:t>
+            </a:r>
+            <a:r>
+              <a:rPr b="0" lang="en-US" sz="1200" strike="noStrike" u="none">
+                <a:solidFill>
+                  <a:schemeClr val="accent1"/>
+                </a:solidFill>
+                <a:effectLst/>
+                <a:uFillTx/>
+                <a:latin typeface="Imperial Sans Text Medium"/>
+                <a:ea typeface="Inter Medium"/>
+              </a:rPr>
+              <a:t>)</a:t>
+            </a:r>
+            <a:endParaRPr b="0" lang="en-US" sz="1200" strike="noStrike" u="none">
+              <a:solidFill>
+                <a:srgbClr val="000000"/>
+              </a:solidFill>
+              <a:effectLst/>
+              <a:uFillTx/>
+              <a:latin typeface="Arial"/>
+            </a:endParaRPr>
+          </a:p>
         </p:txBody>
       </p:sp>
       <p:sp>
         <p:nvSpPr>
-          <p:cNvPr id="378" name="Text Placeholder 3"/>
+          <p:cNvPr id="379" name="Text Placeholder 3"/>
           <p:cNvSpPr/>
           <p:nvPr/>
         </p:nvSpPr>
@@ -37214,7 +37291,7 @@
       </p:sp>
       <p:sp>
         <p:nvSpPr>
-          <p:cNvPr id="379" name="Text Placeholder 4"/>
+          <p:cNvPr id="380" name="Text Placeholder 4"/>
           <p:cNvSpPr/>
           <p:nvPr/>
         </p:nvSpPr>
@@ -37383,7 +37460,7 @@
       </p:sp>
       <p:sp>
         <p:nvSpPr>
-          <p:cNvPr id="380" name="PlaceHolder 4"/>
+          <p:cNvPr id="381" name="PlaceHolder 4"/>
           <p:cNvSpPr/>
           <p:nvPr/>
         </p:nvSpPr>
@@ -37472,6 +37549,102 @@
           </a:p>
         </p:txBody>
       </p:sp>
+      <p:pic>
+        <p:nvPicPr>
+          <p:cNvPr id="382" name="" descr=""/>
+          <p:cNvPicPr/>
+          <p:nvPr/>
+        </p:nvPicPr>
+        <p:blipFill>
+          <a:blip r:embed="rId2"/>
+          <a:stretch/>
+        </p:blipFill>
+        <p:spPr>
+          <a:xfrm>
+            <a:off x="4343400" y="3886200"/>
+            <a:ext cx="2104200" cy="1281240"/>
+          </a:xfrm>
+          <a:prstGeom prst="rect">
+            <a:avLst/>
+          </a:prstGeom>
+          <a:noFill/>
+          <a:ln w="0">
+            <a:noFill/>
+          </a:ln>
+        </p:spPr>
+      </p:pic>
+      <p:pic>
+        <p:nvPicPr>
+          <p:cNvPr id="383" name="" descr=""/>
+          <p:cNvPicPr/>
+          <p:nvPr/>
+        </p:nvPicPr>
+        <p:blipFill>
+          <a:blip r:embed="rId3"/>
+          <a:stretch/>
+        </p:blipFill>
+        <p:spPr>
+          <a:xfrm>
+            <a:off x="4472640" y="2286000"/>
+            <a:ext cx="1718280" cy="1143000"/>
+          </a:xfrm>
+          <a:prstGeom prst="rect">
+            <a:avLst/>
+          </a:prstGeom>
+          <a:noFill/>
+          <a:ln w="0">
+            <a:noFill/>
+          </a:ln>
+        </p:spPr>
+      </p:pic>
+      <p:pic>
+        <p:nvPicPr>
+          <p:cNvPr id="384" name="" descr=""/>
+          <p:cNvPicPr/>
+          <p:nvPr/>
+        </p:nvPicPr>
+        <p:blipFill>
+          <a:blip r:embed="rId4"/>
+          <a:stretch/>
+        </p:blipFill>
+        <p:spPr>
+          <a:xfrm>
+            <a:off x="7086600" y="4114800"/>
+            <a:ext cx="1334160" cy="891360"/>
+          </a:xfrm>
+          <a:prstGeom prst="rect">
+            <a:avLst/>
+          </a:prstGeom>
+          <a:noFill/>
+          <a:ln w="0">
+            <a:noFill/>
+          </a:ln>
+        </p:spPr>
+      </p:pic>
+      <p:pic>
+        <p:nvPicPr>
+          <p:cNvPr id="385" name="" descr=""/>
+          <p:cNvPicPr/>
+          <p:nvPr/>
+        </p:nvPicPr>
+        <p:blipFill>
+          <a:blip r:embed="rId5"/>
+          <a:stretch/>
+        </p:blipFill>
+        <p:spPr>
+          <a:xfrm>
+            <a:off x="7772400" y="2286000"/>
+            <a:ext cx="1828800" cy="1196640"/>
+          </a:xfrm>
+          <a:prstGeom prst="rect">
+            <a:avLst/>
+          </a:prstGeom>
+          <a:noFill/>
+          <a:ln w="0">
+            <a:noFill/>
+          </a:ln>
+        </p:spPr>
+      </p:pic>
     </p:spTree>
   </p:cSld>
   <p:transition>
@@ -37499,7 +37672,7 @@
       </p:grpSpPr>
       <p:sp>
         <p:nvSpPr>
-          <p:cNvPr id="381" name="Title 3"/>
+          <p:cNvPr id="386" name="Title 3"/>
           <p:cNvSpPr/>
           <p:nvPr/>
         </p:nvSpPr>
@@ -37556,7 +37729,7 @@
       </p:sp>
       <p:sp>
         <p:nvSpPr>
-          <p:cNvPr id="382" name="Text Placeholder 15"/>
+          <p:cNvPr id="387" name="Text Placeholder 15"/>
           <p:cNvSpPr/>
           <p:nvPr/>
         </p:nvSpPr>
@@ -37622,7 +37795,7 @@
       </p:sp>
       <p:sp>
         <p:nvSpPr>
-          <p:cNvPr id="383" name="Text Placeholder 16"/>
+          <p:cNvPr id="388" name="Text Placeholder 16"/>
           <p:cNvSpPr/>
           <p:nvPr/>
         </p:nvSpPr>
@@ -37688,7 +37861,7 @@
       </p:sp>
       <p:sp>
         <p:nvSpPr>
-          <p:cNvPr id="384" name="Text Placeholder 19"/>
+          <p:cNvPr id="389" name="Text Placeholder 19"/>
           <p:cNvSpPr/>
           <p:nvPr/>
         </p:nvSpPr>
@@ -37779,7 +37952,7 @@
       </p:sp>
       <p:sp>
         <p:nvSpPr>
-          <p:cNvPr id="385" name="Text Placeholder 8"/>
+          <p:cNvPr id="390" name="Text Placeholder 8"/>
           <p:cNvSpPr/>
           <p:nvPr/>
         </p:nvSpPr>
@@ -37885,7 +38058,7 @@
                 <a:latin typeface="Imperial Sans Text Medium"/>
                 <a:ea typeface="Inter Medium"/>
               </a:rPr>
-              <a:t> - Fundamental properties</a:t>
+              <a:t> - Constraints and boundary conditions</a:t>
             </a:r>
             <a:endParaRPr b="0" lang="en-US" sz="1200" strike="noStrike" u="none">
               <a:solidFill>
@@ -37930,7 +38103,7 @@
       </p:sp>
       <p:sp>
         <p:nvSpPr>
-          <p:cNvPr id="386" name="Text Placeholder 9"/>
+          <p:cNvPr id="391" name="Text Placeholder 9"/>
           <p:cNvSpPr/>
           <p:nvPr/>
         </p:nvSpPr>
@@ -37996,7 +38169,7 @@
       </p:sp>
       <p:sp>
         <p:nvSpPr>
-          <p:cNvPr id="387" name="Text Placeholder 10"/>
+          <p:cNvPr id="392" name="Text Placeholder 10"/>
           <p:cNvSpPr/>
           <p:nvPr/>
         </p:nvSpPr>
@@ -38111,7 +38284,7 @@
       </p:sp>
       <p:sp>
         <p:nvSpPr>
-          <p:cNvPr id="388" name="PlaceHolder 5"/>
+          <p:cNvPr id="393" name="PlaceHolder 5"/>
           <p:cNvSpPr/>
           <p:nvPr/>
         </p:nvSpPr>
@@ -38200,6 +38373,54 @@
           </a:p>
         </p:txBody>
       </p:sp>
+      <p:pic>
+        <p:nvPicPr>
+          <p:cNvPr id="394" name="" descr=""/>
+          <p:cNvPicPr/>
+          <p:nvPr/>
+        </p:nvPicPr>
+        <p:blipFill>
+          <a:blip r:embed="rId1"/>
+          <a:stretch/>
+        </p:blipFill>
+        <p:spPr>
+          <a:xfrm>
+            <a:off x="5715000" y="5277600"/>
+            <a:ext cx="1828800" cy="1123200"/>
+          </a:xfrm>
+          <a:prstGeom prst="rect">
+            <a:avLst/>
+          </a:prstGeom>
+          <a:noFill/>
+          <a:ln w="0">
+            <a:noFill/>
+          </a:ln>
+        </p:spPr>
+      </p:pic>
+      <p:pic>
+        <p:nvPicPr>
+          <p:cNvPr id="395" name="" descr=""/>
+          <p:cNvPicPr/>
+          <p:nvPr/>
+        </p:nvPicPr>
+        <p:blipFill>
+          <a:blip r:embed="rId2"/>
+          <a:stretch/>
+        </p:blipFill>
+        <p:spPr>
+          <a:xfrm>
+            <a:off x="5715000" y="1828800"/>
+            <a:ext cx="1828800" cy="1828800"/>
+          </a:xfrm>
+          <a:prstGeom prst="rect">
+            <a:avLst/>
+          </a:prstGeom>
+          <a:noFill/>
+          <a:ln w="0">
+            <a:noFill/>
+          </a:ln>
+        </p:spPr>
+      </p:pic>
     </p:spTree>
   </p:cSld>
   <p:transition>
@@ -38227,7 +38448,7 @@
       </p:grpSpPr>
       <p:sp>
         <p:nvSpPr>
-          <p:cNvPr id="389" name="Title 4"/>
+          <p:cNvPr id="396" name="Title 4"/>
           <p:cNvSpPr/>
           <p:nvPr/>
         </p:nvSpPr>
@@ -38284,7 +38505,7 @@
       </p:sp>
       <p:sp>
         <p:nvSpPr>
-          <p:cNvPr id="390" name="Text Placeholder 11"/>
+          <p:cNvPr id="397" name="Text Placeholder 11"/>
           <p:cNvSpPr/>
           <p:nvPr/>
         </p:nvSpPr>
@@ -38350,7 +38571,7 @@
       </p:sp>
       <p:sp>
         <p:nvSpPr>
-          <p:cNvPr id="391" name="Text Placeholder 14"/>
+          <p:cNvPr id="398" name="Text Placeholder 14"/>
           <p:cNvSpPr/>
           <p:nvPr/>
         </p:nvSpPr>
@@ -38396,37 +38617,7 @@
                 <a:latin typeface="Imperial Sans Text Medium"/>
                 <a:ea typeface="Inter Medium"/>
               </a:rPr>
-              <a:t> - Fundamental solutions</a:t>
-            </a:r>
-            <a:endParaRPr b="0" lang="en-US" sz="1200" strike="noStrike" u="none">
-              <a:solidFill>
-                <a:srgbClr val="000000"/>
-              </a:solidFill>
-              <a:effectLst/>
-              <a:uFillTx/>
-              <a:latin typeface="Arial"/>
-            </a:endParaRPr>
-          </a:p>
-          <a:p>
-            <a:pPr defTabSz="685800">
-              <a:lnSpc>
-                <a:spcPct val="105000"/>
-              </a:lnSpc>
-              <a:tabLst>
-                <a:tab algn="l" pos="0"/>
-              </a:tabLst>
-            </a:pPr>
-            <a:r>
-              <a:rPr b="0" lang="en-US" sz="1200" strike="noStrike" u="none">
-                <a:solidFill>
-                  <a:schemeClr val="accent1"/>
-                </a:solidFill>
-                <a:effectLst/>
-                <a:uFillTx/>
-                <a:latin typeface="Imperial Sans Text Medium"/>
-                <a:ea typeface="Inter Medium"/>
-              </a:rPr>
-              <a:t> - Solution to a specific right hand side</a:t>
+              <a:t> - This should actually be the whole derivation of the equation yeah</a:t>
             </a:r>
             <a:endParaRPr b="0" lang="en-US" sz="1200" strike="noStrike" u="none">
               <a:solidFill>
@@ -38441,7 +38632,7 @@
       </p:sp>
       <p:sp>
         <p:nvSpPr>
-          <p:cNvPr id="392" name="PlaceHolder 6"/>
+          <p:cNvPr id="399" name="PlaceHolder 6"/>
           <p:cNvSpPr/>
           <p:nvPr/>
         </p:nvSpPr>
@@ -38530,41 +38721,20 @@
           </a:p>
         </p:txBody>
       </p:sp>
-    </p:spTree>
-  </p:cSld>
-  <p:transition>
-    <p:fade/>
-  </p:transition>
-</p:sld>
-</file>
-
-<file path=ppt/slides/slide6.xml><?xml version="1.0" encoding="utf-8"?>
-<p:sld xmlns:a="http://schemas.openxmlformats.org/drawingml/2006/main" xmlns:p="http://schemas.openxmlformats.org/presentationml/2006/main" xmlns:r="http://schemas.openxmlformats.org/officeDocument/2006/relationships" xmlns:p14="http://schemas.microsoft.com/office/powerpoint/2010/main" xmlns:p15="http://schemas.microsoft.com/office/powerpoint/2012/main" xmlns:mc="http://schemas.openxmlformats.org/markup-compatibility/2006">
-  <p:cSld>
-    <p:spTree>
-      <p:nvGrpSpPr>
-        <p:cNvPr id="1" name=""/>
-        <p:cNvGrpSpPr/>
-        <p:nvPr/>
-      </p:nvGrpSpPr>
-      <p:grpSpPr>
-        <a:xfrm>
-          <a:off x="0" y="0"/>
-          <a:ext cx="0" cy="0"/>
-          <a:chOff x="0" y="0"/>
-          <a:chExt cx="0" cy="0"/>
-        </a:xfrm>
-      </p:grpSpPr>
-      <p:sp>
-        <p:nvSpPr>
-          <p:cNvPr id="393" name="Title 6"/>
-          <p:cNvSpPr/>
+      <p:pic>
+        <p:nvPicPr>
+          <p:cNvPr id="400" name="" descr=""/>
+          <p:cNvPicPr/>
           <p:nvPr/>
-        </p:nvSpPr>
+        </p:nvPicPr>
+        <p:blipFill>
+          <a:blip r:embed="rId1"/>
+          <a:stretch/>
+        </p:blipFill>
         <p:spPr>
           <a:xfrm>
-            <a:off x="195840" y="1552320"/>
-            <a:ext cx="9568800" cy="539280"/>
+            <a:off x="8571600" y="3121560"/>
+            <a:ext cx="2858400" cy="1897920"/>
           </a:xfrm>
           <a:prstGeom prst="rect">
             <a:avLst/>
@@ -38574,246 +38744,7 @@
             <a:noFill/>
           </a:ln>
         </p:spPr>
-        <p:style>
-          <a:lnRef idx="0"/>
-          <a:fillRef idx="0"/>
-          <a:effectRef idx="0"/>
-          <a:fontRef idx="minor"/>
-        </p:style>
-        <p:txBody>
-          <a:bodyPr lIns="0" rIns="0" tIns="0" bIns="0" anchor="b">
-            <a:noAutofit/>
-          </a:bodyPr>
-          <a:p>
-            <a:pPr defTabSz="685800">
-              <a:lnSpc>
-                <a:spcPct val="90000"/>
-              </a:lnSpc>
-            </a:pPr>
-            <a:r>
-              <a:rPr b="0" lang="en-GB" sz="4000" strike="noStrike" u="none">
-                <a:solidFill>
-                  <a:schemeClr val="accent1"/>
-                </a:solidFill>
-                <a:effectLst/>
-                <a:uFillTx/>
-                <a:latin typeface="Imperial Sans Text Semibold"/>
-              </a:rPr>
-              <a:t>Green’s Functions - Visualisations</a:t>
-            </a:r>
-            <a:endParaRPr b="0" lang="en-US" sz="4000" strike="noStrike" u="none">
-              <a:solidFill>
-                <a:srgbClr val="000000"/>
-              </a:solidFill>
-              <a:effectLst/>
-              <a:uFillTx/>
-              <a:latin typeface="Arial"/>
-            </a:endParaRPr>
-          </a:p>
-        </p:txBody>
-      </p:sp>
-      <p:sp>
-        <p:nvSpPr>
-          <p:cNvPr id="394" name="Text Placeholder 13"/>
-          <p:cNvSpPr/>
-          <p:nvPr/>
-        </p:nvSpPr>
-        <p:spPr>
-          <a:xfrm>
-            <a:off x="180000" y="2340000"/>
-            <a:ext cx="7739280" cy="359280"/>
-          </a:xfrm>
-          <a:prstGeom prst="rect">
-            <a:avLst/>
-          </a:prstGeom>
-          <a:noFill/>
-          <a:ln w="0">
-            <a:noFill/>
-          </a:ln>
-        </p:spPr>
-        <p:style>
-          <a:lnRef idx="0"/>
-          <a:fillRef idx="0"/>
-          <a:effectRef idx="0"/>
-          <a:fontRef idx="minor"/>
-        </p:style>
-        <p:txBody>
-          <a:bodyPr lIns="0" rIns="0" tIns="0" bIns="0" anchor="t">
-            <a:noAutofit/>
-          </a:bodyPr>
-          <a:p>
-            <a:pPr marL="432000" indent="-324000" defTabSz="685800">
-              <a:lnSpc>
-                <a:spcPct val="105000"/>
-              </a:lnSpc>
-              <a:buClr>
-                <a:srgbClr val="0000cd"/>
-              </a:buClr>
-              <a:buFont typeface="Arial"/>
-              <a:buChar char="●"/>
-              <a:tabLst>
-                <a:tab algn="l" pos="0"/>
-              </a:tabLst>
-            </a:pPr>
-            <a:r>
-              <a:rPr b="0" lang="en-US" sz="2000" strike="noStrike" u="none">
-                <a:solidFill>
-                  <a:schemeClr val="accent1"/>
-                </a:solidFill>
-                <a:effectLst/>
-                <a:uFillTx/>
-                <a:latin typeface="Imperial Sans Text Medium"/>
-                <a:ea typeface="Inter Medium"/>
-              </a:rPr>
-              <a:t> Several Images of Green’s Functions will go here</a:t>
-            </a:r>
-            <a:endParaRPr b="0" lang="en-US" sz="2000" strike="noStrike" u="none">
-              <a:solidFill>
-                <a:srgbClr val="000000"/>
-              </a:solidFill>
-              <a:effectLst/>
-              <a:uFillTx/>
-              <a:latin typeface="Arial"/>
-            </a:endParaRPr>
-          </a:p>
-        </p:txBody>
-      </p:sp>
-      <p:sp>
-        <p:nvSpPr>
-          <p:cNvPr id="395" name=""/>
-          <p:cNvSpPr/>
-          <p:nvPr/>
-        </p:nvSpPr>
-        <p:spPr>
-          <a:xfrm>
-            <a:off x="5504400" y="2736720"/>
-            <a:ext cx="1269360" cy="168840"/>
-          </a:xfrm>
-          <a:prstGeom prst="rect">
-            <a:avLst/>
-          </a:prstGeom>
-          <a:blipFill rotWithShape="0">
-            <a:blip r:embed="rId1"/>
-            <a:srcRect/>
-            <a:stretch/>
-          </a:blipFill>
-          <a:ln w="0">
-            <a:noFill/>
-          </a:ln>
-        </p:spPr>
-        <p:style>
-          <a:lnRef idx="0"/>
-          <a:fillRef idx="0"/>
-          <a:effectRef idx="0"/>
-          <a:fontRef idx="minor"/>
-        </p:style>
-        <p:txBody>
-          <a:bodyPr lIns="90000" rIns="90000" tIns="45000" bIns="45000" anchor="t">
-            <a:noAutofit/>
-          </a:bodyPr>
-          <a:p>
-            <a:endParaRPr b="0" lang="en-US" sz="1800" strike="noStrike" u="none">
-              <a:solidFill>
-                <a:srgbClr val="000000"/>
-              </a:solidFill>
-              <a:effectLst/>
-              <a:uFillTx/>
-              <a:latin typeface="Arial"/>
-            </a:endParaRPr>
-          </a:p>
-        </p:txBody>
-      </p:sp>
-      <p:sp>
-        <p:nvSpPr>
-          <p:cNvPr id="396" name="PlaceHolder 7"/>
-          <p:cNvSpPr/>
-          <p:nvPr/>
-        </p:nvSpPr>
-        <p:spPr>
-          <a:xfrm>
-            <a:off x="180720" y="6408360"/>
-            <a:ext cx="1439280" cy="408960"/>
-          </a:xfrm>
-          <a:prstGeom prst="rect">
-            <a:avLst/>
-          </a:prstGeom>
-          <a:noFill/>
-          <a:ln w="0">
-            <a:noFill/>
-          </a:ln>
-        </p:spPr>
-        <p:style>
-          <a:lnRef idx="0"/>
-          <a:fillRef idx="0"/>
-          <a:effectRef idx="0"/>
-          <a:fontRef idx="minor"/>
-        </p:style>
-        <p:txBody>
-          <a:bodyPr lIns="0" rIns="0" tIns="0" bIns="0" anchor="b">
-            <a:noAutofit/>
-          </a:bodyPr>
-          <a:p>
-            <a:pPr defTabSz="685800">
-              <a:lnSpc>
-                <a:spcPct val="105000"/>
-              </a:lnSpc>
-              <a:tabLst>
-                <a:tab algn="l" pos="0"/>
-              </a:tabLst>
-            </a:pPr>
-            <a:r>
-              <a:rPr b="0" lang="en-US" sz="1200" strike="noStrike" u="none">
-                <a:solidFill>
-                  <a:schemeClr val="accent1"/>
-                </a:solidFill>
-                <a:effectLst/>
-                <a:uFillTx/>
-                <a:latin typeface="Imperial Sans Text Medium"/>
-                <a:ea typeface="Inter Medium"/>
-              </a:rPr>
-              <a:t>Charlie Lowman</a:t>
-            </a:r>
-            <a:endParaRPr b="0" lang="en-US" sz="1200" strike="noStrike" u="none">
-              <a:solidFill>
-                <a:srgbClr val="000000"/>
-              </a:solidFill>
-              <a:effectLst/>
-              <a:uFillTx/>
-              <a:latin typeface="Arial"/>
-            </a:endParaRPr>
-          </a:p>
-          <a:p>
-            <a:pPr defTabSz="685800">
-              <a:lnSpc>
-                <a:spcPct val="105000"/>
-              </a:lnSpc>
-              <a:tabLst>
-                <a:tab algn="l" pos="0"/>
-              </a:tabLst>
-            </a:pPr>
-            <a:r>
-              <a:rPr b="0" lang="en-US" sz="1200" strike="noStrike" u="none">
-                <a:solidFill>
-                  <a:schemeClr val="accent1"/>
-                </a:solidFill>
-                <a:effectLst/>
-                <a:uFillTx/>
-                <a:latin typeface="Imperial Sans Text Medium"/>
-                <a:ea typeface="Inter Medium"/>
-              </a:rPr>
-              <a:t>18/06/2025</a:t>
-            </a:r>
-            <a:endParaRPr b="0" lang="en-US" sz="1200" strike="noStrike" u="none">
-              <a:solidFill>
-                <a:srgbClr val="000000"/>
-              </a:solidFill>
-              <a:effectLst/>
-              <a:uFillTx/>
-              <a:latin typeface="Arial"/>
-            </a:endParaRPr>
-          </a:p>
-        </p:txBody>
-      </p:sp>
+      </p:pic>
     </p:spTree>
   </p:cSld>
   <p:transition>

--- a/M2R_presentation.pptx
+++ b/M2R_presentation.pptx
@@ -153,7 +153,7 @@
         <p:txBody>
           <a:bodyPr/>
           <a:p>
-            <a:fld id="{0B9902B3-922A-4B0D-B8EC-13F7632001DF}" type="slidenum">
+            <a:fld id="{E077C45F-2B6D-44D5-ABB5-A9079EF5C91E}" type="slidenum">
               <a:t>&lt;#&gt;</a:t>
             </a:fld>
           </a:p>
@@ -236,7 +236,7 @@
         <p:txBody>
           <a:bodyPr/>
           <a:p>
-            <a:fld id="{BA6E1923-E797-463B-8D12-F65920D8818A}" type="slidenum">
+            <a:fld id="{0321602E-AE66-4CA3-A748-8665109CC0C9}" type="slidenum">
               <a:t>&lt;#&gt;</a:t>
             </a:fld>
           </a:p>
@@ -341,7 +341,7 @@
         <p:txBody>
           <a:bodyPr/>
           <a:p>
-            <a:fld id="{65AD72C2-F796-44FE-8A89-9B79EAE91728}" type="slidenum">
+            <a:fld id="{E5402726-D661-427A-AB34-F4C12DC53F64}" type="slidenum">
               <a:t>&lt;#&gt;</a:t>
             </a:fld>
           </a:p>
@@ -424,7 +424,7 @@
         <p:txBody>
           <a:bodyPr/>
           <a:p>
-            <a:fld id="{E20B8F89-80ED-4FE3-9CCC-ECE4B9B8197B}" type="slidenum">
+            <a:fld id="{0B91179F-3F48-4A83-983C-E7D99D2BF4B0}" type="slidenum">
               <a:t>&lt;#&gt;</a:t>
             </a:fld>
           </a:p>
@@ -507,7 +507,7 @@
         <p:txBody>
           <a:bodyPr/>
           <a:p>
-            <a:fld id="{E0E74851-EE6D-41BB-A939-98A298F93CA7}" type="slidenum">
+            <a:fld id="{AB1A545B-1264-4E87-9790-35C985D8A250}" type="slidenum">
               <a:t>&lt;#&gt;</a:t>
             </a:fld>
           </a:p>
@@ -590,7 +590,7 @@
         <p:txBody>
           <a:bodyPr/>
           <a:p>
-            <a:fld id="{39F5352B-F036-4417-A34F-DBED4B98A5E4}" type="slidenum">
+            <a:fld id="{E637CFA2-44FA-4706-91BC-AE7A27C69D07}" type="slidenum">
               <a:t>&lt;#&gt;</a:t>
             </a:fld>
           </a:p>
@@ -673,7 +673,7 @@
         <p:txBody>
           <a:bodyPr/>
           <a:p>
-            <a:fld id="{E6E79D0F-26BA-408D-BB36-19D42B02AF71}" type="slidenum">
+            <a:fld id="{0AB64AF1-6B11-4FEB-988C-51EFCAAAA738}" type="slidenum">
               <a:t>&lt;#&gt;</a:t>
             </a:fld>
           </a:p>
@@ -756,7 +756,7 @@
         <p:txBody>
           <a:bodyPr/>
           <a:p>
-            <a:fld id="{E0D930EF-F534-47E0-83F2-05ACF91F2EC4}" type="slidenum">
+            <a:fld id="{8EAF4474-0825-4F98-89B7-966A415AD90C}" type="slidenum">
               <a:t>&lt;#&gt;</a:t>
             </a:fld>
           </a:p>
@@ -839,7 +839,7 @@
         <p:txBody>
           <a:bodyPr/>
           <a:p>
-            <a:fld id="{4FFE6336-4E9F-4D88-959E-C1E50F6267D3}" type="slidenum">
+            <a:fld id="{E9C68FF7-AF48-4178-8370-8BA784BE1C57}" type="slidenum">
               <a:t>&lt;#&gt;</a:t>
             </a:fld>
           </a:p>
@@ -922,7 +922,7 @@
         <p:txBody>
           <a:bodyPr/>
           <a:p>
-            <a:fld id="{A305DABE-A4D3-419E-8616-59458FBDFE71}" type="slidenum">
+            <a:fld id="{2929D46F-4991-4AEE-A782-E3680555CE0C}" type="slidenum">
               <a:t>&lt;#&gt;</a:t>
             </a:fld>
           </a:p>
@@ -1005,7 +1005,7 @@
         <p:txBody>
           <a:bodyPr/>
           <a:p>
-            <a:fld id="{DD341A4C-582C-427B-BA0C-C13B262906F3}" type="slidenum">
+            <a:fld id="{0C5B607E-4E90-409B-83B3-10E62F3D8C3C}" type="slidenum">
               <a:t>&lt;#&gt;</a:t>
             </a:fld>
           </a:p>
@@ -1088,7 +1088,7 @@
         <p:txBody>
           <a:bodyPr/>
           <a:p>
-            <a:fld id="{5021E1C2-62E4-418A-A86F-6542ECBFC16F}" type="slidenum">
+            <a:fld id="{73209397-5F25-4D95-A233-3208508206BC}" type="slidenum">
               <a:t>&lt;#&gt;</a:t>
             </a:fld>
           </a:p>
@@ -1171,7 +1171,7 @@
         <p:txBody>
           <a:bodyPr/>
           <a:p>
-            <a:fld id="{8AE3B09E-F016-4212-9E16-B54AB02C0A28}" type="slidenum">
+            <a:fld id="{DC566042-BB2B-40EF-9C24-A674D251BE1A}" type="slidenum">
               <a:t>&lt;#&gt;</a:t>
             </a:fld>
           </a:p>
@@ -1276,7 +1276,7 @@
         <p:txBody>
           <a:bodyPr/>
           <a:p>
-            <a:fld id="{8D5C9370-A784-4505-81A3-5AD624B763BB}" type="slidenum">
+            <a:fld id="{67E2D5AE-E3C8-4353-AA40-15B0263C5AC7}" type="slidenum">
               <a:t>&lt;#&gt;</a:t>
             </a:fld>
           </a:p>
@@ -1359,7 +1359,7 @@
         <p:txBody>
           <a:bodyPr/>
           <a:p>
-            <a:fld id="{CD61BC37-FC01-4F8F-B75E-9B7E1CAA4C58}" type="slidenum">
+            <a:fld id="{08AF3FE9-AFB3-40FD-B46D-8795C2B8D68C}" type="slidenum">
               <a:t>&lt;#&gt;</a:t>
             </a:fld>
           </a:p>
@@ -1442,7 +1442,7 @@
         <p:txBody>
           <a:bodyPr/>
           <a:p>
-            <a:fld id="{5F683332-2476-4CA6-9AA9-64A2DBBA7FFF}" type="slidenum">
+            <a:fld id="{F4E4242E-BE46-4E6F-8807-C0B5AF9D9779}" type="slidenum">
               <a:t>&lt;#&gt;</a:t>
             </a:fld>
           </a:p>
@@ -1525,7 +1525,7 @@
         <p:txBody>
           <a:bodyPr/>
           <a:p>
-            <a:fld id="{B446651B-F93D-46C1-9ED1-21262B948F46}" type="slidenum">
+            <a:fld id="{CB443D6B-8209-4B59-8628-BCF262CE7F82}" type="slidenum">
               <a:t>&lt;#&gt;</a:t>
             </a:fld>
           </a:p>
@@ -1608,7 +1608,7 @@
         <p:txBody>
           <a:bodyPr/>
           <a:p>
-            <a:fld id="{0FE1F354-A5DC-4D0B-8192-4814D521CA59}" type="slidenum">
+            <a:fld id="{D8D1C6B3-C36C-49EC-9F73-BAF855EE3AA7}" type="slidenum">
               <a:t>&lt;#&gt;</a:t>
             </a:fld>
           </a:p>
@@ -1691,7 +1691,7 @@
         <p:txBody>
           <a:bodyPr/>
           <a:p>
-            <a:fld id="{0C92061C-9716-4104-BB14-511F70F2A6D9}" type="slidenum">
+            <a:fld id="{B9212B27-F715-4504-ABAA-F81773647D1D}" type="slidenum">
               <a:t>&lt;#&gt;</a:t>
             </a:fld>
           </a:p>
@@ -1774,7 +1774,7 @@
         <p:txBody>
           <a:bodyPr/>
           <a:p>
-            <a:fld id="{4633FF03-D653-4715-A4C9-4C5546C00A72}" type="slidenum">
+            <a:fld id="{377E493A-40BB-4480-9A93-09163025EE8E}" type="slidenum">
               <a:t>&lt;#&gt;</a:t>
             </a:fld>
           </a:p>
@@ -1857,7 +1857,7 @@
         <p:txBody>
           <a:bodyPr/>
           <a:p>
-            <a:fld id="{5B939AB9-EC60-467A-B6D8-F76F23A1A2F5}" type="slidenum">
+            <a:fld id="{4A3D00A2-3A17-4468-8B9E-F9C7669903B9}" type="slidenum">
               <a:t>&lt;#&gt;</a:t>
             </a:fld>
           </a:p>
@@ -1940,7 +1940,7 @@
         <p:txBody>
           <a:bodyPr/>
           <a:p>
-            <a:fld id="{B6084901-5E47-429A-87BD-A26E67FFD80E}" type="slidenum">
+            <a:fld id="{20ECF6EF-237D-45D8-A5E7-B8E3249CC349}" type="slidenum">
               <a:t>&lt;#&gt;</a:t>
             </a:fld>
           </a:p>
@@ -2023,7 +2023,7 @@
         <p:txBody>
           <a:bodyPr/>
           <a:p>
-            <a:fld id="{0509ABC5-F520-467F-AA3C-0296081A413C}" type="slidenum">
+            <a:fld id="{6DA03C13-90DA-40A1-93A1-E164CEDC58B1}" type="slidenum">
               <a:t>&lt;#&gt;</a:t>
             </a:fld>
           </a:p>
@@ -2106,7 +2106,7 @@
         <p:txBody>
           <a:bodyPr/>
           <a:p>
-            <a:fld id="{15289FCA-539C-42BE-838D-F994A022D9F2}" type="slidenum">
+            <a:fld id="{ECAE4CEE-3235-49CC-BE73-4AADA84CB6BD}" type="slidenum">
               <a:t>&lt;#&gt;</a:t>
             </a:fld>
           </a:p>
@@ -2211,7 +2211,7 @@
         <p:txBody>
           <a:bodyPr/>
           <a:p>
-            <a:fld id="{F9BFA60E-87F1-49F6-B950-A4D7ACD1C6E2}" type="slidenum">
+            <a:fld id="{6F97DF3F-A84A-48FD-BFD6-820735038DCA}" type="slidenum">
               <a:t>&lt;#&gt;</a:t>
             </a:fld>
           </a:p>
@@ -2294,7 +2294,7 @@
         <p:txBody>
           <a:bodyPr/>
           <a:p>
-            <a:fld id="{20AA4957-0E96-4D59-A931-CF94F1C3B21C}" type="slidenum">
+            <a:fld id="{86E225AA-D4C4-42C9-A11B-A905E0DCF8E7}" type="slidenum">
               <a:t>&lt;#&gt;</a:t>
             </a:fld>
           </a:p>
@@ -2377,7 +2377,7 @@
         <p:txBody>
           <a:bodyPr/>
           <a:p>
-            <a:fld id="{0CAA9E3E-89A5-45CB-BC30-FBE0B5F6F48E}" type="slidenum">
+            <a:fld id="{683DB3B6-D276-4CF1-973D-71686CF0EA68}" type="slidenum">
               <a:t>&lt;#&gt;</a:t>
             </a:fld>
           </a:p>
@@ -2460,7 +2460,7 @@
         <p:txBody>
           <a:bodyPr/>
           <a:p>
-            <a:fld id="{A20F5774-C3E2-4923-BC0A-D881DEBB5EC7}" type="slidenum">
+            <a:fld id="{C093023E-FE40-49D7-A40C-D760F26F1475}" type="slidenum">
               <a:t>&lt;#&gt;</a:t>
             </a:fld>
           </a:p>
@@ -2543,7 +2543,7 @@
         <p:txBody>
           <a:bodyPr/>
           <a:p>
-            <a:fld id="{862AE270-2CF9-4340-8508-9C4B10422D9E}" type="slidenum">
+            <a:fld id="{8FC50FFA-F071-4B27-A4FF-DE33C972533B}" type="slidenum">
               <a:t>&lt;#&gt;</a:t>
             </a:fld>
           </a:p>
@@ -2626,7 +2626,7 @@
         <p:txBody>
           <a:bodyPr/>
           <a:p>
-            <a:fld id="{CE8EFC88-2FF7-410F-A7F6-3A566A32D51F}" type="slidenum">
+            <a:fld id="{C6A68477-0AED-452B-B9E0-9BE59E42C3A7}" type="slidenum">
               <a:t>&lt;#&gt;</a:t>
             </a:fld>
           </a:p>
@@ -2709,7 +2709,7 @@
         <p:txBody>
           <a:bodyPr/>
           <a:p>
-            <a:fld id="{02BEB15B-28FD-4684-A30D-B29902C516CB}" type="slidenum">
+            <a:fld id="{7AF299FB-B4EE-4965-AEAA-37B5BF49C886}" type="slidenum">
               <a:t>&lt;#&gt;</a:t>
             </a:fld>
           </a:p>
@@ -2792,7 +2792,7 @@
         <p:txBody>
           <a:bodyPr/>
           <a:p>
-            <a:fld id="{0599242A-EC02-401B-AA69-8633D65586DD}" type="slidenum">
+            <a:fld id="{F478FF2C-173A-4111-9679-EF2EB670A6C1}" type="slidenum">
               <a:t>&lt;#&gt;</a:t>
             </a:fld>
           </a:p>
@@ -2875,7 +2875,7 @@
         <p:txBody>
           <a:bodyPr/>
           <a:p>
-            <a:fld id="{8FEF0409-164D-4BF2-A300-164008E98AEF}" type="slidenum">
+            <a:fld id="{432A2C65-6C46-4558-B742-7C9F2354E01A}" type="slidenum">
               <a:t>&lt;#&gt;</a:t>
             </a:fld>
           </a:p>
@@ -3112,7 +3112,7 @@
         <p:txBody>
           <a:bodyPr/>
           <a:p>
-            <a:fld id="{4CC5DD81-317E-4830-AB80-DF86CA216B49}" type="slidenum">
+            <a:fld id="{04F42330-F43E-4E07-9E4A-0D55D811BEC4}" type="slidenum">
               <a:t>&lt;#&gt;</a:t>
             </a:fld>
           </a:p>
@@ -3283,7 +3283,7 @@
         <p:txBody>
           <a:bodyPr/>
           <a:p>
-            <a:fld id="{A28E3BF5-283C-4BFA-B82B-FBA0F68539B5}" type="slidenum">
+            <a:fld id="{D96A62DC-81A9-486C-942B-6D0C7826168F}" type="slidenum">
               <a:t>&lt;#&gt;</a:t>
             </a:fld>
           </a:p>
@@ -3366,7 +3366,7 @@
         <p:txBody>
           <a:bodyPr/>
           <a:p>
-            <a:fld id="{03451564-0954-44D6-B4B0-2E116DED89D5}" type="slidenum">
+            <a:fld id="{08853CF1-E088-4443-BB99-73F2DF176C68}" type="slidenum">
               <a:t>&lt;#&gt;</a:t>
             </a:fld>
           </a:p>
@@ -3449,7 +3449,7 @@
         <p:txBody>
           <a:bodyPr/>
           <a:p>
-            <a:fld id="{9DFE530A-BCF4-46F2-86AB-EF75FB1F75A5}" type="slidenum">
+            <a:fld id="{7255F117-15D1-49DF-9C7C-5C57A621CE7E}" type="slidenum">
               <a:t>&lt;#&gt;</a:t>
             </a:fld>
           </a:p>
@@ -3532,7 +3532,7 @@
         <p:txBody>
           <a:bodyPr/>
           <a:p>
-            <a:fld id="{064DE56E-4172-4FC8-A866-A8895CB9B3F2}" type="slidenum">
+            <a:fld id="{567E508F-3727-4D0F-B696-83DDFC520E9A}" type="slidenum">
               <a:t>&lt;#&gt;</a:t>
             </a:fld>
           </a:p>
@@ -3615,7 +3615,7 @@
         <p:txBody>
           <a:bodyPr/>
           <a:p>
-            <a:fld id="{CA854863-CFF8-4326-843C-1321ED83EF0D}" type="slidenum">
+            <a:fld id="{737B64C3-00B1-4FAB-8ECC-E7F364612CAD}" type="slidenum">
               <a:t>&lt;#&gt;</a:t>
             </a:fld>
           </a:p>
@@ -3698,7 +3698,7 @@
         <p:txBody>
           <a:bodyPr/>
           <a:p>
-            <a:fld id="{8BF9B7EB-51FD-4AD9-80C8-32806FD00564}" type="slidenum">
+            <a:fld id="{08D431C9-6343-43E4-9887-61649F6BBF49}" type="slidenum">
               <a:t>&lt;#&gt;</a:t>
             </a:fld>
           </a:p>
@@ -3781,7 +3781,7 @@
         <p:txBody>
           <a:bodyPr/>
           <a:p>
-            <a:fld id="{255FE7EA-DF19-457C-B5F3-4F9C4F549200}" type="slidenum">
+            <a:fld id="{416EA2AD-33A8-481F-9DFA-4E8C76E03FA7}" type="slidenum">
               <a:t>&lt;#&gt;</a:t>
             </a:fld>
           </a:p>
@@ -3864,7 +3864,7 @@
         <p:txBody>
           <a:bodyPr/>
           <a:p>
-            <a:fld id="{99A13386-1106-416A-A352-DA31B4F78818}" type="slidenum">
+            <a:fld id="{A7D13971-0519-428A-A807-FE048908ED4D}" type="slidenum">
               <a:t>&lt;#&gt;</a:t>
             </a:fld>
           </a:p>
@@ -3947,7 +3947,7 @@
         <p:txBody>
           <a:bodyPr/>
           <a:p>
-            <a:fld id="{7938A6B8-FDEB-4C08-AB6A-C21E10F0012A}" type="slidenum">
+            <a:fld id="{FE1E3EBD-1DF0-4D83-BC0F-FAF57416D3AC}" type="slidenum">
               <a:t>&lt;#&gt;</a:t>
             </a:fld>
           </a:p>
@@ -4030,7 +4030,7 @@
         <p:txBody>
           <a:bodyPr/>
           <a:p>
-            <a:fld id="{BC5122E6-361C-4EBF-B86E-0DCFF150149A}" type="slidenum">
+            <a:fld id="{D74DD24D-C75A-4421-A613-31AAA0FB0450}" type="slidenum">
               <a:t>&lt;#&gt;</a:t>
             </a:fld>
           </a:p>
@@ -4113,7 +4113,7 @@
         <p:txBody>
           <a:bodyPr/>
           <a:p>
-            <a:fld id="{A6B8C3E2-8CB8-4BEB-A497-3E5B8EFF3995}" type="slidenum">
+            <a:fld id="{E2E983EE-2D8E-4458-AFB5-948B6CA7C6E1}" type="slidenum">
               <a:t>&lt;#&gt;</a:t>
             </a:fld>
           </a:p>
@@ -4240,7 +4240,7 @@
         <p:txBody>
           <a:bodyPr/>
           <a:p>
-            <a:fld id="{F49B84CB-4194-465D-B424-87A937470D5F}" type="slidenum">
+            <a:fld id="{944F9090-1582-405B-85A0-C6CB72BEBE06}" type="slidenum">
               <a:t>&lt;#&gt;</a:t>
             </a:fld>
           </a:p>
@@ -4323,7 +4323,7 @@
         <p:txBody>
           <a:bodyPr/>
           <a:p>
-            <a:fld id="{96FC2739-FA6C-46A9-B5DB-EAF3B8974910}" type="slidenum">
+            <a:fld id="{8EC17DB2-CA7F-47BC-B7DD-F472BA0198C6}" type="slidenum">
               <a:t>&lt;#&gt;</a:t>
             </a:fld>
           </a:p>
@@ -4406,7 +4406,7 @@
         <p:txBody>
           <a:bodyPr/>
           <a:p>
-            <a:fld id="{05A79582-998C-4B96-9AEC-64BD1A10AC40}" type="slidenum">
+            <a:fld id="{5DE091DD-C743-454D-A053-D2FB9D62910D}" type="slidenum">
               <a:t>&lt;#&gt;</a:t>
             </a:fld>
           </a:p>
@@ -4471,7 +4471,7 @@
         <p:spPr>
           <a:xfrm>
             <a:off x="326160" y="6393600"/>
-            <a:ext cx="1416600" cy="136080"/>
+            <a:ext cx="1416240" cy="135720"/>
           </a:xfrm>
           <a:prstGeom prst="rect">
             <a:avLst/>
@@ -4528,9 +4528,9 @@
         <p:grpSpPr>
           <a:xfrm>
             <a:off x="330120" y="327960"/>
-            <a:ext cx="3971880" cy="437040"/>
+            <a:ext cx="3971520" cy="436680"/>
             <a:chOff x="330120" y="327960"/>
-            <a:chExt cx="3971880" cy="437040"/>
+            <a:chExt cx="3971520" cy="436680"/>
           </a:xfrm>
         </p:grpSpPr>
         <p:sp>
@@ -4542,17 +4542,18 @@
           <p:spPr>
             <a:xfrm>
               <a:off x="4018680" y="327960"/>
-              <a:ext cx="283320" cy="437040"/>
+              <a:ext cx="282960" cy="436680"/>
             </a:xfrm>
             <a:custGeom>
               <a:avLst/>
               <a:gdLst>
-                <a:gd name="textAreaLeft" fmla="*/ 0 w 283320"/>
-                <a:gd name="textAreaRight" fmla="*/ 284400 w 283320"/>
-                <a:gd name="textAreaTop" fmla="*/ 0 h 437040"/>
-                <a:gd name="textAreaBottom" fmla="*/ 438120 h 437040"/>
+                <a:gd name="textAreaLeft" fmla="*/ 0 w 282960"/>
+                <a:gd name="textAreaRight" fmla="*/ 284400 w 282960"/>
+                <a:gd name="textAreaTop" fmla="*/ 0 h 436680"/>
+                <a:gd name="textAreaBottom" fmla="*/ 438120 h 436680"/>
               </a:gdLst>
               <a:ahLst/>
+              <a:cxnLst/>
               <a:rect l="textAreaLeft" t="textAreaTop" r="textAreaRight" b="textAreaBottom"/>
               <a:pathLst>
                 <a:path w="1099" h="1694">
@@ -4624,17 +4625,18 @@
           <p:spPr>
             <a:xfrm>
               <a:off x="3434400" y="327960"/>
-              <a:ext cx="396000" cy="437040"/>
+              <a:ext cx="395640" cy="436680"/>
             </a:xfrm>
             <a:custGeom>
               <a:avLst/>
               <a:gdLst>
-                <a:gd name="textAreaLeft" fmla="*/ 0 w 396000"/>
-                <a:gd name="textAreaRight" fmla="*/ 397080 w 396000"/>
-                <a:gd name="textAreaTop" fmla="*/ 0 h 437040"/>
-                <a:gd name="textAreaBottom" fmla="*/ 438120 h 437040"/>
+                <a:gd name="textAreaLeft" fmla="*/ 0 w 395640"/>
+                <a:gd name="textAreaRight" fmla="*/ 397080 w 395640"/>
+                <a:gd name="textAreaTop" fmla="*/ 0 h 436680"/>
+                <a:gd name="textAreaBottom" fmla="*/ 438120 h 436680"/>
               </a:gdLst>
               <a:ahLst/>
+              <a:cxnLst/>
               <a:rect l="textAreaLeft" t="textAreaTop" r="textAreaRight" b="textAreaBottom"/>
               <a:pathLst>
                 <a:path w="1535" h="1694">
@@ -4725,17 +4727,18 @@
           <p:spPr>
             <a:xfrm>
               <a:off x="2981160" y="327960"/>
-              <a:ext cx="286920" cy="437040"/>
+              <a:ext cx="286560" cy="436680"/>
             </a:xfrm>
             <a:custGeom>
               <a:avLst/>
               <a:gdLst>
-                <a:gd name="textAreaLeft" fmla="*/ 0 w 286920"/>
-                <a:gd name="textAreaRight" fmla="*/ 288000 w 286920"/>
-                <a:gd name="textAreaTop" fmla="*/ 0 h 437040"/>
-                <a:gd name="textAreaBottom" fmla="*/ 438120 h 437040"/>
+                <a:gd name="textAreaLeft" fmla="*/ 0 w 286560"/>
+                <a:gd name="textAreaRight" fmla="*/ 288000 w 286560"/>
+                <a:gd name="textAreaTop" fmla="*/ 0 h 436680"/>
+                <a:gd name="textAreaBottom" fmla="*/ 438120 h 436680"/>
               </a:gdLst>
               <a:ahLst/>
+              <a:cxnLst/>
               <a:rect l="textAreaLeft" t="textAreaTop" r="textAreaRight" b="textAreaBottom"/>
               <a:pathLst>
                 <a:path w="1113" h="1694">
@@ -4825,17 +4828,18 @@
           <p:spPr>
             <a:xfrm>
               <a:off x="2467440" y="327960"/>
-              <a:ext cx="339480" cy="437040"/>
+              <a:ext cx="339120" cy="436680"/>
             </a:xfrm>
             <a:custGeom>
               <a:avLst/>
               <a:gdLst>
-                <a:gd name="textAreaLeft" fmla="*/ 0 w 339480"/>
-                <a:gd name="textAreaRight" fmla="*/ 340560 w 339480"/>
-                <a:gd name="textAreaTop" fmla="*/ 0 h 437040"/>
-                <a:gd name="textAreaBottom" fmla="*/ 438120 h 437040"/>
+                <a:gd name="textAreaLeft" fmla="*/ 0 w 339120"/>
+                <a:gd name="textAreaRight" fmla="*/ 340560 w 339120"/>
+                <a:gd name="textAreaTop" fmla="*/ 0 h 436680"/>
+                <a:gd name="textAreaBottom" fmla="*/ 438120 h 436680"/>
               </a:gdLst>
               <a:ahLst/>
+              <a:cxnLst/>
               <a:rect l="textAreaLeft" t="textAreaTop" r="textAreaRight" b="textAreaBottom"/>
               <a:pathLst>
                 <a:path w="932" h="1199">
@@ -4971,17 +4975,18 @@
           <p:spPr>
             <a:xfrm>
               <a:off x="1977480" y="327960"/>
-              <a:ext cx="282960" cy="437040"/>
+              <a:ext cx="282600" cy="436680"/>
             </a:xfrm>
             <a:custGeom>
               <a:avLst/>
               <a:gdLst>
-                <a:gd name="textAreaLeft" fmla="*/ 0 w 282960"/>
-                <a:gd name="textAreaRight" fmla="*/ 284040 w 282960"/>
-                <a:gd name="textAreaTop" fmla="*/ 0 h 437040"/>
-                <a:gd name="textAreaBottom" fmla="*/ 438120 h 437040"/>
+                <a:gd name="textAreaLeft" fmla="*/ 0 w 282600"/>
+                <a:gd name="textAreaRight" fmla="*/ 284040 w 282600"/>
+                <a:gd name="textAreaTop" fmla="*/ 0 h 436680"/>
+                <a:gd name="textAreaBottom" fmla="*/ 438120 h 436680"/>
               </a:gdLst>
               <a:ahLst/>
+              <a:cxnLst/>
               <a:rect l="textAreaLeft" t="textAreaTop" r="textAreaRight" b="textAreaBottom"/>
               <a:pathLst>
                 <a:path w="1098" h="1694">
@@ -5071,17 +5076,18 @@
           <p:spPr>
             <a:xfrm>
               <a:off x="1489320" y="327960"/>
-              <a:ext cx="313200" cy="437040"/>
+              <a:ext cx="312840" cy="436680"/>
             </a:xfrm>
             <a:custGeom>
               <a:avLst/>
               <a:gdLst>
-                <a:gd name="textAreaLeft" fmla="*/ 0 w 313200"/>
-                <a:gd name="textAreaRight" fmla="*/ 314280 w 313200"/>
-                <a:gd name="textAreaTop" fmla="*/ 0 h 437040"/>
-                <a:gd name="textAreaBottom" fmla="*/ 438120 h 437040"/>
+                <a:gd name="textAreaLeft" fmla="*/ 0 w 312840"/>
+                <a:gd name="textAreaRight" fmla="*/ 314280 w 312840"/>
+                <a:gd name="textAreaTop" fmla="*/ 0 h 436680"/>
+                <a:gd name="textAreaBottom" fmla="*/ 438120 h 436680"/>
               </a:gdLst>
               <a:ahLst/>
+              <a:cxnLst/>
               <a:rect l="textAreaLeft" t="textAreaTop" r="textAreaRight" b="textAreaBottom"/>
               <a:pathLst>
                 <a:path w="860" h="1199">
@@ -5197,17 +5203,18 @@
           <p:spPr>
             <a:xfrm>
               <a:off x="833400" y="327960"/>
-              <a:ext cx="443880" cy="437040"/>
+              <a:ext cx="443520" cy="436680"/>
             </a:xfrm>
             <a:custGeom>
               <a:avLst/>
               <a:gdLst>
-                <a:gd name="textAreaLeft" fmla="*/ 0 w 443880"/>
-                <a:gd name="textAreaRight" fmla="*/ 444960 w 443880"/>
-                <a:gd name="textAreaTop" fmla="*/ 0 h 437040"/>
-                <a:gd name="textAreaBottom" fmla="*/ 438120 h 437040"/>
+                <a:gd name="textAreaLeft" fmla="*/ 0 w 443520"/>
+                <a:gd name="textAreaRight" fmla="*/ 444960 w 443520"/>
+                <a:gd name="textAreaTop" fmla="*/ 0 h 436680"/>
+                <a:gd name="textAreaBottom" fmla="*/ 438120 h 436680"/>
               </a:gdLst>
               <a:ahLst/>
+              <a:cxnLst/>
               <a:rect l="textAreaLeft" t="textAreaTop" r="textAreaRight" b="textAreaBottom"/>
               <a:pathLst>
                 <a:path w="1720" h="1694">
@@ -5306,17 +5313,18 @@
           <p:spPr>
             <a:xfrm>
               <a:off x="330120" y="327960"/>
-              <a:ext cx="286920" cy="437040"/>
+              <a:ext cx="286560" cy="436680"/>
             </a:xfrm>
             <a:custGeom>
               <a:avLst/>
               <a:gdLst>
-                <a:gd name="textAreaLeft" fmla="*/ 0 w 286920"/>
-                <a:gd name="textAreaRight" fmla="*/ 288000 w 286920"/>
-                <a:gd name="textAreaTop" fmla="*/ 0 h 437040"/>
-                <a:gd name="textAreaBottom" fmla="*/ 438120 h 437040"/>
+                <a:gd name="textAreaLeft" fmla="*/ 0 w 286560"/>
+                <a:gd name="textAreaRight" fmla="*/ 288000 w 286560"/>
+                <a:gd name="textAreaTop" fmla="*/ 0 h 436680"/>
+                <a:gd name="textAreaBottom" fmla="*/ 438120 h 436680"/>
               </a:gdLst>
               <a:ahLst/>
+              <a:cxnLst/>
               <a:rect l="textAreaLeft" t="textAreaTop" r="textAreaRight" b="textAreaBottom"/>
               <a:pathLst>
                 <a:path w="1113" h="1694">
@@ -5746,7 +5754,7 @@
         <p:spPr>
           <a:xfrm>
             <a:off x="326160" y="6393600"/>
-            <a:ext cx="1416600" cy="136080"/>
+            <a:ext cx="1416240" cy="135720"/>
           </a:xfrm>
           <a:prstGeom prst="rect">
             <a:avLst/>
@@ -5807,7 +5815,7 @@
         <p:spPr>
           <a:xfrm>
             <a:off x="1965240" y="6393600"/>
-            <a:ext cx="3422520" cy="136080"/>
+            <a:ext cx="3422160" cy="135720"/>
           </a:xfrm>
           <a:prstGeom prst="rect">
             <a:avLst/>
@@ -5885,7 +5893,7 @@
         <p:spPr>
           <a:xfrm>
             <a:off x="5936760" y="6393600"/>
-            <a:ext cx="317520" cy="136080"/>
+            <a:ext cx="317160" cy="135720"/>
           </a:xfrm>
           <a:prstGeom prst="rect">
             <a:avLst/>
@@ -5928,7 +5936,7 @@
                 <a:tab algn="l" pos="0"/>
               </a:tabLst>
             </a:pPr>
-            <a:fld id="{6AB3A1E9-112C-4197-9E51-F93522E4EC24}" type="slidenum">
+            <a:fld id="{1DB784D0-72F5-4DD6-9F87-97365470A5B6}" type="slidenum">
               <a:rPr b="1" lang="en-GB" sz="850" strike="noStrike" u="none">
                 <a:solidFill>
                   <a:schemeClr val="accent1"/>
@@ -5963,7 +5971,7 @@
         <p:spPr>
           <a:xfrm>
             <a:off x="10641240" y="6393600"/>
-            <a:ext cx="1232640" cy="136080"/>
+            <a:ext cx="1232280" cy="135720"/>
           </a:xfrm>
           <a:prstGeom prst="rect">
             <a:avLst/>
@@ -6058,7 +6066,7 @@
         <p:spPr>
           <a:xfrm>
             <a:off x="326160" y="6393600"/>
-            <a:ext cx="1416600" cy="136080"/>
+            <a:ext cx="1416240" cy="135720"/>
           </a:xfrm>
           <a:prstGeom prst="rect">
             <a:avLst/>
@@ -6119,7 +6127,7 @@
         <p:spPr>
           <a:xfrm>
             <a:off x="1965240" y="6393600"/>
-            <a:ext cx="3422520" cy="136080"/>
+            <a:ext cx="3422160" cy="135720"/>
           </a:xfrm>
           <a:prstGeom prst="rect">
             <a:avLst/>
@@ -6197,7 +6205,7 @@
         <p:spPr>
           <a:xfrm>
             <a:off x="5936760" y="6393600"/>
-            <a:ext cx="317520" cy="136080"/>
+            <a:ext cx="317160" cy="135720"/>
           </a:xfrm>
           <a:prstGeom prst="rect">
             <a:avLst/>
@@ -6240,7 +6248,7 @@
                 <a:tab algn="l" pos="0"/>
               </a:tabLst>
             </a:pPr>
-            <a:fld id="{2F654CD6-6CEA-4B01-9E10-65CDFD742F1F}" type="slidenum">
+            <a:fld id="{21450196-4456-4820-AEEB-B03D8B6A99D4}" type="slidenum">
               <a:rPr b="1" lang="en-GB" sz="850" strike="noStrike" u="none">
                 <a:solidFill>
                   <a:schemeClr val="accent1"/>
@@ -6275,7 +6283,7 @@
         <p:spPr>
           <a:xfrm>
             <a:off x="10641240" y="6393600"/>
-            <a:ext cx="1232640" cy="136080"/>
+            <a:ext cx="1232280" cy="135720"/>
           </a:xfrm>
           <a:prstGeom prst="rect">
             <a:avLst/>
@@ -6370,7 +6378,7 @@
         <p:spPr>
           <a:xfrm>
             <a:off x="326160" y="6393600"/>
-            <a:ext cx="1416600" cy="136080"/>
+            <a:ext cx="1416240" cy="135720"/>
           </a:xfrm>
           <a:prstGeom prst="rect">
             <a:avLst/>
@@ -6427,9 +6435,9 @@
         <p:grpSpPr>
           <a:xfrm>
             <a:off x="330120" y="327960"/>
-            <a:ext cx="3971880" cy="437040"/>
+            <a:ext cx="3971520" cy="436680"/>
             <a:chOff x="330120" y="327960"/>
-            <a:chExt cx="3971880" cy="437040"/>
+            <a:chExt cx="3971520" cy="436680"/>
           </a:xfrm>
         </p:grpSpPr>
         <p:sp>
@@ -6441,17 +6449,18 @@
           <p:spPr>
             <a:xfrm>
               <a:off x="4018680" y="327960"/>
-              <a:ext cx="283320" cy="437040"/>
+              <a:ext cx="282960" cy="436680"/>
             </a:xfrm>
             <a:custGeom>
               <a:avLst/>
               <a:gdLst>
-                <a:gd name="textAreaLeft" fmla="*/ 0 w 283320"/>
-                <a:gd name="textAreaRight" fmla="*/ 284400 w 283320"/>
-                <a:gd name="textAreaTop" fmla="*/ 0 h 437040"/>
-                <a:gd name="textAreaBottom" fmla="*/ 438120 h 437040"/>
+                <a:gd name="textAreaLeft" fmla="*/ 0 w 282960"/>
+                <a:gd name="textAreaRight" fmla="*/ 284400 w 282960"/>
+                <a:gd name="textAreaTop" fmla="*/ 0 h 436680"/>
+                <a:gd name="textAreaBottom" fmla="*/ 438120 h 436680"/>
               </a:gdLst>
               <a:ahLst/>
+              <a:cxnLst/>
               <a:rect l="textAreaLeft" t="textAreaTop" r="textAreaRight" b="textAreaBottom"/>
               <a:pathLst>
                 <a:path w="1099" h="1694">
@@ -6523,17 +6532,18 @@
           <p:spPr>
             <a:xfrm>
               <a:off x="3434400" y="327960"/>
-              <a:ext cx="396000" cy="437040"/>
+              <a:ext cx="395640" cy="436680"/>
             </a:xfrm>
             <a:custGeom>
               <a:avLst/>
               <a:gdLst>
-                <a:gd name="textAreaLeft" fmla="*/ 0 w 396000"/>
-                <a:gd name="textAreaRight" fmla="*/ 397080 w 396000"/>
-                <a:gd name="textAreaTop" fmla="*/ 0 h 437040"/>
-                <a:gd name="textAreaBottom" fmla="*/ 438120 h 437040"/>
+                <a:gd name="textAreaLeft" fmla="*/ 0 w 395640"/>
+                <a:gd name="textAreaRight" fmla="*/ 397080 w 395640"/>
+                <a:gd name="textAreaTop" fmla="*/ 0 h 436680"/>
+                <a:gd name="textAreaBottom" fmla="*/ 438120 h 436680"/>
               </a:gdLst>
               <a:ahLst/>
+              <a:cxnLst/>
               <a:rect l="textAreaLeft" t="textAreaTop" r="textAreaRight" b="textAreaBottom"/>
               <a:pathLst>
                 <a:path w="1535" h="1694">
@@ -6624,17 +6634,18 @@
           <p:spPr>
             <a:xfrm>
               <a:off x="2981160" y="327960"/>
-              <a:ext cx="286920" cy="437040"/>
+              <a:ext cx="286560" cy="436680"/>
             </a:xfrm>
             <a:custGeom>
               <a:avLst/>
               <a:gdLst>
-                <a:gd name="textAreaLeft" fmla="*/ 0 w 286920"/>
-                <a:gd name="textAreaRight" fmla="*/ 288000 w 286920"/>
-                <a:gd name="textAreaTop" fmla="*/ 0 h 437040"/>
-                <a:gd name="textAreaBottom" fmla="*/ 438120 h 437040"/>
+                <a:gd name="textAreaLeft" fmla="*/ 0 w 286560"/>
+                <a:gd name="textAreaRight" fmla="*/ 288000 w 286560"/>
+                <a:gd name="textAreaTop" fmla="*/ 0 h 436680"/>
+                <a:gd name="textAreaBottom" fmla="*/ 438120 h 436680"/>
               </a:gdLst>
               <a:ahLst/>
+              <a:cxnLst/>
               <a:rect l="textAreaLeft" t="textAreaTop" r="textAreaRight" b="textAreaBottom"/>
               <a:pathLst>
                 <a:path w="1113" h="1694">
@@ -6724,17 +6735,18 @@
           <p:spPr>
             <a:xfrm>
               <a:off x="2467440" y="327960"/>
-              <a:ext cx="339480" cy="437040"/>
+              <a:ext cx="339120" cy="436680"/>
             </a:xfrm>
             <a:custGeom>
               <a:avLst/>
               <a:gdLst>
-                <a:gd name="textAreaLeft" fmla="*/ 0 w 339480"/>
-                <a:gd name="textAreaRight" fmla="*/ 340560 w 339480"/>
-                <a:gd name="textAreaTop" fmla="*/ 0 h 437040"/>
-                <a:gd name="textAreaBottom" fmla="*/ 438120 h 437040"/>
+                <a:gd name="textAreaLeft" fmla="*/ 0 w 339120"/>
+                <a:gd name="textAreaRight" fmla="*/ 340560 w 339120"/>
+                <a:gd name="textAreaTop" fmla="*/ 0 h 436680"/>
+                <a:gd name="textAreaBottom" fmla="*/ 438120 h 436680"/>
               </a:gdLst>
               <a:ahLst/>
+              <a:cxnLst/>
               <a:rect l="textAreaLeft" t="textAreaTop" r="textAreaRight" b="textAreaBottom"/>
               <a:pathLst>
                 <a:path w="932" h="1199">
@@ -6870,17 +6882,18 @@
           <p:spPr>
             <a:xfrm>
               <a:off x="1977480" y="327960"/>
-              <a:ext cx="282960" cy="437040"/>
+              <a:ext cx="282600" cy="436680"/>
             </a:xfrm>
             <a:custGeom>
               <a:avLst/>
               <a:gdLst>
-                <a:gd name="textAreaLeft" fmla="*/ 0 w 282960"/>
-                <a:gd name="textAreaRight" fmla="*/ 284040 w 282960"/>
-                <a:gd name="textAreaTop" fmla="*/ 0 h 437040"/>
-                <a:gd name="textAreaBottom" fmla="*/ 438120 h 437040"/>
+                <a:gd name="textAreaLeft" fmla="*/ 0 w 282600"/>
+                <a:gd name="textAreaRight" fmla="*/ 284040 w 282600"/>
+                <a:gd name="textAreaTop" fmla="*/ 0 h 436680"/>
+                <a:gd name="textAreaBottom" fmla="*/ 438120 h 436680"/>
               </a:gdLst>
               <a:ahLst/>
+              <a:cxnLst/>
               <a:rect l="textAreaLeft" t="textAreaTop" r="textAreaRight" b="textAreaBottom"/>
               <a:pathLst>
                 <a:path w="1098" h="1694">
@@ -6970,17 +6983,18 @@
           <p:spPr>
             <a:xfrm>
               <a:off x="1489320" y="327960"/>
-              <a:ext cx="313200" cy="437040"/>
+              <a:ext cx="312840" cy="436680"/>
             </a:xfrm>
             <a:custGeom>
               <a:avLst/>
               <a:gdLst>
-                <a:gd name="textAreaLeft" fmla="*/ 0 w 313200"/>
-                <a:gd name="textAreaRight" fmla="*/ 314280 w 313200"/>
-                <a:gd name="textAreaTop" fmla="*/ 0 h 437040"/>
-                <a:gd name="textAreaBottom" fmla="*/ 438120 h 437040"/>
+                <a:gd name="textAreaLeft" fmla="*/ 0 w 312840"/>
+                <a:gd name="textAreaRight" fmla="*/ 314280 w 312840"/>
+                <a:gd name="textAreaTop" fmla="*/ 0 h 436680"/>
+                <a:gd name="textAreaBottom" fmla="*/ 438120 h 436680"/>
               </a:gdLst>
               <a:ahLst/>
+              <a:cxnLst/>
               <a:rect l="textAreaLeft" t="textAreaTop" r="textAreaRight" b="textAreaBottom"/>
               <a:pathLst>
                 <a:path w="860" h="1199">
@@ -7096,17 +7110,18 @@
           <p:spPr>
             <a:xfrm>
               <a:off x="833400" y="327960"/>
-              <a:ext cx="443880" cy="437040"/>
+              <a:ext cx="443520" cy="436680"/>
             </a:xfrm>
             <a:custGeom>
               <a:avLst/>
               <a:gdLst>
-                <a:gd name="textAreaLeft" fmla="*/ 0 w 443880"/>
-                <a:gd name="textAreaRight" fmla="*/ 444960 w 443880"/>
-                <a:gd name="textAreaTop" fmla="*/ 0 h 437040"/>
-                <a:gd name="textAreaBottom" fmla="*/ 438120 h 437040"/>
+                <a:gd name="textAreaLeft" fmla="*/ 0 w 443520"/>
+                <a:gd name="textAreaRight" fmla="*/ 444960 w 443520"/>
+                <a:gd name="textAreaTop" fmla="*/ 0 h 436680"/>
+                <a:gd name="textAreaBottom" fmla="*/ 438120 h 436680"/>
               </a:gdLst>
               <a:ahLst/>
+              <a:cxnLst/>
               <a:rect l="textAreaLeft" t="textAreaTop" r="textAreaRight" b="textAreaBottom"/>
               <a:pathLst>
                 <a:path w="1720" h="1694">
@@ -7205,17 +7220,18 @@
           <p:spPr>
             <a:xfrm>
               <a:off x="330120" y="327960"/>
-              <a:ext cx="286920" cy="437040"/>
+              <a:ext cx="286560" cy="436680"/>
             </a:xfrm>
             <a:custGeom>
               <a:avLst/>
               <a:gdLst>
-                <a:gd name="textAreaLeft" fmla="*/ 0 w 286920"/>
-                <a:gd name="textAreaRight" fmla="*/ 288000 w 286920"/>
-                <a:gd name="textAreaTop" fmla="*/ 0 h 437040"/>
-                <a:gd name="textAreaBottom" fmla="*/ 438120 h 437040"/>
+                <a:gd name="textAreaLeft" fmla="*/ 0 w 286560"/>
+                <a:gd name="textAreaRight" fmla="*/ 288000 w 286560"/>
+                <a:gd name="textAreaTop" fmla="*/ 0 h 436680"/>
+                <a:gd name="textAreaBottom" fmla="*/ 438120 h 436680"/>
               </a:gdLst>
               <a:ahLst/>
+              <a:cxnLst/>
               <a:rect l="textAreaLeft" t="textAreaTop" r="textAreaRight" b="textAreaBottom"/>
               <a:pathLst>
                 <a:path w="1113" h="1694">
@@ -7339,7 +7355,7 @@
         <p:spPr>
           <a:xfrm>
             <a:off x="326160" y="6393600"/>
-            <a:ext cx="1416600" cy="136080"/>
+            <a:ext cx="1416240" cy="135720"/>
           </a:xfrm>
           <a:prstGeom prst="rect">
             <a:avLst/>
@@ -7400,7 +7416,7 @@
         <p:spPr>
           <a:xfrm>
             <a:off x="1965240" y="6393600"/>
-            <a:ext cx="3422520" cy="136080"/>
+            <a:ext cx="3422160" cy="135720"/>
           </a:xfrm>
           <a:prstGeom prst="rect">
             <a:avLst/>
@@ -7478,7 +7494,7 @@
         <p:spPr>
           <a:xfrm>
             <a:off x="5936760" y="6393600"/>
-            <a:ext cx="317520" cy="136080"/>
+            <a:ext cx="317160" cy="135720"/>
           </a:xfrm>
           <a:prstGeom prst="rect">
             <a:avLst/>
@@ -7521,7 +7537,7 @@
                 <a:tab algn="l" pos="0"/>
               </a:tabLst>
             </a:pPr>
-            <a:fld id="{DE64CECF-4A37-497E-8A6D-01E2287380F0}" type="slidenum">
+            <a:fld id="{CF227C14-00B5-49E3-BFD5-ED6CC71B361D}" type="slidenum">
               <a:rPr b="1" lang="en-GB" sz="850" strike="noStrike" u="none">
                 <a:solidFill>
                   <a:schemeClr val="accent1"/>
@@ -7556,7 +7572,7 @@
         <p:spPr>
           <a:xfrm>
             <a:off x="10641240" y="6393600"/>
-            <a:ext cx="1232640" cy="136080"/>
+            <a:ext cx="1232280" cy="135720"/>
           </a:xfrm>
           <a:prstGeom prst="rect">
             <a:avLst/>
@@ -7651,7 +7667,7 @@
         <p:spPr>
           <a:xfrm>
             <a:off x="326160" y="6393600"/>
-            <a:ext cx="1416600" cy="136080"/>
+            <a:ext cx="1416240" cy="135720"/>
           </a:xfrm>
           <a:prstGeom prst="rect">
             <a:avLst/>
@@ -7712,7 +7728,7 @@
         <p:spPr>
           <a:xfrm>
             <a:off x="1965240" y="6393600"/>
-            <a:ext cx="3422520" cy="136080"/>
+            <a:ext cx="3422160" cy="135720"/>
           </a:xfrm>
           <a:prstGeom prst="rect">
             <a:avLst/>
@@ -7790,7 +7806,7 @@
         <p:spPr>
           <a:xfrm>
             <a:off x="5936760" y="6393600"/>
-            <a:ext cx="317520" cy="136080"/>
+            <a:ext cx="317160" cy="135720"/>
           </a:xfrm>
           <a:prstGeom prst="rect">
             <a:avLst/>
@@ -7833,7 +7849,7 @@
                 <a:tab algn="l" pos="0"/>
               </a:tabLst>
             </a:pPr>
-            <a:fld id="{E7BE8B41-C337-4D5C-BAF2-5AA1A72838A8}" type="slidenum">
+            <a:fld id="{2C313805-098C-4759-AA2B-213203D05F82}" type="slidenum">
               <a:rPr b="1" lang="en-GB" sz="850" strike="noStrike" u="none">
                 <a:solidFill>
                   <a:schemeClr val="accent1"/>
@@ -7868,7 +7884,7 @@
         <p:spPr>
           <a:xfrm>
             <a:off x="10641240" y="6393600"/>
-            <a:ext cx="1232640" cy="136080"/>
+            <a:ext cx="1232280" cy="135720"/>
           </a:xfrm>
           <a:prstGeom prst="rect">
             <a:avLst/>
@@ -7963,7 +7979,7 @@
         <p:spPr>
           <a:xfrm>
             <a:off x="326160" y="6393600"/>
-            <a:ext cx="1416600" cy="136080"/>
+            <a:ext cx="1416240" cy="135720"/>
           </a:xfrm>
           <a:prstGeom prst="rect">
             <a:avLst/>
@@ -8024,7 +8040,7 @@
         <p:spPr>
           <a:xfrm>
             <a:off x="1965240" y="6393600"/>
-            <a:ext cx="3422520" cy="136080"/>
+            <a:ext cx="3422160" cy="135720"/>
           </a:xfrm>
           <a:prstGeom prst="rect">
             <a:avLst/>
@@ -8102,7 +8118,7 @@
         <p:spPr>
           <a:xfrm>
             <a:off x="5936760" y="6393600"/>
-            <a:ext cx="317520" cy="136080"/>
+            <a:ext cx="317160" cy="135720"/>
           </a:xfrm>
           <a:prstGeom prst="rect">
             <a:avLst/>
@@ -8145,7 +8161,7 @@
                 <a:tab algn="l" pos="0"/>
               </a:tabLst>
             </a:pPr>
-            <a:fld id="{5985BB38-1227-4FCD-848C-58CC8E9A4818}" type="slidenum">
+            <a:fld id="{070C4457-D871-413B-AAB0-7138BC28D4AF}" type="slidenum">
               <a:rPr b="1" lang="en-GB" sz="850" strike="noStrike" u="none">
                 <a:solidFill>
                   <a:schemeClr val="accent1"/>
@@ -8180,7 +8196,7 @@
         <p:spPr>
           <a:xfrm>
             <a:off x="10641240" y="6393600"/>
-            <a:ext cx="1232640" cy="136080"/>
+            <a:ext cx="1232280" cy="135720"/>
           </a:xfrm>
           <a:prstGeom prst="rect">
             <a:avLst/>
@@ -8275,7 +8291,7 @@
         <p:spPr>
           <a:xfrm>
             <a:off x="326160" y="6393600"/>
-            <a:ext cx="1416600" cy="136080"/>
+            <a:ext cx="1416240" cy="135720"/>
           </a:xfrm>
           <a:prstGeom prst="rect">
             <a:avLst/>
@@ -8336,7 +8352,7 @@
         <p:spPr>
           <a:xfrm>
             <a:off x="1965240" y="6393600"/>
-            <a:ext cx="3422520" cy="136080"/>
+            <a:ext cx="3422160" cy="135720"/>
           </a:xfrm>
           <a:prstGeom prst="rect">
             <a:avLst/>
@@ -8414,7 +8430,7 @@
         <p:spPr>
           <a:xfrm>
             <a:off x="5936760" y="6393600"/>
-            <a:ext cx="317520" cy="136080"/>
+            <a:ext cx="317160" cy="135720"/>
           </a:xfrm>
           <a:prstGeom prst="rect">
             <a:avLst/>
@@ -8457,7 +8473,7 @@
                 <a:tab algn="l" pos="0"/>
               </a:tabLst>
             </a:pPr>
-            <a:fld id="{C00D8385-2D18-47AA-BCCB-F5BCCCFD5A38}" type="slidenum">
+            <a:fld id="{76C9FE46-9EC1-4193-BE12-5AFEDDD0670E}" type="slidenum">
               <a:rPr b="1" lang="en-GB" sz="850" strike="noStrike" u="none">
                 <a:solidFill>
                   <a:schemeClr val="accent1"/>
@@ -8492,7 +8508,7 @@
         <p:spPr>
           <a:xfrm>
             <a:off x="10641240" y="6393600"/>
-            <a:ext cx="1232640" cy="136080"/>
+            <a:ext cx="1232280" cy="135720"/>
           </a:xfrm>
           <a:prstGeom prst="rect">
             <a:avLst/>
@@ -8587,7 +8603,7 @@
         <p:spPr>
           <a:xfrm>
             <a:off x="326160" y="6393600"/>
-            <a:ext cx="1416600" cy="136080"/>
+            <a:ext cx="1416240" cy="135720"/>
           </a:xfrm>
           <a:prstGeom prst="rect">
             <a:avLst/>
@@ -8648,7 +8664,7 @@
         <p:spPr>
           <a:xfrm>
             <a:off x="1965240" y="6393600"/>
-            <a:ext cx="3422520" cy="136080"/>
+            <a:ext cx="3422160" cy="135720"/>
           </a:xfrm>
           <a:prstGeom prst="rect">
             <a:avLst/>
@@ -8726,7 +8742,7 @@
         <p:spPr>
           <a:xfrm>
             <a:off x="5936760" y="6393600"/>
-            <a:ext cx="317520" cy="136080"/>
+            <a:ext cx="317160" cy="135720"/>
           </a:xfrm>
           <a:prstGeom prst="rect">
             <a:avLst/>
@@ -8769,7 +8785,7 @@
                 <a:tab algn="l" pos="0"/>
               </a:tabLst>
             </a:pPr>
-            <a:fld id="{63F26347-C896-4ABF-A3F4-ED0DEDB913C0}" type="slidenum">
+            <a:fld id="{76852BB1-3615-47E1-B938-54134E02474A}" type="slidenum">
               <a:rPr b="1" lang="en-GB" sz="850" strike="noStrike" u="none">
                 <a:solidFill>
                   <a:schemeClr val="accent1"/>
@@ -8804,7 +8820,7 @@
         <p:spPr>
           <a:xfrm>
             <a:off x="10641240" y="6393600"/>
-            <a:ext cx="1232640" cy="136080"/>
+            <a:ext cx="1232280" cy="135720"/>
           </a:xfrm>
           <a:prstGeom prst="rect">
             <a:avLst/>
@@ -8899,7 +8915,7 @@
         <p:spPr>
           <a:xfrm>
             <a:off x="326160" y="6393600"/>
-            <a:ext cx="1416600" cy="136080"/>
+            <a:ext cx="1416240" cy="135720"/>
           </a:xfrm>
           <a:prstGeom prst="rect">
             <a:avLst/>
@@ -8956,7 +8972,7 @@
         <p:spPr>
           <a:xfrm>
             <a:off x="326160" y="6393600"/>
-            <a:ext cx="1416600" cy="136080"/>
+            <a:ext cx="1416240" cy="135720"/>
           </a:xfrm>
           <a:prstGeom prst="rect">
             <a:avLst/>
@@ -9017,7 +9033,7 @@
         <p:spPr>
           <a:xfrm>
             <a:off x="1965240" y="6393600"/>
-            <a:ext cx="3422520" cy="136080"/>
+            <a:ext cx="3422160" cy="135720"/>
           </a:xfrm>
           <a:prstGeom prst="rect">
             <a:avLst/>
@@ -9095,7 +9111,7 @@
         <p:spPr>
           <a:xfrm>
             <a:off x="5936760" y="6393600"/>
-            <a:ext cx="317520" cy="136080"/>
+            <a:ext cx="317160" cy="135720"/>
           </a:xfrm>
           <a:prstGeom prst="rect">
             <a:avLst/>
@@ -9138,7 +9154,7 @@
                 <a:tab algn="l" pos="0"/>
               </a:tabLst>
             </a:pPr>
-            <a:fld id="{B8154FC4-A8C3-474D-96AB-3EADEA3A522D}" type="slidenum">
+            <a:fld id="{93810190-D090-439C-A958-50FFB709BA77}" type="slidenum">
               <a:rPr b="1" lang="en-GB" sz="850" strike="noStrike" u="none">
                 <a:solidFill>
                   <a:schemeClr val="lt1"/>
@@ -9173,7 +9189,7 @@
         <p:spPr>
           <a:xfrm>
             <a:off x="10641240" y="6393600"/>
-            <a:ext cx="1232640" cy="136080"/>
+            <a:ext cx="1232280" cy="135720"/>
           </a:xfrm>
           <a:prstGeom prst="rect">
             <a:avLst/>
@@ -9268,7 +9284,7 @@
         <p:spPr>
           <a:xfrm>
             <a:off x="326160" y="6393600"/>
-            <a:ext cx="1416600" cy="136080"/>
+            <a:ext cx="1416240" cy="135720"/>
           </a:xfrm>
           <a:prstGeom prst="rect">
             <a:avLst/>
@@ -9329,7 +9345,7 @@
         <p:spPr>
           <a:xfrm>
             <a:off x="1965240" y="6393600"/>
-            <a:ext cx="3422520" cy="136080"/>
+            <a:ext cx="3422160" cy="135720"/>
           </a:xfrm>
           <a:prstGeom prst="rect">
             <a:avLst/>
@@ -9407,7 +9423,7 @@
         <p:spPr>
           <a:xfrm>
             <a:off x="5936760" y="6393600"/>
-            <a:ext cx="317520" cy="136080"/>
+            <a:ext cx="317160" cy="135720"/>
           </a:xfrm>
           <a:prstGeom prst="rect">
             <a:avLst/>
@@ -9450,7 +9466,7 @@
                 <a:tab algn="l" pos="0"/>
               </a:tabLst>
             </a:pPr>
-            <a:fld id="{2053C108-C9E0-4742-946D-D5754CD1E522}" type="slidenum">
+            <a:fld id="{50CA144F-5630-4085-B029-19CA2267BCE3}" type="slidenum">
               <a:rPr b="1" lang="en-GB" sz="850" strike="noStrike" u="none">
                 <a:solidFill>
                   <a:schemeClr val="accent1"/>
@@ -9485,7 +9501,7 @@
         <p:spPr>
           <a:xfrm>
             <a:off x="10641240" y="6393600"/>
-            <a:ext cx="1232640" cy="136080"/>
+            <a:ext cx="1232280" cy="135720"/>
           </a:xfrm>
           <a:prstGeom prst="rect">
             <a:avLst/>
@@ -9580,7 +9596,7 @@
         <p:spPr>
           <a:xfrm>
             <a:off x="326160" y="6393600"/>
-            <a:ext cx="1416600" cy="136080"/>
+            <a:ext cx="1416240" cy="135720"/>
           </a:xfrm>
           <a:prstGeom prst="rect">
             <a:avLst/>
@@ -9641,7 +9657,7 @@
         <p:spPr>
           <a:xfrm>
             <a:off x="1965240" y="6393600"/>
-            <a:ext cx="3422520" cy="136080"/>
+            <a:ext cx="3422160" cy="135720"/>
           </a:xfrm>
           <a:prstGeom prst="rect">
             <a:avLst/>
@@ -9719,7 +9735,7 @@
         <p:spPr>
           <a:xfrm>
             <a:off x="5936760" y="6393600"/>
-            <a:ext cx="317520" cy="136080"/>
+            <a:ext cx="317160" cy="135720"/>
           </a:xfrm>
           <a:prstGeom prst="rect">
             <a:avLst/>
@@ -9762,7 +9778,7 @@
                 <a:tab algn="l" pos="0"/>
               </a:tabLst>
             </a:pPr>
-            <a:fld id="{2362AFCF-1DBF-4F8D-BAF3-D71CFF0881FE}" type="slidenum">
+            <a:fld id="{1F167EC5-0740-4377-8A24-0AF0CE006ADB}" type="slidenum">
               <a:rPr b="1" lang="en-GB" sz="850" strike="noStrike" u="none">
                 <a:solidFill>
                   <a:schemeClr val="accent1"/>
@@ -9797,7 +9813,7 @@
         <p:spPr>
           <a:xfrm>
             <a:off x="10641240" y="6393600"/>
-            <a:ext cx="1232640" cy="136080"/>
+            <a:ext cx="1232280" cy="135720"/>
           </a:xfrm>
           <a:prstGeom prst="rect">
             <a:avLst/>
@@ -9892,7 +9908,7 @@
         <p:spPr>
           <a:xfrm>
             <a:off x="326160" y="6393600"/>
-            <a:ext cx="1416600" cy="136080"/>
+            <a:ext cx="1416240" cy="135720"/>
           </a:xfrm>
           <a:prstGeom prst="rect">
             <a:avLst/>
@@ -9953,7 +9969,7 @@
         <p:spPr>
           <a:xfrm>
             <a:off x="1965240" y="6393600"/>
-            <a:ext cx="3422520" cy="136080"/>
+            <a:ext cx="3422160" cy="135720"/>
           </a:xfrm>
           <a:prstGeom prst="rect">
             <a:avLst/>
@@ -10031,7 +10047,7 @@
         <p:spPr>
           <a:xfrm>
             <a:off x="5936760" y="6393600"/>
-            <a:ext cx="317520" cy="136080"/>
+            <a:ext cx="317160" cy="135720"/>
           </a:xfrm>
           <a:prstGeom prst="rect">
             <a:avLst/>
@@ -10074,7 +10090,7 @@
                 <a:tab algn="l" pos="0"/>
               </a:tabLst>
             </a:pPr>
-            <a:fld id="{7C139B3B-D08E-4F40-B3C8-EEA99412D2C4}" type="slidenum">
+            <a:fld id="{996B0922-698E-4D67-8D1C-640538D6DFD7}" type="slidenum">
               <a:rPr b="1" lang="en-GB" sz="850" strike="noStrike" u="none">
                 <a:solidFill>
                   <a:schemeClr val="accent1"/>
@@ -10109,7 +10125,7 @@
         <p:spPr>
           <a:xfrm>
             <a:off x="10641240" y="6393600"/>
-            <a:ext cx="1232640" cy="136080"/>
+            <a:ext cx="1232280" cy="135720"/>
           </a:xfrm>
           <a:prstGeom prst="rect">
             <a:avLst/>
@@ -10204,7 +10220,7 @@
         <p:spPr>
           <a:xfrm>
             <a:off x="326160" y="6393600"/>
-            <a:ext cx="1416600" cy="136080"/>
+            <a:ext cx="1416240" cy="135720"/>
           </a:xfrm>
           <a:prstGeom prst="rect">
             <a:avLst/>
@@ -10265,7 +10281,7 @@
         <p:spPr>
           <a:xfrm>
             <a:off x="1965240" y="6393600"/>
-            <a:ext cx="3422520" cy="136080"/>
+            <a:ext cx="3422160" cy="135720"/>
           </a:xfrm>
           <a:prstGeom prst="rect">
             <a:avLst/>
@@ -10343,7 +10359,7 @@
         <p:spPr>
           <a:xfrm>
             <a:off x="5936760" y="6393600"/>
-            <a:ext cx="317520" cy="136080"/>
+            <a:ext cx="317160" cy="135720"/>
           </a:xfrm>
           <a:prstGeom prst="rect">
             <a:avLst/>
@@ -10386,7 +10402,7 @@
                 <a:tab algn="l" pos="0"/>
               </a:tabLst>
             </a:pPr>
-            <a:fld id="{2ECEA4A8-434C-4EF3-8A8F-9AEC736E31D2}" type="slidenum">
+            <a:fld id="{40C61B7F-FAE0-46AB-9ADD-870665B64FF4}" type="slidenum">
               <a:rPr b="1" lang="en-GB" sz="850" strike="noStrike" u="none">
                 <a:solidFill>
                   <a:schemeClr val="accent1"/>
@@ -10421,7 +10437,7 @@
         <p:spPr>
           <a:xfrm>
             <a:off x="10641240" y="6393600"/>
-            <a:ext cx="1232640" cy="136080"/>
+            <a:ext cx="1232280" cy="135720"/>
           </a:xfrm>
           <a:prstGeom prst="rect">
             <a:avLst/>
@@ -10516,7 +10532,7 @@
         <p:spPr>
           <a:xfrm>
             <a:off x="326160" y="6393600"/>
-            <a:ext cx="1416600" cy="136080"/>
+            <a:ext cx="1416240" cy="135720"/>
           </a:xfrm>
           <a:prstGeom prst="rect">
             <a:avLst/>
@@ -10573,7 +10589,7 @@
         <p:spPr>
           <a:xfrm>
             <a:off x="326160" y="6393600"/>
-            <a:ext cx="1416600" cy="136080"/>
+            <a:ext cx="1416240" cy="135720"/>
           </a:xfrm>
           <a:prstGeom prst="rect">
             <a:avLst/>
@@ -10634,7 +10650,7 @@
         <p:spPr>
           <a:xfrm>
             <a:off x="1965240" y="6393600"/>
-            <a:ext cx="3422520" cy="136080"/>
+            <a:ext cx="3422160" cy="135720"/>
           </a:xfrm>
           <a:prstGeom prst="rect">
             <a:avLst/>
@@ -10712,7 +10728,7 @@
         <p:spPr>
           <a:xfrm>
             <a:off x="5936760" y="6393600"/>
-            <a:ext cx="317520" cy="136080"/>
+            <a:ext cx="317160" cy="135720"/>
           </a:xfrm>
           <a:prstGeom prst="rect">
             <a:avLst/>
@@ -10755,7 +10771,7 @@
                 <a:tab algn="l" pos="0"/>
               </a:tabLst>
             </a:pPr>
-            <a:fld id="{047CE9E4-C9AF-4219-96EF-2D788F31B11A}" type="slidenum">
+            <a:fld id="{14C80D00-3E54-4385-ACA2-BC21B8F8B65B}" type="slidenum">
               <a:rPr b="1" lang="en-GB" sz="850" strike="noStrike" u="none">
                 <a:solidFill>
                   <a:schemeClr val="lt1"/>
@@ -10790,7 +10806,7 @@
         <p:spPr>
           <a:xfrm>
             <a:off x="10641240" y="6393600"/>
-            <a:ext cx="1232640" cy="136080"/>
+            <a:ext cx="1232280" cy="135720"/>
           </a:xfrm>
           <a:prstGeom prst="rect">
             <a:avLst/>
@@ -10885,7 +10901,7 @@
         <p:spPr>
           <a:xfrm>
             <a:off x="326160" y="6393600"/>
-            <a:ext cx="1416600" cy="136080"/>
+            <a:ext cx="1416240" cy="135720"/>
           </a:xfrm>
           <a:prstGeom prst="rect">
             <a:avLst/>
@@ -10942,9 +10958,9 @@
         <p:grpSpPr>
           <a:xfrm>
             <a:off x="330120" y="327960"/>
-            <a:ext cx="3971880" cy="437040"/>
+            <a:ext cx="3971520" cy="436680"/>
             <a:chOff x="330120" y="327960"/>
-            <a:chExt cx="3971880" cy="437040"/>
+            <a:chExt cx="3971520" cy="436680"/>
           </a:xfrm>
         </p:grpSpPr>
         <p:sp>
@@ -10956,17 +10972,18 @@
           <p:spPr>
             <a:xfrm>
               <a:off x="4018680" y="327960"/>
-              <a:ext cx="283320" cy="437040"/>
+              <a:ext cx="282960" cy="436680"/>
             </a:xfrm>
             <a:custGeom>
               <a:avLst/>
               <a:gdLst>
-                <a:gd name="textAreaLeft" fmla="*/ 0 w 283320"/>
-                <a:gd name="textAreaRight" fmla="*/ 284400 w 283320"/>
-                <a:gd name="textAreaTop" fmla="*/ 0 h 437040"/>
-                <a:gd name="textAreaBottom" fmla="*/ 438120 h 437040"/>
+                <a:gd name="textAreaLeft" fmla="*/ 0 w 282960"/>
+                <a:gd name="textAreaRight" fmla="*/ 284400 w 282960"/>
+                <a:gd name="textAreaTop" fmla="*/ 0 h 436680"/>
+                <a:gd name="textAreaBottom" fmla="*/ 438120 h 436680"/>
               </a:gdLst>
               <a:ahLst/>
+              <a:cxnLst/>
               <a:rect l="textAreaLeft" t="textAreaTop" r="textAreaRight" b="textAreaBottom"/>
               <a:pathLst>
                 <a:path w="1099" h="1694">
@@ -11038,17 +11055,18 @@
           <p:spPr>
             <a:xfrm>
               <a:off x="3434400" y="327960"/>
-              <a:ext cx="396000" cy="437040"/>
+              <a:ext cx="395640" cy="436680"/>
             </a:xfrm>
             <a:custGeom>
               <a:avLst/>
               <a:gdLst>
-                <a:gd name="textAreaLeft" fmla="*/ 0 w 396000"/>
-                <a:gd name="textAreaRight" fmla="*/ 397080 w 396000"/>
-                <a:gd name="textAreaTop" fmla="*/ 0 h 437040"/>
-                <a:gd name="textAreaBottom" fmla="*/ 438120 h 437040"/>
+                <a:gd name="textAreaLeft" fmla="*/ 0 w 395640"/>
+                <a:gd name="textAreaRight" fmla="*/ 397080 w 395640"/>
+                <a:gd name="textAreaTop" fmla="*/ 0 h 436680"/>
+                <a:gd name="textAreaBottom" fmla="*/ 438120 h 436680"/>
               </a:gdLst>
               <a:ahLst/>
+              <a:cxnLst/>
               <a:rect l="textAreaLeft" t="textAreaTop" r="textAreaRight" b="textAreaBottom"/>
               <a:pathLst>
                 <a:path w="1535" h="1694">
@@ -11139,17 +11157,18 @@
           <p:spPr>
             <a:xfrm>
               <a:off x="2981160" y="327960"/>
-              <a:ext cx="286920" cy="437040"/>
+              <a:ext cx="286560" cy="436680"/>
             </a:xfrm>
             <a:custGeom>
               <a:avLst/>
               <a:gdLst>
-                <a:gd name="textAreaLeft" fmla="*/ 0 w 286920"/>
-                <a:gd name="textAreaRight" fmla="*/ 288000 w 286920"/>
-                <a:gd name="textAreaTop" fmla="*/ 0 h 437040"/>
-                <a:gd name="textAreaBottom" fmla="*/ 438120 h 437040"/>
+                <a:gd name="textAreaLeft" fmla="*/ 0 w 286560"/>
+                <a:gd name="textAreaRight" fmla="*/ 288000 w 286560"/>
+                <a:gd name="textAreaTop" fmla="*/ 0 h 436680"/>
+                <a:gd name="textAreaBottom" fmla="*/ 438120 h 436680"/>
               </a:gdLst>
               <a:ahLst/>
+              <a:cxnLst/>
               <a:rect l="textAreaLeft" t="textAreaTop" r="textAreaRight" b="textAreaBottom"/>
               <a:pathLst>
                 <a:path w="1113" h="1694">
@@ -11239,17 +11258,18 @@
           <p:spPr>
             <a:xfrm>
               <a:off x="2467440" y="327960"/>
-              <a:ext cx="339480" cy="437040"/>
+              <a:ext cx="339120" cy="436680"/>
             </a:xfrm>
             <a:custGeom>
               <a:avLst/>
               <a:gdLst>
-                <a:gd name="textAreaLeft" fmla="*/ 0 w 339480"/>
-                <a:gd name="textAreaRight" fmla="*/ 340560 w 339480"/>
-                <a:gd name="textAreaTop" fmla="*/ 0 h 437040"/>
-                <a:gd name="textAreaBottom" fmla="*/ 438120 h 437040"/>
+                <a:gd name="textAreaLeft" fmla="*/ 0 w 339120"/>
+                <a:gd name="textAreaRight" fmla="*/ 340560 w 339120"/>
+                <a:gd name="textAreaTop" fmla="*/ 0 h 436680"/>
+                <a:gd name="textAreaBottom" fmla="*/ 438120 h 436680"/>
               </a:gdLst>
               <a:ahLst/>
+              <a:cxnLst/>
               <a:rect l="textAreaLeft" t="textAreaTop" r="textAreaRight" b="textAreaBottom"/>
               <a:pathLst>
                 <a:path w="932" h="1199">
@@ -11385,17 +11405,18 @@
           <p:spPr>
             <a:xfrm>
               <a:off x="1977480" y="327960"/>
-              <a:ext cx="282960" cy="437040"/>
+              <a:ext cx="282600" cy="436680"/>
             </a:xfrm>
             <a:custGeom>
               <a:avLst/>
               <a:gdLst>
-                <a:gd name="textAreaLeft" fmla="*/ 0 w 282960"/>
-                <a:gd name="textAreaRight" fmla="*/ 284040 w 282960"/>
-                <a:gd name="textAreaTop" fmla="*/ 0 h 437040"/>
-                <a:gd name="textAreaBottom" fmla="*/ 438120 h 437040"/>
+                <a:gd name="textAreaLeft" fmla="*/ 0 w 282600"/>
+                <a:gd name="textAreaRight" fmla="*/ 284040 w 282600"/>
+                <a:gd name="textAreaTop" fmla="*/ 0 h 436680"/>
+                <a:gd name="textAreaBottom" fmla="*/ 438120 h 436680"/>
               </a:gdLst>
               <a:ahLst/>
+              <a:cxnLst/>
               <a:rect l="textAreaLeft" t="textAreaTop" r="textAreaRight" b="textAreaBottom"/>
               <a:pathLst>
                 <a:path w="1098" h="1694">
@@ -11485,17 +11506,18 @@
           <p:spPr>
             <a:xfrm>
               <a:off x="1489320" y="327960"/>
-              <a:ext cx="313200" cy="437040"/>
+              <a:ext cx="312840" cy="436680"/>
             </a:xfrm>
             <a:custGeom>
               <a:avLst/>
               <a:gdLst>
-                <a:gd name="textAreaLeft" fmla="*/ 0 w 313200"/>
-                <a:gd name="textAreaRight" fmla="*/ 314280 w 313200"/>
-                <a:gd name="textAreaTop" fmla="*/ 0 h 437040"/>
-                <a:gd name="textAreaBottom" fmla="*/ 438120 h 437040"/>
+                <a:gd name="textAreaLeft" fmla="*/ 0 w 312840"/>
+                <a:gd name="textAreaRight" fmla="*/ 314280 w 312840"/>
+                <a:gd name="textAreaTop" fmla="*/ 0 h 436680"/>
+                <a:gd name="textAreaBottom" fmla="*/ 438120 h 436680"/>
               </a:gdLst>
               <a:ahLst/>
+              <a:cxnLst/>
               <a:rect l="textAreaLeft" t="textAreaTop" r="textAreaRight" b="textAreaBottom"/>
               <a:pathLst>
                 <a:path w="860" h="1199">
@@ -11611,17 +11633,18 @@
           <p:spPr>
             <a:xfrm>
               <a:off x="833400" y="327960"/>
-              <a:ext cx="443880" cy="437040"/>
+              <a:ext cx="443520" cy="436680"/>
             </a:xfrm>
             <a:custGeom>
               <a:avLst/>
               <a:gdLst>
-                <a:gd name="textAreaLeft" fmla="*/ 0 w 443880"/>
-                <a:gd name="textAreaRight" fmla="*/ 444960 w 443880"/>
-                <a:gd name="textAreaTop" fmla="*/ 0 h 437040"/>
-                <a:gd name="textAreaBottom" fmla="*/ 438120 h 437040"/>
+                <a:gd name="textAreaLeft" fmla="*/ 0 w 443520"/>
+                <a:gd name="textAreaRight" fmla="*/ 444960 w 443520"/>
+                <a:gd name="textAreaTop" fmla="*/ 0 h 436680"/>
+                <a:gd name="textAreaBottom" fmla="*/ 438120 h 436680"/>
               </a:gdLst>
               <a:ahLst/>
+              <a:cxnLst/>
               <a:rect l="textAreaLeft" t="textAreaTop" r="textAreaRight" b="textAreaBottom"/>
               <a:pathLst>
                 <a:path w="1720" h="1694">
@@ -11720,17 +11743,18 @@
           <p:spPr>
             <a:xfrm>
               <a:off x="330120" y="327960"/>
-              <a:ext cx="286920" cy="437040"/>
+              <a:ext cx="286560" cy="436680"/>
             </a:xfrm>
             <a:custGeom>
               <a:avLst/>
               <a:gdLst>
-                <a:gd name="textAreaLeft" fmla="*/ 0 w 286920"/>
-                <a:gd name="textAreaRight" fmla="*/ 288000 w 286920"/>
-                <a:gd name="textAreaTop" fmla="*/ 0 h 437040"/>
-                <a:gd name="textAreaBottom" fmla="*/ 438120 h 437040"/>
+                <a:gd name="textAreaLeft" fmla="*/ 0 w 286560"/>
+                <a:gd name="textAreaRight" fmla="*/ 288000 w 286560"/>
+                <a:gd name="textAreaTop" fmla="*/ 0 h 436680"/>
+                <a:gd name="textAreaBottom" fmla="*/ 438120 h 436680"/>
               </a:gdLst>
               <a:ahLst/>
+              <a:cxnLst/>
               <a:rect l="textAreaLeft" t="textAreaTop" r="textAreaRight" b="textAreaBottom"/>
               <a:pathLst>
                 <a:path w="1113" h="1694">
@@ -11854,7 +11878,7 @@
         <p:spPr>
           <a:xfrm>
             <a:off x="326160" y="6393600"/>
-            <a:ext cx="1416600" cy="136080"/>
+            <a:ext cx="1416240" cy="135720"/>
           </a:xfrm>
           <a:prstGeom prst="rect">
             <a:avLst/>
@@ -11915,7 +11939,7 @@
         <p:spPr>
           <a:xfrm>
             <a:off x="1965240" y="6393600"/>
-            <a:ext cx="3422520" cy="136080"/>
+            <a:ext cx="3422160" cy="135720"/>
           </a:xfrm>
           <a:prstGeom prst="rect">
             <a:avLst/>
@@ -11993,7 +12017,7 @@
         <p:spPr>
           <a:xfrm>
             <a:off x="5936760" y="6393600"/>
-            <a:ext cx="317520" cy="136080"/>
+            <a:ext cx="317160" cy="135720"/>
           </a:xfrm>
           <a:prstGeom prst="rect">
             <a:avLst/>
@@ -12036,7 +12060,7 @@
                 <a:tab algn="l" pos="0"/>
               </a:tabLst>
             </a:pPr>
-            <a:fld id="{0EA7A1EC-36D3-46D2-93D1-6A33B34F4198}" type="slidenum">
+            <a:fld id="{629DCB54-4744-477F-9517-E964FB5AB528}" type="slidenum">
               <a:rPr b="1" lang="en-GB" sz="850" strike="noStrike" u="none">
                 <a:solidFill>
                   <a:schemeClr val="accent1"/>
@@ -12071,7 +12095,7 @@
         <p:spPr>
           <a:xfrm>
             <a:off x="10641240" y="6393600"/>
-            <a:ext cx="1232640" cy="136080"/>
+            <a:ext cx="1232280" cy="135720"/>
           </a:xfrm>
           <a:prstGeom prst="rect">
             <a:avLst/>
@@ -12166,7 +12190,7 @@
         <p:spPr>
           <a:xfrm>
             <a:off x="326160" y="6393600"/>
-            <a:ext cx="1416600" cy="136080"/>
+            <a:ext cx="1416240" cy="135720"/>
           </a:xfrm>
           <a:prstGeom prst="rect">
             <a:avLst/>
@@ -12227,7 +12251,7 @@
         <p:spPr>
           <a:xfrm>
             <a:off x="1965240" y="6393600"/>
-            <a:ext cx="3422520" cy="136080"/>
+            <a:ext cx="3422160" cy="135720"/>
           </a:xfrm>
           <a:prstGeom prst="rect">
             <a:avLst/>
@@ -12305,7 +12329,7 @@
         <p:spPr>
           <a:xfrm>
             <a:off x="5936760" y="6393600"/>
-            <a:ext cx="317520" cy="136080"/>
+            <a:ext cx="317160" cy="135720"/>
           </a:xfrm>
           <a:prstGeom prst="rect">
             <a:avLst/>
@@ -12348,7 +12372,7 @@
                 <a:tab algn="l" pos="0"/>
               </a:tabLst>
             </a:pPr>
-            <a:fld id="{06D74F76-6B77-47E1-9362-8F7D2C0B6E75}" type="slidenum">
+            <a:fld id="{B18F82F9-885C-440F-B798-8AD844C60200}" type="slidenum">
               <a:rPr b="1" lang="en-GB" sz="850" strike="noStrike" u="none">
                 <a:solidFill>
                   <a:schemeClr val="accent1"/>
@@ -12383,7 +12407,7 @@
         <p:spPr>
           <a:xfrm>
             <a:off x="10641240" y="6393600"/>
-            <a:ext cx="1232640" cy="136080"/>
+            <a:ext cx="1232280" cy="135720"/>
           </a:xfrm>
           <a:prstGeom prst="rect">
             <a:avLst/>
@@ -12478,7 +12502,7 @@
         <p:spPr>
           <a:xfrm>
             <a:off x="326160" y="6393600"/>
-            <a:ext cx="1416600" cy="136080"/>
+            <a:ext cx="1416240" cy="135720"/>
           </a:xfrm>
           <a:prstGeom prst="rect">
             <a:avLst/>
@@ -12539,7 +12563,7 @@
         <p:spPr>
           <a:xfrm>
             <a:off x="1965240" y="6393600"/>
-            <a:ext cx="3422520" cy="136080"/>
+            <a:ext cx="3422160" cy="135720"/>
           </a:xfrm>
           <a:prstGeom prst="rect">
             <a:avLst/>
@@ -12617,7 +12641,7 @@
         <p:spPr>
           <a:xfrm>
             <a:off x="5936760" y="6393600"/>
-            <a:ext cx="317520" cy="136080"/>
+            <a:ext cx="317160" cy="135720"/>
           </a:xfrm>
           <a:prstGeom prst="rect">
             <a:avLst/>
@@ -12660,7 +12684,7 @@
                 <a:tab algn="l" pos="0"/>
               </a:tabLst>
             </a:pPr>
-            <a:fld id="{1F1B35B9-7FBA-46A2-AC8D-77BF3CB09EE5}" type="slidenum">
+            <a:fld id="{1D3274CE-3B11-4C49-B6C3-3C603F58C219}" type="slidenum">
               <a:rPr b="1" lang="en-GB" sz="850" strike="noStrike" u="none">
                 <a:solidFill>
                   <a:schemeClr val="accent1"/>
@@ -12695,7 +12719,7 @@
         <p:spPr>
           <a:xfrm>
             <a:off x="10641240" y="6393600"/>
-            <a:ext cx="1232640" cy="136080"/>
+            <a:ext cx="1232280" cy="135720"/>
           </a:xfrm>
           <a:prstGeom prst="rect">
             <a:avLst/>
@@ -12790,7 +12814,7 @@
         <p:spPr>
           <a:xfrm>
             <a:off x="326160" y="6393600"/>
-            <a:ext cx="1416600" cy="136080"/>
+            <a:ext cx="1416240" cy="135720"/>
           </a:xfrm>
           <a:prstGeom prst="rect">
             <a:avLst/>
@@ -12851,7 +12875,7 @@
         <p:spPr>
           <a:xfrm>
             <a:off x="1965240" y="6393600"/>
-            <a:ext cx="3422520" cy="136080"/>
+            <a:ext cx="3422160" cy="135720"/>
           </a:xfrm>
           <a:prstGeom prst="rect">
             <a:avLst/>
@@ -12929,7 +12953,7 @@
         <p:spPr>
           <a:xfrm>
             <a:off x="5936760" y="6393600"/>
-            <a:ext cx="317520" cy="136080"/>
+            <a:ext cx="317160" cy="135720"/>
           </a:xfrm>
           <a:prstGeom prst="rect">
             <a:avLst/>
@@ -12972,7 +12996,7 @@
                 <a:tab algn="l" pos="0"/>
               </a:tabLst>
             </a:pPr>
-            <a:fld id="{B6643A3E-676E-47EC-82B7-EE72208A76EB}" type="slidenum">
+            <a:fld id="{1B6F11E6-0C4E-4803-A9A4-15CA699A8CD2}" type="slidenum">
               <a:rPr b="1" lang="en-GB" sz="850" strike="noStrike" u="none">
                 <a:solidFill>
                   <a:schemeClr val="accent1"/>
@@ -13007,7 +13031,7 @@
         <p:spPr>
           <a:xfrm>
             <a:off x="10641240" y="6393600"/>
-            <a:ext cx="1232640" cy="136080"/>
+            <a:ext cx="1232280" cy="135720"/>
           </a:xfrm>
           <a:prstGeom prst="rect">
             <a:avLst/>
@@ -13102,7 +13126,7 @@
         <p:spPr>
           <a:xfrm>
             <a:off x="326160" y="6393600"/>
-            <a:ext cx="1416600" cy="136080"/>
+            <a:ext cx="1416240" cy="135720"/>
           </a:xfrm>
           <a:prstGeom prst="rect">
             <a:avLst/>
@@ -13163,7 +13187,7 @@
         <p:spPr>
           <a:xfrm>
             <a:off x="1965240" y="6393600"/>
-            <a:ext cx="3422520" cy="136080"/>
+            <a:ext cx="3422160" cy="135720"/>
           </a:xfrm>
           <a:prstGeom prst="rect">
             <a:avLst/>
@@ -13241,7 +13265,7 @@
         <p:spPr>
           <a:xfrm>
             <a:off x="5936760" y="6393600"/>
-            <a:ext cx="317520" cy="136080"/>
+            <a:ext cx="317160" cy="135720"/>
           </a:xfrm>
           <a:prstGeom prst="rect">
             <a:avLst/>
@@ -13284,7 +13308,7 @@
                 <a:tab algn="l" pos="0"/>
               </a:tabLst>
             </a:pPr>
-            <a:fld id="{F3626B46-6144-4002-B850-1CBA2F9623FE}" type="slidenum">
+            <a:fld id="{8F73A146-EDF4-4287-9CDC-D75ADDB989D0}" type="slidenum">
               <a:rPr b="1" lang="en-GB" sz="850" strike="noStrike" u="none">
                 <a:solidFill>
                   <a:schemeClr val="accent1"/>
@@ -13319,7 +13343,7 @@
         <p:spPr>
           <a:xfrm>
             <a:off x="10641240" y="6393600"/>
-            <a:ext cx="1232640" cy="136080"/>
+            <a:ext cx="1232280" cy="135720"/>
           </a:xfrm>
           <a:prstGeom prst="rect">
             <a:avLst/>
@@ -13414,7 +13438,7 @@
         <p:spPr>
           <a:xfrm>
             <a:off x="326160" y="6393600"/>
-            <a:ext cx="1416600" cy="136080"/>
+            <a:ext cx="1416240" cy="135720"/>
           </a:xfrm>
           <a:prstGeom prst="rect">
             <a:avLst/>
@@ -13475,7 +13499,7 @@
         <p:spPr>
           <a:xfrm>
             <a:off x="1965240" y="6393600"/>
-            <a:ext cx="3422520" cy="136080"/>
+            <a:ext cx="3422160" cy="135720"/>
           </a:xfrm>
           <a:prstGeom prst="rect">
             <a:avLst/>
@@ -13553,7 +13577,7 @@
         <p:spPr>
           <a:xfrm>
             <a:off x="5936760" y="6393600"/>
-            <a:ext cx="317520" cy="136080"/>
+            <a:ext cx="317160" cy="135720"/>
           </a:xfrm>
           <a:prstGeom prst="rect">
             <a:avLst/>
@@ -13596,7 +13620,7 @@
                 <a:tab algn="l" pos="0"/>
               </a:tabLst>
             </a:pPr>
-            <a:fld id="{40A3D876-230C-40DD-96EC-1D02826BD311}" type="slidenum">
+            <a:fld id="{D4A0389D-5C87-422F-9F9A-6C6FCC9BA31D}" type="slidenum">
               <a:rPr b="1" lang="en-GB" sz="850" strike="noStrike" u="none">
                 <a:solidFill>
                   <a:schemeClr val="accent1"/>
@@ -13631,7 +13655,7 @@
         <p:spPr>
           <a:xfrm>
             <a:off x="10641240" y="6393600"/>
-            <a:ext cx="1232640" cy="136080"/>
+            <a:ext cx="1232280" cy="135720"/>
           </a:xfrm>
           <a:prstGeom prst="rect">
             <a:avLst/>
@@ -13726,7 +13750,7 @@
         <p:spPr>
           <a:xfrm>
             <a:off x="326160" y="6393600"/>
-            <a:ext cx="1416600" cy="136080"/>
+            <a:ext cx="1416240" cy="135720"/>
           </a:xfrm>
           <a:prstGeom prst="rect">
             <a:avLst/>
@@ -13787,7 +13811,7 @@
         <p:spPr>
           <a:xfrm>
             <a:off x="1965240" y="6393600"/>
-            <a:ext cx="3422520" cy="136080"/>
+            <a:ext cx="3422160" cy="135720"/>
           </a:xfrm>
           <a:prstGeom prst="rect">
             <a:avLst/>
@@ -13865,7 +13889,7 @@
         <p:spPr>
           <a:xfrm>
             <a:off x="5936760" y="6393600"/>
-            <a:ext cx="317520" cy="136080"/>
+            <a:ext cx="317160" cy="135720"/>
           </a:xfrm>
           <a:prstGeom prst="rect">
             <a:avLst/>
@@ -13908,7 +13932,7 @@
                 <a:tab algn="l" pos="0"/>
               </a:tabLst>
             </a:pPr>
-            <a:fld id="{17ABB12E-A2CD-4691-BCB6-F9B90A89402F}" type="slidenum">
+            <a:fld id="{F546E35A-E7F9-46D3-86CC-8F567E23ECD6}" type="slidenum">
               <a:rPr b="1" lang="en-GB" sz="850" strike="noStrike" u="none">
                 <a:solidFill>
                   <a:schemeClr val="accent1"/>
@@ -13943,7 +13967,7 @@
         <p:spPr>
           <a:xfrm>
             <a:off x="10641240" y="6393600"/>
-            <a:ext cx="1232640" cy="136080"/>
+            <a:ext cx="1232280" cy="135720"/>
           </a:xfrm>
           <a:prstGeom prst="rect">
             <a:avLst/>
@@ -14038,7 +14062,7 @@
         <p:spPr>
           <a:xfrm>
             <a:off x="326160" y="6393600"/>
-            <a:ext cx="1416600" cy="136080"/>
+            <a:ext cx="1416240" cy="135720"/>
           </a:xfrm>
           <a:prstGeom prst="rect">
             <a:avLst/>
@@ -14099,7 +14123,7 @@
         <p:spPr>
           <a:xfrm>
             <a:off x="1965240" y="6393600"/>
-            <a:ext cx="3422520" cy="136080"/>
+            <a:ext cx="3422160" cy="135720"/>
           </a:xfrm>
           <a:prstGeom prst="rect">
             <a:avLst/>
@@ -14177,7 +14201,7 @@
         <p:spPr>
           <a:xfrm>
             <a:off x="5936760" y="6393600"/>
-            <a:ext cx="317520" cy="136080"/>
+            <a:ext cx="317160" cy="135720"/>
           </a:xfrm>
           <a:prstGeom prst="rect">
             <a:avLst/>
@@ -14220,7 +14244,7 @@
                 <a:tab algn="l" pos="0"/>
               </a:tabLst>
             </a:pPr>
-            <a:fld id="{37479C57-F8CB-43CC-B7B3-AC338867CF7D}" type="slidenum">
+            <a:fld id="{2761CF20-D99B-4F25-B97D-080322C4FD56}" type="slidenum">
               <a:rPr b="1" lang="en-GB" sz="850" strike="noStrike" u="none">
                 <a:solidFill>
                   <a:schemeClr val="accent1"/>
@@ -14255,7 +14279,7 @@
         <p:spPr>
           <a:xfrm>
             <a:off x="10641240" y="6393600"/>
-            <a:ext cx="1232640" cy="136080"/>
+            <a:ext cx="1232280" cy="135720"/>
           </a:xfrm>
           <a:prstGeom prst="rect">
             <a:avLst/>
@@ -14350,7 +14374,7 @@
         <p:spPr>
           <a:xfrm>
             <a:off x="326160" y="6393600"/>
-            <a:ext cx="1416600" cy="136080"/>
+            <a:ext cx="1416240" cy="135720"/>
           </a:xfrm>
           <a:prstGeom prst="rect">
             <a:avLst/>
@@ -14411,7 +14435,7 @@
         <p:spPr>
           <a:xfrm>
             <a:off x="1965240" y="6393600"/>
-            <a:ext cx="3422520" cy="136080"/>
+            <a:ext cx="3422160" cy="135720"/>
           </a:xfrm>
           <a:prstGeom prst="rect">
             <a:avLst/>
@@ -14489,7 +14513,7 @@
         <p:spPr>
           <a:xfrm>
             <a:off x="5936760" y="6393600"/>
-            <a:ext cx="317520" cy="136080"/>
+            <a:ext cx="317160" cy="135720"/>
           </a:xfrm>
           <a:prstGeom prst="rect">
             <a:avLst/>
@@ -14532,7 +14556,7 @@
                 <a:tab algn="l" pos="0"/>
               </a:tabLst>
             </a:pPr>
-            <a:fld id="{8435C870-4DE4-4BD7-A499-32F492328AA9}" type="slidenum">
+            <a:fld id="{0DF0ECF8-3A85-418E-8318-07397811BFA2}" type="slidenum">
               <a:rPr b="1" lang="en-GB" sz="850" strike="noStrike" u="none">
                 <a:solidFill>
                   <a:schemeClr val="accent1"/>
@@ -14567,7 +14591,7 @@
         <p:spPr>
           <a:xfrm>
             <a:off x="10641240" y="6393600"/>
-            <a:ext cx="1232640" cy="136080"/>
+            <a:ext cx="1232280" cy="135720"/>
           </a:xfrm>
           <a:prstGeom prst="rect">
             <a:avLst/>
@@ -14662,7 +14686,7 @@
         <p:spPr>
           <a:xfrm>
             <a:off x="326160" y="6393600"/>
-            <a:ext cx="1416600" cy="136080"/>
+            <a:ext cx="1416240" cy="135720"/>
           </a:xfrm>
           <a:prstGeom prst="rect">
             <a:avLst/>
@@ -14723,7 +14747,7 @@
         <p:spPr>
           <a:xfrm>
             <a:off x="1965240" y="6393600"/>
-            <a:ext cx="3422520" cy="136080"/>
+            <a:ext cx="3422160" cy="135720"/>
           </a:xfrm>
           <a:prstGeom prst="rect">
             <a:avLst/>
@@ -14801,7 +14825,7 @@
         <p:spPr>
           <a:xfrm>
             <a:off x="5936760" y="6393600"/>
-            <a:ext cx="317520" cy="136080"/>
+            <a:ext cx="317160" cy="135720"/>
           </a:xfrm>
           <a:prstGeom prst="rect">
             <a:avLst/>
@@ -14844,7 +14868,7 @@
                 <a:tab algn="l" pos="0"/>
               </a:tabLst>
             </a:pPr>
-            <a:fld id="{847A0D03-359C-42E8-BF2A-EDC3BD08D5A5}" type="slidenum">
+            <a:fld id="{6B727247-7B6D-491B-A990-604A6DB64230}" type="slidenum">
               <a:rPr b="1" lang="en-GB" sz="850" strike="noStrike" u="none">
                 <a:solidFill>
                   <a:schemeClr val="accent1"/>
@@ -14879,7 +14903,7 @@
         <p:spPr>
           <a:xfrm>
             <a:off x="10641240" y="6393600"/>
-            <a:ext cx="1232640" cy="136080"/>
+            <a:ext cx="1232280" cy="135720"/>
           </a:xfrm>
           <a:prstGeom prst="rect">
             <a:avLst/>
@@ -14974,7 +14998,7 @@
         <p:spPr>
           <a:xfrm>
             <a:off x="326160" y="6393600"/>
-            <a:ext cx="1416600" cy="136080"/>
+            <a:ext cx="1416240" cy="135720"/>
           </a:xfrm>
           <a:prstGeom prst="rect">
             <a:avLst/>
@@ -15035,7 +15059,7 @@
         <p:spPr>
           <a:xfrm>
             <a:off x="1965240" y="6393600"/>
-            <a:ext cx="3422520" cy="136080"/>
+            <a:ext cx="3422160" cy="135720"/>
           </a:xfrm>
           <a:prstGeom prst="rect">
             <a:avLst/>
@@ -15113,7 +15137,7 @@
         <p:spPr>
           <a:xfrm>
             <a:off x="5936760" y="6393600"/>
-            <a:ext cx="317520" cy="136080"/>
+            <a:ext cx="317160" cy="135720"/>
           </a:xfrm>
           <a:prstGeom prst="rect">
             <a:avLst/>
@@ -15156,7 +15180,7 @@
                 <a:tab algn="l" pos="0"/>
               </a:tabLst>
             </a:pPr>
-            <a:fld id="{1F82CA4D-7E48-48A1-8B11-9D56E28D0470}" type="slidenum">
+            <a:fld id="{D0906BC8-C7E9-4DA3-8681-8442F2533662}" type="slidenum">
               <a:rPr b="1" lang="en-GB" sz="850" strike="noStrike" u="none">
                 <a:solidFill>
                   <a:schemeClr val="accent1"/>
@@ -15191,7 +15215,7 @@
         <p:spPr>
           <a:xfrm>
             <a:off x="10641240" y="6393600"/>
-            <a:ext cx="1232640" cy="136080"/>
+            <a:ext cx="1232280" cy="135720"/>
           </a:xfrm>
           <a:prstGeom prst="rect">
             <a:avLst/>
@@ -15286,7 +15310,7 @@
         <p:spPr>
           <a:xfrm>
             <a:off x="326160" y="6393600"/>
-            <a:ext cx="1416600" cy="136080"/>
+            <a:ext cx="1416240" cy="135720"/>
           </a:xfrm>
           <a:prstGeom prst="rect">
             <a:avLst/>
@@ -15343,9 +15367,9 @@
         <p:grpSpPr>
           <a:xfrm>
             <a:off x="330120" y="327960"/>
-            <a:ext cx="3971880" cy="437040"/>
+            <a:ext cx="3971520" cy="436680"/>
             <a:chOff x="330120" y="327960"/>
-            <a:chExt cx="3971880" cy="437040"/>
+            <a:chExt cx="3971520" cy="436680"/>
           </a:xfrm>
         </p:grpSpPr>
         <p:sp>
@@ -15357,17 +15381,18 @@
           <p:spPr>
             <a:xfrm>
               <a:off x="4018680" y="327960"/>
-              <a:ext cx="283320" cy="437040"/>
+              <a:ext cx="282960" cy="436680"/>
             </a:xfrm>
             <a:custGeom>
               <a:avLst/>
               <a:gdLst>
-                <a:gd name="textAreaLeft" fmla="*/ 0 w 283320"/>
-                <a:gd name="textAreaRight" fmla="*/ 284400 w 283320"/>
-                <a:gd name="textAreaTop" fmla="*/ 0 h 437040"/>
-                <a:gd name="textAreaBottom" fmla="*/ 438120 h 437040"/>
+                <a:gd name="textAreaLeft" fmla="*/ 0 w 282960"/>
+                <a:gd name="textAreaRight" fmla="*/ 284400 w 282960"/>
+                <a:gd name="textAreaTop" fmla="*/ 0 h 436680"/>
+                <a:gd name="textAreaBottom" fmla="*/ 438120 h 436680"/>
               </a:gdLst>
               <a:ahLst/>
+              <a:cxnLst/>
               <a:rect l="textAreaLeft" t="textAreaTop" r="textAreaRight" b="textAreaBottom"/>
               <a:pathLst>
                 <a:path w="1099" h="1694">
@@ -15439,17 +15464,18 @@
           <p:spPr>
             <a:xfrm>
               <a:off x="3434400" y="327960"/>
-              <a:ext cx="396000" cy="437040"/>
+              <a:ext cx="395640" cy="436680"/>
             </a:xfrm>
             <a:custGeom>
               <a:avLst/>
               <a:gdLst>
-                <a:gd name="textAreaLeft" fmla="*/ 0 w 396000"/>
-                <a:gd name="textAreaRight" fmla="*/ 397080 w 396000"/>
-                <a:gd name="textAreaTop" fmla="*/ 0 h 437040"/>
-                <a:gd name="textAreaBottom" fmla="*/ 438120 h 437040"/>
+                <a:gd name="textAreaLeft" fmla="*/ 0 w 395640"/>
+                <a:gd name="textAreaRight" fmla="*/ 397080 w 395640"/>
+                <a:gd name="textAreaTop" fmla="*/ 0 h 436680"/>
+                <a:gd name="textAreaBottom" fmla="*/ 438120 h 436680"/>
               </a:gdLst>
               <a:ahLst/>
+              <a:cxnLst/>
               <a:rect l="textAreaLeft" t="textAreaTop" r="textAreaRight" b="textAreaBottom"/>
               <a:pathLst>
                 <a:path w="1535" h="1694">
@@ -15540,17 +15566,18 @@
           <p:spPr>
             <a:xfrm>
               <a:off x="2981160" y="327960"/>
-              <a:ext cx="286920" cy="437040"/>
+              <a:ext cx="286560" cy="436680"/>
             </a:xfrm>
             <a:custGeom>
               <a:avLst/>
               <a:gdLst>
-                <a:gd name="textAreaLeft" fmla="*/ 0 w 286920"/>
-                <a:gd name="textAreaRight" fmla="*/ 288000 w 286920"/>
-                <a:gd name="textAreaTop" fmla="*/ 0 h 437040"/>
-                <a:gd name="textAreaBottom" fmla="*/ 438120 h 437040"/>
+                <a:gd name="textAreaLeft" fmla="*/ 0 w 286560"/>
+                <a:gd name="textAreaRight" fmla="*/ 288000 w 286560"/>
+                <a:gd name="textAreaTop" fmla="*/ 0 h 436680"/>
+                <a:gd name="textAreaBottom" fmla="*/ 438120 h 436680"/>
               </a:gdLst>
               <a:ahLst/>
+              <a:cxnLst/>
               <a:rect l="textAreaLeft" t="textAreaTop" r="textAreaRight" b="textAreaBottom"/>
               <a:pathLst>
                 <a:path w="1113" h="1694">
@@ -15640,17 +15667,18 @@
           <p:spPr>
             <a:xfrm>
               <a:off x="2467440" y="327960"/>
-              <a:ext cx="339480" cy="437040"/>
+              <a:ext cx="339120" cy="436680"/>
             </a:xfrm>
             <a:custGeom>
               <a:avLst/>
               <a:gdLst>
-                <a:gd name="textAreaLeft" fmla="*/ 0 w 339480"/>
-                <a:gd name="textAreaRight" fmla="*/ 340560 w 339480"/>
-                <a:gd name="textAreaTop" fmla="*/ 0 h 437040"/>
-                <a:gd name="textAreaBottom" fmla="*/ 438120 h 437040"/>
+                <a:gd name="textAreaLeft" fmla="*/ 0 w 339120"/>
+                <a:gd name="textAreaRight" fmla="*/ 340560 w 339120"/>
+                <a:gd name="textAreaTop" fmla="*/ 0 h 436680"/>
+                <a:gd name="textAreaBottom" fmla="*/ 438120 h 436680"/>
               </a:gdLst>
               <a:ahLst/>
+              <a:cxnLst/>
               <a:rect l="textAreaLeft" t="textAreaTop" r="textAreaRight" b="textAreaBottom"/>
               <a:pathLst>
                 <a:path w="932" h="1199">
@@ -15786,17 +15814,18 @@
           <p:spPr>
             <a:xfrm>
               <a:off x="1977480" y="327960"/>
-              <a:ext cx="282960" cy="437040"/>
+              <a:ext cx="282600" cy="436680"/>
             </a:xfrm>
             <a:custGeom>
               <a:avLst/>
               <a:gdLst>
-                <a:gd name="textAreaLeft" fmla="*/ 0 w 282960"/>
-                <a:gd name="textAreaRight" fmla="*/ 284040 w 282960"/>
-                <a:gd name="textAreaTop" fmla="*/ 0 h 437040"/>
-                <a:gd name="textAreaBottom" fmla="*/ 438120 h 437040"/>
+                <a:gd name="textAreaLeft" fmla="*/ 0 w 282600"/>
+                <a:gd name="textAreaRight" fmla="*/ 284040 w 282600"/>
+                <a:gd name="textAreaTop" fmla="*/ 0 h 436680"/>
+                <a:gd name="textAreaBottom" fmla="*/ 438120 h 436680"/>
               </a:gdLst>
               <a:ahLst/>
+              <a:cxnLst/>
               <a:rect l="textAreaLeft" t="textAreaTop" r="textAreaRight" b="textAreaBottom"/>
               <a:pathLst>
                 <a:path w="1098" h="1694">
@@ -15886,17 +15915,18 @@
           <p:spPr>
             <a:xfrm>
               <a:off x="1489320" y="327960"/>
-              <a:ext cx="313200" cy="437040"/>
+              <a:ext cx="312840" cy="436680"/>
             </a:xfrm>
             <a:custGeom>
               <a:avLst/>
               <a:gdLst>
-                <a:gd name="textAreaLeft" fmla="*/ 0 w 313200"/>
-                <a:gd name="textAreaRight" fmla="*/ 314280 w 313200"/>
-                <a:gd name="textAreaTop" fmla="*/ 0 h 437040"/>
-                <a:gd name="textAreaBottom" fmla="*/ 438120 h 437040"/>
+                <a:gd name="textAreaLeft" fmla="*/ 0 w 312840"/>
+                <a:gd name="textAreaRight" fmla="*/ 314280 w 312840"/>
+                <a:gd name="textAreaTop" fmla="*/ 0 h 436680"/>
+                <a:gd name="textAreaBottom" fmla="*/ 438120 h 436680"/>
               </a:gdLst>
               <a:ahLst/>
+              <a:cxnLst/>
               <a:rect l="textAreaLeft" t="textAreaTop" r="textAreaRight" b="textAreaBottom"/>
               <a:pathLst>
                 <a:path w="860" h="1199">
@@ -16012,17 +16042,18 @@
           <p:spPr>
             <a:xfrm>
               <a:off x="833400" y="327960"/>
-              <a:ext cx="443880" cy="437040"/>
+              <a:ext cx="443520" cy="436680"/>
             </a:xfrm>
             <a:custGeom>
               <a:avLst/>
               <a:gdLst>
-                <a:gd name="textAreaLeft" fmla="*/ 0 w 443880"/>
-                <a:gd name="textAreaRight" fmla="*/ 444960 w 443880"/>
-                <a:gd name="textAreaTop" fmla="*/ 0 h 437040"/>
-                <a:gd name="textAreaBottom" fmla="*/ 438120 h 437040"/>
+                <a:gd name="textAreaLeft" fmla="*/ 0 w 443520"/>
+                <a:gd name="textAreaRight" fmla="*/ 444960 w 443520"/>
+                <a:gd name="textAreaTop" fmla="*/ 0 h 436680"/>
+                <a:gd name="textAreaBottom" fmla="*/ 438120 h 436680"/>
               </a:gdLst>
               <a:ahLst/>
+              <a:cxnLst/>
               <a:rect l="textAreaLeft" t="textAreaTop" r="textAreaRight" b="textAreaBottom"/>
               <a:pathLst>
                 <a:path w="1720" h="1694">
@@ -16121,17 +16152,18 @@
           <p:spPr>
             <a:xfrm>
               <a:off x="330120" y="327960"/>
-              <a:ext cx="286920" cy="437040"/>
+              <a:ext cx="286560" cy="436680"/>
             </a:xfrm>
             <a:custGeom>
               <a:avLst/>
               <a:gdLst>
-                <a:gd name="textAreaLeft" fmla="*/ 0 w 286920"/>
-                <a:gd name="textAreaRight" fmla="*/ 288000 w 286920"/>
-                <a:gd name="textAreaTop" fmla="*/ 0 h 437040"/>
-                <a:gd name="textAreaBottom" fmla="*/ 438120 h 437040"/>
+                <a:gd name="textAreaLeft" fmla="*/ 0 w 286560"/>
+                <a:gd name="textAreaRight" fmla="*/ 288000 w 286560"/>
+                <a:gd name="textAreaTop" fmla="*/ 0 h 436680"/>
+                <a:gd name="textAreaBottom" fmla="*/ 438120 h 436680"/>
               </a:gdLst>
               <a:ahLst/>
+              <a:cxnLst/>
               <a:rect l="textAreaLeft" t="textAreaTop" r="textAreaRight" b="textAreaBottom"/>
               <a:pathLst>
                 <a:path w="1113" h="1694">
@@ -16255,7 +16287,7 @@
         <p:spPr>
           <a:xfrm>
             <a:off x="326160" y="6393600"/>
-            <a:ext cx="1416600" cy="136080"/>
+            <a:ext cx="1416240" cy="135720"/>
           </a:xfrm>
           <a:prstGeom prst="rect">
             <a:avLst/>
@@ -16316,7 +16348,7 @@
         <p:spPr>
           <a:xfrm>
             <a:off x="1965240" y="6393600"/>
-            <a:ext cx="3422520" cy="136080"/>
+            <a:ext cx="3422160" cy="135720"/>
           </a:xfrm>
           <a:prstGeom prst="rect">
             <a:avLst/>
@@ -16394,7 +16426,7 @@
         <p:spPr>
           <a:xfrm>
             <a:off x="5936760" y="6393600"/>
-            <a:ext cx="317520" cy="136080"/>
+            <a:ext cx="317160" cy="135720"/>
           </a:xfrm>
           <a:prstGeom prst="rect">
             <a:avLst/>
@@ -16437,7 +16469,7 @@
                 <a:tab algn="l" pos="0"/>
               </a:tabLst>
             </a:pPr>
-            <a:fld id="{737B08A7-1FC3-4DA0-81CA-9D8D781D04EE}" type="slidenum">
+            <a:fld id="{2B860BE7-2653-401F-AF24-56E6DE66178F}" type="slidenum">
               <a:rPr b="1" lang="en-GB" sz="850" strike="noStrike" u="none">
                 <a:solidFill>
                   <a:schemeClr val="accent1"/>
@@ -16472,7 +16504,7 @@
         <p:spPr>
           <a:xfrm>
             <a:off x="10641240" y="6393600"/>
-            <a:ext cx="1232640" cy="136080"/>
+            <a:ext cx="1232280" cy="135720"/>
           </a:xfrm>
           <a:prstGeom prst="rect">
             <a:avLst/>
@@ -16567,7 +16599,7 @@
         <p:spPr>
           <a:xfrm>
             <a:off x="326160" y="6393600"/>
-            <a:ext cx="1416600" cy="136080"/>
+            <a:ext cx="1416240" cy="135720"/>
           </a:xfrm>
           <a:prstGeom prst="rect">
             <a:avLst/>
@@ -16628,7 +16660,7 @@
         <p:spPr>
           <a:xfrm>
             <a:off x="1965240" y="6393600"/>
-            <a:ext cx="3422520" cy="136080"/>
+            <a:ext cx="3422160" cy="135720"/>
           </a:xfrm>
           <a:prstGeom prst="rect">
             <a:avLst/>
@@ -16706,7 +16738,7 @@
         <p:spPr>
           <a:xfrm>
             <a:off x="5936760" y="6393600"/>
-            <a:ext cx="317520" cy="136080"/>
+            <a:ext cx="317160" cy="135720"/>
           </a:xfrm>
           <a:prstGeom prst="rect">
             <a:avLst/>
@@ -16749,7 +16781,7 @@
                 <a:tab algn="l" pos="0"/>
               </a:tabLst>
             </a:pPr>
-            <a:fld id="{3D7B035B-E574-4D9B-B3BC-3178B9A65447}" type="slidenum">
+            <a:fld id="{8F7A87C3-E0DB-4CA6-91FF-9E42982C086E}" type="slidenum">
               <a:rPr b="1" lang="en-GB" sz="850" strike="noStrike" u="none">
                 <a:solidFill>
                   <a:schemeClr val="accent1"/>
@@ -16784,7 +16816,7 @@
         <p:spPr>
           <a:xfrm>
             <a:off x="10641240" y="6393600"/>
-            <a:ext cx="1232640" cy="136080"/>
+            <a:ext cx="1232280" cy="135720"/>
           </a:xfrm>
           <a:prstGeom prst="rect">
             <a:avLst/>
@@ -16879,7 +16911,7 @@
         <p:spPr>
           <a:xfrm>
             <a:off x="326160" y="6393600"/>
-            <a:ext cx="1416600" cy="136080"/>
+            <a:ext cx="1416240" cy="135720"/>
           </a:xfrm>
           <a:prstGeom prst="rect">
             <a:avLst/>
@@ -16940,7 +16972,7 @@
         <p:spPr>
           <a:xfrm>
             <a:off x="1965240" y="6393600"/>
-            <a:ext cx="3422520" cy="136080"/>
+            <a:ext cx="3422160" cy="135720"/>
           </a:xfrm>
           <a:prstGeom prst="rect">
             <a:avLst/>
@@ -17018,7 +17050,7 @@
         <p:spPr>
           <a:xfrm>
             <a:off x="5936760" y="6393600"/>
-            <a:ext cx="317520" cy="136080"/>
+            <a:ext cx="317160" cy="135720"/>
           </a:xfrm>
           <a:prstGeom prst="rect">
             <a:avLst/>
@@ -17061,7 +17093,7 @@
                 <a:tab algn="l" pos="0"/>
               </a:tabLst>
             </a:pPr>
-            <a:fld id="{9B6F190A-6015-4E80-BF8A-D9B689858B03}" type="slidenum">
+            <a:fld id="{24B041E6-F69A-459A-B67F-EF709589A8A0}" type="slidenum">
               <a:rPr b="1" lang="en-GB" sz="850" strike="noStrike" u="none">
                 <a:solidFill>
                   <a:schemeClr val="accent1"/>
@@ -17096,7 +17128,7 @@
         <p:spPr>
           <a:xfrm>
             <a:off x="10641240" y="6393600"/>
-            <a:ext cx="1232640" cy="136080"/>
+            <a:ext cx="1232280" cy="135720"/>
           </a:xfrm>
           <a:prstGeom prst="rect">
             <a:avLst/>
@@ -17191,7 +17223,7 @@
         <p:spPr>
           <a:xfrm>
             <a:off x="326160" y="6393600"/>
-            <a:ext cx="1416600" cy="136080"/>
+            <a:ext cx="1416240" cy="135720"/>
           </a:xfrm>
           <a:prstGeom prst="rect">
             <a:avLst/>
@@ -17252,7 +17284,7 @@
         <p:spPr>
           <a:xfrm>
             <a:off x="1965240" y="6393600"/>
-            <a:ext cx="3422520" cy="136080"/>
+            <a:ext cx="3422160" cy="135720"/>
           </a:xfrm>
           <a:prstGeom prst="rect">
             <a:avLst/>
@@ -17330,7 +17362,7 @@
         <p:spPr>
           <a:xfrm>
             <a:off x="5936760" y="6393600"/>
-            <a:ext cx="317520" cy="136080"/>
+            <a:ext cx="317160" cy="135720"/>
           </a:xfrm>
           <a:prstGeom prst="rect">
             <a:avLst/>
@@ -17373,7 +17405,7 @@
                 <a:tab algn="l" pos="0"/>
               </a:tabLst>
             </a:pPr>
-            <a:fld id="{90CA09F3-6C0D-42F5-82BE-838F8DF922BB}" type="slidenum">
+            <a:fld id="{45132928-5612-40CD-A9D1-3F86D7660C21}" type="slidenum">
               <a:rPr b="1" lang="en-GB" sz="850" strike="noStrike" u="none">
                 <a:solidFill>
                   <a:schemeClr val="accent1"/>
@@ -17408,7 +17440,7 @@
         <p:spPr>
           <a:xfrm>
             <a:off x="10641240" y="6393600"/>
-            <a:ext cx="1232640" cy="136080"/>
+            <a:ext cx="1232280" cy="135720"/>
           </a:xfrm>
           <a:prstGeom prst="rect">
             <a:avLst/>
@@ -17503,7 +17535,7 @@
         <p:spPr>
           <a:xfrm>
             <a:off x="326160" y="6393600"/>
-            <a:ext cx="1416600" cy="136080"/>
+            <a:ext cx="1416240" cy="135720"/>
           </a:xfrm>
           <a:prstGeom prst="rect">
             <a:avLst/>
@@ -17564,7 +17596,7 @@
         <p:spPr>
           <a:xfrm>
             <a:off x="1965240" y="6393600"/>
-            <a:ext cx="3422520" cy="136080"/>
+            <a:ext cx="3422160" cy="135720"/>
           </a:xfrm>
           <a:prstGeom prst="rect">
             <a:avLst/>
@@ -17642,7 +17674,7 @@
         <p:spPr>
           <a:xfrm>
             <a:off x="5936760" y="6393600"/>
-            <a:ext cx="317520" cy="136080"/>
+            <a:ext cx="317160" cy="135720"/>
           </a:xfrm>
           <a:prstGeom prst="rect">
             <a:avLst/>
@@ -17685,7 +17717,7 @@
                 <a:tab algn="l" pos="0"/>
               </a:tabLst>
             </a:pPr>
-            <a:fld id="{DED05AE8-346D-4B27-A76E-682E5FCCE936}" type="slidenum">
+            <a:fld id="{533CCF87-14DE-4E4C-AE68-39BC84727508}" type="slidenum">
               <a:rPr b="1" lang="en-GB" sz="850" strike="noStrike" u="none">
                 <a:solidFill>
                   <a:schemeClr val="accent1"/>
@@ -17720,7 +17752,7 @@
         <p:spPr>
           <a:xfrm>
             <a:off x="10641240" y="6393600"/>
-            <a:ext cx="1232640" cy="136080"/>
+            <a:ext cx="1232280" cy="135720"/>
           </a:xfrm>
           <a:prstGeom prst="rect">
             <a:avLst/>
@@ -17815,7 +17847,7 @@
         <p:spPr>
           <a:xfrm>
             <a:off x="326160" y="6393600"/>
-            <a:ext cx="1416600" cy="136080"/>
+            <a:ext cx="1416240" cy="135720"/>
           </a:xfrm>
           <a:prstGeom prst="rect">
             <a:avLst/>
@@ -17876,7 +17908,7 @@
         <p:spPr>
           <a:xfrm>
             <a:off x="1965240" y="6393600"/>
-            <a:ext cx="3422520" cy="136080"/>
+            <a:ext cx="3422160" cy="135720"/>
           </a:xfrm>
           <a:prstGeom prst="rect">
             <a:avLst/>
@@ -17954,7 +17986,7 @@
         <p:spPr>
           <a:xfrm>
             <a:off x="5936760" y="6393600"/>
-            <a:ext cx="317520" cy="136080"/>
+            <a:ext cx="317160" cy="135720"/>
           </a:xfrm>
           <a:prstGeom prst="rect">
             <a:avLst/>
@@ -17997,7 +18029,7 @@
                 <a:tab algn="l" pos="0"/>
               </a:tabLst>
             </a:pPr>
-            <a:fld id="{F7109EFD-1F84-45B1-863E-A66C2340D612}" type="slidenum">
+            <a:fld id="{ED158EFD-861C-494C-B7B8-D1E2C5C858E0}" type="slidenum">
               <a:rPr b="1" lang="en-GB" sz="850" strike="noStrike" u="none">
                 <a:solidFill>
                   <a:schemeClr val="accent1"/>
@@ -18032,7 +18064,7 @@
         <p:spPr>
           <a:xfrm>
             <a:off x="10641240" y="6393600"/>
-            <a:ext cx="1232640" cy="136080"/>
+            <a:ext cx="1232280" cy="135720"/>
           </a:xfrm>
           <a:prstGeom prst="rect">
             <a:avLst/>
@@ -18127,7 +18159,7 @@
         <p:spPr>
           <a:xfrm>
             <a:off x="326160" y="6393600"/>
-            <a:ext cx="1416600" cy="136080"/>
+            <a:ext cx="1416240" cy="135720"/>
           </a:xfrm>
           <a:prstGeom prst="rect">
             <a:avLst/>
@@ -18188,7 +18220,7 @@
         <p:spPr>
           <a:xfrm>
             <a:off x="1965240" y="6393600"/>
-            <a:ext cx="3422520" cy="136080"/>
+            <a:ext cx="3422160" cy="135720"/>
           </a:xfrm>
           <a:prstGeom prst="rect">
             <a:avLst/>
@@ -18266,7 +18298,7 @@
         <p:spPr>
           <a:xfrm>
             <a:off x="5936760" y="6393600"/>
-            <a:ext cx="317520" cy="136080"/>
+            <a:ext cx="317160" cy="135720"/>
           </a:xfrm>
           <a:prstGeom prst="rect">
             <a:avLst/>
@@ -18309,7 +18341,7 @@
                 <a:tab algn="l" pos="0"/>
               </a:tabLst>
             </a:pPr>
-            <a:fld id="{2A945331-5B9C-49DF-B4D2-437316BAEBE1}" type="slidenum">
+            <a:fld id="{6B0954CC-CA49-41B0-852E-5E027AFED7F8}" type="slidenum">
               <a:rPr b="1" lang="en-GB" sz="850" strike="noStrike" u="none">
                 <a:solidFill>
                   <a:schemeClr val="accent1"/>
@@ -18344,7 +18376,7 @@
         <p:spPr>
           <a:xfrm>
             <a:off x="10641240" y="6393600"/>
-            <a:ext cx="1232640" cy="136080"/>
+            <a:ext cx="1232280" cy="135720"/>
           </a:xfrm>
           <a:prstGeom prst="rect">
             <a:avLst/>
@@ -18439,7 +18471,7 @@
         <p:spPr>
           <a:xfrm>
             <a:off x="326160" y="6393600"/>
-            <a:ext cx="1416600" cy="136080"/>
+            <a:ext cx="1416240" cy="135720"/>
           </a:xfrm>
           <a:prstGeom prst="rect">
             <a:avLst/>
@@ -18500,7 +18532,7 @@
         <p:spPr>
           <a:xfrm>
             <a:off x="1965240" y="6393600"/>
-            <a:ext cx="3422520" cy="136080"/>
+            <a:ext cx="3422160" cy="135720"/>
           </a:xfrm>
           <a:prstGeom prst="rect">
             <a:avLst/>
@@ -18578,7 +18610,7 @@
         <p:spPr>
           <a:xfrm>
             <a:off x="5936760" y="6393600"/>
-            <a:ext cx="317520" cy="136080"/>
+            <a:ext cx="317160" cy="135720"/>
           </a:xfrm>
           <a:prstGeom prst="rect">
             <a:avLst/>
@@ -18621,7 +18653,7 @@
                 <a:tab algn="l" pos="0"/>
               </a:tabLst>
             </a:pPr>
-            <a:fld id="{D59E7741-C3D3-4A03-83A7-27CAADD0830D}" type="slidenum">
+            <a:fld id="{94A96CEC-D7CC-4F4B-A1CF-EAD4245DEB9F}" type="slidenum">
               <a:rPr b="1" lang="en-GB" sz="850" strike="noStrike" u="none">
                 <a:solidFill>
                   <a:schemeClr val="accent1"/>
@@ -18656,7 +18688,7 @@
         <p:spPr>
           <a:xfrm>
             <a:off x="10641240" y="6393600"/>
-            <a:ext cx="1232640" cy="136080"/>
+            <a:ext cx="1232280" cy="135720"/>
           </a:xfrm>
           <a:prstGeom prst="rect">
             <a:avLst/>
@@ -18751,7 +18783,7 @@
         <p:spPr>
           <a:xfrm>
             <a:off x="326160" y="6393600"/>
-            <a:ext cx="1416600" cy="136080"/>
+            <a:ext cx="1416240" cy="135720"/>
           </a:xfrm>
           <a:prstGeom prst="rect">
             <a:avLst/>
@@ -18812,7 +18844,7 @@
         <p:spPr>
           <a:xfrm>
             <a:off x="1965240" y="6393600"/>
-            <a:ext cx="3422520" cy="136080"/>
+            <a:ext cx="3422160" cy="135720"/>
           </a:xfrm>
           <a:prstGeom prst="rect">
             <a:avLst/>
@@ -18890,7 +18922,7 @@
         <p:spPr>
           <a:xfrm>
             <a:off x="5936760" y="6393600"/>
-            <a:ext cx="317520" cy="136080"/>
+            <a:ext cx="317160" cy="135720"/>
           </a:xfrm>
           <a:prstGeom prst="rect">
             <a:avLst/>
@@ -18933,7 +18965,7 @@
                 <a:tab algn="l" pos="0"/>
               </a:tabLst>
             </a:pPr>
-            <a:fld id="{0557F23C-8689-48D2-B5C9-1BF26C728E3F}" type="slidenum">
+            <a:fld id="{14D3F4BE-86CB-4F68-86D2-6D539BADFFB6}" type="slidenum">
               <a:rPr b="1" lang="en-GB" sz="850" strike="noStrike" u="none">
                 <a:solidFill>
                   <a:schemeClr val="accent1"/>
@@ -18968,7 +19000,7 @@
         <p:spPr>
           <a:xfrm>
             <a:off x="10641240" y="6393600"/>
-            <a:ext cx="1232640" cy="136080"/>
+            <a:ext cx="1232280" cy="135720"/>
           </a:xfrm>
           <a:prstGeom prst="rect">
             <a:avLst/>
@@ -19063,7 +19095,7 @@
         <p:spPr>
           <a:xfrm>
             <a:off x="326160" y="6393600"/>
-            <a:ext cx="1416600" cy="136080"/>
+            <a:ext cx="1416240" cy="135720"/>
           </a:xfrm>
           <a:prstGeom prst="rect">
             <a:avLst/>
@@ -19153,7 +19185,7 @@
         <p:spPr>
           <a:xfrm>
             <a:off x="326160" y="6393600"/>
-            <a:ext cx="1416600" cy="136080"/>
+            <a:ext cx="1416240" cy="135720"/>
           </a:xfrm>
           <a:prstGeom prst="rect">
             <a:avLst/>
@@ -19210,9 +19242,9 @@
         <p:grpSpPr>
           <a:xfrm>
             <a:off x="330120" y="327960"/>
-            <a:ext cx="11535480" cy="1271160"/>
+            <a:ext cx="11535120" cy="1270800"/>
             <a:chOff x="330120" y="327960"/>
-            <a:chExt cx="11535480" cy="1271160"/>
+            <a:chExt cx="11535120" cy="1270800"/>
           </a:xfrm>
         </p:grpSpPr>
         <p:sp>
@@ -19224,17 +19256,18 @@
           <p:spPr>
             <a:xfrm>
               <a:off x="11041200" y="327960"/>
-              <a:ext cx="824400" cy="1271160"/>
+              <a:ext cx="824040" cy="1270800"/>
             </a:xfrm>
             <a:custGeom>
               <a:avLst/>
               <a:gdLst>
-                <a:gd name="textAreaLeft" fmla="*/ 0 w 824400"/>
-                <a:gd name="textAreaRight" fmla="*/ 825480 w 824400"/>
-                <a:gd name="textAreaTop" fmla="*/ 0 h 1271160"/>
-                <a:gd name="textAreaBottom" fmla="*/ 1272240 h 1271160"/>
+                <a:gd name="textAreaLeft" fmla="*/ 0 w 824040"/>
+                <a:gd name="textAreaRight" fmla="*/ 825480 w 824040"/>
+                <a:gd name="textAreaTop" fmla="*/ 0 h 1270800"/>
+                <a:gd name="textAreaBottom" fmla="*/ 1272240 h 1270800"/>
               </a:gdLst>
               <a:ahLst/>
+              <a:cxnLst/>
               <a:rect l="textAreaLeft" t="textAreaTop" r="textAreaRight" b="textAreaBottom"/>
               <a:pathLst>
                 <a:path w="1099" h="1694">
@@ -19306,17 +19339,18 @@
           <p:spPr>
             <a:xfrm>
               <a:off x="9344520" y="327960"/>
-              <a:ext cx="1151640" cy="1271160"/>
+              <a:ext cx="1151280" cy="1270800"/>
             </a:xfrm>
             <a:custGeom>
               <a:avLst/>
               <a:gdLst>
-                <a:gd name="textAreaLeft" fmla="*/ 0 w 1151640"/>
-                <a:gd name="textAreaRight" fmla="*/ 1152720 w 1151640"/>
-                <a:gd name="textAreaTop" fmla="*/ 0 h 1271160"/>
-                <a:gd name="textAreaBottom" fmla="*/ 1272240 h 1271160"/>
+                <a:gd name="textAreaLeft" fmla="*/ 0 w 1151280"/>
+                <a:gd name="textAreaRight" fmla="*/ 1152720 w 1151280"/>
+                <a:gd name="textAreaTop" fmla="*/ 0 h 1270800"/>
+                <a:gd name="textAreaBottom" fmla="*/ 1272240 h 1270800"/>
               </a:gdLst>
               <a:ahLst/>
+              <a:cxnLst/>
               <a:rect l="textAreaLeft" t="textAreaTop" r="textAreaRight" b="textAreaBottom"/>
               <a:pathLst>
                 <a:path w="1535" h="1694">
@@ -19407,17 +19441,18 @@
           <p:spPr>
             <a:xfrm>
               <a:off x="8028720" y="327960"/>
-              <a:ext cx="834840" cy="1271160"/>
+              <a:ext cx="834480" cy="1270800"/>
             </a:xfrm>
             <a:custGeom>
               <a:avLst/>
               <a:gdLst>
-                <a:gd name="textAreaLeft" fmla="*/ 0 w 834840"/>
-                <a:gd name="textAreaRight" fmla="*/ 835920 w 834840"/>
-                <a:gd name="textAreaTop" fmla="*/ 0 h 1271160"/>
-                <a:gd name="textAreaBottom" fmla="*/ 1272240 h 1271160"/>
+                <a:gd name="textAreaLeft" fmla="*/ 0 w 834480"/>
+                <a:gd name="textAreaRight" fmla="*/ 835920 w 834480"/>
+                <a:gd name="textAreaTop" fmla="*/ 0 h 1270800"/>
+                <a:gd name="textAreaBottom" fmla="*/ 1272240 h 1270800"/>
               </a:gdLst>
               <a:ahLst/>
+              <a:cxnLst/>
               <a:rect l="textAreaLeft" t="textAreaTop" r="textAreaRight" b="textAreaBottom"/>
               <a:pathLst>
                 <a:path w="1113" h="1694">
@@ -19507,17 +19542,18 @@
           <p:spPr>
             <a:xfrm>
               <a:off x="6536160" y="327960"/>
-              <a:ext cx="988200" cy="1271160"/>
+              <a:ext cx="987840" cy="1270800"/>
             </a:xfrm>
             <a:custGeom>
               <a:avLst/>
               <a:gdLst>
-                <a:gd name="textAreaLeft" fmla="*/ 0 w 988200"/>
-                <a:gd name="textAreaRight" fmla="*/ 989280 w 988200"/>
-                <a:gd name="textAreaTop" fmla="*/ 0 h 1271160"/>
-                <a:gd name="textAreaBottom" fmla="*/ 1272240 h 1271160"/>
+                <a:gd name="textAreaLeft" fmla="*/ 0 w 987840"/>
+                <a:gd name="textAreaRight" fmla="*/ 989280 w 987840"/>
+                <a:gd name="textAreaTop" fmla="*/ 0 h 1270800"/>
+                <a:gd name="textAreaBottom" fmla="*/ 1272240 h 1270800"/>
               </a:gdLst>
               <a:ahLst/>
+              <a:cxnLst/>
               <a:rect l="textAreaLeft" t="textAreaTop" r="textAreaRight" b="textAreaBottom"/>
               <a:pathLst>
                 <a:path w="932" h="1199">
@@ -19653,17 +19689,18 @@
           <p:spPr>
             <a:xfrm>
               <a:off x="5113800" y="327960"/>
-              <a:ext cx="823680" cy="1271160"/>
+              <a:ext cx="823320" cy="1270800"/>
             </a:xfrm>
             <a:custGeom>
               <a:avLst/>
               <a:gdLst>
-                <a:gd name="textAreaLeft" fmla="*/ 0 w 823680"/>
-                <a:gd name="textAreaRight" fmla="*/ 824760 w 823680"/>
-                <a:gd name="textAreaTop" fmla="*/ 0 h 1271160"/>
-                <a:gd name="textAreaBottom" fmla="*/ 1272240 h 1271160"/>
+                <a:gd name="textAreaLeft" fmla="*/ 0 w 823320"/>
+                <a:gd name="textAreaRight" fmla="*/ 824760 w 823320"/>
+                <a:gd name="textAreaTop" fmla="*/ 0 h 1270800"/>
+                <a:gd name="textAreaBottom" fmla="*/ 1272240 h 1270800"/>
               </a:gdLst>
               <a:ahLst/>
+              <a:cxnLst/>
               <a:rect l="textAreaLeft" t="textAreaTop" r="textAreaRight" b="textAreaBottom"/>
               <a:pathLst>
                 <a:path w="1098" h="1694">
@@ -19753,17 +19790,18 @@
           <p:spPr>
             <a:xfrm>
               <a:off x="3695760" y="327960"/>
-              <a:ext cx="911520" cy="1271160"/>
+              <a:ext cx="911160" cy="1270800"/>
             </a:xfrm>
             <a:custGeom>
               <a:avLst/>
               <a:gdLst>
-                <a:gd name="textAreaLeft" fmla="*/ 0 w 911520"/>
-                <a:gd name="textAreaRight" fmla="*/ 912600 w 911520"/>
-                <a:gd name="textAreaTop" fmla="*/ 0 h 1271160"/>
-                <a:gd name="textAreaBottom" fmla="*/ 1272240 h 1271160"/>
+                <a:gd name="textAreaLeft" fmla="*/ 0 w 911160"/>
+                <a:gd name="textAreaRight" fmla="*/ 912600 w 911160"/>
+                <a:gd name="textAreaTop" fmla="*/ 0 h 1270800"/>
+                <a:gd name="textAreaBottom" fmla="*/ 1272240 h 1270800"/>
               </a:gdLst>
               <a:ahLst/>
+              <a:cxnLst/>
               <a:rect l="textAreaLeft" t="textAreaTop" r="textAreaRight" b="textAreaBottom"/>
               <a:pathLst>
                 <a:path w="860" h="1199">
@@ -19879,17 +19917,18 @@
           <p:spPr>
             <a:xfrm>
               <a:off x="1791000" y="327960"/>
-              <a:ext cx="1290600" cy="1271160"/>
+              <a:ext cx="1290240" cy="1270800"/>
             </a:xfrm>
             <a:custGeom>
               <a:avLst/>
               <a:gdLst>
-                <a:gd name="textAreaLeft" fmla="*/ 0 w 1290600"/>
-                <a:gd name="textAreaRight" fmla="*/ 1291680 w 1290600"/>
-                <a:gd name="textAreaTop" fmla="*/ 0 h 1271160"/>
-                <a:gd name="textAreaBottom" fmla="*/ 1272240 h 1271160"/>
+                <a:gd name="textAreaLeft" fmla="*/ 0 w 1290240"/>
+                <a:gd name="textAreaRight" fmla="*/ 1291680 w 1290240"/>
+                <a:gd name="textAreaTop" fmla="*/ 0 h 1270800"/>
+                <a:gd name="textAreaBottom" fmla="*/ 1272240 h 1270800"/>
               </a:gdLst>
               <a:ahLst/>
+              <a:cxnLst/>
               <a:rect l="textAreaLeft" t="textAreaTop" r="textAreaRight" b="textAreaBottom"/>
               <a:pathLst>
                 <a:path w="1720" h="1694">
@@ -19988,17 +20027,18 @@
           <p:spPr>
             <a:xfrm>
               <a:off x="330120" y="327960"/>
-              <a:ext cx="834840" cy="1271160"/>
+              <a:ext cx="834480" cy="1270800"/>
             </a:xfrm>
             <a:custGeom>
               <a:avLst/>
               <a:gdLst>
-                <a:gd name="textAreaLeft" fmla="*/ 0 w 834840"/>
-                <a:gd name="textAreaRight" fmla="*/ 835920 w 834840"/>
-                <a:gd name="textAreaTop" fmla="*/ 0 h 1271160"/>
-                <a:gd name="textAreaBottom" fmla="*/ 1272240 h 1271160"/>
+                <a:gd name="textAreaLeft" fmla="*/ 0 w 834480"/>
+                <a:gd name="textAreaRight" fmla="*/ 835920 w 834480"/>
+                <a:gd name="textAreaTop" fmla="*/ 0 h 1270800"/>
+                <a:gd name="textAreaBottom" fmla="*/ 1272240 h 1270800"/>
               </a:gdLst>
               <a:ahLst/>
+              <a:cxnLst/>
               <a:rect l="textAreaLeft" t="textAreaTop" r="textAreaRight" b="textAreaBottom"/>
               <a:pathLst>
                 <a:path w="1113" h="1694">
@@ -20124,7 +20164,7 @@
         <p:spPr>
           <a:xfrm>
             <a:off x="326160" y="6393600"/>
-            <a:ext cx="1416600" cy="136080"/>
+            <a:ext cx="1416240" cy="135720"/>
           </a:xfrm>
           <a:prstGeom prst="rect">
             <a:avLst/>
@@ -20181,9 +20221,9 @@
         <p:grpSpPr>
           <a:xfrm>
             <a:off x="330120" y="327960"/>
-            <a:ext cx="3971880" cy="437040"/>
+            <a:ext cx="3971520" cy="436680"/>
             <a:chOff x="330120" y="327960"/>
-            <a:chExt cx="3971880" cy="437040"/>
+            <a:chExt cx="3971520" cy="436680"/>
           </a:xfrm>
         </p:grpSpPr>
         <p:sp>
@@ -20195,17 +20235,18 @@
           <p:spPr>
             <a:xfrm>
               <a:off x="4018680" y="327960"/>
-              <a:ext cx="283320" cy="437040"/>
+              <a:ext cx="282960" cy="436680"/>
             </a:xfrm>
             <a:custGeom>
               <a:avLst/>
               <a:gdLst>
-                <a:gd name="textAreaLeft" fmla="*/ 0 w 283320"/>
-                <a:gd name="textAreaRight" fmla="*/ 284400 w 283320"/>
-                <a:gd name="textAreaTop" fmla="*/ 0 h 437040"/>
-                <a:gd name="textAreaBottom" fmla="*/ 438120 h 437040"/>
+                <a:gd name="textAreaLeft" fmla="*/ 0 w 282960"/>
+                <a:gd name="textAreaRight" fmla="*/ 284400 w 282960"/>
+                <a:gd name="textAreaTop" fmla="*/ 0 h 436680"/>
+                <a:gd name="textAreaBottom" fmla="*/ 438120 h 436680"/>
               </a:gdLst>
               <a:ahLst/>
+              <a:cxnLst/>
               <a:rect l="textAreaLeft" t="textAreaTop" r="textAreaRight" b="textAreaBottom"/>
               <a:pathLst>
                 <a:path w="1099" h="1694">
@@ -20277,17 +20318,18 @@
           <p:spPr>
             <a:xfrm>
               <a:off x="3434400" y="327960"/>
-              <a:ext cx="396000" cy="437040"/>
+              <a:ext cx="395640" cy="436680"/>
             </a:xfrm>
             <a:custGeom>
               <a:avLst/>
               <a:gdLst>
-                <a:gd name="textAreaLeft" fmla="*/ 0 w 396000"/>
-                <a:gd name="textAreaRight" fmla="*/ 397080 w 396000"/>
-                <a:gd name="textAreaTop" fmla="*/ 0 h 437040"/>
-                <a:gd name="textAreaBottom" fmla="*/ 438120 h 437040"/>
+                <a:gd name="textAreaLeft" fmla="*/ 0 w 395640"/>
+                <a:gd name="textAreaRight" fmla="*/ 397080 w 395640"/>
+                <a:gd name="textAreaTop" fmla="*/ 0 h 436680"/>
+                <a:gd name="textAreaBottom" fmla="*/ 438120 h 436680"/>
               </a:gdLst>
               <a:ahLst/>
+              <a:cxnLst/>
               <a:rect l="textAreaLeft" t="textAreaTop" r="textAreaRight" b="textAreaBottom"/>
               <a:pathLst>
                 <a:path w="1535" h="1694">
@@ -20378,17 +20420,18 @@
           <p:spPr>
             <a:xfrm>
               <a:off x="2981160" y="327960"/>
-              <a:ext cx="286920" cy="437040"/>
+              <a:ext cx="286560" cy="436680"/>
             </a:xfrm>
             <a:custGeom>
               <a:avLst/>
               <a:gdLst>
-                <a:gd name="textAreaLeft" fmla="*/ 0 w 286920"/>
-                <a:gd name="textAreaRight" fmla="*/ 288000 w 286920"/>
-                <a:gd name="textAreaTop" fmla="*/ 0 h 437040"/>
-                <a:gd name="textAreaBottom" fmla="*/ 438120 h 437040"/>
+                <a:gd name="textAreaLeft" fmla="*/ 0 w 286560"/>
+                <a:gd name="textAreaRight" fmla="*/ 288000 w 286560"/>
+                <a:gd name="textAreaTop" fmla="*/ 0 h 436680"/>
+                <a:gd name="textAreaBottom" fmla="*/ 438120 h 436680"/>
               </a:gdLst>
               <a:ahLst/>
+              <a:cxnLst/>
               <a:rect l="textAreaLeft" t="textAreaTop" r="textAreaRight" b="textAreaBottom"/>
               <a:pathLst>
                 <a:path w="1113" h="1694">
@@ -20478,17 +20521,18 @@
           <p:spPr>
             <a:xfrm>
               <a:off x="2467440" y="327960"/>
-              <a:ext cx="339480" cy="437040"/>
+              <a:ext cx="339120" cy="436680"/>
             </a:xfrm>
             <a:custGeom>
               <a:avLst/>
               <a:gdLst>
-                <a:gd name="textAreaLeft" fmla="*/ 0 w 339480"/>
-                <a:gd name="textAreaRight" fmla="*/ 340560 w 339480"/>
-                <a:gd name="textAreaTop" fmla="*/ 0 h 437040"/>
-                <a:gd name="textAreaBottom" fmla="*/ 438120 h 437040"/>
+                <a:gd name="textAreaLeft" fmla="*/ 0 w 339120"/>
+                <a:gd name="textAreaRight" fmla="*/ 340560 w 339120"/>
+                <a:gd name="textAreaTop" fmla="*/ 0 h 436680"/>
+                <a:gd name="textAreaBottom" fmla="*/ 438120 h 436680"/>
               </a:gdLst>
               <a:ahLst/>
+              <a:cxnLst/>
               <a:rect l="textAreaLeft" t="textAreaTop" r="textAreaRight" b="textAreaBottom"/>
               <a:pathLst>
                 <a:path w="932" h="1199">
@@ -20624,17 +20668,18 @@
           <p:spPr>
             <a:xfrm>
               <a:off x="1977480" y="327960"/>
-              <a:ext cx="282960" cy="437040"/>
+              <a:ext cx="282600" cy="436680"/>
             </a:xfrm>
             <a:custGeom>
               <a:avLst/>
               <a:gdLst>
-                <a:gd name="textAreaLeft" fmla="*/ 0 w 282960"/>
-                <a:gd name="textAreaRight" fmla="*/ 284040 w 282960"/>
-                <a:gd name="textAreaTop" fmla="*/ 0 h 437040"/>
-                <a:gd name="textAreaBottom" fmla="*/ 438120 h 437040"/>
+                <a:gd name="textAreaLeft" fmla="*/ 0 w 282600"/>
+                <a:gd name="textAreaRight" fmla="*/ 284040 w 282600"/>
+                <a:gd name="textAreaTop" fmla="*/ 0 h 436680"/>
+                <a:gd name="textAreaBottom" fmla="*/ 438120 h 436680"/>
               </a:gdLst>
               <a:ahLst/>
+              <a:cxnLst/>
               <a:rect l="textAreaLeft" t="textAreaTop" r="textAreaRight" b="textAreaBottom"/>
               <a:pathLst>
                 <a:path w="1098" h="1694">
@@ -20724,17 +20769,18 @@
           <p:spPr>
             <a:xfrm>
               <a:off x="1489320" y="327960"/>
-              <a:ext cx="313200" cy="437040"/>
+              <a:ext cx="312840" cy="436680"/>
             </a:xfrm>
             <a:custGeom>
               <a:avLst/>
               <a:gdLst>
-                <a:gd name="textAreaLeft" fmla="*/ 0 w 313200"/>
-                <a:gd name="textAreaRight" fmla="*/ 314280 w 313200"/>
-                <a:gd name="textAreaTop" fmla="*/ 0 h 437040"/>
-                <a:gd name="textAreaBottom" fmla="*/ 438120 h 437040"/>
+                <a:gd name="textAreaLeft" fmla="*/ 0 w 312840"/>
+                <a:gd name="textAreaRight" fmla="*/ 314280 w 312840"/>
+                <a:gd name="textAreaTop" fmla="*/ 0 h 436680"/>
+                <a:gd name="textAreaBottom" fmla="*/ 438120 h 436680"/>
               </a:gdLst>
               <a:ahLst/>
+              <a:cxnLst/>
               <a:rect l="textAreaLeft" t="textAreaTop" r="textAreaRight" b="textAreaBottom"/>
               <a:pathLst>
                 <a:path w="860" h="1199">
@@ -20850,17 +20896,18 @@
           <p:spPr>
             <a:xfrm>
               <a:off x="833400" y="327960"/>
-              <a:ext cx="443880" cy="437040"/>
+              <a:ext cx="443520" cy="436680"/>
             </a:xfrm>
             <a:custGeom>
               <a:avLst/>
               <a:gdLst>
-                <a:gd name="textAreaLeft" fmla="*/ 0 w 443880"/>
-                <a:gd name="textAreaRight" fmla="*/ 444960 w 443880"/>
-                <a:gd name="textAreaTop" fmla="*/ 0 h 437040"/>
-                <a:gd name="textAreaBottom" fmla="*/ 438120 h 437040"/>
+                <a:gd name="textAreaLeft" fmla="*/ 0 w 443520"/>
+                <a:gd name="textAreaRight" fmla="*/ 444960 w 443520"/>
+                <a:gd name="textAreaTop" fmla="*/ 0 h 436680"/>
+                <a:gd name="textAreaBottom" fmla="*/ 438120 h 436680"/>
               </a:gdLst>
               <a:ahLst/>
+              <a:cxnLst/>
               <a:rect l="textAreaLeft" t="textAreaTop" r="textAreaRight" b="textAreaBottom"/>
               <a:pathLst>
                 <a:path w="1720" h="1694">
@@ -20959,17 +21006,18 @@
           <p:spPr>
             <a:xfrm>
               <a:off x="330120" y="327960"/>
-              <a:ext cx="286920" cy="437040"/>
+              <a:ext cx="286560" cy="436680"/>
             </a:xfrm>
             <a:custGeom>
               <a:avLst/>
               <a:gdLst>
-                <a:gd name="textAreaLeft" fmla="*/ 0 w 286920"/>
-                <a:gd name="textAreaRight" fmla="*/ 288000 w 286920"/>
-                <a:gd name="textAreaTop" fmla="*/ 0 h 437040"/>
-                <a:gd name="textAreaBottom" fmla="*/ 438120 h 437040"/>
+                <a:gd name="textAreaLeft" fmla="*/ 0 w 286560"/>
+                <a:gd name="textAreaRight" fmla="*/ 288000 w 286560"/>
+                <a:gd name="textAreaTop" fmla="*/ 0 h 436680"/>
+                <a:gd name="textAreaBottom" fmla="*/ 438120 h 436680"/>
               </a:gdLst>
               <a:ahLst/>
+              <a:cxnLst/>
               <a:rect l="textAreaLeft" t="textAreaTop" r="textAreaRight" b="textAreaBottom"/>
               <a:pathLst>
                 <a:path w="1113" h="1694">
@@ -21093,7 +21141,7 @@
         <p:spPr>
           <a:xfrm>
             <a:off x="326160" y="6393600"/>
-            <a:ext cx="1416600" cy="136080"/>
+            <a:ext cx="1416240" cy="135720"/>
           </a:xfrm>
           <a:prstGeom prst="rect">
             <a:avLst/>
@@ -21150,9 +21198,9 @@
         <p:grpSpPr>
           <a:xfrm>
             <a:off x="330120" y="327960"/>
-            <a:ext cx="11535480" cy="1271160"/>
+            <a:ext cx="11535120" cy="1270800"/>
             <a:chOff x="330120" y="327960"/>
-            <a:chExt cx="11535480" cy="1271160"/>
+            <a:chExt cx="11535120" cy="1270800"/>
           </a:xfrm>
         </p:grpSpPr>
         <p:sp>
@@ -21164,17 +21212,18 @@
           <p:spPr>
             <a:xfrm>
               <a:off x="11041200" y="327960"/>
-              <a:ext cx="824400" cy="1271160"/>
+              <a:ext cx="824040" cy="1270800"/>
             </a:xfrm>
             <a:custGeom>
               <a:avLst/>
               <a:gdLst>
-                <a:gd name="textAreaLeft" fmla="*/ 0 w 824400"/>
-                <a:gd name="textAreaRight" fmla="*/ 825480 w 824400"/>
-                <a:gd name="textAreaTop" fmla="*/ 0 h 1271160"/>
-                <a:gd name="textAreaBottom" fmla="*/ 1272240 h 1271160"/>
+                <a:gd name="textAreaLeft" fmla="*/ 0 w 824040"/>
+                <a:gd name="textAreaRight" fmla="*/ 825480 w 824040"/>
+                <a:gd name="textAreaTop" fmla="*/ 0 h 1270800"/>
+                <a:gd name="textAreaBottom" fmla="*/ 1272240 h 1270800"/>
               </a:gdLst>
               <a:ahLst/>
+              <a:cxnLst/>
               <a:rect l="textAreaLeft" t="textAreaTop" r="textAreaRight" b="textAreaBottom"/>
               <a:pathLst>
                 <a:path w="1099" h="1694">
@@ -21246,17 +21295,18 @@
           <p:spPr>
             <a:xfrm>
               <a:off x="9344520" y="327960"/>
-              <a:ext cx="1151640" cy="1271160"/>
+              <a:ext cx="1151280" cy="1270800"/>
             </a:xfrm>
             <a:custGeom>
               <a:avLst/>
               <a:gdLst>
-                <a:gd name="textAreaLeft" fmla="*/ 0 w 1151640"/>
-                <a:gd name="textAreaRight" fmla="*/ 1152720 w 1151640"/>
-                <a:gd name="textAreaTop" fmla="*/ 0 h 1271160"/>
-                <a:gd name="textAreaBottom" fmla="*/ 1272240 h 1271160"/>
+                <a:gd name="textAreaLeft" fmla="*/ 0 w 1151280"/>
+                <a:gd name="textAreaRight" fmla="*/ 1152720 w 1151280"/>
+                <a:gd name="textAreaTop" fmla="*/ 0 h 1270800"/>
+                <a:gd name="textAreaBottom" fmla="*/ 1272240 h 1270800"/>
               </a:gdLst>
               <a:ahLst/>
+              <a:cxnLst/>
               <a:rect l="textAreaLeft" t="textAreaTop" r="textAreaRight" b="textAreaBottom"/>
               <a:pathLst>
                 <a:path w="1535" h="1694">
@@ -21347,17 +21397,18 @@
           <p:spPr>
             <a:xfrm>
               <a:off x="8028720" y="327960"/>
-              <a:ext cx="834840" cy="1271160"/>
+              <a:ext cx="834480" cy="1270800"/>
             </a:xfrm>
             <a:custGeom>
               <a:avLst/>
               <a:gdLst>
-                <a:gd name="textAreaLeft" fmla="*/ 0 w 834840"/>
-                <a:gd name="textAreaRight" fmla="*/ 835920 w 834840"/>
-                <a:gd name="textAreaTop" fmla="*/ 0 h 1271160"/>
-                <a:gd name="textAreaBottom" fmla="*/ 1272240 h 1271160"/>
+                <a:gd name="textAreaLeft" fmla="*/ 0 w 834480"/>
+                <a:gd name="textAreaRight" fmla="*/ 835920 w 834480"/>
+                <a:gd name="textAreaTop" fmla="*/ 0 h 1270800"/>
+                <a:gd name="textAreaBottom" fmla="*/ 1272240 h 1270800"/>
               </a:gdLst>
               <a:ahLst/>
+              <a:cxnLst/>
               <a:rect l="textAreaLeft" t="textAreaTop" r="textAreaRight" b="textAreaBottom"/>
               <a:pathLst>
                 <a:path w="1113" h="1694">
@@ -21447,17 +21498,18 @@
           <p:spPr>
             <a:xfrm>
               <a:off x="6536160" y="327960"/>
-              <a:ext cx="988200" cy="1271160"/>
+              <a:ext cx="987840" cy="1270800"/>
             </a:xfrm>
             <a:custGeom>
               <a:avLst/>
               <a:gdLst>
-                <a:gd name="textAreaLeft" fmla="*/ 0 w 988200"/>
-                <a:gd name="textAreaRight" fmla="*/ 989280 w 988200"/>
-                <a:gd name="textAreaTop" fmla="*/ 0 h 1271160"/>
-                <a:gd name="textAreaBottom" fmla="*/ 1272240 h 1271160"/>
+                <a:gd name="textAreaLeft" fmla="*/ 0 w 987840"/>
+                <a:gd name="textAreaRight" fmla="*/ 989280 w 987840"/>
+                <a:gd name="textAreaTop" fmla="*/ 0 h 1270800"/>
+                <a:gd name="textAreaBottom" fmla="*/ 1272240 h 1270800"/>
               </a:gdLst>
               <a:ahLst/>
+              <a:cxnLst/>
               <a:rect l="textAreaLeft" t="textAreaTop" r="textAreaRight" b="textAreaBottom"/>
               <a:pathLst>
                 <a:path w="932" h="1199">
@@ -21593,17 +21645,18 @@
           <p:spPr>
             <a:xfrm>
               <a:off x="5113800" y="327960"/>
-              <a:ext cx="823680" cy="1271160"/>
+              <a:ext cx="823320" cy="1270800"/>
             </a:xfrm>
             <a:custGeom>
               <a:avLst/>
               <a:gdLst>
-                <a:gd name="textAreaLeft" fmla="*/ 0 w 823680"/>
-                <a:gd name="textAreaRight" fmla="*/ 824760 w 823680"/>
-                <a:gd name="textAreaTop" fmla="*/ 0 h 1271160"/>
-                <a:gd name="textAreaBottom" fmla="*/ 1272240 h 1271160"/>
+                <a:gd name="textAreaLeft" fmla="*/ 0 w 823320"/>
+                <a:gd name="textAreaRight" fmla="*/ 824760 w 823320"/>
+                <a:gd name="textAreaTop" fmla="*/ 0 h 1270800"/>
+                <a:gd name="textAreaBottom" fmla="*/ 1272240 h 1270800"/>
               </a:gdLst>
               <a:ahLst/>
+              <a:cxnLst/>
               <a:rect l="textAreaLeft" t="textAreaTop" r="textAreaRight" b="textAreaBottom"/>
               <a:pathLst>
                 <a:path w="1098" h="1694">
@@ -21693,17 +21746,18 @@
           <p:spPr>
             <a:xfrm>
               <a:off x="3695760" y="327960"/>
-              <a:ext cx="911520" cy="1271160"/>
+              <a:ext cx="911160" cy="1270800"/>
             </a:xfrm>
             <a:custGeom>
               <a:avLst/>
               <a:gdLst>
-                <a:gd name="textAreaLeft" fmla="*/ 0 w 911520"/>
-                <a:gd name="textAreaRight" fmla="*/ 912600 w 911520"/>
-                <a:gd name="textAreaTop" fmla="*/ 0 h 1271160"/>
-                <a:gd name="textAreaBottom" fmla="*/ 1272240 h 1271160"/>
+                <a:gd name="textAreaLeft" fmla="*/ 0 w 911160"/>
+                <a:gd name="textAreaRight" fmla="*/ 912600 w 911160"/>
+                <a:gd name="textAreaTop" fmla="*/ 0 h 1270800"/>
+                <a:gd name="textAreaBottom" fmla="*/ 1272240 h 1270800"/>
               </a:gdLst>
               <a:ahLst/>
+              <a:cxnLst/>
               <a:rect l="textAreaLeft" t="textAreaTop" r="textAreaRight" b="textAreaBottom"/>
               <a:pathLst>
                 <a:path w="860" h="1199">
@@ -21819,17 +21873,18 @@
           <p:spPr>
             <a:xfrm>
               <a:off x="1791000" y="327960"/>
-              <a:ext cx="1290600" cy="1271160"/>
+              <a:ext cx="1290240" cy="1270800"/>
             </a:xfrm>
             <a:custGeom>
               <a:avLst/>
               <a:gdLst>
-                <a:gd name="textAreaLeft" fmla="*/ 0 w 1290600"/>
-                <a:gd name="textAreaRight" fmla="*/ 1291680 w 1290600"/>
-                <a:gd name="textAreaTop" fmla="*/ 0 h 1271160"/>
-                <a:gd name="textAreaBottom" fmla="*/ 1272240 h 1271160"/>
+                <a:gd name="textAreaLeft" fmla="*/ 0 w 1290240"/>
+                <a:gd name="textAreaRight" fmla="*/ 1291680 w 1290240"/>
+                <a:gd name="textAreaTop" fmla="*/ 0 h 1270800"/>
+                <a:gd name="textAreaBottom" fmla="*/ 1272240 h 1270800"/>
               </a:gdLst>
               <a:ahLst/>
+              <a:cxnLst/>
               <a:rect l="textAreaLeft" t="textAreaTop" r="textAreaRight" b="textAreaBottom"/>
               <a:pathLst>
                 <a:path w="1720" h="1694">
@@ -21928,17 +21983,18 @@
           <p:spPr>
             <a:xfrm>
               <a:off x="330120" y="327960"/>
-              <a:ext cx="834840" cy="1271160"/>
+              <a:ext cx="834480" cy="1270800"/>
             </a:xfrm>
             <a:custGeom>
               <a:avLst/>
               <a:gdLst>
-                <a:gd name="textAreaLeft" fmla="*/ 0 w 834840"/>
-                <a:gd name="textAreaRight" fmla="*/ 835920 w 834840"/>
-                <a:gd name="textAreaTop" fmla="*/ 0 h 1271160"/>
-                <a:gd name="textAreaBottom" fmla="*/ 1272240 h 1271160"/>
+                <a:gd name="textAreaLeft" fmla="*/ 0 w 834480"/>
+                <a:gd name="textAreaRight" fmla="*/ 835920 w 834480"/>
+                <a:gd name="textAreaTop" fmla="*/ 0 h 1270800"/>
+                <a:gd name="textAreaBottom" fmla="*/ 1272240 h 1270800"/>
               </a:gdLst>
               <a:ahLst/>
+              <a:cxnLst/>
               <a:rect l="textAreaLeft" t="textAreaTop" r="textAreaRight" b="textAreaBottom"/>
               <a:pathLst>
                 <a:path w="1113" h="1694">
@@ -22062,7 +22118,7 @@
         <p:spPr>
           <a:xfrm>
             <a:off x="326160" y="6393600"/>
-            <a:ext cx="1416600" cy="136080"/>
+            <a:ext cx="1416240" cy="135720"/>
           </a:xfrm>
           <a:prstGeom prst="rect">
             <a:avLst/>
@@ -22119,9 +22175,9 @@
         <p:grpSpPr>
           <a:xfrm>
             <a:off x="330120" y="327960"/>
-            <a:ext cx="11535480" cy="1271160"/>
+            <a:ext cx="11535120" cy="1270800"/>
             <a:chOff x="330120" y="327960"/>
-            <a:chExt cx="11535480" cy="1271160"/>
+            <a:chExt cx="11535120" cy="1270800"/>
           </a:xfrm>
         </p:grpSpPr>
         <p:sp>
@@ -22133,17 +22189,18 @@
           <p:spPr>
             <a:xfrm>
               <a:off x="11041200" y="327960"/>
-              <a:ext cx="824400" cy="1271160"/>
+              <a:ext cx="824040" cy="1270800"/>
             </a:xfrm>
             <a:custGeom>
               <a:avLst/>
               <a:gdLst>
-                <a:gd name="textAreaLeft" fmla="*/ 0 w 824400"/>
-                <a:gd name="textAreaRight" fmla="*/ 825480 w 824400"/>
-                <a:gd name="textAreaTop" fmla="*/ 0 h 1271160"/>
-                <a:gd name="textAreaBottom" fmla="*/ 1272240 h 1271160"/>
+                <a:gd name="textAreaLeft" fmla="*/ 0 w 824040"/>
+                <a:gd name="textAreaRight" fmla="*/ 825480 w 824040"/>
+                <a:gd name="textAreaTop" fmla="*/ 0 h 1270800"/>
+                <a:gd name="textAreaBottom" fmla="*/ 1272240 h 1270800"/>
               </a:gdLst>
               <a:ahLst/>
+              <a:cxnLst/>
               <a:rect l="textAreaLeft" t="textAreaTop" r="textAreaRight" b="textAreaBottom"/>
               <a:pathLst>
                 <a:path w="1099" h="1694">
@@ -22215,17 +22272,18 @@
           <p:spPr>
             <a:xfrm>
               <a:off x="9344520" y="327960"/>
-              <a:ext cx="1151640" cy="1271160"/>
+              <a:ext cx="1151280" cy="1270800"/>
             </a:xfrm>
             <a:custGeom>
               <a:avLst/>
               <a:gdLst>
-                <a:gd name="textAreaLeft" fmla="*/ 0 w 1151640"/>
-                <a:gd name="textAreaRight" fmla="*/ 1152720 w 1151640"/>
-                <a:gd name="textAreaTop" fmla="*/ 0 h 1271160"/>
-                <a:gd name="textAreaBottom" fmla="*/ 1272240 h 1271160"/>
+                <a:gd name="textAreaLeft" fmla="*/ 0 w 1151280"/>
+                <a:gd name="textAreaRight" fmla="*/ 1152720 w 1151280"/>
+                <a:gd name="textAreaTop" fmla="*/ 0 h 1270800"/>
+                <a:gd name="textAreaBottom" fmla="*/ 1272240 h 1270800"/>
               </a:gdLst>
               <a:ahLst/>
+              <a:cxnLst/>
               <a:rect l="textAreaLeft" t="textAreaTop" r="textAreaRight" b="textAreaBottom"/>
               <a:pathLst>
                 <a:path w="1535" h="1694">
@@ -22316,17 +22374,18 @@
           <p:spPr>
             <a:xfrm>
               <a:off x="8028720" y="327960"/>
-              <a:ext cx="834840" cy="1271160"/>
+              <a:ext cx="834480" cy="1270800"/>
             </a:xfrm>
             <a:custGeom>
               <a:avLst/>
               <a:gdLst>
-                <a:gd name="textAreaLeft" fmla="*/ 0 w 834840"/>
-                <a:gd name="textAreaRight" fmla="*/ 835920 w 834840"/>
-                <a:gd name="textAreaTop" fmla="*/ 0 h 1271160"/>
-                <a:gd name="textAreaBottom" fmla="*/ 1272240 h 1271160"/>
+                <a:gd name="textAreaLeft" fmla="*/ 0 w 834480"/>
+                <a:gd name="textAreaRight" fmla="*/ 835920 w 834480"/>
+                <a:gd name="textAreaTop" fmla="*/ 0 h 1270800"/>
+                <a:gd name="textAreaBottom" fmla="*/ 1272240 h 1270800"/>
               </a:gdLst>
               <a:ahLst/>
+              <a:cxnLst/>
               <a:rect l="textAreaLeft" t="textAreaTop" r="textAreaRight" b="textAreaBottom"/>
               <a:pathLst>
                 <a:path w="1113" h="1694">
@@ -22416,17 +22475,18 @@
           <p:spPr>
             <a:xfrm>
               <a:off x="6536160" y="327960"/>
-              <a:ext cx="988200" cy="1271160"/>
+              <a:ext cx="987840" cy="1270800"/>
             </a:xfrm>
             <a:custGeom>
               <a:avLst/>
               <a:gdLst>
-                <a:gd name="textAreaLeft" fmla="*/ 0 w 988200"/>
-                <a:gd name="textAreaRight" fmla="*/ 989280 w 988200"/>
-                <a:gd name="textAreaTop" fmla="*/ 0 h 1271160"/>
-                <a:gd name="textAreaBottom" fmla="*/ 1272240 h 1271160"/>
+                <a:gd name="textAreaLeft" fmla="*/ 0 w 987840"/>
+                <a:gd name="textAreaRight" fmla="*/ 989280 w 987840"/>
+                <a:gd name="textAreaTop" fmla="*/ 0 h 1270800"/>
+                <a:gd name="textAreaBottom" fmla="*/ 1272240 h 1270800"/>
               </a:gdLst>
               <a:ahLst/>
+              <a:cxnLst/>
               <a:rect l="textAreaLeft" t="textAreaTop" r="textAreaRight" b="textAreaBottom"/>
               <a:pathLst>
                 <a:path w="932" h="1199">
@@ -22562,17 +22622,18 @@
           <p:spPr>
             <a:xfrm>
               <a:off x="5113800" y="327960"/>
-              <a:ext cx="823680" cy="1271160"/>
+              <a:ext cx="823320" cy="1270800"/>
             </a:xfrm>
             <a:custGeom>
               <a:avLst/>
               <a:gdLst>
-                <a:gd name="textAreaLeft" fmla="*/ 0 w 823680"/>
-                <a:gd name="textAreaRight" fmla="*/ 824760 w 823680"/>
-                <a:gd name="textAreaTop" fmla="*/ 0 h 1271160"/>
-                <a:gd name="textAreaBottom" fmla="*/ 1272240 h 1271160"/>
+                <a:gd name="textAreaLeft" fmla="*/ 0 w 823320"/>
+                <a:gd name="textAreaRight" fmla="*/ 824760 w 823320"/>
+                <a:gd name="textAreaTop" fmla="*/ 0 h 1270800"/>
+                <a:gd name="textAreaBottom" fmla="*/ 1272240 h 1270800"/>
               </a:gdLst>
               <a:ahLst/>
+              <a:cxnLst/>
               <a:rect l="textAreaLeft" t="textAreaTop" r="textAreaRight" b="textAreaBottom"/>
               <a:pathLst>
                 <a:path w="1098" h="1694">
@@ -22662,17 +22723,18 @@
           <p:spPr>
             <a:xfrm>
               <a:off x="3695760" y="327960"/>
-              <a:ext cx="911520" cy="1271160"/>
+              <a:ext cx="911160" cy="1270800"/>
             </a:xfrm>
             <a:custGeom>
               <a:avLst/>
               <a:gdLst>
-                <a:gd name="textAreaLeft" fmla="*/ 0 w 911520"/>
-                <a:gd name="textAreaRight" fmla="*/ 912600 w 911520"/>
-                <a:gd name="textAreaTop" fmla="*/ 0 h 1271160"/>
-                <a:gd name="textAreaBottom" fmla="*/ 1272240 h 1271160"/>
+                <a:gd name="textAreaLeft" fmla="*/ 0 w 911160"/>
+                <a:gd name="textAreaRight" fmla="*/ 912600 w 911160"/>
+                <a:gd name="textAreaTop" fmla="*/ 0 h 1270800"/>
+                <a:gd name="textAreaBottom" fmla="*/ 1272240 h 1270800"/>
               </a:gdLst>
               <a:ahLst/>
+              <a:cxnLst/>
               <a:rect l="textAreaLeft" t="textAreaTop" r="textAreaRight" b="textAreaBottom"/>
               <a:pathLst>
                 <a:path w="860" h="1199">
@@ -22788,17 +22850,18 @@
           <p:spPr>
             <a:xfrm>
               <a:off x="1791000" y="327960"/>
-              <a:ext cx="1290600" cy="1271160"/>
+              <a:ext cx="1290240" cy="1270800"/>
             </a:xfrm>
             <a:custGeom>
               <a:avLst/>
               <a:gdLst>
-                <a:gd name="textAreaLeft" fmla="*/ 0 w 1290600"/>
-                <a:gd name="textAreaRight" fmla="*/ 1291680 w 1290600"/>
-                <a:gd name="textAreaTop" fmla="*/ 0 h 1271160"/>
-                <a:gd name="textAreaBottom" fmla="*/ 1272240 h 1271160"/>
+                <a:gd name="textAreaLeft" fmla="*/ 0 w 1290240"/>
+                <a:gd name="textAreaRight" fmla="*/ 1291680 w 1290240"/>
+                <a:gd name="textAreaTop" fmla="*/ 0 h 1270800"/>
+                <a:gd name="textAreaBottom" fmla="*/ 1272240 h 1270800"/>
               </a:gdLst>
               <a:ahLst/>
+              <a:cxnLst/>
               <a:rect l="textAreaLeft" t="textAreaTop" r="textAreaRight" b="textAreaBottom"/>
               <a:pathLst>
                 <a:path w="1720" h="1694">
@@ -22897,17 +22960,18 @@
           <p:spPr>
             <a:xfrm>
               <a:off x="330120" y="327960"/>
-              <a:ext cx="834840" cy="1271160"/>
+              <a:ext cx="834480" cy="1270800"/>
             </a:xfrm>
             <a:custGeom>
               <a:avLst/>
               <a:gdLst>
-                <a:gd name="textAreaLeft" fmla="*/ 0 w 834840"/>
-                <a:gd name="textAreaRight" fmla="*/ 835920 w 834840"/>
-                <a:gd name="textAreaTop" fmla="*/ 0 h 1271160"/>
-                <a:gd name="textAreaBottom" fmla="*/ 1272240 h 1271160"/>
+                <a:gd name="textAreaLeft" fmla="*/ 0 w 834480"/>
+                <a:gd name="textAreaRight" fmla="*/ 835920 w 834480"/>
+                <a:gd name="textAreaTop" fmla="*/ 0 h 1270800"/>
+                <a:gd name="textAreaBottom" fmla="*/ 1272240 h 1270800"/>
               </a:gdLst>
               <a:ahLst/>
+              <a:cxnLst/>
               <a:rect l="textAreaLeft" t="textAreaTop" r="textAreaRight" b="textAreaBottom"/>
               <a:pathLst>
                 <a:path w="1113" h="1694">
@@ -23031,7 +23095,7 @@
         <p:spPr>
           <a:xfrm>
             <a:off x="326160" y="6393600"/>
-            <a:ext cx="1416600" cy="136080"/>
+            <a:ext cx="1416240" cy="135720"/>
           </a:xfrm>
           <a:prstGeom prst="rect">
             <a:avLst/>
@@ -23088,9 +23152,9 @@
         <p:grpSpPr>
           <a:xfrm>
             <a:off x="330120" y="327960"/>
-            <a:ext cx="11535480" cy="1271160"/>
+            <a:ext cx="11535120" cy="1270800"/>
             <a:chOff x="330120" y="327960"/>
-            <a:chExt cx="11535480" cy="1271160"/>
+            <a:chExt cx="11535120" cy="1270800"/>
           </a:xfrm>
         </p:grpSpPr>
         <p:sp>
@@ -23102,17 +23166,18 @@
           <p:spPr>
             <a:xfrm>
               <a:off x="11041200" y="327960"/>
-              <a:ext cx="824400" cy="1271160"/>
+              <a:ext cx="824040" cy="1270800"/>
             </a:xfrm>
             <a:custGeom>
               <a:avLst/>
               <a:gdLst>
-                <a:gd name="textAreaLeft" fmla="*/ 0 w 824400"/>
-                <a:gd name="textAreaRight" fmla="*/ 825480 w 824400"/>
-                <a:gd name="textAreaTop" fmla="*/ 0 h 1271160"/>
-                <a:gd name="textAreaBottom" fmla="*/ 1272240 h 1271160"/>
+                <a:gd name="textAreaLeft" fmla="*/ 0 w 824040"/>
+                <a:gd name="textAreaRight" fmla="*/ 825480 w 824040"/>
+                <a:gd name="textAreaTop" fmla="*/ 0 h 1270800"/>
+                <a:gd name="textAreaBottom" fmla="*/ 1272240 h 1270800"/>
               </a:gdLst>
               <a:ahLst/>
+              <a:cxnLst/>
               <a:rect l="textAreaLeft" t="textAreaTop" r="textAreaRight" b="textAreaBottom"/>
               <a:pathLst>
                 <a:path w="1099" h="1694">
@@ -23184,17 +23249,18 @@
           <p:spPr>
             <a:xfrm>
               <a:off x="9344520" y="327960"/>
-              <a:ext cx="1151640" cy="1271160"/>
+              <a:ext cx="1151280" cy="1270800"/>
             </a:xfrm>
             <a:custGeom>
               <a:avLst/>
               <a:gdLst>
-                <a:gd name="textAreaLeft" fmla="*/ 0 w 1151640"/>
-                <a:gd name="textAreaRight" fmla="*/ 1152720 w 1151640"/>
-                <a:gd name="textAreaTop" fmla="*/ 0 h 1271160"/>
-                <a:gd name="textAreaBottom" fmla="*/ 1272240 h 1271160"/>
+                <a:gd name="textAreaLeft" fmla="*/ 0 w 1151280"/>
+                <a:gd name="textAreaRight" fmla="*/ 1152720 w 1151280"/>
+                <a:gd name="textAreaTop" fmla="*/ 0 h 1270800"/>
+                <a:gd name="textAreaBottom" fmla="*/ 1272240 h 1270800"/>
               </a:gdLst>
               <a:ahLst/>
+              <a:cxnLst/>
               <a:rect l="textAreaLeft" t="textAreaTop" r="textAreaRight" b="textAreaBottom"/>
               <a:pathLst>
                 <a:path w="1535" h="1694">
@@ -23285,17 +23351,18 @@
           <p:spPr>
             <a:xfrm>
               <a:off x="8028720" y="327960"/>
-              <a:ext cx="834840" cy="1271160"/>
+              <a:ext cx="834480" cy="1270800"/>
             </a:xfrm>
             <a:custGeom>
               <a:avLst/>
               <a:gdLst>
-                <a:gd name="textAreaLeft" fmla="*/ 0 w 834840"/>
-                <a:gd name="textAreaRight" fmla="*/ 835920 w 834840"/>
-                <a:gd name="textAreaTop" fmla="*/ 0 h 1271160"/>
-                <a:gd name="textAreaBottom" fmla="*/ 1272240 h 1271160"/>
+                <a:gd name="textAreaLeft" fmla="*/ 0 w 834480"/>
+                <a:gd name="textAreaRight" fmla="*/ 835920 w 834480"/>
+                <a:gd name="textAreaTop" fmla="*/ 0 h 1270800"/>
+                <a:gd name="textAreaBottom" fmla="*/ 1272240 h 1270800"/>
               </a:gdLst>
               <a:ahLst/>
+              <a:cxnLst/>
               <a:rect l="textAreaLeft" t="textAreaTop" r="textAreaRight" b="textAreaBottom"/>
               <a:pathLst>
                 <a:path w="1113" h="1694">
@@ -23385,17 +23452,18 @@
           <p:spPr>
             <a:xfrm>
               <a:off x="6536160" y="327960"/>
-              <a:ext cx="988200" cy="1271160"/>
+              <a:ext cx="987840" cy="1270800"/>
             </a:xfrm>
             <a:custGeom>
               <a:avLst/>
               <a:gdLst>
-                <a:gd name="textAreaLeft" fmla="*/ 0 w 988200"/>
-                <a:gd name="textAreaRight" fmla="*/ 989280 w 988200"/>
-                <a:gd name="textAreaTop" fmla="*/ 0 h 1271160"/>
-                <a:gd name="textAreaBottom" fmla="*/ 1272240 h 1271160"/>
+                <a:gd name="textAreaLeft" fmla="*/ 0 w 987840"/>
+                <a:gd name="textAreaRight" fmla="*/ 989280 w 987840"/>
+                <a:gd name="textAreaTop" fmla="*/ 0 h 1270800"/>
+                <a:gd name="textAreaBottom" fmla="*/ 1272240 h 1270800"/>
               </a:gdLst>
               <a:ahLst/>
+              <a:cxnLst/>
               <a:rect l="textAreaLeft" t="textAreaTop" r="textAreaRight" b="textAreaBottom"/>
               <a:pathLst>
                 <a:path w="932" h="1199">
@@ -23531,17 +23599,18 @@
           <p:spPr>
             <a:xfrm>
               <a:off x="5113800" y="327960"/>
-              <a:ext cx="823680" cy="1271160"/>
+              <a:ext cx="823320" cy="1270800"/>
             </a:xfrm>
             <a:custGeom>
               <a:avLst/>
               <a:gdLst>
-                <a:gd name="textAreaLeft" fmla="*/ 0 w 823680"/>
-                <a:gd name="textAreaRight" fmla="*/ 824760 w 823680"/>
-                <a:gd name="textAreaTop" fmla="*/ 0 h 1271160"/>
-                <a:gd name="textAreaBottom" fmla="*/ 1272240 h 1271160"/>
+                <a:gd name="textAreaLeft" fmla="*/ 0 w 823320"/>
+                <a:gd name="textAreaRight" fmla="*/ 824760 w 823320"/>
+                <a:gd name="textAreaTop" fmla="*/ 0 h 1270800"/>
+                <a:gd name="textAreaBottom" fmla="*/ 1272240 h 1270800"/>
               </a:gdLst>
               <a:ahLst/>
+              <a:cxnLst/>
               <a:rect l="textAreaLeft" t="textAreaTop" r="textAreaRight" b="textAreaBottom"/>
               <a:pathLst>
                 <a:path w="1098" h="1694">
@@ -23631,17 +23700,18 @@
           <p:spPr>
             <a:xfrm>
               <a:off x="3695760" y="327960"/>
-              <a:ext cx="911520" cy="1271160"/>
+              <a:ext cx="911160" cy="1270800"/>
             </a:xfrm>
             <a:custGeom>
               <a:avLst/>
               <a:gdLst>
-                <a:gd name="textAreaLeft" fmla="*/ 0 w 911520"/>
-                <a:gd name="textAreaRight" fmla="*/ 912600 w 911520"/>
-                <a:gd name="textAreaTop" fmla="*/ 0 h 1271160"/>
-                <a:gd name="textAreaBottom" fmla="*/ 1272240 h 1271160"/>
+                <a:gd name="textAreaLeft" fmla="*/ 0 w 911160"/>
+                <a:gd name="textAreaRight" fmla="*/ 912600 w 911160"/>
+                <a:gd name="textAreaTop" fmla="*/ 0 h 1270800"/>
+                <a:gd name="textAreaBottom" fmla="*/ 1272240 h 1270800"/>
               </a:gdLst>
               <a:ahLst/>
+              <a:cxnLst/>
               <a:rect l="textAreaLeft" t="textAreaTop" r="textAreaRight" b="textAreaBottom"/>
               <a:pathLst>
                 <a:path w="860" h="1199">
@@ -23757,17 +23827,18 @@
           <p:spPr>
             <a:xfrm>
               <a:off x="1791000" y="327960"/>
-              <a:ext cx="1290600" cy="1271160"/>
+              <a:ext cx="1290240" cy="1270800"/>
             </a:xfrm>
             <a:custGeom>
               <a:avLst/>
               <a:gdLst>
-                <a:gd name="textAreaLeft" fmla="*/ 0 w 1290600"/>
-                <a:gd name="textAreaRight" fmla="*/ 1291680 w 1290600"/>
-                <a:gd name="textAreaTop" fmla="*/ 0 h 1271160"/>
-                <a:gd name="textAreaBottom" fmla="*/ 1272240 h 1271160"/>
+                <a:gd name="textAreaLeft" fmla="*/ 0 w 1290240"/>
+                <a:gd name="textAreaRight" fmla="*/ 1291680 w 1290240"/>
+                <a:gd name="textAreaTop" fmla="*/ 0 h 1270800"/>
+                <a:gd name="textAreaBottom" fmla="*/ 1272240 h 1270800"/>
               </a:gdLst>
               <a:ahLst/>
+              <a:cxnLst/>
               <a:rect l="textAreaLeft" t="textAreaTop" r="textAreaRight" b="textAreaBottom"/>
               <a:pathLst>
                 <a:path w="1720" h="1694">
@@ -23866,17 +23937,18 @@
           <p:spPr>
             <a:xfrm>
               <a:off x="330120" y="327960"/>
-              <a:ext cx="834840" cy="1271160"/>
+              <a:ext cx="834480" cy="1270800"/>
             </a:xfrm>
             <a:custGeom>
               <a:avLst/>
               <a:gdLst>
-                <a:gd name="textAreaLeft" fmla="*/ 0 w 834840"/>
-                <a:gd name="textAreaRight" fmla="*/ 835920 w 834840"/>
-                <a:gd name="textAreaTop" fmla="*/ 0 h 1271160"/>
-                <a:gd name="textAreaBottom" fmla="*/ 1272240 h 1271160"/>
+                <a:gd name="textAreaLeft" fmla="*/ 0 w 834480"/>
+                <a:gd name="textAreaRight" fmla="*/ 835920 w 834480"/>
+                <a:gd name="textAreaTop" fmla="*/ 0 h 1270800"/>
+                <a:gd name="textAreaBottom" fmla="*/ 1272240 h 1270800"/>
               </a:gdLst>
               <a:ahLst/>
+              <a:cxnLst/>
               <a:rect l="textAreaLeft" t="textAreaTop" r="textAreaRight" b="textAreaBottom"/>
               <a:pathLst>
                 <a:path w="1113" h="1694">
@@ -24002,7 +24074,7 @@
         <p:spPr>
           <a:xfrm>
             <a:off x="326160" y="6393600"/>
-            <a:ext cx="1416600" cy="136080"/>
+            <a:ext cx="1416240" cy="135720"/>
           </a:xfrm>
           <a:prstGeom prst="rect">
             <a:avLst/>
@@ -24059,9 +24131,9 @@
         <p:grpSpPr>
           <a:xfrm>
             <a:off x="330120" y="327960"/>
-            <a:ext cx="11535480" cy="1271160"/>
+            <a:ext cx="11535120" cy="1270800"/>
             <a:chOff x="330120" y="327960"/>
-            <a:chExt cx="11535480" cy="1271160"/>
+            <a:chExt cx="11535120" cy="1270800"/>
           </a:xfrm>
         </p:grpSpPr>
         <p:sp>
@@ -24073,17 +24145,18 @@
           <p:spPr>
             <a:xfrm>
               <a:off x="11041200" y="327960"/>
-              <a:ext cx="824400" cy="1271160"/>
+              <a:ext cx="824040" cy="1270800"/>
             </a:xfrm>
             <a:custGeom>
               <a:avLst/>
               <a:gdLst>
-                <a:gd name="textAreaLeft" fmla="*/ 0 w 824400"/>
-                <a:gd name="textAreaRight" fmla="*/ 825480 w 824400"/>
-                <a:gd name="textAreaTop" fmla="*/ 0 h 1271160"/>
-                <a:gd name="textAreaBottom" fmla="*/ 1272240 h 1271160"/>
+                <a:gd name="textAreaLeft" fmla="*/ 0 w 824040"/>
+                <a:gd name="textAreaRight" fmla="*/ 825480 w 824040"/>
+                <a:gd name="textAreaTop" fmla="*/ 0 h 1270800"/>
+                <a:gd name="textAreaBottom" fmla="*/ 1272240 h 1270800"/>
               </a:gdLst>
               <a:ahLst/>
+              <a:cxnLst/>
               <a:rect l="textAreaLeft" t="textAreaTop" r="textAreaRight" b="textAreaBottom"/>
               <a:pathLst>
                 <a:path w="1099" h="1694">
@@ -24155,17 +24228,18 @@
           <p:spPr>
             <a:xfrm>
               <a:off x="9344520" y="327960"/>
-              <a:ext cx="1151640" cy="1271160"/>
+              <a:ext cx="1151280" cy="1270800"/>
             </a:xfrm>
             <a:custGeom>
               <a:avLst/>
               <a:gdLst>
-                <a:gd name="textAreaLeft" fmla="*/ 0 w 1151640"/>
-                <a:gd name="textAreaRight" fmla="*/ 1152720 w 1151640"/>
-                <a:gd name="textAreaTop" fmla="*/ 0 h 1271160"/>
-                <a:gd name="textAreaBottom" fmla="*/ 1272240 h 1271160"/>
+                <a:gd name="textAreaLeft" fmla="*/ 0 w 1151280"/>
+                <a:gd name="textAreaRight" fmla="*/ 1152720 w 1151280"/>
+                <a:gd name="textAreaTop" fmla="*/ 0 h 1270800"/>
+                <a:gd name="textAreaBottom" fmla="*/ 1272240 h 1270800"/>
               </a:gdLst>
               <a:ahLst/>
+              <a:cxnLst/>
               <a:rect l="textAreaLeft" t="textAreaTop" r="textAreaRight" b="textAreaBottom"/>
               <a:pathLst>
                 <a:path w="1535" h="1694">
@@ -24256,17 +24330,18 @@
           <p:spPr>
             <a:xfrm>
               <a:off x="8028720" y="327960"/>
-              <a:ext cx="834840" cy="1271160"/>
+              <a:ext cx="834480" cy="1270800"/>
             </a:xfrm>
             <a:custGeom>
               <a:avLst/>
               <a:gdLst>
-                <a:gd name="textAreaLeft" fmla="*/ 0 w 834840"/>
-                <a:gd name="textAreaRight" fmla="*/ 835920 w 834840"/>
-                <a:gd name="textAreaTop" fmla="*/ 0 h 1271160"/>
-                <a:gd name="textAreaBottom" fmla="*/ 1272240 h 1271160"/>
+                <a:gd name="textAreaLeft" fmla="*/ 0 w 834480"/>
+                <a:gd name="textAreaRight" fmla="*/ 835920 w 834480"/>
+                <a:gd name="textAreaTop" fmla="*/ 0 h 1270800"/>
+                <a:gd name="textAreaBottom" fmla="*/ 1272240 h 1270800"/>
               </a:gdLst>
               <a:ahLst/>
+              <a:cxnLst/>
               <a:rect l="textAreaLeft" t="textAreaTop" r="textAreaRight" b="textAreaBottom"/>
               <a:pathLst>
                 <a:path w="1113" h="1694">
@@ -24356,17 +24431,18 @@
           <p:spPr>
             <a:xfrm>
               <a:off x="6536160" y="327960"/>
-              <a:ext cx="988200" cy="1271160"/>
+              <a:ext cx="987840" cy="1270800"/>
             </a:xfrm>
             <a:custGeom>
               <a:avLst/>
               <a:gdLst>
-                <a:gd name="textAreaLeft" fmla="*/ 0 w 988200"/>
-                <a:gd name="textAreaRight" fmla="*/ 989280 w 988200"/>
-                <a:gd name="textAreaTop" fmla="*/ 0 h 1271160"/>
-                <a:gd name="textAreaBottom" fmla="*/ 1272240 h 1271160"/>
+                <a:gd name="textAreaLeft" fmla="*/ 0 w 987840"/>
+                <a:gd name="textAreaRight" fmla="*/ 989280 w 987840"/>
+                <a:gd name="textAreaTop" fmla="*/ 0 h 1270800"/>
+                <a:gd name="textAreaBottom" fmla="*/ 1272240 h 1270800"/>
               </a:gdLst>
               <a:ahLst/>
+              <a:cxnLst/>
               <a:rect l="textAreaLeft" t="textAreaTop" r="textAreaRight" b="textAreaBottom"/>
               <a:pathLst>
                 <a:path w="932" h="1199">
@@ -24502,17 +24578,18 @@
           <p:spPr>
             <a:xfrm>
               <a:off x="5113800" y="327960"/>
-              <a:ext cx="823680" cy="1271160"/>
+              <a:ext cx="823320" cy="1270800"/>
             </a:xfrm>
             <a:custGeom>
               <a:avLst/>
               <a:gdLst>
-                <a:gd name="textAreaLeft" fmla="*/ 0 w 823680"/>
-                <a:gd name="textAreaRight" fmla="*/ 824760 w 823680"/>
-                <a:gd name="textAreaTop" fmla="*/ 0 h 1271160"/>
-                <a:gd name="textAreaBottom" fmla="*/ 1272240 h 1271160"/>
+                <a:gd name="textAreaLeft" fmla="*/ 0 w 823320"/>
+                <a:gd name="textAreaRight" fmla="*/ 824760 w 823320"/>
+                <a:gd name="textAreaTop" fmla="*/ 0 h 1270800"/>
+                <a:gd name="textAreaBottom" fmla="*/ 1272240 h 1270800"/>
               </a:gdLst>
               <a:ahLst/>
+              <a:cxnLst/>
               <a:rect l="textAreaLeft" t="textAreaTop" r="textAreaRight" b="textAreaBottom"/>
               <a:pathLst>
                 <a:path w="1098" h="1694">
@@ -24602,17 +24679,18 @@
           <p:spPr>
             <a:xfrm>
               <a:off x="3695760" y="327960"/>
-              <a:ext cx="911520" cy="1271160"/>
+              <a:ext cx="911160" cy="1270800"/>
             </a:xfrm>
             <a:custGeom>
               <a:avLst/>
               <a:gdLst>
-                <a:gd name="textAreaLeft" fmla="*/ 0 w 911520"/>
-                <a:gd name="textAreaRight" fmla="*/ 912600 w 911520"/>
-                <a:gd name="textAreaTop" fmla="*/ 0 h 1271160"/>
-                <a:gd name="textAreaBottom" fmla="*/ 1272240 h 1271160"/>
+                <a:gd name="textAreaLeft" fmla="*/ 0 w 911160"/>
+                <a:gd name="textAreaRight" fmla="*/ 912600 w 911160"/>
+                <a:gd name="textAreaTop" fmla="*/ 0 h 1270800"/>
+                <a:gd name="textAreaBottom" fmla="*/ 1272240 h 1270800"/>
               </a:gdLst>
               <a:ahLst/>
+              <a:cxnLst/>
               <a:rect l="textAreaLeft" t="textAreaTop" r="textAreaRight" b="textAreaBottom"/>
               <a:pathLst>
                 <a:path w="860" h="1199">
@@ -24728,17 +24806,18 @@
           <p:spPr>
             <a:xfrm>
               <a:off x="1791000" y="327960"/>
-              <a:ext cx="1290600" cy="1271160"/>
+              <a:ext cx="1290240" cy="1270800"/>
             </a:xfrm>
             <a:custGeom>
               <a:avLst/>
               <a:gdLst>
-                <a:gd name="textAreaLeft" fmla="*/ 0 w 1290600"/>
-                <a:gd name="textAreaRight" fmla="*/ 1291680 w 1290600"/>
-                <a:gd name="textAreaTop" fmla="*/ 0 h 1271160"/>
-                <a:gd name="textAreaBottom" fmla="*/ 1272240 h 1271160"/>
+                <a:gd name="textAreaLeft" fmla="*/ 0 w 1290240"/>
+                <a:gd name="textAreaRight" fmla="*/ 1291680 w 1290240"/>
+                <a:gd name="textAreaTop" fmla="*/ 0 h 1270800"/>
+                <a:gd name="textAreaBottom" fmla="*/ 1272240 h 1270800"/>
               </a:gdLst>
               <a:ahLst/>
+              <a:cxnLst/>
               <a:rect l="textAreaLeft" t="textAreaTop" r="textAreaRight" b="textAreaBottom"/>
               <a:pathLst>
                 <a:path w="1720" h="1694">
@@ -24837,17 +24916,18 @@
           <p:spPr>
             <a:xfrm>
               <a:off x="330120" y="327960"/>
-              <a:ext cx="834840" cy="1271160"/>
+              <a:ext cx="834480" cy="1270800"/>
             </a:xfrm>
             <a:custGeom>
               <a:avLst/>
               <a:gdLst>
-                <a:gd name="textAreaLeft" fmla="*/ 0 w 834840"/>
-                <a:gd name="textAreaRight" fmla="*/ 835920 w 834840"/>
-                <a:gd name="textAreaTop" fmla="*/ 0 h 1271160"/>
-                <a:gd name="textAreaBottom" fmla="*/ 1272240 h 1271160"/>
+                <a:gd name="textAreaLeft" fmla="*/ 0 w 834480"/>
+                <a:gd name="textAreaRight" fmla="*/ 835920 w 834480"/>
+                <a:gd name="textAreaTop" fmla="*/ 0 h 1270800"/>
+                <a:gd name="textAreaBottom" fmla="*/ 1272240 h 1270800"/>
               </a:gdLst>
               <a:ahLst/>
+              <a:cxnLst/>
               <a:rect l="textAreaLeft" t="textAreaTop" r="textAreaRight" b="textAreaBottom"/>
               <a:pathLst>
                 <a:path w="1113" h="1694">
@@ -24971,7 +25051,7 @@
         <p:spPr>
           <a:xfrm>
             <a:off x="326160" y="6393600"/>
-            <a:ext cx="1416600" cy="136080"/>
+            <a:ext cx="1416240" cy="135720"/>
           </a:xfrm>
           <a:prstGeom prst="rect">
             <a:avLst/>
@@ -25032,7 +25112,7 @@
         <p:spPr>
           <a:xfrm>
             <a:off x="1965240" y="6393600"/>
-            <a:ext cx="3422520" cy="136080"/>
+            <a:ext cx="3422160" cy="135720"/>
           </a:xfrm>
           <a:prstGeom prst="rect">
             <a:avLst/>
@@ -25110,7 +25190,7 @@
         <p:spPr>
           <a:xfrm>
             <a:off x="5936760" y="6393600"/>
-            <a:ext cx="317520" cy="136080"/>
+            <a:ext cx="317160" cy="135720"/>
           </a:xfrm>
           <a:prstGeom prst="rect">
             <a:avLst/>
@@ -25153,7 +25233,7 @@
                 <a:tab algn="l" pos="0"/>
               </a:tabLst>
             </a:pPr>
-            <a:fld id="{999911DB-3B58-44F0-ADBB-59145BB40E39}" type="slidenum">
+            <a:fld id="{0DAB3D13-743F-43A9-8AC4-0F05C0E16E0B}" type="slidenum">
               <a:rPr b="1" lang="en-GB" sz="850" strike="noStrike" u="none">
                 <a:solidFill>
                   <a:schemeClr val="accent1"/>
@@ -25188,7 +25268,7 @@
         <p:spPr>
           <a:xfrm>
             <a:off x="10641240" y="6393600"/>
-            <a:ext cx="1232640" cy="136080"/>
+            <a:ext cx="1232280" cy="135720"/>
           </a:xfrm>
           <a:prstGeom prst="rect">
             <a:avLst/>
@@ -25283,7 +25363,7 @@
         <p:spPr>
           <a:xfrm>
             <a:off x="326160" y="6393600"/>
-            <a:ext cx="1416600" cy="136080"/>
+            <a:ext cx="1416240" cy="135720"/>
           </a:xfrm>
           <a:prstGeom prst="rect">
             <a:avLst/>
@@ -25340,9 +25420,9 @@
         <p:grpSpPr>
           <a:xfrm>
             <a:off x="330120" y="327960"/>
-            <a:ext cx="3971880" cy="437040"/>
+            <a:ext cx="3971520" cy="436680"/>
             <a:chOff x="330120" y="327960"/>
-            <a:chExt cx="3971880" cy="437040"/>
+            <a:chExt cx="3971520" cy="436680"/>
           </a:xfrm>
         </p:grpSpPr>
         <p:sp>
@@ -25354,17 +25434,18 @@
           <p:spPr>
             <a:xfrm>
               <a:off x="4018680" y="327960"/>
-              <a:ext cx="283320" cy="437040"/>
+              <a:ext cx="282960" cy="436680"/>
             </a:xfrm>
             <a:custGeom>
               <a:avLst/>
               <a:gdLst>
-                <a:gd name="textAreaLeft" fmla="*/ 0 w 283320"/>
-                <a:gd name="textAreaRight" fmla="*/ 284400 w 283320"/>
-                <a:gd name="textAreaTop" fmla="*/ 0 h 437040"/>
-                <a:gd name="textAreaBottom" fmla="*/ 438120 h 437040"/>
+                <a:gd name="textAreaLeft" fmla="*/ 0 w 282960"/>
+                <a:gd name="textAreaRight" fmla="*/ 284400 w 282960"/>
+                <a:gd name="textAreaTop" fmla="*/ 0 h 436680"/>
+                <a:gd name="textAreaBottom" fmla="*/ 438120 h 436680"/>
               </a:gdLst>
               <a:ahLst/>
+              <a:cxnLst/>
               <a:rect l="textAreaLeft" t="textAreaTop" r="textAreaRight" b="textAreaBottom"/>
               <a:pathLst>
                 <a:path w="1099" h="1694">
@@ -25436,17 +25517,18 @@
           <p:spPr>
             <a:xfrm>
               <a:off x="3434400" y="327960"/>
-              <a:ext cx="396000" cy="437040"/>
+              <a:ext cx="395640" cy="436680"/>
             </a:xfrm>
             <a:custGeom>
               <a:avLst/>
               <a:gdLst>
-                <a:gd name="textAreaLeft" fmla="*/ 0 w 396000"/>
-                <a:gd name="textAreaRight" fmla="*/ 397080 w 396000"/>
-                <a:gd name="textAreaTop" fmla="*/ 0 h 437040"/>
-                <a:gd name="textAreaBottom" fmla="*/ 438120 h 437040"/>
+                <a:gd name="textAreaLeft" fmla="*/ 0 w 395640"/>
+                <a:gd name="textAreaRight" fmla="*/ 397080 w 395640"/>
+                <a:gd name="textAreaTop" fmla="*/ 0 h 436680"/>
+                <a:gd name="textAreaBottom" fmla="*/ 438120 h 436680"/>
               </a:gdLst>
               <a:ahLst/>
+              <a:cxnLst/>
               <a:rect l="textAreaLeft" t="textAreaTop" r="textAreaRight" b="textAreaBottom"/>
               <a:pathLst>
                 <a:path w="1535" h="1694">
@@ -25537,17 +25619,18 @@
           <p:spPr>
             <a:xfrm>
               <a:off x="2981160" y="327960"/>
-              <a:ext cx="286920" cy="437040"/>
+              <a:ext cx="286560" cy="436680"/>
             </a:xfrm>
             <a:custGeom>
               <a:avLst/>
               <a:gdLst>
-                <a:gd name="textAreaLeft" fmla="*/ 0 w 286920"/>
-                <a:gd name="textAreaRight" fmla="*/ 288000 w 286920"/>
-                <a:gd name="textAreaTop" fmla="*/ 0 h 437040"/>
-                <a:gd name="textAreaBottom" fmla="*/ 438120 h 437040"/>
+                <a:gd name="textAreaLeft" fmla="*/ 0 w 286560"/>
+                <a:gd name="textAreaRight" fmla="*/ 288000 w 286560"/>
+                <a:gd name="textAreaTop" fmla="*/ 0 h 436680"/>
+                <a:gd name="textAreaBottom" fmla="*/ 438120 h 436680"/>
               </a:gdLst>
               <a:ahLst/>
+              <a:cxnLst/>
               <a:rect l="textAreaLeft" t="textAreaTop" r="textAreaRight" b="textAreaBottom"/>
               <a:pathLst>
                 <a:path w="1113" h="1694">
@@ -25637,17 +25720,18 @@
           <p:spPr>
             <a:xfrm>
               <a:off x="2467440" y="327960"/>
-              <a:ext cx="339480" cy="437040"/>
+              <a:ext cx="339120" cy="436680"/>
             </a:xfrm>
             <a:custGeom>
               <a:avLst/>
               <a:gdLst>
-                <a:gd name="textAreaLeft" fmla="*/ 0 w 339480"/>
-                <a:gd name="textAreaRight" fmla="*/ 340560 w 339480"/>
-                <a:gd name="textAreaTop" fmla="*/ 0 h 437040"/>
-                <a:gd name="textAreaBottom" fmla="*/ 438120 h 437040"/>
+                <a:gd name="textAreaLeft" fmla="*/ 0 w 339120"/>
+                <a:gd name="textAreaRight" fmla="*/ 340560 w 339120"/>
+                <a:gd name="textAreaTop" fmla="*/ 0 h 436680"/>
+                <a:gd name="textAreaBottom" fmla="*/ 438120 h 436680"/>
               </a:gdLst>
               <a:ahLst/>
+              <a:cxnLst/>
               <a:rect l="textAreaLeft" t="textAreaTop" r="textAreaRight" b="textAreaBottom"/>
               <a:pathLst>
                 <a:path w="932" h="1199">
@@ -25783,17 +25867,18 @@
           <p:spPr>
             <a:xfrm>
               <a:off x="1977480" y="327960"/>
-              <a:ext cx="282960" cy="437040"/>
+              <a:ext cx="282600" cy="436680"/>
             </a:xfrm>
             <a:custGeom>
               <a:avLst/>
               <a:gdLst>
-                <a:gd name="textAreaLeft" fmla="*/ 0 w 282960"/>
-                <a:gd name="textAreaRight" fmla="*/ 284040 w 282960"/>
-                <a:gd name="textAreaTop" fmla="*/ 0 h 437040"/>
-                <a:gd name="textAreaBottom" fmla="*/ 438120 h 437040"/>
+                <a:gd name="textAreaLeft" fmla="*/ 0 w 282600"/>
+                <a:gd name="textAreaRight" fmla="*/ 284040 w 282600"/>
+                <a:gd name="textAreaTop" fmla="*/ 0 h 436680"/>
+                <a:gd name="textAreaBottom" fmla="*/ 438120 h 436680"/>
               </a:gdLst>
               <a:ahLst/>
+              <a:cxnLst/>
               <a:rect l="textAreaLeft" t="textAreaTop" r="textAreaRight" b="textAreaBottom"/>
               <a:pathLst>
                 <a:path w="1098" h="1694">
@@ -25883,17 +25968,18 @@
           <p:spPr>
             <a:xfrm>
               <a:off x="1489320" y="327960"/>
-              <a:ext cx="313200" cy="437040"/>
+              <a:ext cx="312840" cy="436680"/>
             </a:xfrm>
             <a:custGeom>
               <a:avLst/>
               <a:gdLst>
-                <a:gd name="textAreaLeft" fmla="*/ 0 w 313200"/>
-                <a:gd name="textAreaRight" fmla="*/ 314280 w 313200"/>
-                <a:gd name="textAreaTop" fmla="*/ 0 h 437040"/>
-                <a:gd name="textAreaBottom" fmla="*/ 438120 h 437040"/>
+                <a:gd name="textAreaLeft" fmla="*/ 0 w 312840"/>
+                <a:gd name="textAreaRight" fmla="*/ 314280 w 312840"/>
+                <a:gd name="textAreaTop" fmla="*/ 0 h 436680"/>
+                <a:gd name="textAreaBottom" fmla="*/ 438120 h 436680"/>
               </a:gdLst>
               <a:ahLst/>
+              <a:cxnLst/>
               <a:rect l="textAreaLeft" t="textAreaTop" r="textAreaRight" b="textAreaBottom"/>
               <a:pathLst>
                 <a:path w="860" h="1199">
@@ -26009,17 +26095,18 @@
           <p:spPr>
             <a:xfrm>
               <a:off x="833400" y="327960"/>
-              <a:ext cx="443880" cy="437040"/>
+              <a:ext cx="443520" cy="436680"/>
             </a:xfrm>
             <a:custGeom>
               <a:avLst/>
               <a:gdLst>
-                <a:gd name="textAreaLeft" fmla="*/ 0 w 443880"/>
-                <a:gd name="textAreaRight" fmla="*/ 444960 w 443880"/>
-                <a:gd name="textAreaTop" fmla="*/ 0 h 437040"/>
-                <a:gd name="textAreaBottom" fmla="*/ 438120 h 437040"/>
+                <a:gd name="textAreaLeft" fmla="*/ 0 w 443520"/>
+                <a:gd name="textAreaRight" fmla="*/ 444960 w 443520"/>
+                <a:gd name="textAreaTop" fmla="*/ 0 h 436680"/>
+                <a:gd name="textAreaBottom" fmla="*/ 438120 h 436680"/>
               </a:gdLst>
               <a:ahLst/>
+              <a:cxnLst/>
               <a:rect l="textAreaLeft" t="textAreaTop" r="textAreaRight" b="textAreaBottom"/>
               <a:pathLst>
                 <a:path w="1720" h="1694">
@@ -26118,17 +26205,18 @@
           <p:spPr>
             <a:xfrm>
               <a:off x="330120" y="327960"/>
-              <a:ext cx="286920" cy="437040"/>
+              <a:ext cx="286560" cy="436680"/>
             </a:xfrm>
             <a:custGeom>
               <a:avLst/>
               <a:gdLst>
-                <a:gd name="textAreaLeft" fmla="*/ 0 w 286920"/>
-                <a:gd name="textAreaRight" fmla="*/ 288000 w 286920"/>
-                <a:gd name="textAreaTop" fmla="*/ 0 h 437040"/>
-                <a:gd name="textAreaBottom" fmla="*/ 438120 h 437040"/>
+                <a:gd name="textAreaLeft" fmla="*/ 0 w 286560"/>
+                <a:gd name="textAreaRight" fmla="*/ 288000 w 286560"/>
+                <a:gd name="textAreaTop" fmla="*/ 0 h 436680"/>
+                <a:gd name="textAreaBottom" fmla="*/ 438120 h 436680"/>
               </a:gdLst>
               <a:ahLst/>
+              <a:cxnLst/>
               <a:rect l="textAreaLeft" t="textAreaTop" r="textAreaRight" b="textAreaBottom"/>
               <a:pathLst>
                 <a:path w="1113" h="1694">
@@ -26252,7 +26340,7 @@
         <p:spPr>
           <a:xfrm>
             <a:off x="326160" y="6393600"/>
-            <a:ext cx="1416600" cy="136080"/>
+            <a:ext cx="1416240" cy="135720"/>
           </a:xfrm>
           <a:prstGeom prst="rect">
             <a:avLst/>
@@ -26309,9 +26397,9 @@
         <p:grpSpPr>
           <a:xfrm>
             <a:off x="330120" y="327960"/>
-            <a:ext cx="3971880" cy="437040"/>
+            <a:ext cx="3971520" cy="436680"/>
             <a:chOff x="330120" y="327960"/>
-            <a:chExt cx="3971880" cy="437040"/>
+            <a:chExt cx="3971520" cy="436680"/>
           </a:xfrm>
         </p:grpSpPr>
         <p:sp>
@@ -26323,17 +26411,18 @@
           <p:spPr>
             <a:xfrm>
               <a:off x="4018680" y="327960"/>
-              <a:ext cx="283320" cy="437040"/>
+              <a:ext cx="282960" cy="436680"/>
             </a:xfrm>
             <a:custGeom>
               <a:avLst/>
               <a:gdLst>
-                <a:gd name="textAreaLeft" fmla="*/ 0 w 283320"/>
-                <a:gd name="textAreaRight" fmla="*/ 284400 w 283320"/>
-                <a:gd name="textAreaTop" fmla="*/ 0 h 437040"/>
-                <a:gd name="textAreaBottom" fmla="*/ 438120 h 437040"/>
+                <a:gd name="textAreaLeft" fmla="*/ 0 w 282960"/>
+                <a:gd name="textAreaRight" fmla="*/ 284400 w 282960"/>
+                <a:gd name="textAreaTop" fmla="*/ 0 h 436680"/>
+                <a:gd name="textAreaBottom" fmla="*/ 438120 h 436680"/>
               </a:gdLst>
               <a:ahLst/>
+              <a:cxnLst/>
               <a:rect l="textAreaLeft" t="textAreaTop" r="textAreaRight" b="textAreaBottom"/>
               <a:pathLst>
                 <a:path w="1099" h="1694">
@@ -26405,17 +26494,18 @@
           <p:spPr>
             <a:xfrm>
               <a:off x="3434400" y="327960"/>
-              <a:ext cx="396000" cy="437040"/>
+              <a:ext cx="395640" cy="436680"/>
             </a:xfrm>
             <a:custGeom>
               <a:avLst/>
               <a:gdLst>
-                <a:gd name="textAreaLeft" fmla="*/ 0 w 396000"/>
-                <a:gd name="textAreaRight" fmla="*/ 397080 w 396000"/>
-                <a:gd name="textAreaTop" fmla="*/ 0 h 437040"/>
-                <a:gd name="textAreaBottom" fmla="*/ 438120 h 437040"/>
+                <a:gd name="textAreaLeft" fmla="*/ 0 w 395640"/>
+                <a:gd name="textAreaRight" fmla="*/ 397080 w 395640"/>
+                <a:gd name="textAreaTop" fmla="*/ 0 h 436680"/>
+                <a:gd name="textAreaBottom" fmla="*/ 438120 h 436680"/>
               </a:gdLst>
               <a:ahLst/>
+              <a:cxnLst/>
               <a:rect l="textAreaLeft" t="textAreaTop" r="textAreaRight" b="textAreaBottom"/>
               <a:pathLst>
                 <a:path w="1535" h="1694">
@@ -26506,17 +26596,18 @@
           <p:spPr>
             <a:xfrm>
               <a:off x="2981160" y="327960"/>
-              <a:ext cx="286920" cy="437040"/>
+              <a:ext cx="286560" cy="436680"/>
             </a:xfrm>
             <a:custGeom>
               <a:avLst/>
               <a:gdLst>
-                <a:gd name="textAreaLeft" fmla="*/ 0 w 286920"/>
-                <a:gd name="textAreaRight" fmla="*/ 288000 w 286920"/>
-                <a:gd name="textAreaTop" fmla="*/ 0 h 437040"/>
-                <a:gd name="textAreaBottom" fmla="*/ 438120 h 437040"/>
+                <a:gd name="textAreaLeft" fmla="*/ 0 w 286560"/>
+                <a:gd name="textAreaRight" fmla="*/ 288000 w 286560"/>
+                <a:gd name="textAreaTop" fmla="*/ 0 h 436680"/>
+                <a:gd name="textAreaBottom" fmla="*/ 438120 h 436680"/>
               </a:gdLst>
               <a:ahLst/>
+              <a:cxnLst/>
               <a:rect l="textAreaLeft" t="textAreaTop" r="textAreaRight" b="textAreaBottom"/>
               <a:pathLst>
                 <a:path w="1113" h="1694">
@@ -26606,17 +26697,18 @@
           <p:spPr>
             <a:xfrm>
               <a:off x="2467440" y="327960"/>
-              <a:ext cx="339480" cy="437040"/>
+              <a:ext cx="339120" cy="436680"/>
             </a:xfrm>
             <a:custGeom>
               <a:avLst/>
               <a:gdLst>
-                <a:gd name="textAreaLeft" fmla="*/ 0 w 339480"/>
-                <a:gd name="textAreaRight" fmla="*/ 340560 w 339480"/>
-                <a:gd name="textAreaTop" fmla="*/ 0 h 437040"/>
-                <a:gd name="textAreaBottom" fmla="*/ 438120 h 437040"/>
+                <a:gd name="textAreaLeft" fmla="*/ 0 w 339120"/>
+                <a:gd name="textAreaRight" fmla="*/ 340560 w 339120"/>
+                <a:gd name="textAreaTop" fmla="*/ 0 h 436680"/>
+                <a:gd name="textAreaBottom" fmla="*/ 438120 h 436680"/>
               </a:gdLst>
               <a:ahLst/>
+              <a:cxnLst/>
               <a:rect l="textAreaLeft" t="textAreaTop" r="textAreaRight" b="textAreaBottom"/>
               <a:pathLst>
                 <a:path w="932" h="1199">
@@ -26752,17 +26844,18 @@
           <p:spPr>
             <a:xfrm>
               <a:off x="1977480" y="327960"/>
-              <a:ext cx="282960" cy="437040"/>
+              <a:ext cx="282600" cy="436680"/>
             </a:xfrm>
             <a:custGeom>
               <a:avLst/>
               <a:gdLst>
-                <a:gd name="textAreaLeft" fmla="*/ 0 w 282960"/>
-                <a:gd name="textAreaRight" fmla="*/ 284040 w 282960"/>
-                <a:gd name="textAreaTop" fmla="*/ 0 h 437040"/>
-                <a:gd name="textAreaBottom" fmla="*/ 438120 h 437040"/>
+                <a:gd name="textAreaLeft" fmla="*/ 0 w 282600"/>
+                <a:gd name="textAreaRight" fmla="*/ 284040 w 282600"/>
+                <a:gd name="textAreaTop" fmla="*/ 0 h 436680"/>
+                <a:gd name="textAreaBottom" fmla="*/ 438120 h 436680"/>
               </a:gdLst>
               <a:ahLst/>
+              <a:cxnLst/>
               <a:rect l="textAreaLeft" t="textAreaTop" r="textAreaRight" b="textAreaBottom"/>
               <a:pathLst>
                 <a:path w="1098" h="1694">
@@ -26852,17 +26945,18 @@
           <p:spPr>
             <a:xfrm>
               <a:off x="1489320" y="327960"/>
-              <a:ext cx="313200" cy="437040"/>
+              <a:ext cx="312840" cy="436680"/>
             </a:xfrm>
             <a:custGeom>
               <a:avLst/>
               <a:gdLst>
-                <a:gd name="textAreaLeft" fmla="*/ 0 w 313200"/>
-                <a:gd name="textAreaRight" fmla="*/ 314280 w 313200"/>
-                <a:gd name="textAreaTop" fmla="*/ 0 h 437040"/>
-                <a:gd name="textAreaBottom" fmla="*/ 438120 h 437040"/>
+                <a:gd name="textAreaLeft" fmla="*/ 0 w 312840"/>
+                <a:gd name="textAreaRight" fmla="*/ 314280 w 312840"/>
+                <a:gd name="textAreaTop" fmla="*/ 0 h 436680"/>
+                <a:gd name="textAreaBottom" fmla="*/ 438120 h 436680"/>
               </a:gdLst>
               <a:ahLst/>
+              <a:cxnLst/>
               <a:rect l="textAreaLeft" t="textAreaTop" r="textAreaRight" b="textAreaBottom"/>
               <a:pathLst>
                 <a:path w="860" h="1199">
@@ -26978,17 +27072,18 @@
           <p:spPr>
             <a:xfrm>
               <a:off x="833400" y="327960"/>
-              <a:ext cx="443880" cy="437040"/>
+              <a:ext cx="443520" cy="436680"/>
             </a:xfrm>
             <a:custGeom>
               <a:avLst/>
               <a:gdLst>
-                <a:gd name="textAreaLeft" fmla="*/ 0 w 443880"/>
-                <a:gd name="textAreaRight" fmla="*/ 444960 w 443880"/>
-                <a:gd name="textAreaTop" fmla="*/ 0 h 437040"/>
-                <a:gd name="textAreaBottom" fmla="*/ 438120 h 437040"/>
+                <a:gd name="textAreaLeft" fmla="*/ 0 w 443520"/>
+                <a:gd name="textAreaRight" fmla="*/ 444960 w 443520"/>
+                <a:gd name="textAreaTop" fmla="*/ 0 h 436680"/>
+                <a:gd name="textAreaBottom" fmla="*/ 438120 h 436680"/>
               </a:gdLst>
               <a:ahLst/>
+              <a:cxnLst/>
               <a:rect l="textAreaLeft" t="textAreaTop" r="textAreaRight" b="textAreaBottom"/>
               <a:pathLst>
                 <a:path w="1720" h="1694">
@@ -27087,17 +27182,18 @@
           <p:spPr>
             <a:xfrm>
               <a:off x="330120" y="327960"/>
-              <a:ext cx="286920" cy="437040"/>
+              <a:ext cx="286560" cy="436680"/>
             </a:xfrm>
             <a:custGeom>
               <a:avLst/>
               <a:gdLst>
-                <a:gd name="textAreaLeft" fmla="*/ 0 w 286920"/>
-                <a:gd name="textAreaRight" fmla="*/ 288000 w 286920"/>
-                <a:gd name="textAreaTop" fmla="*/ 0 h 437040"/>
-                <a:gd name="textAreaBottom" fmla="*/ 438120 h 437040"/>
+                <a:gd name="textAreaLeft" fmla="*/ 0 w 286560"/>
+                <a:gd name="textAreaRight" fmla="*/ 288000 w 286560"/>
+                <a:gd name="textAreaTop" fmla="*/ 0 h 436680"/>
+                <a:gd name="textAreaBottom" fmla="*/ 438120 h 436680"/>
               </a:gdLst>
               <a:ahLst/>
+              <a:cxnLst/>
               <a:rect l="textAreaLeft" t="textAreaTop" r="textAreaRight" b="textAreaBottom"/>
               <a:pathLst>
                 <a:path w="1113" h="1694">
@@ -27221,7 +27317,7 @@
         <p:spPr>
           <a:xfrm>
             <a:off x="326160" y="6393600"/>
-            <a:ext cx="1416600" cy="136080"/>
+            <a:ext cx="1416240" cy="135720"/>
           </a:xfrm>
           <a:prstGeom prst="rect">
             <a:avLst/>
@@ -27278,9 +27374,9 @@
         <p:grpSpPr>
           <a:xfrm>
             <a:off x="330120" y="327960"/>
-            <a:ext cx="3971880" cy="437040"/>
+            <a:ext cx="3971520" cy="436680"/>
             <a:chOff x="330120" y="327960"/>
-            <a:chExt cx="3971880" cy="437040"/>
+            <a:chExt cx="3971520" cy="436680"/>
           </a:xfrm>
         </p:grpSpPr>
         <p:sp>
@@ -27292,17 +27388,18 @@
           <p:spPr>
             <a:xfrm>
               <a:off x="4018680" y="327960"/>
-              <a:ext cx="283320" cy="437040"/>
+              <a:ext cx="282960" cy="436680"/>
             </a:xfrm>
             <a:custGeom>
               <a:avLst/>
               <a:gdLst>
-                <a:gd name="textAreaLeft" fmla="*/ 0 w 283320"/>
-                <a:gd name="textAreaRight" fmla="*/ 284400 w 283320"/>
-                <a:gd name="textAreaTop" fmla="*/ 0 h 437040"/>
-                <a:gd name="textAreaBottom" fmla="*/ 438120 h 437040"/>
+                <a:gd name="textAreaLeft" fmla="*/ 0 w 282960"/>
+                <a:gd name="textAreaRight" fmla="*/ 284400 w 282960"/>
+                <a:gd name="textAreaTop" fmla="*/ 0 h 436680"/>
+                <a:gd name="textAreaBottom" fmla="*/ 438120 h 436680"/>
               </a:gdLst>
               <a:ahLst/>
+              <a:cxnLst/>
               <a:rect l="textAreaLeft" t="textAreaTop" r="textAreaRight" b="textAreaBottom"/>
               <a:pathLst>
                 <a:path w="1099" h="1694">
@@ -27374,17 +27471,18 @@
           <p:spPr>
             <a:xfrm>
               <a:off x="3434400" y="327960"/>
-              <a:ext cx="396000" cy="437040"/>
+              <a:ext cx="395640" cy="436680"/>
             </a:xfrm>
             <a:custGeom>
               <a:avLst/>
               <a:gdLst>
-                <a:gd name="textAreaLeft" fmla="*/ 0 w 396000"/>
-                <a:gd name="textAreaRight" fmla="*/ 397080 w 396000"/>
-                <a:gd name="textAreaTop" fmla="*/ 0 h 437040"/>
-                <a:gd name="textAreaBottom" fmla="*/ 438120 h 437040"/>
+                <a:gd name="textAreaLeft" fmla="*/ 0 w 395640"/>
+                <a:gd name="textAreaRight" fmla="*/ 397080 w 395640"/>
+                <a:gd name="textAreaTop" fmla="*/ 0 h 436680"/>
+                <a:gd name="textAreaBottom" fmla="*/ 438120 h 436680"/>
               </a:gdLst>
               <a:ahLst/>
+              <a:cxnLst/>
               <a:rect l="textAreaLeft" t="textAreaTop" r="textAreaRight" b="textAreaBottom"/>
               <a:pathLst>
                 <a:path w="1535" h="1694">
@@ -27475,17 +27573,18 @@
           <p:spPr>
             <a:xfrm>
               <a:off x="2981160" y="327960"/>
-              <a:ext cx="286920" cy="437040"/>
+              <a:ext cx="286560" cy="436680"/>
             </a:xfrm>
             <a:custGeom>
               <a:avLst/>
               <a:gdLst>
-                <a:gd name="textAreaLeft" fmla="*/ 0 w 286920"/>
-                <a:gd name="textAreaRight" fmla="*/ 288000 w 286920"/>
-                <a:gd name="textAreaTop" fmla="*/ 0 h 437040"/>
-                <a:gd name="textAreaBottom" fmla="*/ 438120 h 437040"/>
+                <a:gd name="textAreaLeft" fmla="*/ 0 w 286560"/>
+                <a:gd name="textAreaRight" fmla="*/ 288000 w 286560"/>
+                <a:gd name="textAreaTop" fmla="*/ 0 h 436680"/>
+                <a:gd name="textAreaBottom" fmla="*/ 438120 h 436680"/>
               </a:gdLst>
               <a:ahLst/>
+              <a:cxnLst/>
               <a:rect l="textAreaLeft" t="textAreaTop" r="textAreaRight" b="textAreaBottom"/>
               <a:pathLst>
                 <a:path w="1113" h="1694">
@@ -27575,17 +27674,18 @@
           <p:spPr>
             <a:xfrm>
               <a:off x="2467440" y="327960"/>
-              <a:ext cx="339480" cy="437040"/>
+              <a:ext cx="339120" cy="436680"/>
             </a:xfrm>
             <a:custGeom>
               <a:avLst/>
               <a:gdLst>
-                <a:gd name="textAreaLeft" fmla="*/ 0 w 339480"/>
-                <a:gd name="textAreaRight" fmla="*/ 340560 w 339480"/>
-                <a:gd name="textAreaTop" fmla="*/ 0 h 437040"/>
-                <a:gd name="textAreaBottom" fmla="*/ 438120 h 437040"/>
+                <a:gd name="textAreaLeft" fmla="*/ 0 w 339120"/>
+                <a:gd name="textAreaRight" fmla="*/ 340560 w 339120"/>
+                <a:gd name="textAreaTop" fmla="*/ 0 h 436680"/>
+                <a:gd name="textAreaBottom" fmla="*/ 438120 h 436680"/>
               </a:gdLst>
               <a:ahLst/>
+              <a:cxnLst/>
               <a:rect l="textAreaLeft" t="textAreaTop" r="textAreaRight" b="textAreaBottom"/>
               <a:pathLst>
                 <a:path w="932" h="1199">
@@ -27721,17 +27821,18 @@
           <p:spPr>
             <a:xfrm>
               <a:off x="1977480" y="327960"/>
-              <a:ext cx="282960" cy="437040"/>
+              <a:ext cx="282600" cy="436680"/>
             </a:xfrm>
             <a:custGeom>
               <a:avLst/>
               <a:gdLst>
-                <a:gd name="textAreaLeft" fmla="*/ 0 w 282960"/>
-                <a:gd name="textAreaRight" fmla="*/ 284040 w 282960"/>
-                <a:gd name="textAreaTop" fmla="*/ 0 h 437040"/>
-                <a:gd name="textAreaBottom" fmla="*/ 438120 h 437040"/>
+                <a:gd name="textAreaLeft" fmla="*/ 0 w 282600"/>
+                <a:gd name="textAreaRight" fmla="*/ 284040 w 282600"/>
+                <a:gd name="textAreaTop" fmla="*/ 0 h 436680"/>
+                <a:gd name="textAreaBottom" fmla="*/ 438120 h 436680"/>
               </a:gdLst>
               <a:ahLst/>
+              <a:cxnLst/>
               <a:rect l="textAreaLeft" t="textAreaTop" r="textAreaRight" b="textAreaBottom"/>
               <a:pathLst>
                 <a:path w="1098" h="1694">
@@ -27821,17 +27922,18 @@
           <p:spPr>
             <a:xfrm>
               <a:off x="1489320" y="327960"/>
-              <a:ext cx="313200" cy="437040"/>
+              <a:ext cx="312840" cy="436680"/>
             </a:xfrm>
             <a:custGeom>
               <a:avLst/>
               <a:gdLst>
-                <a:gd name="textAreaLeft" fmla="*/ 0 w 313200"/>
-                <a:gd name="textAreaRight" fmla="*/ 314280 w 313200"/>
-                <a:gd name="textAreaTop" fmla="*/ 0 h 437040"/>
-                <a:gd name="textAreaBottom" fmla="*/ 438120 h 437040"/>
+                <a:gd name="textAreaLeft" fmla="*/ 0 w 312840"/>
+                <a:gd name="textAreaRight" fmla="*/ 314280 w 312840"/>
+                <a:gd name="textAreaTop" fmla="*/ 0 h 436680"/>
+                <a:gd name="textAreaBottom" fmla="*/ 438120 h 436680"/>
               </a:gdLst>
               <a:ahLst/>
+              <a:cxnLst/>
               <a:rect l="textAreaLeft" t="textAreaTop" r="textAreaRight" b="textAreaBottom"/>
               <a:pathLst>
                 <a:path w="860" h="1199">
@@ -27947,17 +28049,18 @@
           <p:spPr>
             <a:xfrm>
               <a:off x="833400" y="327960"/>
-              <a:ext cx="443880" cy="437040"/>
+              <a:ext cx="443520" cy="436680"/>
             </a:xfrm>
             <a:custGeom>
               <a:avLst/>
               <a:gdLst>
-                <a:gd name="textAreaLeft" fmla="*/ 0 w 443880"/>
-                <a:gd name="textAreaRight" fmla="*/ 444960 w 443880"/>
-                <a:gd name="textAreaTop" fmla="*/ 0 h 437040"/>
-                <a:gd name="textAreaBottom" fmla="*/ 438120 h 437040"/>
+                <a:gd name="textAreaLeft" fmla="*/ 0 w 443520"/>
+                <a:gd name="textAreaRight" fmla="*/ 444960 w 443520"/>
+                <a:gd name="textAreaTop" fmla="*/ 0 h 436680"/>
+                <a:gd name="textAreaBottom" fmla="*/ 438120 h 436680"/>
               </a:gdLst>
               <a:ahLst/>
+              <a:cxnLst/>
               <a:rect l="textAreaLeft" t="textAreaTop" r="textAreaRight" b="textAreaBottom"/>
               <a:pathLst>
                 <a:path w="1720" h="1694">
@@ -28056,17 +28159,18 @@
           <p:spPr>
             <a:xfrm>
               <a:off x="330120" y="327960"/>
-              <a:ext cx="286920" cy="437040"/>
+              <a:ext cx="286560" cy="436680"/>
             </a:xfrm>
             <a:custGeom>
               <a:avLst/>
               <a:gdLst>
-                <a:gd name="textAreaLeft" fmla="*/ 0 w 286920"/>
-                <a:gd name="textAreaRight" fmla="*/ 288000 w 286920"/>
-                <a:gd name="textAreaTop" fmla="*/ 0 h 437040"/>
-                <a:gd name="textAreaBottom" fmla="*/ 438120 h 437040"/>
+                <a:gd name="textAreaLeft" fmla="*/ 0 w 286560"/>
+                <a:gd name="textAreaRight" fmla="*/ 288000 w 286560"/>
+                <a:gd name="textAreaTop" fmla="*/ 0 h 436680"/>
+                <a:gd name="textAreaBottom" fmla="*/ 438120 h 436680"/>
               </a:gdLst>
               <a:ahLst/>
+              <a:cxnLst/>
               <a:rect l="textAreaLeft" t="textAreaTop" r="textAreaRight" b="textAreaBottom"/>
               <a:pathLst>
                 <a:path w="1113" h="1694">
@@ -28190,7 +28294,7 @@
         <p:spPr>
           <a:xfrm>
             <a:off x="326160" y="6393600"/>
-            <a:ext cx="1416600" cy="136080"/>
+            <a:ext cx="1416240" cy="135720"/>
           </a:xfrm>
           <a:prstGeom prst="rect">
             <a:avLst/>
@@ -28247,9 +28351,9 @@
         <p:grpSpPr>
           <a:xfrm>
             <a:off x="330120" y="327960"/>
-            <a:ext cx="3971880" cy="437040"/>
+            <a:ext cx="3971520" cy="436680"/>
             <a:chOff x="330120" y="327960"/>
-            <a:chExt cx="3971880" cy="437040"/>
+            <a:chExt cx="3971520" cy="436680"/>
           </a:xfrm>
         </p:grpSpPr>
         <p:sp>
@@ -28261,17 +28365,18 @@
           <p:spPr>
             <a:xfrm>
               <a:off x="4018680" y="327960"/>
-              <a:ext cx="283320" cy="437040"/>
+              <a:ext cx="282960" cy="436680"/>
             </a:xfrm>
             <a:custGeom>
               <a:avLst/>
               <a:gdLst>
-                <a:gd name="textAreaLeft" fmla="*/ 0 w 283320"/>
-                <a:gd name="textAreaRight" fmla="*/ 284400 w 283320"/>
-                <a:gd name="textAreaTop" fmla="*/ 0 h 437040"/>
-                <a:gd name="textAreaBottom" fmla="*/ 438120 h 437040"/>
+                <a:gd name="textAreaLeft" fmla="*/ 0 w 282960"/>
+                <a:gd name="textAreaRight" fmla="*/ 284400 w 282960"/>
+                <a:gd name="textAreaTop" fmla="*/ 0 h 436680"/>
+                <a:gd name="textAreaBottom" fmla="*/ 438120 h 436680"/>
               </a:gdLst>
               <a:ahLst/>
+              <a:cxnLst/>
               <a:rect l="textAreaLeft" t="textAreaTop" r="textAreaRight" b="textAreaBottom"/>
               <a:pathLst>
                 <a:path w="1099" h="1694">
@@ -28343,17 +28448,18 @@
           <p:spPr>
             <a:xfrm>
               <a:off x="3434400" y="327960"/>
-              <a:ext cx="396000" cy="437040"/>
+              <a:ext cx="395640" cy="436680"/>
             </a:xfrm>
             <a:custGeom>
               <a:avLst/>
               <a:gdLst>
-                <a:gd name="textAreaLeft" fmla="*/ 0 w 396000"/>
-                <a:gd name="textAreaRight" fmla="*/ 397080 w 396000"/>
-                <a:gd name="textAreaTop" fmla="*/ 0 h 437040"/>
-                <a:gd name="textAreaBottom" fmla="*/ 438120 h 437040"/>
+                <a:gd name="textAreaLeft" fmla="*/ 0 w 395640"/>
+                <a:gd name="textAreaRight" fmla="*/ 397080 w 395640"/>
+                <a:gd name="textAreaTop" fmla="*/ 0 h 436680"/>
+                <a:gd name="textAreaBottom" fmla="*/ 438120 h 436680"/>
               </a:gdLst>
               <a:ahLst/>
+              <a:cxnLst/>
               <a:rect l="textAreaLeft" t="textAreaTop" r="textAreaRight" b="textAreaBottom"/>
               <a:pathLst>
                 <a:path w="1535" h="1694">
@@ -28444,17 +28550,18 @@
           <p:spPr>
             <a:xfrm>
               <a:off x="2981160" y="327960"/>
-              <a:ext cx="286920" cy="437040"/>
+              <a:ext cx="286560" cy="436680"/>
             </a:xfrm>
             <a:custGeom>
               <a:avLst/>
               <a:gdLst>
-                <a:gd name="textAreaLeft" fmla="*/ 0 w 286920"/>
-                <a:gd name="textAreaRight" fmla="*/ 288000 w 286920"/>
-                <a:gd name="textAreaTop" fmla="*/ 0 h 437040"/>
-                <a:gd name="textAreaBottom" fmla="*/ 438120 h 437040"/>
+                <a:gd name="textAreaLeft" fmla="*/ 0 w 286560"/>
+                <a:gd name="textAreaRight" fmla="*/ 288000 w 286560"/>
+                <a:gd name="textAreaTop" fmla="*/ 0 h 436680"/>
+                <a:gd name="textAreaBottom" fmla="*/ 438120 h 436680"/>
               </a:gdLst>
               <a:ahLst/>
+              <a:cxnLst/>
               <a:rect l="textAreaLeft" t="textAreaTop" r="textAreaRight" b="textAreaBottom"/>
               <a:pathLst>
                 <a:path w="1113" h="1694">
@@ -28544,17 +28651,18 @@
           <p:spPr>
             <a:xfrm>
               <a:off x="2467440" y="327960"/>
-              <a:ext cx="339480" cy="437040"/>
+              <a:ext cx="339120" cy="436680"/>
             </a:xfrm>
             <a:custGeom>
               <a:avLst/>
               <a:gdLst>
-                <a:gd name="textAreaLeft" fmla="*/ 0 w 339480"/>
-                <a:gd name="textAreaRight" fmla="*/ 340560 w 339480"/>
-                <a:gd name="textAreaTop" fmla="*/ 0 h 437040"/>
-                <a:gd name="textAreaBottom" fmla="*/ 438120 h 437040"/>
+                <a:gd name="textAreaLeft" fmla="*/ 0 w 339120"/>
+                <a:gd name="textAreaRight" fmla="*/ 340560 w 339120"/>
+                <a:gd name="textAreaTop" fmla="*/ 0 h 436680"/>
+                <a:gd name="textAreaBottom" fmla="*/ 438120 h 436680"/>
               </a:gdLst>
               <a:ahLst/>
+              <a:cxnLst/>
               <a:rect l="textAreaLeft" t="textAreaTop" r="textAreaRight" b="textAreaBottom"/>
               <a:pathLst>
                 <a:path w="932" h="1199">
@@ -28690,17 +28798,18 @@
           <p:spPr>
             <a:xfrm>
               <a:off x="1977480" y="327960"/>
-              <a:ext cx="282960" cy="437040"/>
+              <a:ext cx="282600" cy="436680"/>
             </a:xfrm>
             <a:custGeom>
               <a:avLst/>
               <a:gdLst>
-                <a:gd name="textAreaLeft" fmla="*/ 0 w 282960"/>
-                <a:gd name="textAreaRight" fmla="*/ 284040 w 282960"/>
-                <a:gd name="textAreaTop" fmla="*/ 0 h 437040"/>
-                <a:gd name="textAreaBottom" fmla="*/ 438120 h 437040"/>
+                <a:gd name="textAreaLeft" fmla="*/ 0 w 282600"/>
+                <a:gd name="textAreaRight" fmla="*/ 284040 w 282600"/>
+                <a:gd name="textAreaTop" fmla="*/ 0 h 436680"/>
+                <a:gd name="textAreaBottom" fmla="*/ 438120 h 436680"/>
               </a:gdLst>
               <a:ahLst/>
+              <a:cxnLst/>
               <a:rect l="textAreaLeft" t="textAreaTop" r="textAreaRight" b="textAreaBottom"/>
               <a:pathLst>
                 <a:path w="1098" h="1694">
@@ -28790,17 +28899,18 @@
           <p:spPr>
             <a:xfrm>
               <a:off x="1489320" y="327960"/>
-              <a:ext cx="313200" cy="437040"/>
+              <a:ext cx="312840" cy="436680"/>
             </a:xfrm>
             <a:custGeom>
               <a:avLst/>
               <a:gdLst>
-                <a:gd name="textAreaLeft" fmla="*/ 0 w 313200"/>
-                <a:gd name="textAreaRight" fmla="*/ 314280 w 313200"/>
-                <a:gd name="textAreaTop" fmla="*/ 0 h 437040"/>
-                <a:gd name="textAreaBottom" fmla="*/ 438120 h 437040"/>
+                <a:gd name="textAreaLeft" fmla="*/ 0 w 312840"/>
+                <a:gd name="textAreaRight" fmla="*/ 314280 w 312840"/>
+                <a:gd name="textAreaTop" fmla="*/ 0 h 436680"/>
+                <a:gd name="textAreaBottom" fmla="*/ 438120 h 436680"/>
               </a:gdLst>
               <a:ahLst/>
+              <a:cxnLst/>
               <a:rect l="textAreaLeft" t="textAreaTop" r="textAreaRight" b="textAreaBottom"/>
               <a:pathLst>
                 <a:path w="860" h="1199">
@@ -28916,17 +29026,18 @@
           <p:spPr>
             <a:xfrm>
               <a:off x="833400" y="327960"/>
-              <a:ext cx="443880" cy="437040"/>
+              <a:ext cx="443520" cy="436680"/>
             </a:xfrm>
             <a:custGeom>
               <a:avLst/>
               <a:gdLst>
-                <a:gd name="textAreaLeft" fmla="*/ 0 w 443880"/>
-                <a:gd name="textAreaRight" fmla="*/ 444960 w 443880"/>
-                <a:gd name="textAreaTop" fmla="*/ 0 h 437040"/>
-                <a:gd name="textAreaBottom" fmla="*/ 438120 h 437040"/>
+                <a:gd name="textAreaLeft" fmla="*/ 0 w 443520"/>
+                <a:gd name="textAreaRight" fmla="*/ 444960 w 443520"/>
+                <a:gd name="textAreaTop" fmla="*/ 0 h 436680"/>
+                <a:gd name="textAreaBottom" fmla="*/ 438120 h 436680"/>
               </a:gdLst>
               <a:ahLst/>
+              <a:cxnLst/>
               <a:rect l="textAreaLeft" t="textAreaTop" r="textAreaRight" b="textAreaBottom"/>
               <a:pathLst>
                 <a:path w="1720" h="1694">
@@ -29025,17 +29136,18 @@
           <p:spPr>
             <a:xfrm>
               <a:off x="330120" y="327960"/>
-              <a:ext cx="286920" cy="437040"/>
+              <a:ext cx="286560" cy="436680"/>
             </a:xfrm>
             <a:custGeom>
               <a:avLst/>
               <a:gdLst>
-                <a:gd name="textAreaLeft" fmla="*/ 0 w 286920"/>
-                <a:gd name="textAreaRight" fmla="*/ 288000 w 286920"/>
-                <a:gd name="textAreaTop" fmla="*/ 0 h 437040"/>
-                <a:gd name="textAreaBottom" fmla="*/ 438120 h 437040"/>
+                <a:gd name="textAreaLeft" fmla="*/ 0 w 286560"/>
+                <a:gd name="textAreaRight" fmla="*/ 288000 w 286560"/>
+                <a:gd name="textAreaTop" fmla="*/ 0 h 436680"/>
+                <a:gd name="textAreaBottom" fmla="*/ 438120 h 436680"/>
               </a:gdLst>
               <a:ahLst/>
+              <a:cxnLst/>
               <a:rect l="textAreaLeft" t="textAreaTop" r="textAreaRight" b="textAreaBottom"/>
               <a:pathLst>
                 <a:path w="1113" h="1694">
@@ -29159,7 +29271,7 @@
         <p:spPr>
           <a:xfrm>
             <a:off x="326160" y="6393600"/>
-            <a:ext cx="1416600" cy="136080"/>
+            <a:ext cx="1416240" cy="135720"/>
           </a:xfrm>
           <a:prstGeom prst="rect">
             <a:avLst/>
@@ -29220,7 +29332,7 @@
         <p:spPr>
           <a:xfrm>
             <a:off x="1965240" y="6393600"/>
-            <a:ext cx="3422520" cy="136080"/>
+            <a:ext cx="3422160" cy="135720"/>
           </a:xfrm>
           <a:prstGeom prst="rect">
             <a:avLst/>
@@ -29298,7 +29410,7 @@
         <p:spPr>
           <a:xfrm>
             <a:off x="5936760" y="6393600"/>
-            <a:ext cx="317520" cy="136080"/>
+            <a:ext cx="317160" cy="135720"/>
           </a:xfrm>
           <a:prstGeom prst="rect">
             <a:avLst/>
@@ -29341,7 +29453,7 @@
                 <a:tab algn="l" pos="0"/>
               </a:tabLst>
             </a:pPr>
-            <a:fld id="{D1FAC694-5EC5-4232-948A-B2DC594CA9CE}" type="slidenum">
+            <a:fld id="{1AE9022B-B97A-4D8F-B73D-D691401A3022}" type="slidenum">
               <a:rPr b="1" lang="en-GB" sz="850" strike="noStrike" u="none">
                 <a:solidFill>
                   <a:schemeClr val="accent1"/>
@@ -29376,7 +29488,7 @@
         <p:spPr>
           <a:xfrm>
             <a:off x="10641240" y="6393600"/>
-            <a:ext cx="1232640" cy="136080"/>
+            <a:ext cx="1232280" cy="135720"/>
           </a:xfrm>
           <a:prstGeom prst="rect">
             <a:avLst/>
@@ -29471,7 +29583,7 @@
         <p:spPr>
           <a:xfrm>
             <a:off x="326160" y="6393600"/>
-            <a:ext cx="1416600" cy="136080"/>
+            <a:ext cx="1416240" cy="135720"/>
           </a:xfrm>
           <a:prstGeom prst="rect">
             <a:avLst/>
@@ -29532,7 +29644,7 @@
         <p:spPr>
           <a:xfrm>
             <a:off x="1965240" y="6393600"/>
-            <a:ext cx="3422520" cy="136080"/>
+            <a:ext cx="3422160" cy="135720"/>
           </a:xfrm>
           <a:prstGeom prst="rect">
             <a:avLst/>
@@ -29610,7 +29722,7 @@
         <p:spPr>
           <a:xfrm>
             <a:off x="5936760" y="6393600"/>
-            <a:ext cx="317520" cy="136080"/>
+            <a:ext cx="317160" cy="135720"/>
           </a:xfrm>
           <a:prstGeom prst="rect">
             <a:avLst/>
@@ -29653,7 +29765,7 @@
                 <a:tab algn="l" pos="0"/>
               </a:tabLst>
             </a:pPr>
-            <a:fld id="{3E9D188C-B3B0-4EA1-9ACB-E5C3CAAB0D8A}" type="slidenum">
+            <a:fld id="{C120E575-D1E0-4DEF-B359-52F68DD4C33F}" type="slidenum">
               <a:rPr b="1" lang="en-GB" sz="850" strike="noStrike" u="none">
                 <a:solidFill>
                   <a:schemeClr val="accent1"/>
@@ -29688,7 +29800,7 @@
         <p:spPr>
           <a:xfrm>
             <a:off x="10641240" y="6393600"/>
-            <a:ext cx="1232640" cy="136080"/>
+            <a:ext cx="1232280" cy="135720"/>
           </a:xfrm>
           <a:prstGeom prst="rect">
             <a:avLst/>
@@ -29783,7 +29895,7 @@
         <p:spPr>
           <a:xfrm>
             <a:off x="326160" y="6393600"/>
-            <a:ext cx="1416600" cy="136080"/>
+            <a:ext cx="1416240" cy="135720"/>
           </a:xfrm>
           <a:prstGeom prst="rect">
             <a:avLst/>
@@ -29844,7 +29956,7 @@
         <p:spPr>
           <a:xfrm>
             <a:off x="1965240" y="6393600"/>
-            <a:ext cx="3422520" cy="136080"/>
+            <a:ext cx="3422160" cy="135720"/>
           </a:xfrm>
           <a:prstGeom prst="rect">
             <a:avLst/>
@@ -29922,7 +30034,7 @@
         <p:spPr>
           <a:xfrm>
             <a:off x="5936760" y="6393600"/>
-            <a:ext cx="317520" cy="136080"/>
+            <a:ext cx="317160" cy="135720"/>
           </a:xfrm>
           <a:prstGeom prst="rect">
             <a:avLst/>
@@ -29965,7 +30077,7 @@
                 <a:tab algn="l" pos="0"/>
               </a:tabLst>
             </a:pPr>
-            <a:fld id="{23FFCA28-DB74-42F9-8837-9618207158D3}" type="slidenum">
+            <a:fld id="{03A382AD-9247-4ED9-9301-B6DA760A5EE5}" type="slidenum">
               <a:rPr b="1" lang="en-GB" sz="850" strike="noStrike" u="none">
                 <a:solidFill>
                   <a:schemeClr val="accent1"/>
@@ -30000,7 +30112,7 @@
         <p:spPr>
           <a:xfrm>
             <a:off x="10641240" y="6393600"/>
-            <a:ext cx="1232640" cy="136080"/>
+            <a:ext cx="1232280" cy="135720"/>
           </a:xfrm>
           <a:prstGeom prst="rect">
             <a:avLst/>
@@ -30095,7 +30207,7 @@
         <p:spPr>
           <a:xfrm>
             <a:off x="326160" y="6393600"/>
-            <a:ext cx="1416600" cy="136080"/>
+            <a:ext cx="1416240" cy="135720"/>
           </a:xfrm>
           <a:prstGeom prst="rect">
             <a:avLst/>
@@ -30156,7 +30268,7 @@
         <p:spPr>
           <a:xfrm>
             <a:off x="1965240" y="6393600"/>
-            <a:ext cx="3422520" cy="136080"/>
+            <a:ext cx="3422160" cy="135720"/>
           </a:xfrm>
           <a:prstGeom prst="rect">
             <a:avLst/>
@@ -30234,7 +30346,7 @@
         <p:spPr>
           <a:xfrm>
             <a:off x="5936760" y="6393600"/>
-            <a:ext cx="317520" cy="136080"/>
+            <a:ext cx="317160" cy="135720"/>
           </a:xfrm>
           <a:prstGeom prst="rect">
             <a:avLst/>
@@ -30277,7 +30389,7 @@
                 <a:tab algn="l" pos="0"/>
               </a:tabLst>
             </a:pPr>
-            <a:fld id="{D5582DDB-A78D-479A-8F2C-616FDACDA5F8}" type="slidenum">
+            <a:fld id="{04977DB0-D330-491B-8CDC-BFB81C9091FF}" type="slidenum">
               <a:rPr b="1" lang="en-GB" sz="850" strike="noStrike" u="none">
                 <a:solidFill>
                   <a:schemeClr val="accent1"/>
@@ -30312,7 +30424,7 @@
         <p:spPr>
           <a:xfrm>
             <a:off x="10641240" y="6393600"/>
-            <a:ext cx="1232640" cy="136080"/>
+            <a:ext cx="1232280" cy="135720"/>
           </a:xfrm>
           <a:prstGeom prst="rect">
             <a:avLst/>
@@ -30407,7 +30519,7 @@
         <p:spPr>
           <a:xfrm>
             <a:off x="326160" y="6393600"/>
-            <a:ext cx="1416600" cy="136080"/>
+            <a:ext cx="1416240" cy="135720"/>
           </a:xfrm>
           <a:prstGeom prst="rect">
             <a:avLst/>
@@ -30468,7 +30580,7 @@
         <p:spPr>
           <a:xfrm>
             <a:off x="1965240" y="6393600"/>
-            <a:ext cx="3422520" cy="136080"/>
+            <a:ext cx="3422160" cy="135720"/>
           </a:xfrm>
           <a:prstGeom prst="rect">
             <a:avLst/>
@@ -30546,7 +30658,7 @@
         <p:spPr>
           <a:xfrm>
             <a:off x="5936760" y="6393600"/>
-            <a:ext cx="317520" cy="136080"/>
+            <a:ext cx="317160" cy="135720"/>
           </a:xfrm>
           <a:prstGeom prst="rect">
             <a:avLst/>
@@ -30589,7 +30701,7 @@
                 <a:tab algn="l" pos="0"/>
               </a:tabLst>
             </a:pPr>
-            <a:fld id="{20B1080F-7235-46F2-B01C-2D47425BF5FB}" type="slidenum">
+            <a:fld id="{BB7145FA-E16C-412C-B8DF-6D89D9C5E7C8}" type="slidenum">
               <a:rPr b="1" lang="en-GB" sz="850" strike="noStrike" u="none">
                 <a:solidFill>
                   <a:schemeClr val="accent1"/>
@@ -30624,7 +30736,7 @@
         <p:spPr>
           <a:xfrm>
             <a:off x="10641240" y="6393600"/>
-            <a:ext cx="1232640" cy="136080"/>
+            <a:ext cx="1232280" cy="135720"/>
           </a:xfrm>
           <a:prstGeom prst="rect">
             <a:avLst/>
@@ -30719,7 +30831,7 @@
         <p:spPr>
           <a:xfrm>
             <a:off x="326160" y="6393600"/>
-            <a:ext cx="1416600" cy="136080"/>
+            <a:ext cx="1416240" cy="135720"/>
           </a:xfrm>
           <a:prstGeom prst="rect">
             <a:avLst/>
@@ -30780,7 +30892,7 @@
         <p:spPr>
           <a:xfrm>
             <a:off x="1965240" y="6393600"/>
-            <a:ext cx="3422520" cy="136080"/>
+            <a:ext cx="3422160" cy="135720"/>
           </a:xfrm>
           <a:prstGeom prst="rect">
             <a:avLst/>
@@ -30858,7 +30970,7 @@
         <p:spPr>
           <a:xfrm>
             <a:off x="5936760" y="6393600"/>
-            <a:ext cx="317520" cy="136080"/>
+            <a:ext cx="317160" cy="135720"/>
           </a:xfrm>
           <a:prstGeom prst="rect">
             <a:avLst/>
@@ -30901,7 +31013,7 @@
                 <a:tab algn="l" pos="0"/>
               </a:tabLst>
             </a:pPr>
-            <a:fld id="{1ABD18DF-568E-4573-9C2E-F0C7D3F0FC32}" type="slidenum">
+            <a:fld id="{8982D7F2-28E3-455C-8CCE-F77036B73CD9}" type="slidenum">
               <a:rPr b="1" lang="en-GB" sz="850" strike="noStrike" u="none">
                 <a:solidFill>
                   <a:schemeClr val="accent1"/>
@@ -30936,7 +31048,7 @@
         <p:spPr>
           <a:xfrm>
             <a:off x="10641240" y="6393600"/>
-            <a:ext cx="1232640" cy="136080"/>
+            <a:ext cx="1232280" cy="135720"/>
           </a:xfrm>
           <a:prstGeom prst="rect">
             <a:avLst/>
@@ -31031,7 +31143,7 @@
         <p:spPr>
           <a:xfrm>
             <a:off x="326160" y="6393600"/>
-            <a:ext cx="1416600" cy="136080"/>
+            <a:ext cx="1416240" cy="135720"/>
           </a:xfrm>
           <a:prstGeom prst="rect">
             <a:avLst/>
@@ -31092,7 +31204,7 @@
         <p:spPr>
           <a:xfrm>
             <a:off x="1965240" y="6393600"/>
-            <a:ext cx="3422520" cy="136080"/>
+            <a:ext cx="3422160" cy="135720"/>
           </a:xfrm>
           <a:prstGeom prst="rect">
             <a:avLst/>
@@ -31170,7 +31282,7 @@
         <p:spPr>
           <a:xfrm>
             <a:off x="5936760" y="6393600"/>
-            <a:ext cx="317520" cy="136080"/>
+            <a:ext cx="317160" cy="135720"/>
           </a:xfrm>
           <a:prstGeom prst="rect">
             <a:avLst/>
@@ -31213,7 +31325,7 @@
                 <a:tab algn="l" pos="0"/>
               </a:tabLst>
             </a:pPr>
-            <a:fld id="{C85AE3A7-E52F-47AA-A253-0C30365F6CEF}" type="slidenum">
+            <a:fld id="{5325BC88-DC22-4F23-B9E0-9C2D2E7C758A}" type="slidenum">
               <a:rPr b="1" lang="en-GB" sz="850" strike="noStrike" u="none">
                 <a:solidFill>
                   <a:schemeClr val="accent1"/>
@@ -31248,7 +31360,7 @@
         <p:spPr>
           <a:xfrm>
             <a:off x="10641240" y="6393600"/>
-            <a:ext cx="1232640" cy="136080"/>
+            <a:ext cx="1232280" cy="135720"/>
           </a:xfrm>
           <a:prstGeom prst="rect">
             <a:avLst/>
@@ -31343,7 +31455,7 @@
         <p:spPr>
           <a:xfrm>
             <a:off x="326160" y="6393600"/>
-            <a:ext cx="1416600" cy="136080"/>
+            <a:ext cx="1416240" cy="135720"/>
           </a:xfrm>
           <a:prstGeom prst="rect">
             <a:avLst/>
@@ -31404,7 +31516,7 @@
         <p:spPr>
           <a:xfrm>
             <a:off x="1965240" y="6393600"/>
-            <a:ext cx="3422520" cy="136080"/>
+            <a:ext cx="3422160" cy="135720"/>
           </a:xfrm>
           <a:prstGeom prst="rect">
             <a:avLst/>
@@ -31482,7 +31594,7 @@
         <p:spPr>
           <a:xfrm>
             <a:off x="5936760" y="6393600"/>
-            <a:ext cx="317520" cy="136080"/>
+            <a:ext cx="317160" cy="135720"/>
           </a:xfrm>
           <a:prstGeom prst="rect">
             <a:avLst/>
@@ -31525,7 +31637,7 @@
                 <a:tab algn="l" pos="0"/>
               </a:tabLst>
             </a:pPr>
-            <a:fld id="{B0E58ED5-2BB4-44E7-A806-89289FC79174}" type="slidenum">
+            <a:fld id="{B6294EC0-408E-44F9-A0D6-EAD9558843DE}" type="slidenum">
               <a:rPr b="1" lang="en-GB" sz="850" strike="noStrike" u="none">
                 <a:solidFill>
                   <a:schemeClr val="accent1"/>
@@ -31560,7 +31672,7 @@
         <p:spPr>
           <a:xfrm>
             <a:off x="10641240" y="6393600"/>
-            <a:ext cx="1232640" cy="136080"/>
+            <a:ext cx="1232280" cy="135720"/>
           </a:xfrm>
           <a:prstGeom prst="rect">
             <a:avLst/>
@@ -31655,7 +31767,7 @@
         <p:spPr>
           <a:xfrm>
             <a:off x="326160" y="6393600"/>
-            <a:ext cx="1416600" cy="136080"/>
+            <a:ext cx="1416240" cy="135720"/>
           </a:xfrm>
           <a:prstGeom prst="rect">
             <a:avLst/>
@@ -31716,7 +31828,7 @@
         <p:spPr>
           <a:xfrm>
             <a:off x="1965240" y="6393600"/>
-            <a:ext cx="3422520" cy="136080"/>
+            <a:ext cx="3422160" cy="135720"/>
           </a:xfrm>
           <a:prstGeom prst="rect">
             <a:avLst/>
@@ -31794,7 +31906,7 @@
         <p:spPr>
           <a:xfrm>
             <a:off x="5936760" y="6393600"/>
-            <a:ext cx="317520" cy="136080"/>
+            <a:ext cx="317160" cy="135720"/>
           </a:xfrm>
           <a:prstGeom prst="rect">
             <a:avLst/>
@@ -31837,7 +31949,7 @@
                 <a:tab algn="l" pos="0"/>
               </a:tabLst>
             </a:pPr>
-            <a:fld id="{0148A678-6C97-421D-81F3-93007E0E526C}" type="slidenum">
+            <a:fld id="{487E8C7D-5C2D-4D4C-8E47-B53952BBC833}" type="slidenum">
               <a:rPr b="1" lang="en-GB" sz="850" strike="noStrike" u="none">
                 <a:solidFill>
                   <a:schemeClr val="accent1"/>
@@ -31872,7 +31984,7 @@
         <p:spPr>
           <a:xfrm>
             <a:off x="10641240" y="6393600"/>
-            <a:ext cx="1232640" cy="136080"/>
+            <a:ext cx="1232280" cy="135720"/>
           </a:xfrm>
           <a:prstGeom prst="rect">
             <a:avLst/>
@@ -31967,7 +32079,7 @@
         <p:spPr>
           <a:xfrm>
             <a:off x="326160" y="6393600"/>
-            <a:ext cx="1416600" cy="136080"/>
+            <a:ext cx="1416240" cy="135720"/>
           </a:xfrm>
           <a:prstGeom prst="rect">
             <a:avLst/>
@@ -32028,7 +32140,7 @@
         <p:spPr>
           <a:xfrm>
             <a:off x="1965240" y="6393600"/>
-            <a:ext cx="3422520" cy="136080"/>
+            <a:ext cx="3422160" cy="135720"/>
           </a:xfrm>
           <a:prstGeom prst="rect">
             <a:avLst/>
@@ -32106,7 +32218,7 @@
         <p:spPr>
           <a:xfrm>
             <a:off x="5936760" y="6393600"/>
-            <a:ext cx="317520" cy="136080"/>
+            <a:ext cx="317160" cy="135720"/>
           </a:xfrm>
           <a:prstGeom prst="rect">
             <a:avLst/>
@@ -32149,7 +32261,7 @@
                 <a:tab algn="l" pos="0"/>
               </a:tabLst>
             </a:pPr>
-            <a:fld id="{BD82232D-5EA0-4263-A3CF-4F17D911BF09}" type="slidenum">
+            <a:fld id="{E28FAF5A-3712-4ED9-840F-CD6DC2BC6167}" type="slidenum">
               <a:rPr b="1" lang="en-GB" sz="850" strike="noStrike" u="none">
                 <a:solidFill>
                   <a:schemeClr val="accent1"/>
@@ -32184,7 +32296,7 @@
         <p:spPr>
           <a:xfrm>
             <a:off x="10641240" y="6393600"/>
-            <a:ext cx="1232640" cy="136080"/>
+            <a:ext cx="1232280" cy="135720"/>
           </a:xfrm>
           <a:prstGeom prst="rect">
             <a:avLst/>
@@ -32279,7 +32391,7 @@
         <p:spPr>
           <a:xfrm>
             <a:off x="326160" y="6393600"/>
-            <a:ext cx="1416600" cy="136080"/>
+            <a:ext cx="1416240" cy="135720"/>
           </a:xfrm>
           <a:prstGeom prst="rect">
             <a:avLst/>
@@ -32336,7 +32448,7 @@
         <p:spPr>
           <a:xfrm>
             <a:off x="326160" y="6393600"/>
-            <a:ext cx="1416600" cy="136080"/>
+            <a:ext cx="1416240" cy="135720"/>
           </a:xfrm>
           <a:prstGeom prst="rect">
             <a:avLst/>
@@ -32397,7 +32509,7 @@
         <p:spPr>
           <a:xfrm>
             <a:off x="1965240" y="6393600"/>
-            <a:ext cx="3422520" cy="136080"/>
+            <a:ext cx="3422160" cy="135720"/>
           </a:xfrm>
           <a:prstGeom prst="rect">
             <a:avLst/>
@@ -32475,7 +32587,7 @@
         <p:spPr>
           <a:xfrm>
             <a:off x="5936760" y="6393600"/>
-            <a:ext cx="317520" cy="136080"/>
+            <a:ext cx="317160" cy="135720"/>
           </a:xfrm>
           <a:prstGeom prst="rect">
             <a:avLst/>
@@ -32518,7 +32630,7 @@
                 <a:tab algn="l" pos="0"/>
               </a:tabLst>
             </a:pPr>
-            <a:fld id="{99546B0F-480B-4D2B-829A-77266E9F926A}" type="slidenum">
+            <a:fld id="{D04B0A6B-A355-42A7-8689-395F820F92AC}" type="slidenum">
               <a:rPr b="1" lang="en-GB" sz="850" strike="noStrike" u="none">
                 <a:solidFill>
                   <a:schemeClr val="lt1"/>
@@ -32527,7 +32639,7 @@
                 <a:uFillTx/>
                 <a:latin typeface="Imperial Sans Text"/>
               </a:rPr>
-              <a:t>1</a:t>
+              <a:t>&lt;number&gt;</a:t>
             </a:fld>
             <a:endParaRPr b="0" lang="en-US" sz="850" strike="noStrike" u="none">
               <a:solidFill>
@@ -32553,7 +32665,7 @@
         <p:spPr>
           <a:xfrm>
             <a:off x="10641240" y="6393600"/>
-            <a:ext cx="1232640" cy="136080"/>
+            <a:ext cx="1232280" cy="135720"/>
           </a:xfrm>
           <a:prstGeom prst="rect">
             <a:avLst/>
@@ -32593,7 +32705,7 @@
                 <a:uFillTx/>
                 <a:latin typeface="Times New Roman"/>
               </a:rPr>
-              <a:t> </a:t>
+              <a:t>&lt;date/time&gt;</a:t>
             </a:r>
             <a:endParaRPr b="0" lang="en-US" sz="1400" strike="noStrike" u="none">
               <a:solidFill>
@@ -32648,7 +32760,7 @@
         <p:spPr>
           <a:xfrm>
             <a:off x="326160" y="6393600"/>
-            <a:ext cx="1416600" cy="136080"/>
+            <a:ext cx="1416240" cy="135720"/>
           </a:xfrm>
           <a:prstGeom prst="rect">
             <a:avLst/>
@@ -32705,9 +32817,9 @@
         <p:grpSpPr>
           <a:xfrm>
             <a:off x="330120" y="327960"/>
-            <a:ext cx="3971880" cy="437040"/>
+            <a:ext cx="3971520" cy="436680"/>
             <a:chOff x="330120" y="327960"/>
-            <a:chExt cx="3971880" cy="437040"/>
+            <a:chExt cx="3971520" cy="436680"/>
           </a:xfrm>
         </p:grpSpPr>
         <p:sp>
@@ -32719,17 +32831,18 @@
           <p:spPr>
             <a:xfrm>
               <a:off x="4018680" y="327960"/>
-              <a:ext cx="283320" cy="437040"/>
+              <a:ext cx="282960" cy="436680"/>
             </a:xfrm>
             <a:custGeom>
               <a:avLst/>
               <a:gdLst>
-                <a:gd name="textAreaLeft" fmla="*/ 0 w 283320"/>
-                <a:gd name="textAreaRight" fmla="*/ 284400 w 283320"/>
-                <a:gd name="textAreaTop" fmla="*/ 0 h 437040"/>
-                <a:gd name="textAreaBottom" fmla="*/ 438120 h 437040"/>
+                <a:gd name="textAreaLeft" fmla="*/ 0 w 282960"/>
+                <a:gd name="textAreaRight" fmla="*/ 284400 w 282960"/>
+                <a:gd name="textAreaTop" fmla="*/ 0 h 436680"/>
+                <a:gd name="textAreaBottom" fmla="*/ 438120 h 436680"/>
               </a:gdLst>
               <a:ahLst/>
+              <a:cxnLst/>
               <a:rect l="textAreaLeft" t="textAreaTop" r="textAreaRight" b="textAreaBottom"/>
               <a:pathLst>
                 <a:path w="1099" h="1694">
@@ -32801,17 +32914,18 @@
           <p:spPr>
             <a:xfrm>
               <a:off x="3434400" y="327960"/>
-              <a:ext cx="396000" cy="437040"/>
+              <a:ext cx="395640" cy="436680"/>
             </a:xfrm>
             <a:custGeom>
               <a:avLst/>
               <a:gdLst>
-                <a:gd name="textAreaLeft" fmla="*/ 0 w 396000"/>
-                <a:gd name="textAreaRight" fmla="*/ 397080 w 396000"/>
-                <a:gd name="textAreaTop" fmla="*/ 0 h 437040"/>
-                <a:gd name="textAreaBottom" fmla="*/ 438120 h 437040"/>
+                <a:gd name="textAreaLeft" fmla="*/ 0 w 395640"/>
+                <a:gd name="textAreaRight" fmla="*/ 397080 w 395640"/>
+                <a:gd name="textAreaTop" fmla="*/ 0 h 436680"/>
+                <a:gd name="textAreaBottom" fmla="*/ 438120 h 436680"/>
               </a:gdLst>
               <a:ahLst/>
+              <a:cxnLst/>
               <a:rect l="textAreaLeft" t="textAreaTop" r="textAreaRight" b="textAreaBottom"/>
               <a:pathLst>
                 <a:path w="1535" h="1694">
@@ -32902,17 +33016,18 @@
           <p:spPr>
             <a:xfrm>
               <a:off x="2981160" y="327960"/>
-              <a:ext cx="286920" cy="437040"/>
+              <a:ext cx="286560" cy="436680"/>
             </a:xfrm>
             <a:custGeom>
               <a:avLst/>
               <a:gdLst>
-                <a:gd name="textAreaLeft" fmla="*/ 0 w 286920"/>
-                <a:gd name="textAreaRight" fmla="*/ 288000 w 286920"/>
-                <a:gd name="textAreaTop" fmla="*/ 0 h 437040"/>
-                <a:gd name="textAreaBottom" fmla="*/ 438120 h 437040"/>
+                <a:gd name="textAreaLeft" fmla="*/ 0 w 286560"/>
+                <a:gd name="textAreaRight" fmla="*/ 288000 w 286560"/>
+                <a:gd name="textAreaTop" fmla="*/ 0 h 436680"/>
+                <a:gd name="textAreaBottom" fmla="*/ 438120 h 436680"/>
               </a:gdLst>
               <a:ahLst/>
+              <a:cxnLst/>
               <a:rect l="textAreaLeft" t="textAreaTop" r="textAreaRight" b="textAreaBottom"/>
               <a:pathLst>
                 <a:path w="1113" h="1694">
@@ -33002,17 +33117,18 @@
           <p:spPr>
             <a:xfrm>
               <a:off x="2467440" y="327960"/>
-              <a:ext cx="339480" cy="437040"/>
+              <a:ext cx="339120" cy="436680"/>
             </a:xfrm>
             <a:custGeom>
               <a:avLst/>
               <a:gdLst>
-                <a:gd name="textAreaLeft" fmla="*/ 0 w 339480"/>
-                <a:gd name="textAreaRight" fmla="*/ 340560 w 339480"/>
-                <a:gd name="textAreaTop" fmla="*/ 0 h 437040"/>
-                <a:gd name="textAreaBottom" fmla="*/ 438120 h 437040"/>
+                <a:gd name="textAreaLeft" fmla="*/ 0 w 339120"/>
+                <a:gd name="textAreaRight" fmla="*/ 340560 w 339120"/>
+                <a:gd name="textAreaTop" fmla="*/ 0 h 436680"/>
+                <a:gd name="textAreaBottom" fmla="*/ 438120 h 436680"/>
               </a:gdLst>
               <a:ahLst/>
+              <a:cxnLst/>
               <a:rect l="textAreaLeft" t="textAreaTop" r="textAreaRight" b="textAreaBottom"/>
               <a:pathLst>
                 <a:path w="932" h="1199">
@@ -33148,17 +33264,18 @@
           <p:spPr>
             <a:xfrm>
               <a:off x="1977480" y="327960"/>
-              <a:ext cx="282960" cy="437040"/>
+              <a:ext cx="282600" cy="436680"/>
             </a:xfrm>
             <a:custGeom>
               <a:avLst/>
               <a:gdLst>
-                <a:gd name="textAreaLeft" fmla="*/ 0 w 282960"/>
-                <a:gd name="textAreaRight" fmla="*/ 284040 w 282960"/>
-                <a:gd name="textAreaTop" fmla="*/ 0 h 437040"/>
-                <a:gd name="textAreaBottom" fmla="*/ 438120 h 437040"/>
+                <a:gd name="textAreaLeft" fmla="*/ 0 w 282600"/>
+                <a:gd name="textAreaRight" fmla="*/ 284040 w 282600"/>
+                <a:gd name="textAreaTop" fmla="*/ 0 h 436680"/>
+                <a:gd name="textAreaBottom" fmla="*/ 438120 h 436680"/>
               </a:gdLst>
               <a:ahLst/>
+              <a:cxnLst/>
               <a:rect l="textAreaLeft" t="textAreaTop" r="textAreaRight" b="textAreaBottom"/>
               <a:pathLst>
                 <a:path w="1098" h="1694">
@@ -33248,17 +33365,18 @@
           <p:spPr>
             <a:xfrm>
               <a:off x="1489320" y="327960"/>
-              <a:ext cx="313200" cy="437040"/>
+              <a:ext cx="312840" cy="436680"/>
             </a:xfrm>
             <a:custGeom>
               <a:avLst/>
               <a:gdLst>
-                <a:gd name="textAreaLeft" fmla="*/ 0 w 313200"/>
-                <a:gd name="textAreaRight" fmla="*/ 314280 w 313200"/>
-                <a:gd name="textAreaTop" fmla="*/ 0 h 437040"/>
-                <a:gd name="textAreaBottom" fmla="*/ 438120 h 437040"/>
+                <a:gd name="textAreaLeft" fmla="*/ 0 w 312840"/>
+                <a:gd name="textAreaRight" fmla="*/ 314280 w 312840"/>
+                <a:gd name="textAreaTop" fmla="*/ 0 h 436680"/>
+                <a:gd name="textAreaBottom" fmla="*/ 438120 h 436680"/>
               </a:gdLst>
               <a:ahLst/>
+              <a:cxnLst/>
               <a:rect l="textAreaLeft" t="textAreaTop" r="textAreaRight" b="textAreaBottom"/>
               <a:pathLst>
                 <a:path w="860" h="1199">
@@ -33374,17 +33492,18 @@
           <p:spPr>
             <a:xfrm>
               <a:off x="833400" y="327960"/>
-              <a:ext cx="443880" cy="437040"/>
+              <a:ext cx="443520" cy="436680"/>
             </a:xfrm>
             <a:custGeom>
               <a:avLst/>
               <a:gdLst>
-                <a:gd name="textAreaLeft" fmla="*/ 0 w 443880"/>
-                <a:gd name="textAreaRight" fmla="*/ 444960 w 443880"/>
-                <a:gd name="textAreaTop" fmla="*/ 0 h 437040"/>
-                <a:gd name="textAreaBottom" fmla="*/ 438120 h 437040"/>
+                <a:gd name="textAreaLeft" fmla="*/ 0 w 443520"/>
+                <a:gd name="textAreaRight" fmla="*/ 444960 w 443520"/>
+                <a:gd name="textAreaTop" fmla="*/ 0 h 436680"/>
+                <a:gd name="textAreaBottom" fmla="*/ 438120 h 436680"/>
               </a:gdLst>
               <a:ahLst/>
+              <a:cxnLst/>
               <a:rect l="textAreaLeft" t="textAreaTop" r="textAreaRight" b="textAreaBottom"/>
               <a:pathLst>
                 <a:path w="1720" h="1694">
@@ -33483,17 +33602,18 @@
           <p:spPr>
             <a:xfrm>
               <a:off x="330120" y="327960"/>
-              <a:ext cx="286920" cy="437040"/>
+              <a:ext cx="286560" cy="436680"/>
             </a:xfrm>
             <a:custGeom>
               <a:avLst/>
               <a:gdLst>
-                <a:gd name="textAreaLeft" fmla="*/ 0 w 286920"/>
-                <a:gd name="textAreaRight" fmla="*/ 288000 w 286920"/>
-                <a:gd name="textAreaTop" fmla="*/ 0 h 437040"/>
-                <a:gd name="textAreaBottom" fmla="*/ 438120 h 437040"/>
+                <a:gd name="textAreaLeft" fmla="*/ 0 w 286560"/>
+                <a:gd name="textAreaRight" fmla="*/ 288000 w 286560"/>
+                <a:gd name="textAreaTop" fmla="*/ 0 h 436680"/>
+                <a:gd name="textAreaBottom" fmla="*/ 438120 h 436680"/>
               </a:gdLst>
               <a:ahLst/>
+              <a:cxnLst/>
               <a:rect l="textAreaLeft" t="textAreaTop" r="textAreaRight" b="textAreaBottom"/>
               <a:pathLst>
                 <a:path w="1113" h="1694">
@@ -33923,7 +34043,7 @@
         <p:spPr>
           <a:xfrm>
             <a:off x="326160" y="6393600"/>
-            <a:ext cx="1416600" cy="136080"/>
+            <a:ext cx="1416240" cy="135720"/>
           </a:xfrm>
           <a:prstGeom prst="rect">
             <a:avLst/>
@@ -33980,9 +34100,9 @@
         <p:grpSpPr>
           <a:xfrm>
             <a:off x="330120" y="327960"/>
-            <a:ext cx="3971880" cy="437040"/>
+            <a:ext cx="3971520" cy="436680"/>
             <a:chOff x="330120" y="327960"/>
-            <a:chExt cx="3971880" cy="437040"/>
+            <a:chExt cx="3971520" cy="436680"/>
           </a:xfrm>
         </p:grpSpPr>
         <p:sp>
@@ -33994,17 +34114,18 @@
           <p:spPr>
             <a:xfrm>
               <a:off x="4018680" y="327960"/>
-              <a:ext cx="283320" cy="437040"/>
+              <a:ext cx="282960" cy="436680"/>
             </a:xfrm>
             <a:custGeom>
               <a:avLst/>
               <a:gdLst>
-                <a:gd name="textAreaLeft" fmla="*/ 0 w 283320"/>
-                <a:gd name="textAreaRight" fmla="*/ 284400 w 283320"/>
-                <a:gd name="textAreaTop" fmla="*/ 0 h 437040"/>
-                <a:gd name="textAreaBottom" fmla="*/ 438120 h 437040"/>
+                <a:gd name="textAreaLeft" fmla="*/ 0 w 282960"/>
+                <a:gd name="textAreaRight" fmla="*/ 284400 w 282960"/>
+                <a:gd name="textAreaTop" fmla="*/ 0 h 436680"/>
+                <a:gd name="textAreaBottom" fmla="*/ 438120 h 436680"/>
               </a:gdLst>
               <a:ahLst/>
+              <a:cxnLst/>
               <a:rect l="textAreaLeft" t="textAreaTop" r="textAreaRight" b="textAreaBottom"/>
               <a:pathLst>
                 <a:path w="1099" h="1694">
@@ -34076,17 +34197,18 @@
           <p:spPr>
             <a:xfrm>
               <a:off x="3434400" y="327960"/>
-              <a:ext cx="396000" cy="437040"/>
+              <a:ext cx="395640" cy="436680"/>
             </a:xfrm>
             <a:custGeom>
               <a:avLst/>
               <a:gdLst>
-                <a:gd name="textAreaLeft" fmla="*/ 0 w 396000"/>
-                <a:gd name="textAreaRight" fmla="*/ 397080 w 396000"/>
-                <a:gd name="textAreaTop" fmla="*/ 0 h 437040"/>
-                <a:gd name="textAreaBottom" fmla="*/ 438120 h 437040"/>
+                <a:gd name="textAreaLeft" fmla="*/ 0 w 395640"/>
+                <a:gd name="textAreaRight" fmla="*/ 397080 w 395640"/>
+                <a:gd name="textAreaTop" fmla="*/ 0 h 436680"/>
+                <a:gd name="textAreaBottom" fmla="*/ 438120 h 436680"/>
               </a:gdLst>
               <a:ahLst/>
+              <a:cxnLst/>
               <a:rect l="textAreaLeft" t="textAreaTop" r="textAreaRight" b="textAreaBottom"/>
               <a:pathLst>
                 <a:path w="1535" h="1694">
@@ -34177,17 +34299,18 @@
           <p:spPr>
             <a:xfrm>
               <a:off x="2981160" y="327960"/>
-              <a:ext cx="286920" cy="437040"/>
+              <a:ext cx="286560" cy="436680"/>
             </a:xfrm>
             <a:custGeom>
               <a:avLst/>
               <a:gdLst>
-                <a:gd name="textAreaLeft" fmla="*/ 0 w 286920"/>
-                <a:gd name="textAreaRight" fmla="*/ 288000 w 286920"/>
-                <a:gd name="textAreaTop" fmla="*/ 0 h 437040"/>
-                <a:gd name="textAreaBottom" fmla="*/ 438120 h 437040"/>
+                <a:gd name="textAreaLeft" fmla="*/ 0 w 286560"/>
+                <a:gd name="textAreaRight" fmla="*/ 288000 w 286560"/>
+                <a:gd name="textAreaTop" fmla="*/ 0 h 436680"/>
+                <a:gd name="textAreaBottom" fmla="*/ 438120 h 436680"/>
               </a:gdLst>
               <a:ahLst/>
+              <a:cxnLst/>
               <a:rect l="textAreaLeft" t="textAreaTop" r="textAreaRight" b="textAreaBottom"/>
               <a:pathLst>
                 <a:path w="1113" h="1694">
@@ -34277,17 +34400,18 @@
           <p:spPr>
             <a:xfrm>
               <a:off x="2467440" y="327960"/>
-              <a:ext cx="339480" cy="437040"/>
+              <a:ext cx="339120" cy="436680"/>
             </a:xfrm>
             <a:custGeom>
               <a:avLst/>
               <a:gdLst>
-                <a:gd name="textAreaLeft" fmla="*/ 0 w 339480"/>
-                <a:gd name="textAreaRight" fmla="*/ 340560 w 339480"/>
-                <a:gd name="textAreaTop" fmla="*/ 0 h 437040"/>
-                <a:gd name="textAreaBottom" fmla="*/ 438120 h 437040"/>
+                <a:gd name="textAreaLeft" fmla="*/ 0 w 339120"/>
+                <a:gd name="textAreaRight" fmla="*/ 340560 w 339120"/>
+                <a:gd name="textAreaTop" fmla="*/ 0 h 436680"/>
+                <a:gd name="textAreaBottom" fmla="*/ 438120 h 436680"/>
               </a:gdLst>
               <a:ahLst/>
+              <a:cxnLst/>
               <a:rect l="textAreaLeft" t="textAreaTop" r="textAreaRight" b="textAreaBottom"/>
               <a:pathLst>
                 <a:path w="932" h="1199">
@@ -34423,17 +34547,18 @@
           <p:spPr>
             <a:xfrm>
               <a:off x="1977480" y="327960"/>
-              <a:ext cx="282960" cy="437040"/>
+              <a:ext cx="282600" cy="436680"/>
             </a:xfrm>
             <a:custGeom>
               <a:avLst/>
               <a:gdLst>
-                <a:gd name="textAreaLeft" fmla="*/ 0 w 282960"/>
-                <a:gd name="textAreaRight" fmla="*/ 284040 w 282960"/>
-                <a:gd name="textAreaTop" fmla="*/ 0 h 437040"/>
-                <a:gd name="textAreaBottom" fmla="*/ 438120 h 437040"/>
+                <a:gd name="textAreaLeft" fmla="*/ 0 w 282600"/>
+                <a:gd name="textAreaRight" fmla="*/ 284040 w 282600"/>
+                <a:gd name="textAreaTop" fmla="*/ 0 h 436680"/>
+                <a:gd name="textAreaBottom" fmla="*/ 438120 h 436680"/>
               </a:gdLst>
               <a:ahLst/>
+              <a:cxnLst/>
               <a:rect l="textAreaLeft" t="textAreaTop" r="textAreaRight" b="textAreaBottom"/>
               <a:pathLst>
                 <a:path w="1098" h="1694">
@@ -34523,17 +34648,18 @@
           <p:spPr>
             <a:xfrm>
               <a:off x="1489320" y="327960"/>
-              <a:ext cx="313200" cy="437040"/>
+              <a:ext cx="312840" cy="436680"/>
             </a:xfrm>
             <a:custGeom>
               <a:avLst/>
               <a:gdLst>
-                <a:gd name="textAreaLeft" fmla="*/ 0 w 313200"/>
-                <a:gd name="textAreaRight" fmla="*/ 314280 w 313200"/>
-                <a:gd name="textAreaTop" fmla="*/ 0 h 437040"/>
-                <a:gd name="textAreaBottom" fmla="*/ 438120 h 437040"/>
+                <a:gd name="textAreaLeft" fmla="*/ 0 w 312840"/>
+                <a:gd name="textAreaRight" fmla="*/ 314280 w 312840"/>
+                <a:gd name="textAreaTop" fmla="*/ 0 h 436680"/>
+                <a:gd name="textAreaBottom" fmla="*/ 438120 h 436680"/>
               </a:gdLst>
               <a:ahLst/>
+              <a:cxnLst/>
               <a:rect l="textAreaLeft" t="textAreaTop" r="textAreaRight" b="textAreaBottom"/>
               <a:pathLst>
                 <a:path w="860" h="1199">
@@ -34649,17 +34775,18 @@
           <p:spPr>
             <a:xfrm>
               <a:off x="833400" y="327960"/>
-              <a:ext cx="443880" cy="437040"/>
+              <a:ext cx="443520" cy="436680"/>
             </a:xfrm>
             <a:custGeom>
               <a:avLst/>
               <a:gdLst>
-                <a:gd name="textAreaLeft" fmla="*/ 0 w 443880"/>
-                <a:gd name="textAreaRight" fmla="*/ 444960 w 443880"/>
-                <a:gd name="textAreaTop" fmla="*/ 0 h 437040"/>
-                <a:gd name="textAreaBottom" fmla="*/ 438120 h 437040"/>
+                <a:gd name="textAreaLeft" fmla="*/ 0 w 443520"/>
+                <a:gd name="textAreaRight" fmla="*/ 444960 w 443520"/>
+                <a:gd name="textAreaTop" fmla="*/ 0 h 436680"/>
+                <a:gd name="textAreaBottom" fmla="*/ 438120 h 436680"/>
               </a:gdLst>
               <a:ahLst/>
+              <a:cxnLst/>
               <a:rect l="textAreaLeft" t="textAreaTop" r="textAreaRight" b="textAreaBottom"/>
               <a:pathLst>
                 <a:path w="1720" h="1694">
@@ -34758,17 +34885,18 @@
           <p:spPr>
             <a:xfrm>
               <a:off x="330120" y="327960"/>
-              <a:ext cx="286920" cy="437040"/>
+              <a:ext cx="286560" cy="436680"/>
             </a:xfrm>
             <a:custGeom>
               <a:avLst/>
               <a:gdLst>
-                <a:gd name="textAreaLeft" fmla="*/ 0 w 286920"/>
-                <a:gd name="textAreaRight" fmla="*/ 288000 w 286920"/>
-                <a:gd name="textAreaTop" fmla="*/ 0 h 437040"/>
-                <a:gd name="textAreaBottom" fmla="*/ 438120 h 437040"/>
+                <a:gd name="textAreaLeft" fmla="*/ 0 w 286560"/>
+                <a:gd name="textAreaRight" fmla="*/ 288000 w 286560"/>
+                <a:gd name="textAreaTop" fmla="*/ 0 h 436680"/>
+                <a:gd name="textAreaBottom" fmla="*/ 438120 h 436680"/>
               </a:gdLst>
               <a:ahLst/>
+              <a:cxnLst/>
               <a:rect l="textAreaLeft" t="textAreaTop" r="textAreaRight" b="textAreaBottom"/>
               <a:pathLst>
                 <a:path w="1113" h="1694">
@@ -35198,7 +35326,7 @@
         <p:spPr>
           <a:xfrm>
             <a:off x="326160" y="6393600"/>
-            <a:ext cx="1416600" cy="136080"/>
+            <a:ext cx="1416240" cy="135720"/>
           </a:xfrm>
           <a:prstGeom prst="rect">
             <a:avLst/>
@@ -35259,7 +35387,7 @@
         <p:spPr>
           <a:xfrm>
             <a:off x="1965240" y="6393600"/>
-            <a:ext cx="3422520" cy="136080"/>
+            <a:ext cx="3422160" cy="135720"/>
           </a:xfrm>
           <a:prstGeom prst="rect">
             <a:avLst/>
@@ -35337,7 +35465,7 @@
         <p:spPr>
           <a:xfrm>
             <a:off x="5936760" y="6393600"/>
-            <a:ext cx="317520" cy="136080"/>
+            <a:ext cx="317160" cy="135720"/>
           </a:xfrm>
           <a:prstGeom prst="rect">
             <a:avLst/>
@@ -35380,7 +35508,7 @@
                 <a:tab algn="l" pos="0"/>
               </a:tabLst>
             </a:pPr>
-            <a:fld id="{262E2399-B299-4E95-ADBF-CCFC6675FCF1}" type="slidenum">
+            <a:fld id="{5930469E-4F79-4EBA-9F50-E92F269773ED}" type="slidenum">
               <a:rPr b="1" lang="en-GB" sz="850" strike="noStrike" u="none">
                 <a:solidFill>
                   <a:schemeClr val="accent1"/>
@@ -35415,7 +35543,7 @@
         <p:spPr>
           <a:xfrm>
             <a:off x="10641240" y="6393600"/>
-            <a:ext cx="1232640" cy="136080"/>
+            <a:ext cx="1232280" cy="135720"/>
           </a:xfrm>
           <a:prstGeom prst="rect">
             <a:avLst/>
@@ -35510,7 +35638,7 @@
         <p:spPr>
           <a:xfrm>
             <a:off x="326160" y="6393600"/>
-            <a:ext cx="1416600" cy="136080"/>
+            <a:ext cx="1416240" cy="135720"/>
           </a:xfrm>
           <a:prstGeom prst="rect">
             <a:avLst/>
@@ -35571,7 +35699,7 @@
         <p:spPr>
           <a:xfrm>
             <a:off x="1965240" y="6393600"/>
-            <a:ext cx="3422520" cy="136080"/>
+            <a:ext cx="3422160" cy="135720"/>
           </a:xfrm>
           <a:prstGeom prst="rect">
             <a:avLst/>
@@ -35649,7 +35777,7 @@
         <p:spPr>
           <a:xfrm>
             <a:off x="5936760" y="6393600"/>
-            <a:ext cx="317520" cy="136080"/>
+            <a:ext cx="317160" cy="135720"/>
           </a:xfrm>
           <a:prstGeom prst="rect">
             <a:avLst/>
@@ -35692,7 +35820,7 @@
                 <a:tab algn="l" pos="0"/>
               </a:tabLst>
             </a:pPr>
-            <a:fld id="{0DEDF00D-9B03-429F-B174-C2A34EAF4885}" type="slidenum">
+            <a:fld id="{6C11A075-2DDE-414E-9C8F-B7EEDA2ABA41}" type="slidenum">
               <a:rPr b="1" lang="en-GB" sz="850" strike="noStrike" u="none">
                 <a:solidFill>
                   <a:schemeClr val="accent1"/>
@@ -35727,7 +35855,7 @@
         <p:spPr>
           <a:xfrm>
             <a:off x="10641240" y="6393600"/>
-            <a:ext cx="1232640" cy="136080"/>
+            <a:ext cx="1232280" cy="135720"/>
           </a:xfrm>
           <a:prstGeom prst="rect">
             <a:avLst/>
@@ -35822,7 +35950,7 @@
         <p:spPr>
           <a:xfrm>
             <a:off x="326160" y="6393600"/>
-            <a:ext cx="1416600" cy="136080"/>
+            <a:ext cx="1416240" cy="135720"/>
           </a:xfrm>
           <a:prstGeom prst="rect">
             <a:avLst/>
@@ -35883,7 +36011,7 @@
         <p:spPr>
           <a:xfrm>
             <a:off x="1965240" y="6393600"/>
-            <a:ext cx="3422520" cy="136080"/>
+            <a:ext cx="3422160" cy="135720"/>
           </a:xfrm>
           <a:prstGeom prst="rect">
             <a:avLst/>
@@ -35961,7 +36089,7 @@
         <p:spPr>
           <a:xfrm>
             <a:off x="5936760" y="6393600"/>
-            <a:ext cx="317520" cy="136080"/>
+            <a:ext cx="317160" cy="135720"/>
           </a:xfrm>
           <a:prstGeom prst="rect">
             <a:avLst/>
@@ -36004,7 +36132,7 @@
                 <a:tab algn="l" pos="0"/>
               </a:tabLst>
             </a:pPr>
-            <a:fld id="{F0F6D3F2-C9E7-4C4D-9461-91586F6B968A}" type="slidenum">
+            <a:fld id="{EC133C66-08DE-4697-A8FD-F404E34940EF}" type="slidenum">
               <a:rPr b="1" lang="en-GB" sz="850" strike="noStrike" u="none">
                 <a:solidFill>
                   <a:schemeClr val="accent1"/>
@@ -36039,7 +36167,7 @@
         <p:spPr>
           <a:xfrm>
             <a:off x="10641240" y="6393600"/>
-            <a:ext cx="1232640" cy="136080"/>
+            <a:ext cx="1232280" cy="135720"/>
           </a:xfrm>
           <a:prstGeom prst="rect">
             <a:avLst/>
@@ -36131,7 +36259,7 @@
         <p:spPr>
           <a:xfrm>
             <a:off x="330120" y="2417400"/>
-            <a:ext cx="9142920" cy="1846800"/>
+            <a:ext cx="9142560" cy="1846440"/>
           </a:xfrm>
           <a:prstGeom prst="rect">
             <a:avLst/>
@@ -36190,7 +36318,7 @@
         <p:spPr>
           <a:xfrm>
             <a:off x="180000" y="5789160"/>
-            <a:ext cx="11879280" cy="739800"/>
+            <a:ext cx="11878920" cy="739440"/>
           </a:xfrm>
           <a:prstGeom prst="rect">
             <a:avLst/>
@@ -36302,7 +36430,7 @@
         <p:spPr>
           <a:xfrm>
             <a:off x="195840" y="1552320"/>
-            <a:ext cx="9568800" cy="539280"/>
+            <a:ext cx="9568440" cy="538920"/>
           </a:xfrm>
           <a:prstGeom prst="rect">
             <a:avLst/>
@@ -36359,7 +36487,7 @@
         <p:spPr>
           <a:xfrm>
             <a:off x="180000" y="2340000"/>
-            <a:ext cx="5939280" cy="359280"/>
+            <a:ext cx="5938920" cy="358920"/>
           </a:xfrm>
           <a:prstGeom prst="rect">
             <a:avLst/>
@@ -36425,7 +36553,7 @@
         <p:spPr>
           <a:xfrm>
             <a:off x="180000" y="3816000"/>
-            <a:ext cx="5939280" cy="359280"/>
+            <a:ext cx="5938920" cy="358920"/>
           </a:xfrm>
           <a:prstGeom prst="rect">
             <a:avLst/>
@@ -36491,7 +36619,7 @@
         <p:spPr>
           <a:xfrm>
             <a:off x="684000" y="2700000"/>
-            <a:ext cx="3995280" cy="1079280"/>
+            <a:ext cx="3994920" cy="1078920"/>
           </a:xfrm>
           <a:prstGeom prst="rect">
             <a:avLst/>
@@ -36612,7 +36740,7 @@
         <p:spPr>
           <a:xfrm>
             <a:off x="684000" y="4140000"/>
-            <a:ext cx="3995280" cy="1079280"/>
+            <a:ext cx="3994920" cy="1078920"/>
           </a:xfrm>
           <a:prstGeom prst="rect">
             <a:avLst/>
@@ -36703,7 +36831,7 @@
         <p:spPr>
           <a:xfrm>
             <a:off x="180360" y="6408000"/>
-            <a:ext cx="1439280" cy="408960"/>
+            <a:ext cx="1438920" cy="408600"/>
           </a:xfrm>
           <a:prstGeom prst="rect">
             <a:avLst/>
@@ -36798,7 +36926,7 @@
         <p:spPr>
           <a:xfrm>
             <a:off x="3657600" y="2514600"/>
-            <a:ext cx="3563640" cy="881280"/>
+            <a:ext cx="3563280" cy="880920"/>
           </a:xfrm>
           <a:prstGeom prst="rect">
             <a:avLst/>
@@ -36822,7 +36950,7 @@
         <p:spPr>
           <a:xfrm>
             <a:off x="7737480" y="2286000"/>
-            <a:ext cx="2778120" cy="1243800"/>
+            <a:ext cx="2777760" cy="1243440"/>
           </a:xfrm>
           <a:prstGeom prst="rect">
             <a:avLst/>
@@ -36846,7 +36974,7 @@
         <p:spPr>
           <a:xfrm>
             <a:off x="10058400" y="183240"/>
-            <a:ext cx="1828800" cy="1874160"/>
+            <a:ext cx="1828440" cy="1873800"/>
           </a:xfrm>
           <a:prstGeom prst="rect">
             <a:avLst/>
@@ -36871,7 +36999,7 @@
         <p:spPr>
           <a:xfrm>
             <a:off x="4811760" y="3886200"/>
-            <a:ext cx="1589040" cy="1602000"/>
+            <a:ext cx="1588680" cy="1601640"/>
           </a:xfrm>
           <a:prstGeom prst="rect">
             <a:avLst/>
@@ -36895,7 +37023,7 @@
         <p:spPr>
           <a:xfrm>
             <a:off x="7671240" y="4114800"/>
-            <a:ext cx="3000960" cy="1388520"/>
+            <a:ext cx="3000600" cy="1388160"/>
           </a:xfrm>
           <a:prstGeom prst="rect">
             <a:avLst/>
@@ -36944,7 +37072,7 @@
         <p:spPr>
           <a:xfrm>
             <a:off x="8229600" y="4001400"/>
-            <a:ext cx="2057400" cy="1037880"/>
+            <a:ext cx="2057040" cy="1037520"/>
           </a:xfrm>
           <a:prstGeom prst="rect">
             <a:avLst/>
@@ -36964,7 +37092,7 @@
         <p:spPr>
           <a:xfrm>
             <a:off x="195840" y="1552320"/>
-            <a:ext cx="9568800" cy="539280"/>
+            <a:ext cx="9568440" cy="538920"/>
           </a:xfrm>
           <a:prstGeom prst="rect">
             <a:avLst/>
@@ -37021,7 +37149,7 @@
         <p:spPr>
           <a:xfrm>
             <a:off x="180000" y="2340000"/>
-            <a:ext cx="5939280" cy="359280"/>
+            <a:ext cx="5938920" cy="358920"/>
           </a:xfrm>
           <a:prstGeom prst="rect">
             <a:avLst/>
@@ -37087,7 +37215,7 @@
         <p:spPr>
           <a:xfrm>
             <a:off x="684000" y="2700000"/>
-            <a:ext cx="3995280" cy="1079280"/>
+            <a:ext cx="3994920" cy="1078920"/>
           </a:xfrm>
           <a:prstGeom prst="rect">
             <a:avLst/>
@@ -37232,7 +37360,7 @@
         <p:spPr>
           <a:xfrm>
             <a:off x="180000" y="3780000"/>
-            <a:ext cx="5939280" cy="359280"/>
+            <a:ext cx="5938920" cy="358920"/>
           </a:xfrm>
           <a:prstGeom prst="rect">
             <a:avLst/>
@@ -37298,7 +37426,7 @@
         <p:spPr>
           <a:xfrm>
             <a:off x="684000" y="4140000"/>
-            <a:ext cx="3995280" cy="1079280"/>
+            <a:ext cx="3994920" cy="1078920"/>
           </a:xfrm>
           <a:prstGeom prst="rect">
             <a:avLst/>
@@ -37467,7 +37595,7 @@
         <p:spPr>
           <a:xfrm>
             <a:off x="180720" y="6408360"/>
-            <a:ext cx="1439280" cy="408960"/>
+            <a:ext cx="1438920" cy="408600"/>
           </a:xfrm>
           <a:prstGeom prst="rect">
             <a:avLst/>
@@ -37562,7 +37690,7 @@
         <p:spPr>
           <a:xfrm>
             <a:off x="4343400" y="3886200"/>
-            <a:ext cx="2104200" cy="1281240"/>
+            <a:ext cx="2103840" cy="1280880"/>
           </a:xfrm>
           <a:prstGeom prst="rect">
             <a:avLst/>
@@ -37586,7 +37714,7 @@
         <p:spPr>
           <a:xfrm>
             <a:off x="4472640" y="2286000"/>
-            <a:ext cx="1718280" cy="1143000"/>
+            <a:ext cx="1717920" cy="1142640"/>
           </a:xfrm>
           <a:prstGeom prst="rect">
             <a:avLst/>
@@ -37610,7 +37738,7 @@
         <p:spPr>
           <a:xfrm>
             <a:off x="7086600" y="4114800"/>
-            <a:ext cx="1334160" cy="891360"/>
+            <a:ext cx="1333800" cy="891000"/>
           </a:xfrm>
           <a:prstGeom prst="rect">
             <a:avLst/>
@@ -37634,7 +37762,7 @@
         <p:spPr>
           <a:xfrm>
             <a:off x="7772400" y="2286000"/>
-            <a:ext cx="1828800" cy="1196640"/>
+            <a:ext cx="1828440" cy="1196280"/>
           </a:xfrm>
           <a:prstGeom prst="rect">
             <a:avLst/>
@@ -37679,7 +37807,7 @@
         <p:spPr>
           <a:xfrm>
             <a:off x="195840" y="1552320"/>
-            <a:ext cx="9568800" cy="539280"/>
+            <a:ext cx="9568440" cy="538920"/>
           </a:xfrm>
           <a:prstGeom prst="rect">
             <a:avLst/>
@@ -37736,7 +37864,7 @@
         <p:spPr>
           <a:xfrm>
             <a:off x="180000" y="2340000"/>
-            <a:ext cx="5939280" cy="359280"/>
+            <a:ext cx="5938920" cy="358920"/>
           </a:xfrm>
           <a:prstGeom prst="rect">
             <a:avLst/>
@@ -37802,7 +37930,7 @@
         <p:spPr>
           <a:xfrm>
             <a:off x="180000" y="3816000"/>
-            <a:ext cx="5939280" cy="359280"/>
+            <a:ext cx="5938920" cy="358920"/>
           </a:xfrm>
           <a:prstGeom prst="rect">
             <a:avLst/>
@@ -37868,7 +37996,7 @@
         <p:spPr>
           <a:xfrm>
             <a:off x="684000" y="2700000"/>
-            <a:ext cx="3995280" cy="1079280"/>
+            <a:ext cx="3994920" cy="1078920"/>
           </a:xfrm>
           <a:prstGeom prst="rect">
             <a:avLst/>
@@ -37959,7 +38087,7 @@
         <p:spPr>
           <a:xfrm>
             <a:off x="684000" y="4140000"/>
-            <a:ext cx="3995280" cy="1079280"/>
+            <a:ext cx="3994920" cy="1078920"/>
           </a:xfrm>
           <a:prstGeom prst="rect">
             <a:avLst/>
@@ -38110,7 +38238,7 @@
         <p:spPr>
           <a:xfrm>
             <a:off x="180000" y="5256000"/>
-            <a:ext cx="5939280" cy="359280"/>
+            <a:ext cx="5938920" cy="358920"/>
           </a:xfrm>
           <a:prstGeom prst="rect">
             <a:avLst/>
@@ -38176,7 +38304,7 @@
         <p:spPr>
           <a:xfrm>
             <a:off x="684000" y="5580000"/>
-            <a:ext cx="3995280" cy="1079280"/>
+            <a:ext cx="3994920" cy="1078920"/>
           </a:xfrm>
           <a:prstGeom prst="rect">
             <a:avLst/>
@@ -38291,7 +38419,7 @@
         <p:spPr>
           <a:xfrm>
             <a:off x="180720" y="6408360"/>
-            <a:ext cx="1439280" cy="408960"/>
+            <a:ext cx="1438920" cy="408600"/>
           </a:xfrm>
           <a:prstGeom prst="rect">
             <a:avLst/>
@@ -38386,7 +38514,7 @@
         <p:spPr>
           <a:xfrm>
             <a:off x="5715000" y="5277600"/>
-            <a:ext cx="1828800" cy="1123200"/>
+            <a:ext cx="1828440" cy="1122840"/>
           </a:xfrm>
           <a:prstGeom prst="rect">
             <a:avLst/>
@@ -38410,7 +38538,31 @@
         <p:spPr>
           <a:xfrm>
             <a:off x="5715000" y="1828800"/>
-            <a:ext cx="1828800" cy="1828800"/>
+            <a:ext cx="1828440" cy="1828440"/>
+          </a:xfrm>
+          <a:prstGeom prst="rect">
+            <a:avLst/>
+          </a:prstGeom>
+          <a:noFill/>
+          <a:ln w="0">
+            <a:noFill/>
+          </a:ln>
+        </p:spPr>
+      </p:pic>
+      <p:pic>
+        <p:nvPicPr>
+          <p:cNvPr id="396" name="" descr=""/>
+          <p:cNvPicPr/>
+          <p:nvPr/>
+        </p:nvPicPr>
+        <p:blipFill>
+          <a:blip r:embed="rId3"/>
+          <a:stretch/>
+        </p:blipFill>
+        <p:spPr>
+          <a:xfrm>
+            <a:off x="5871600" y="3816000"/>
+            <a:ext cx="1672200" cy="1153080"/>
           </a:xfrm>
           <a:prstGeom prst="rect">
             <a:avLst/>
@@ -38448,14 +38600,14 @@
       </p:grpSpPr>
       <p:sp>
         <p:nvSpPr>
-          <p:cNvPr id="396" name="Title 4"/>
+          <p:cNvPr id="397" name="Title 4"/>
           <p:cNvSpPr/>
           <p:nvPr/>
         </p:nvSpPr>
         <p:spPr>
           <a:xfrm>
             <a:off x="195840" y="1552320"/>
-            <a:ext cx="9568800" cy="539280"/>
+            <a:ext cx="9568440" cy="538920"/>
           </a:xfrm>
           <a:prstGeom prst="rect">
             <a:avLst/>
@@ -38505,14 +38657,14 @@
       </p:sp>
       <p:sp>
         <p:nvSpPr>
-          <p:cNvPr id="397" name="Text Placeholder 11"/>
+          <p:cNvPr id="398" name="Text Placeholder 11"/>
           <p:cNvSpPr/>
           <p:nvPr/>
         </p:nvSpPr>
         <p:spPr>
           <a:xfrm>
             <a:off x="180000" y="2340000"/>
-            <a:ext cx="7739280" cy="359280"/>
+            <a:ext cx="7738920" cy="358920"/>
           </a:xfrm>
           <a:prstGeom prst="rect">
             <a:avLst/>
@@ -38571,14 +38723,14 @@
       </p:sp>
       <p:sp>
         <p:nvSpPr>
-          <p:cNvPr id="398" name="Text Placeholder 14"/>
+          <p:cNvPr id="399" name="Text Placeholder 14"/>
           <p:cNvSpPr/>
           <p:nvPr/>
         </p:nvSpPr>
         <p:spPr>
           <a:xfrm>
             <a:off x="684000" y="2700000"/>
-            <a:ext cx="3995280" cy="1079280"/>
+            <a:ext cx="6708240" cy="1078920"/>
           </a:xfrm>
           <a:prstGeom prst="rect">
             <a:avLst/>
@@ -38617,7 +38769,61 @@
                 <a:latin typeface="Imperial Sans Text Medium"/>
                 <a:ea typeface="Inter Medium"/>
               </a:rPr>
-              <a:t> - This should actually be the whole derivation of the equation yeah</a:t>
+              <a:t> - We have the equation</a:t>
+            </a:r>
+            <a:r>
+              <a:rPr b="0" lang="en-US" sz="1200" strike="noStrike" u="none">
+                <a:solidFill>
+                  <a:schemeClr val="accent1"/>
+                </a:solidFill>
+                <a:effectLst/>
+                <a:uFillTx/>
+                <a:latin typeface="Imperial Sans Text Medium"/>
+                <a:ea typeface="Inter Medium"/>
+              </a:rPr>
+              <a:t>	</a:t>
+            </a:r>
+            <a:r>
+              <a:rPr b="0" lang="en-US" sz="1200" strike="noStrike" u="none">
+                <a:solidFill>
+                  <a:schemeClr val="accent1"/>
+                </a:solidFill>
+                <a:effectLst/>
+                <a:uFillTx/>
+                <a:latin typeface="Imperial Sans Text Medium"/>
+                <a:ea typeface="Inter Medium"/>
+              </a:rPr>
+              <a:t>         , the Poisson equation with initial conditions  </a:t>
+            </a:r>
+            <a:endParaRPr b="0" lang="en-US" sz="1200" strike="noStrike" u="none">
+              <a:solidFill>
+                <a:srgbClr val="000000"/>
+              </a:solidFill>
+              <a:effectLst/>
+              <a:uFillTx/>
+              <a:latin typeface="Arial"/>
+            </a:endParaRPr>
+          </a:p>
+          <a:p>
+            <a:pPr defTabSz="685800">
+              <a:lnSpc>
+                <a:spcPct val="105000"/>
+              </a:lnSpc>
+              <a:tabLst>
+                <a:tab algn="l" pos="0"/>
+              </a:tabLst>
+            </a:pPr>
+            <a:r>
+              <a:rPr b="0" lang="en-US" sz="1200" strike="noStrike" u="none">
+                <a:solidFill>
+                  <a:schemeClr val="accent1"/>
+                </a:solidFill>
+                <a:effectLst/>
+                <a:uFillTx/>
+                <a:latin typeface="Imperial Sans Text Medium"/>
+                <a:ea typeface="Inter Medium"/>
+              </a:rPr>
+              <a:t> - </a:t>
             </a:r>
             <a:endParaRPr b="0" lang="en-US" sz="1200" strike="noStrike" u="none">
               <a:solidFill>
@@ -38632,14 +38838,14 @@
       </p:sp>
       <p:sp>
         <p:nvSpPr>
-          <p:cNvPr id="399" name="PlaceHolder 6"/>
+          <p:cNvPr id="400" name="PlaceHolder 6"/>
           <p:cNvSpPr/>
           <p:nvPr/>
         </p:nvSpPr>
         <p:spPr>
           <a:xfrm>
             <a:off x="180720" y="6408360"/>
-            <a:ext cx="1439280" cy="408960"/>
+            <a:ext cx="1438920" cy="408600"/>
           </a:xfrm>
           <a:prstGeom prst="rect">
             <a:avLst/>
@@ -38723,7 +38929,7 @@
       </p:sp>
       <p:pic>
         <p:nvPicPr>
-          <p:cNvPr id="400" name="" descr=""/>
+          <p:cNvPr id="401" name="" descr=""/>
           <p:cNvPicPr/>
           <p:nvPr/>
         </p:nvPicPr>
@@ -38734,7 +38940,7 @@
         <p:spPr>
           <a:xfrm>
             <a:off x="8571600" y="3121560"/>
-            <a:ext cx="2858400" cy="1897920"/>
+            <a:ext cx="2858040" cy="1897560"/>
           </a:xfrm>
           <a:prstGeom prst="rect">
             <a:avLst/>
@@ -38745,6 +38951,191 @@
           </a:ln>
         </p:spPr>
       </p:pic>
+      <mc:AlternateContent>
+        <mc:Choice xmlns:a14="http://schemas.microsoft.com/office/drawing/2010/main" Requires="a14">
+          <p:sp>
+            <p:nvSpPr>
+              <p:cNvPr id="402" name=""/>
+              <p:cNvSpPr txBox="1"/>
+              <p:nvPr/>
+            </p:nvSpPr>
+            <p:spPr>
+              <a:xfrm>
+                <a:off x="2341800" y="2662920"/>
+                <a:ext cx="755280" cy="232560"/>
+              </a:xfrm>
+              <a:prstGeom prst="rect">
+                <a:avLst/>
+              </a:prstGeom>
+            </p:spPr>
+            <p:txBody>
+              <a:bodyPr/>
+              <a:p>
+                <a14:m>
+                  <m:oMath xmlns:m="http://schemas.openxmlformats.org/officeDocument/2006/math">
+                    <m:f>
+                      <m:num>
+                        <m:sSup>
+                          <m:e>
+                            <m:r>
+                              <m:t xml:space="preserve">∂</m:t>
+                            </m:r>
+                          </m:e>
+                          <m:sup>
+                            <m:r>
+                              <m:t xml:space="preserve">2</m:t>
+                            </m:r>
+                          </m:sup>
+                        </m:sSup>
+                        <m:r>
+                          <m:t xml:space="preserve">u</m:t>
+                        </m:r>
+                      </m:num>
+                      <m:den>
+                        <m:r>
+                          <m:t xml:space="preserve">∂</m:t>
+                        </m:r>
+                        <m:sSup>
+                          <m:e>
+                            <m:r>
+                              <m:t xml:space="preserve">x</m:t>
+                            </m:r>
+                          </m:e>
+                          <m:sup>
+                            <m:r>
+                              <m:t xml:space="preserve">2</m:t>
+                            </m:r>
+                          </m:sup>
+                        </m:sSup>
+                      </m:den>
+                    </m:f>
+                    <m:r>
+                      <m:t xml:space="preserve">=</m:t>
+                    </m:r>
+                    <m:r>
+                      <m:t xml:space="preserve">f</m:t>
+                    </m:r>
+                    <m:d>
+                      <m:dPr>
+                        <m:begChr m:val="("/>
+                        <m:endChr m:val=")"/>
+                      </m:dPr>
+                      <m:e>
+                        <m:r>
+                          <m:t xml:space="preserve">x</m:t>
+                        </m:r>
+                        <m:r>
+                          <m:t xml:space="preserve">,</m:t>
+                        </m:r>
+                        <m:r>
+                          <m:t xml:space="preserve">y</m:t>
+                        </m:r>
+                      </m:e>
+                    </m:d>
+                  </m:oMath>
+                </a14:m>
+              </a:p>
+            </p:txBody>
+          </p:sp>
+        </mc:Choice>
+        <mc:Fallback>
+          <p:sp>
+            <p:nvSpPr>
+              <p:cNvPr id="402" name=""/>
+              <p:cNvSpPr txBox="1"/>
+              <p:nvPr/>
+            </p:nvSpPr>
+            <p:spPr>
+              <a:xfrm>
+                <a:off x="2341800" y="2662920"/>
+                <a:ext cx="755280" cy="232560"/>
+              </a:xfrm>
+              <a:prstGeom prst="rect">
+                <a:avLst/>
+              </a:prstGeom>
+              <a:blipFill>
+                <a:blip r:embed="rId2"/>
+                <a:stretch>
+                  <a:fillRect/>
+                </a:stretch>
+              </a:blipFill>
+            </p:spPr>
+          </p:sp>
+        </mc:Fallback>
+      </mc:AlternateContent>
+      <mc:AlternateContent>
+        <mc:Choice xmlns:a14="http://schemas.microsoft.com/office/drawing/2010/main" Requires="a14">
+          <p:sp>
+            <p:nvSpPr>
+              <p:cNvPr id="403" name=""/>
+              <p:cNvSpPr txBox="1"/>
+              <p:nvPr/>
+            </p:nvSpPr>
+            <p:spPr>
+              <a:xfrm>
+                <a:off x="6105240" y="2700000"/>
+                <a:ext cx="455400" cy="184320"/>
+              </a:xfrm>
+              <a:prstGeom prst="rect">
+                <a:avLst/>
+              </a:prstGeom>
+            </p:spPr>
+            <p:txBody>
+              <a:bodyPr/>
+              <a:p>
+                <a14:m>
+                  <m:oMath xmlns:m="http://schemas.openxmlformats.org/officeDocument/2006/math">
+                    <m:r>
+                      <m:t xml:space="preserve">f</m:t>
+                    </m:r>
+                    <m:d>
+                      <m:dPr>
+                        <m:begChr m:val="("/>
+                        <m:endChr m:val=")"/>
+                      </m:dPr>
+                      <m:e>
+                        <m:r>
+                          <m:t xml:space="preserve">x</m:t>
+                        </m:r>
+                        <m:r>
+                          <m:t xml:space="preserve">,</m:t>
+                        </m:r>
+                        <m:r>
+                          <m:t xml:space="preserve">y</m:t>
+                        </m:r>
+                      </m:e>
+                    </m:d>
+                  </m:oMath>
+                </a14:m>
+              </a:p>
+            </p:txBody>
+          </p:sp>
+        </mc:Choice>
+        <mc:Fallback>
+          <p:sp>
+            <p:nvSpPr>
+              <p:cNvPr id="403" name=""/>
+              <p:cNvSpPr txBox="1"/>
+              <p:nvPr/>
+            </p:nvSpPr>
+            <p:spPr>
+              <a:xfrm>
+                <a:off x="6105240" y="2700000"/>
+                <a:ext cx="455400" cy="184320"/>
+              </a:xfrm>
+              <a:prstGeom prst="rect">
+                <a:avLst/>
+              </a:prstGeom>
+              <a:blipFill>
+                <a:blip r:embed="rId3"/>
+                <a:stretch>
+                  <a:fillRect/>
+                </a:stretch>
+              </a:blipFill>
+            </p:spPr>
+          </p:sp>
+        </mc:Fallback>
+      </mc:AlternateContent>
     </p:spTree>
   </p:cSld>
   <p:transition>

--- a/M2R_presentation.pptx
+++ b/M2R_presentation.pptx
@@ -153,7 +153,7 @@
         <p:txBody>
           <a:bodyPr/>
           <a:p>
-            <a:fld id="{0F67F7FD-209F-4B67-B7DE-FEF644587BFD}" type="slidenum">
+            <a:fld id="{885C7E0D-7BE0-489F-98AA-B34C4BB0EAD2}" type="slidenum">
               <a:t>&lt;#&gt;</a:t>
             </a:fld>
           </a:p>
@@ -236,7 +236,7 @@
         <p:txBody>
           <a:bodyPr/>
           <a:p>
-            <a:fld id="{A9F58435-B0CA-41BE-96E7-47B17B750B91}" type="slidenum">
+            <a:fld id="{FD096149-F047-4049-95DD-B4F3E336CD67}" type="slidenum">
               <a:t>&lt;#&gt;</a:t>
             </a:fld>
           </a:p>
@@ -341,7 +341,7 @@
         <p:txBody>
           <a:bodyPr/>
           <a:p>
-            <a:fld id="{78A5BBD3-49EE-43A5-84BE-FF9C0DA4CDB9}" type="slidenum">
+            <a:fld id="{49D21FEC-555D-4E98-B879-60321BE3D03E}" type="slidenum">
               <a:t>&lt;#&gt;</a:t>
             </a:fld>
           </a:p>
@@ -424,7 +424,7 @@
         <p:txBody>
           <a:bodyPr/>
           <a:p>
-            <a:fld id="{35F3D247-2243-4AB5-99E7-08EE5F63DDAD}" type="slidenum">
+            <a:fld id="{9A30E294-B0CB-40FE-82BA-0C3F64F106B2}" type="slidenum">
               <a:t>&lt;#&gt;</a:t>
             </a:fld>
           </a:p>
@@ -507,7 +507,7 @@
         <p:txBody>
           <a:bodyPr/>
           <a:p>
-            <a:fld id="{14AF295E-9B8E-4737-B314-1D921A521BEB}" type="slidenum">
+            <a:fld id="{928A159A-A088-419A-A294-0A8340D4021C}" type="slidenum">
               <a:t>&lt;#&gt;</a:t>
             </a:fld>
           </a:p>
@@ -590,7 +590,7 @@
         <p:txBody>
           <a:bodyPr/>
           <a:p>
-            <a:fld id="{9A1BFC96-8877-45F4-BC25-6E726201661A}" type="slidenum">
+            <a:fld id="{60C5D14A-3F97-49C1-B156-2272CE8D27F2}" type="slidenum">
               <a:t>&lt;#&gt;</a:t>
             </a:fld>
           </a:p>
@@ -673,7 +673,7 @@
         <p:txBody>
           <a:bodyPr/>
           <a:p>
-            <a:fld id="{82449A52-C5DD-4693-9E86-BE0ADB80449B}" type="slidenum">
+            <a:fld id="{1985DDCF-4805-4172-B520-ABA58F5902AB}" type="slidenum">
               <a:t>&lt;#&gt;</a:t>
             </a:fld>
           </a:p>
@@ -756,7 +756,7 @@
         <p:txBody>
           <a:bodyPr/>
           <a:p>
-            <a:fld id="{C483E0C6-EBC6-4536-B746-19B7767E1D11}" type="slidenum">
+            <a:fld id="{9589E9EC-39EA-4113-9F04-84252D2520B1}" type="slidenum">
               <a:t>&lt;#&gt;</a:t>
             </a:fld>
           </a:p>
@@ -839,7 +839,7 @@
         <p:txBody>
           <a:bodyPr/>
           <a:p>
-            <a:fld id="{AF12427A-A9A5-4C12-948B-A51533F5C878}" type="slidenum">
+            <a:fld id="{EC9D7F19-F05F-4A62-84B7-D39A2E1E5A06}" type="slidenum">
               <a:t>&lt;#&gt;</a:t>
             </a:fld>
           </a:p>
@@ -922,7 +922,7 @@
         <p:txBody>
           <a:bodyPr/>
           <a:p>
-            <a:fld id="{A7FCB407-B697-4B8D-A26A-D4069093C794}" type="slidenum">
+            <a:fld id="{A2420554-8677-4E1E-8409-E17584BB1952}" type="slidenum">
               <a:t>&lt;#&gt;</a:t>
             </a:fld>
           </a:p>
@@ -1005,7 +1005,7 @@
         <p:txBody>
           <a:bodyPr/>
           <a:p>
-            <a:fld id="{71A43327-CE29-43BE-8691-6D3CE2204A61}" type="slidenum">
+            <a:fld id="{409C72BA-7F84-430B-BB70-FCD2A4B6C681}" type="slidenum">
               <a:t>&lt;#&gt;</a:t>
             </a:fld>
           </a:p>
@@ -1088,7 +1088,7 @@
         <p:txBody>
           <a:bodyPr/>
           <a:p>
-            <a:fld id="{24320A19-3A7B-4E20-8D87-922A2F8F96B3}" type="slidenum">
+            <a:fld id="{429F4A77-701C-4209-B158-E55FCD7377DA}" type="slidenum">
               <a:t>&lt;#&gt;</a:t>
             </a:fld>
           </a:p>
@@ -1171,7 +1171,7 @@
         <p:txBody>
           <a:bodyPr/>
           <a:p>
-            <a:fld id="{E07543FA-016B-4BF9-A10E-EEE78462BAFD}" type="slidenum">
+            <a:fld id="{9E96C608-0818-446A-B01F-5D1A2DA49FDF}" type="slidenum">
               <a:t>&lt;#&gt;</a:t>
             </a:fld>
           </a:p>
@@ -1276,7 +1276,7 @@
         <p:txBody>
           <a:bodyPr/>
           <a:p>
-            <a:fld id="{CFAFD0FB-37B1-49BA-B593-0D24CDA4B91E}" type="slidenum">
+            <a:fld id="{66F64B84-080D-41B4-A523-21DCB04907D1}" type="slidenum">
               <a:t>&lt;#&gt;</a:t>
             </a:fld>
           </a:p>
@@ -1359,7 +1359,7 @@
         <p:txBody>
           <a:bodyPr/>
           <a:p>
-            <a:fld id="{A10EBD4F-7C6A-4416-9949-AF8FE0D31FD5}" type="slidenum">
+            <a:fld id="{841D60F4-1E7E-4869-9D68-D9A57ECA45BA}" type="slidenum">
               <a:t>&lt;#&gt;</a:t>
             </a:fld>
           </a:p>
@@ -1442,7 +1442,7 @@
         <p:txBody>
           <a:bodyPr/>
           <a:p>
-            <a:fld id="{9C6BD9B0-7449-4995-840B-EEAD68B39438}" type="slidenum">
+            <a:fld id="{64B79B90-C77E-4780-BEFF-BBCE63DD49E4}" type="slidenum">
               <a:t>&lt;#&gt;</a:t>
             </a:fld>
           </a:p>
@@ -1525,7 +1525,7 @@
         <p:txBody>
           <a:bodyPr/>
           <a:p>
-            <a:fld id="{7C192EA0-F8BE-47E5-A74C-FE603160B1FA}" type="slidenum">
+            <a:fld id="{BCE908AB-B4AB-4AFF-BF6B-60E3AA43CE6B}" type="slidenum">
               <a:t>&lt;#&gt;</a:t>
             </a:fld>
           </a:p>
@@ -1608,7 +1608,7 @@
         <p:txBody>
           <a:bodyPr/>
           <a:p>
-            <a:fld id="{C670DEC3-A129-4A3B-BCED-441088D78B10}" type="slidenum">
+            <a:fld id="{23FA8F53-0868-42F6-93E2-F2F8286D659F}" type="slidenum">
               <a:t>&lt;#&gt;</a:t>
             </a:fld>
           </a:p>
@@ -1691,7 +1691,7 @@
         <p:txBody>
           <a:bodyPr/>
           <a:p>
-            <a:fld id="{464C3349-412A-4BBB-AEFA-3858913DF859}" type="slidenum">
+            <a:fld id="{E1DB3FA0-2C93-417F-B5DB-F4C85F3D0B57}" type="slidenum">
               <a:t>&lt;#&gt;</a:t>
             </a:fld>
           </a:p>
@@ -1774,7 +1774,7 @@
         <p:txBody>
           <a:bodyPr/>
           <a:p>
-            <a:fld id="{F3CA795D-5D53-4C70-8DE3-C505B24148DF}" type="slidenum">
+            <a:fld id="{4C4B61F2-AE6C-41AD-A023-E60098EF25D8}" type="slidenum">
               <a:t>&lt;#&gt;</a:t>
             </a:fld>
           </a:p>
@@ -1857,7 +1857,7 @@
         <p:txBody>
           <a:bodyPr/>
           <a:p>
-            <a:fld id="{9C6764FD-0AC7-4B70-9A13-4B31EBD8027F}" type="slidenum">
+            <a:fld id="{C5E82138-F722-4ACD-8AA8-C9C6E246AB91}" type="slidenum">
               <a:t>&lt;#&gt;</a:t>
             </a:fld>
           </a:p>
@@ -1940,7 +1940,7 @@
         <p:txBody>
           <a:bodyPr/>
           <a:p>
-            <a:fld id="{4B96F10E-AF44-4A9B-A931-3041091BD9FD}" type="slidenum">
+            <a:fld id="{2E53D114-FBC5-46FD-BE3A-768020E993CC}" type="slidenum">
               <a:t>&lt;#&gt;</a:t>
             </a:fld>
           </a:p>
@@ -2023,7 +2023,7 @@
         <p:txBody>
           <a:bodyPr/>
           <a:p>
-            <a:fld id="{36659675-3553-462E-81F4-93AAC6CD733E}" type="slidenum">
+            <a:fld id="{84BC0300-BD19-468A-9616-E42EC1D1FCF3}" type="slidenum">
               <a:t>&lt;#&gt;</a:t>
             </a:fld>
           </a:p>
@@ -2106,7 +2106,7 @@
         <p:txBody>
           <a:bodyPr/>
           <a:p>
-            <a:fld id="{DF82D946-955A-405B-94A1-9A93005784EC}" type="slidenum">
+            <a:fld id="{F5B48108-8BFE-4E79-B0D6-7E7F1752BCB1}" type="slidenum">
               <a:t>&lt;#&gt;</a:t>
             </a:fld>
           </a:p>
@@ -2211,7 +2211,7 @@
         <p:txBody>
           <a:bodyPr/>
           <a:p>
-            <a:fld id="{1F3D4E56-5D86-46D9-BF87-DE09DC37F79F}" type="slidenum">
+            <a:fld id="{3E88D950-5711-45FE-AD8E-5E63E8F931D6}" type="slidenum">
               <a:t>&lt;#&gt;</a:t>
             </a:fld>
           </a:p>
@@ -2294,7 +2294,7 @@
         <p:txBody>
           <a:bodyPr/>
           <a:p>
-            <a:fld id="{F3909FA0-2830-4EE4-B2A6-85AD1D982BD4}" type="slidenum">
+            <a:fld id="{CD1DA935-EE78-4ECF-8ED0-C4B37542E5EA}" type="slidenum">
               <a:t>&lt;#&gt;</a:t>
             </a:fld>
           </a:p>
@@ -2377,7 +2377,7 @@
         <p:txBody>
           <a:bodyPr/>
           <a:p>
-            <a:fld id="{9885CE54-9539-4B95-9270-BD1002EAA4D6}" type="slidenum">
+            <a:fld id="{C7B3F08B-8459-490D-A09D-7CD1F5043F68}" type="slidenum">
               <a:t>&lt;#&gt;</a:t>
             </a:fld>
           </a:p>
@@ -2460,7 +2460,7 @@
         <p:txBody>
           <a:bodyPr/>
           <a:p>
-            <a:fld id="{44D5C46B-716A-4811-A1B6-48DF61ACC7C9}" type="slidenum">
+            <a:fld id="{ACAEAE2E-B685-4A5D-A3E7-8577C19E5A84}" type="slidenum">
               <a:t>&lt;#&gt;</a:t>
             </a:fld>
           </a:p>
@@ -2543,7 +2543,7 @@
         <p:txBody>
           <a:bodyPr/>
           <a:p>
-            <a:fld id="{EB11F48B-3C85-416B-A17E-9B7CEE178233}" type="slidenum">
+            <a:fld id="{58BA216A-0AD3-4683-8BDF-ED4F33710E4B}" type="slidenum">
               <a:t>&lt;#&gt;</a:t>
             </a:fld>
           </a:p>
@@ -2626,7 +2626,7 @@
         <p:txBody>
           <a:bodyPr/>
           <a:p>
-            <a:fld id="{68B10801-AB6C-41D9-81E8-D857A854C2AE}" type="slidenum">
+            <a:fld id="{F8EBC350-E3BF-4125-AEA9-16F6C7F35F0D}" type="slidenum">
               <a:t>&lt;#&gt;</a:t>
             </a:fld>
           </a:p>
@@ -2709,7 +2709,7 @@
         <p:txBody>
           <a:bodyPr/>
           <a:p>
-            <a:fld id="{0656828C-48E7-4C8A-8C61-645798F32BF5}" type="slidenum">
+            <a:fld id="{B8F40B09-6C0C-4064-B4C3-1C2322685B63}" type="slidenum">
               <a:t>&lt;#&gt;</a:t>
             </a:fld>
           </a:p>
@@ -2792,7 +2792,7 @@
         <p:txBody>
           <a:bodyPr/>
           <a:p>
-            <a:fld id="{C7B7753B-12FB-4A69-AB9F-1B0031A23B65}" type="slidenum">
+            <a:fld id="{F998FD4F-0F0F-4A48-A78B-D67DE6F94E55}" type="slidenum">
               <a:t>&lt;#&gt;</a:t>
             </a:fld>
           </a:p>
@@ -2875,7 +2875,7 @@
         <p:txBody>
           <a:bodyPr/>
           <a:p>
-            <a:fld id="{F01CAF8B-A9B2-4271-92B7-A3E21D019546}" type="slidenum">
+            <a:fld id="{C21253B4-AD1B-43F7-9636-663F41F704C4}" type="slidenum">
               <a:t>&lt;#&gt;</a:t>
             </a:fld>
           </a:p>
@@ -3112,7 +3112,7 @@
         <p:txBody>
           <a:bodyPr/>
           <a:p>
-            <a:fld id="{78A50D99-BFCA-4876-B40A-1C206653965F}" type="slidenum">
+            <a:fld id="{1E1305F1-6576-4EF2-A641-1DCD4C3E441A}" type="slidenum">
               <a:t>&lt;#&gt;</a:t>
             </a:fld>
           </a:p>
@@ -3283,7 +3283,7 @@
         <p:txBody>
           <a:bodyPr/>
           <a:p>
-            <a:fld id="{FAF2257B-06FD-4BC6-8632-694E12B67C97}" type="slidenum">
+            <a:fld id="{FED06C92-1B8E-461F-AEBB-2CD30A2D8CA8}" type="slidenum">
               <a:t>&lt;#&gt;</a:t>
             </a:fld>
           </a:p>
@@ -3366,7 +3366,7 @@
         <p:txBody>
           <a:bodyPr/>
           <a:p>
-            <a:fld id="{1022FE9F-6127-4761-B5CE-344CB336E89F}" type="slidenum">
+            <a:fld id="{AAAC77E2-BD10-4397-BBA8-0992B8B52D95}" type="slidenum">
               <a:t>&lt;#&gt;</a:t>
             </a:fld>
           </a:p>
@@ -3449,7 +3449,7 @@
         <p:txBody>
           <a:bodyPr/>
           <a:p>
-            <a:fld id="{57FAB8FB-CD2E-42DB-BB43-E7E8D53C798E}" type="slidenum">
+            <a:fld id="{BA170042-FE13-463D-967B-22F871A59256}" type="slidenum">
               <a:t>&lt;#&gt;</a:t>
             </a:fld>
           </a:p>
@@ -3532,7 +3532,7 @@
         <p:txBody>
           <a:bodyPr/>
           <a:p>
-            <a:fld id="{EBE075FA-C160-4E0F-A44C-A499428D0C33}" type="slidenum">
+            <a:fld id="{95793F28-5A07-439E-A6EE-F83C07790822}" type="slidenum">
               <a:t>&lt;#&gt;</a:t>
             </a:fld>
           </a:p>
@@ -3615,7 +3615,7 @@
         <p:txBody>
           <a:bodyPr/>
           <a:p>
-            <a:fld id="{ED4785E7-7E6B-4D99-AF9D-9D280D080B16}" type="slidenum">
+            <a:fld id="{21132C84-8B74-4085-9554-C7FA44862303}" type="slidenum">
               <a:t>&lt;#&gt;</a:t>
             </a:fld>
           </a:p>
@@ -3698,7 +3698,7 @@
         <p:txBody>
           <a:bodyPr/>
           <a:p>
-            <a:fld id="{FD140244-2C4C-467F-8EF5-368D5C0FAC2B}" type="slidenum">
+            <a:fld id="{9DCAD386-EF52-4617-8E46-8677DF3C7D60}" type="slidenum">
               <a:t>&lt;#&gt;</a:t>
             </a:fld>
           </a:p>
@@ -3781,7 +3781,7 @@
         <p:txBody>
           <a:bodyPr/>
           <a:p>
-            <a:fld id="{2CF22615-0CB0-4FB7-B787-6278589CA2B7}" type="slidenum">
+            <a:fld id="{061F94B8-82D2-4E0F-A9BE-7551FD251149}" type="slidenum">
               <a:t>&lt;#&gt;</a:t>
             </a:fld>
           </a:p>
@@ -3864,7 +3864,7 @@
         <p:txBody>
           <a:bodyPr/>
           <a:p>
-            <a:fld id="{7804742C-61B6-47D2-A6F7-F1D4B62B9111}" type="slidenum">
+            <a:fld id="{97103A6D-30DA-4101-A3B4-0BE29D40556E}" type="slidenum">
               <a:t>&lt;#&gt;</a:t>
             </a:fld>
           </a:p>
@@ -3947,7 +3947,7 @@
         <p:txBody>
           <a:bodyPr/>
           <a:p>
-            <a:fld id="{18977235-F55F-432A-BD70-4B593BF6CAAD}" type="slidenum">
+            <a:fld id="{519BABCE-E077-496A-9D20-BBCDB6D36A57}" type="slidenum">
               <a:t>&lt;#&gt;</a:t>
             </a:fld>
           </a:p>
@@ -4030,7 +4030,7 @@
         <p:txBody>
           <a:bodyPr/>
           <a:p>
-            <a:fld id="{3D9BA851-17E5-4370-B732-ECC5DEFA3AE2}" type="slidenum">
+            <a:fld id="{1C1E92EC-5D4A-4245-AF14-9DA761ED1E24}" type="slidenum">
               <a:t>&lt;#&gt;</a:t>
             </a:fld>
           </a:p>
@@ -4113,7 +4113,7 @@
         <p:txBody>
           <a:bodyPr/>
           <a:p>
-            <a:fld id="{D60C368F-2F3B-4B9A-AC63-39201A1A3558}" type="slidenum">
+            <a:fld id="{1965EA46-9F9E-4F7A-AB11-FA44BCE0A59E}" type="slidenum">
               <a:t>&lt;#&gt;</a:t>
             </a:fld>
           </a:p>
@@ -4240,7 +4240,7 @@
         <p:txBody>
           <a:bodyPr/>
           <a:p>
-            <a:fld id="{8F4C4EE1-1722-476E-A3D2-D1932DE18540}" type="slidenum">
+            <a:fld id="{A256C1F6-ADA3-4980-9019-A14D6C5C521A}" type="slidenum">
               <a:t>&lt;#&gt;</a:t>
             </a:fld>
           </a:p>
@@ -4323,7 +4323,7 @@
         <p:txBody>
           <a:bodyPr/>
           <a:p>
-            <a:fld id="{916B1022-FCF8-437F-9499-5DB9900D738D}" type="slidenum">
+            <a:fld id="{488F50C6-618E-4B51-BC4E-A132EE70B680}" type="slidenum">
               <a:t>&lt;#&gt;</a:t>
             </a:fld>
           </a:p>
@@ -4406,7 +4406,7 @@
         <p:txBody>
           <a:bodyPr/>
           <a:p>
-            <a:fld id="{DE643F3E-AFB1-4A15-A3CA-B93EC3AC20B1}" type="slidenum">
+            <a:fld id="{33137F86-4A3F-41FE-9278-780348C0D70C}" type="slidenum">
               <a:t>&lt;#&gt;</a:t>
             </a:fld>
           </a:p>
@@ -5896,7 +5896,7 @@
                 <a:tab algn="l" pos="0"/>
               </a:tabLst>
             </a:pPr>
-            <a:fld id="{3CBC4832-82BD-40C3-9DE5-082068902CFC}" type="slidenum">
+            <a:fld id="{E0EBFE90-C31B-411E-AB14-1988C8E613F3}" type="slidenum">
               <a:rPr b="1" lang="en-GB" sz="850" strike="noStrike" u="none">
                 <a:solidFill>
                   <a:schemeClr val="accent1"/>
@@ -6197,7 +6197,7 @@
                 <a:tab algn="l" pos="0"/>
               </a:tabLst>
             </a:pPr>
-            <a:fld id="{8E09F32B-75CD-406E-98EB-54BCA49A329E}" type="slidenum">
+            <a:fld id="{49C6A626-B8B7-4529-88C8-5CD0874043A1}" type="slidenum">
               <a:rPr b="1" lang="en-GB" sz="850" strike="noStrike" u="none">
                 <a:solidFill>
                   <a:schemeClr val="accent1"/>
@@ -7457,7 +7457,7 @@
                 <a:tab algn="l" pos="0"/>
               </a:tabLst>
             </a:pPr>
-            <a:fld id="{A46748AB-5017-42D0-879D-20BC59970808}" type="slidenum">
+            <a:fld id="{140E9092-28EC-49AC-81E7-3AF791E657D9}" type="slidenum">
               <a:rPr b="1" lang="en-GB" sz="850" strike="noStrike" u="none">
                 <a:solidFill>
                   <a:schemeClr val="accent1"/>
@@ -7758,7 +7758,7 @@
                 <a:tab algn="l" pos="0"/>
               </a:tabLst>
             </a:pPr>
-            <a:fld id="{8D4CAF10-9296-4F6F-944B-36A597A031CB}" type="slidenum">
+            <a:fld id="{C36B9DD7-71C1-4726-9765-31DE436402EB}" type="slidenum">
               <a:rPr b="1" lang="en-GB" sz="850" strike="noStrike" u="none">
                 <a:solidFill>
                   <a:schemeClr val="accent1"/>
@@ -8059,7 +8059,7 @@
                 <a:tab algn="l" pos="0"/>
               </a:tabLst>
             </a:pPr>
-            <a:fld id="{84925E2E-0D0A-4F44-B093-861169B9082F}" type="slidenum">
+            <a:fld id="{1FD96505-76EC-4DC6-8C21-3BC56128C77F}" type="slidenum">
               <a:rPr b="1" lang="en-GB" sz="850" strike="noStrike" u="none">
                 <a:solidFill>
                   <a:schemeClr val="accent1"/>
@@ -8360,7 +8360,7 @@
                 <a:tab algn="l" pos="0"/>
               </a:tabLst>
             </a:pPr>
-            <a:fld id="{362B879D-CDBB-4B1B-9BF2-01E43B9C72E5}" type="slidenum">
+            <a:fld id="{61504ADB-D565-48C3-A2CD-22B964F90C16}" type="slidenum">
               <a:rPr b="1" lang="en-GB" sz="850" strike="noStrike" u="none">
                 <a:solidFill>
                   <a:schemeClr val="accent1"/>
@@ -8661,7 +8661,7 @@
                 <a:tab algn="l" pos="0"/>
               </a:tabLst>
             </a:pPr>
-            <a:fld id="{4F22B236-2CB0-452D-A30E-54785CA94BAE}" type="slidenum">
+            <a:fld id="{BE935054-0D81-4F19-BEB8-7A80616E6CF7}" type="slidenum">
               <a:rPr b="1" lang="en-GB" sz="850" strike="noStrike" u="none">
                 <a:solidFill>
                   <a:schemeClr val="accent1"/>
@@ -9017,7 +9017,7 @@
                 <a:tab algn="l" pos="0"/>
               </a:tabLst>
             </a:pPr>
-            <a:fld id="{1DB6CB0C-EB27-4C9A-8B1F-6BA95BADD281}" type="slidenum">
+            <a:fld id="{0AA48F52-97B1-46AE-A761-27CD1FCF5D49}" type="slidenum">
               <a:rPr b="1" lang="en-GB" sz="850" strike="noStrike" u="none">
                 <a:solidFill>
                   <a:schemeClr val="lt1"/>
@@ -9318,7 +9318,7 @@
                 <a:tab algn="l" pos="0"/>
               </a:tabLst>
             </a:pPr>
-            <a:fld id="{8E1003FF-F4B5-423E-959A-F06623098DF4}" type="slidenum">
+            <a:fld id="{ED32148C-19F0-4E8B-856E-8ABA293971A2}" type="slidenum">
               <a:rPr b="1" lang="en-GB" sz="850" strike="noStrike" u="none">
                 <a:solidFill>
                   <a:schemeClr val="accent1"/>
@@ -9619,7 +9619,7 @@
                 <a:tab algn="l" pos="0"/>
               </a:tabLst>
             </a:pPr>
-            <a:fld id="{850C0B9C-E07C-4F36-A869-4041F62F7A5C}" type="slidenum">
+            <a:fld id="{DD8FB0C6-C61C-428F-B312-6737FCE3ADDD}" type="slidenum">
               <a:rPr b="1" lang="en-GB" sz="850" strike="noStrike" u="none">
                 <a:solidFill>
                   <a:schemeClr val="accent1"/>
@@ -9920,7 +9920,7 @@
                 <a:tab algn="l" pos="0"/>
               </a:tabLst>
             </a:pPr>
-            <a:fld id="{C9609877-1080-4067-9B30-B463AFAA42DB}" type="slidenum">
+            <a:fld id="{38AD8DF8-6BDE-45BE-BF76-B7343E287D67}" type="slidenum">
               <a:rPr b="1" lang="en-GB" sz="850" strike="noStrike" u="none">
                 <a:solidFill>
                   <a:schemeClr val="accent1"/>
@@ -10221,7 +10221,7 @@
                 <a:tab algn="l" pos="0"/>
               </a:tabLst>
             </a:pPr>
-            <a:fld id="{158B21D3-FD6B-4CBB-885F-98EF242572EA}" type="slidenum">
+            <a:fld id="{48415C98-CC9F-4664-8C5D-E3A667E77D75}" type="slidenum">
               <a:rPr b="1" lang="en-GB" sz="850" strike="noStrike" u="none">
                 <a:solidFill>
                   <a:schemeClr val="accent1"/>
@@ -10577,7 +10577,7 @@
                 <a:tab algn="l" pos="0"/>
               </a:tabLst>
             </a:pPr>
-            <a:fld id="{48A3E516-64CD-4006-9007-9EF46C7AF9FA}" type="slidenum">
+            <a:fld id="{FBFD8B7B-969D-4249-85FE-C11DA70FD4F2}" type="slidenum">
               <a:rPr b="1" lang="en-GB" sz="850" strike="noStrike" u="none">
                 <a:solidFill>
                   <a:schemeClr val="lt1"/>
@@ -11837,7 +11837,7 @@
                 <a:tab algn="l" pos="0"/>
               </a:tabLst>
             </a:pPr>
-            <a:fld id="{4FA17906-CF9E-484E-9105-BA41367A45F2}" type="slidenum">
+            <a:fld id="{88C15F8E-D563-4109-A5BF-DA81A2A123BA}" type="slidenum">
               <a:rPr b="1" lang="en-GB" sz="850" strike="noStrike" u="none">
                 <a:solidFill>
                   <a:schemeClr val="accent1"/>
@@ -12138,7 +12138,7 @@
                 <a:tab algn="l" pos="0"/>
               </a:tabLst>
             </a:pPr>
-            <a:fld id="{086A8593-5500-41F4-97E8-2ED721848F13}" type="slidenum">
+            <a:fld id="{918F3EBA-C33C-441E-9C74-92F1ED779632}" type="slidenum">
               <a:rPr b="1" lang="en-GB" sz="850" strike="noStrike" u="none">
                 <a:solidFill>
                   <a:schemeClr val="accent1"/>
@@ -12439,7 +12439,7 @@
                 <a:tab algn="l" pos="0"/>
               </a:tabLst>
             </a:pPr>
-            <a:fld id="{0DCE7E55-72D7-472D-8E53-FEAC1D9990A8}" type="slidenum">
+            <a:fld id="{EB99AE6A-84D9-4272-BA44-BA51E3F3A75E}" type="slidenum">
               <a:rPr b="1" lang="en-GB" sz="850" strike="noStrike" u="none">
                 <a:solidFill>
                   <a:schemeClr val="accent1"/>
@@ -12740,7 +12740,7 @@
                 <a:tab algn="l" pos="0"/>
               </a:tabLst>
             </a:pPr>
-            <a:fld id="{11196F0A-0841-4FC7-B05E-6EA8F81BDC0F}" type="slidenum">
+            <a:fld id="{1AE61217-3DC3-472C-B4A0-9D72780A3240}" type="slidenum">
               <a:rPr b="1" lang="en-GB" sz="850" strike="noStrike" u="none">
                 <a:solidFill>
                   <a:schemeClr val="accent1"/>
@@ -13041,7 +13041,7 @@
                 <a:tab algn="l" pos="0"/>
               </a:tabLst>
             </a:pPr>
-            <a:fld id="{6F3D1F1E-5EAD-450A-9773-CFB8C4CC8437}" type="slidenum">
+            <a:fld id="{7E8DDE9C-B554-4E30-9E7C-83EAD25DB25C}" type="slidenum">
               <a:rPr b="1" lang="en-GB" sz="850" strike="noStrike" u="none">
                 <a:solidFill>
                   <a:schemeClr val="accent1"/>
@@ -13342,7 +13342,7 @@
                 <a:tab algn="l" pos="0"/>
               </a:tabLst>
             </a:pPr>
-            <a:fld id="{5CCB86F4-2698-491C-ACDF-B2A2E6D3B96C}" type="slidenum">
+            <a:fld id="{E21DCF5B-F7F2-45B6-93C8-5A078BEB7D69}" type="slidenum">
               <a:rPr b="1" lang="en-GB" sz="850" strike="noStrike" u="none">
                 <a:solidFill>
                   <a:schemeClr val="accent1"/>
@@ -13643,7 +13643,7 @@
                 <a:tab algn="l" pos="0"/>
               </a:tabLst>
             </a:pPr>
-            <a:fld id="{5C994489-C8D6-4FC5-A24B-DC7FE485D512}" type="slidenum">
+            <a:fld id="{6A8740E8-0D50-4198-A8FC-8157D574FFFC}" type="slidenum">
               <a:rPr b="1" lang="en-GB" sz="850" strike="noStrike" u="none">
                 <a:solidFill>
                   <a:schemeClr val="accent1"/>
@@ -13944,7 +13944,7 @@
                 <a:tab algn="l" pos="0"/>
               </a:tabLst>
             </a:pPr>
-            <a:fld id="{940EAA94-B7DE-4D9C-9848-50FC30DBB26A}" type="slidenum">
+            <a:fld id="{1CEEDCA1-3E1C-47B9-A73F-525AC9FDC7B0}" type="slidenum">
               <a:rPr b="1" lang="en-GB" sz="850" strike="noStrike" u="none">
                 <a:solidFill>
                   <a:schemeClr val="accent1"/>
@@ -14245,7 +14245,7 @@
                 <a:tab algn="l" pos="0"/>
               </a:tabLst>
             </a:pPr>
-            <a:fld id="{0EBB506F-7591-42E1-AD64-C9C902C78577}" type="slidenum">
+            <a:fld id="{30D53312-1438-453B-A350-663F29662523}" type="slidenum">
               <a:rPr b="1" lang="en-GB" sz="850" strike="noStrike" u="none">
                 <a:solidFill>
                   <a:schemeClr val="accent1"/>
@@ -14546,7 +14546,7 @@
                 <a:tab algn="l" pos="0"/>
               </a:tabLst>
             </a:pPr>
-            <a:fld id="{EE67A70B-1F7A-4571-92B7-EA6D2EB86EF0}" type="slidenum">
+            <a:fld id="{E20809E3-99E8-49F6-BE4D-2C727CD67E52}" type="slidenum">
               <a:rPr b="1" lang="en-GB" sz="850" strike="noStrike" u="none">
                 <a:solidFill>
                   <a:schemeClr val="accent1"/>
@@ -14847,7 +14847,7 @@
                 <a:tab algn="l" pos="0"/>
               </a:tabLst>
             </a:pPr>
-            <a:fld id="{EF27649E-292A-411C-8F4A-E75A14225B6B}" type="slidenum">
+            <a:fld id="{5015BDBA-BCBD-4D90-81C0-A43AD55D998E}" type="slidenum">
               <a:rPr b="1" lang="en-GB" sz="850" strike="noStrike" u="none">
                 <a:solidFill>
                   <a:schemeClr val="accent1"/>
@@ -16107,7 +16107,7 @@
                 <a:tab algn="l" pos="0"/>
               </a:tabLst>
             </a:pPr>
-            <a:fld id="{1DCB9B19-BC04-44D4-BC2E-A4C57E4B1DA7}" type="slidenum">
+            <a:fld id="{95274355-DD2A-4A3F-A652-4EAF3C1B9593}" type="slidenum">
               <a:rPr b="1" lang="en-GB" sz="850" strike="noStrike" u="none">
                 <a:solidFill>
                   <a:schemeClr val="accent1"/>
@@ -16408,7 +16408,7 @@
                 <a:tab algn="l" pos="0"/>
               </a:tabLst>
             </a:pPr>
-            <a:fld id="{100ECD4B-021C-478F-9E85-460BF013E277}" type="slidenum">
+            <a:fld id="{3D9A64DD-204F-41B4-9B1A-41A94452BB24}" type="slidenum">
               <a:rPr b="1" lang="en-GB" sz="850" strike="noStrike" u="none">
                 <a:solidFill>
                   <a:schemeClr val="accent1"/>
@@ -16709,7 +16709,7 @@
                 <a:tab algn="l" pos="0"/>
               </a:tabLst>
             </a:pPr>
-            <a:fld id="{587F1EEE-1E42-4FF5-83CB-7420D82EFAEC}" type="slidenum">
+            <a:fld id="{6E6117A0-FF4E-41FB-A73B-3C3F3F6C8E62}" type="slidenum">
               <a:rPr b="1" lang="en-GB" sz="850" strike="noStrike" u="none">
                 <a:solidFill>
                   <a:schemeClr val="accent1"/>
@@ -17010,7 +17010,7 @@
                 <a:tab algn="l" pos="0"/>
               </a:tabLst>
             </a:pPr>
-            <a:fld id="{60B78B20-7B3B-4868-AD9E-E94451639418}" type="slidenum">
+            <a:fld id="{649F6B8D-2369-479D-99DA-75E524EB6CA9}" type="slidenum">
               <a:rPr b="1" lang="en-GB" sz="850" strike="noStrike" u="none">
                 <a:solidFill>
                   <a:schemeClr val="accent1"/>
@@ -17311,7 +17311,7 @@
                 <a:tab algn="l" pos="0"/>
               </a:tabLst>
             </a:pPr>
-            <a:fld id="{AF33DDF9-6676-4223-9BD1-10DFB84ABBCF}" type="slidenum">
+            <a:fld id="{2AECC9EB-2BDE-42AE-8A92-2FCC9E88F8CA}" type="slidenum">
               <a:rPr b="1" lang="en-GB" sz="850" strike="noStrike" u="none">
                 <a:solidFill>
                   <a:schemeClr val="accent1"/>
@@ -17612,7 +17612,7 @@
                 <a:tab algn="l" pos="0"/>
               </a:tabLst>
             </a:pPr>
-            <a:fld id="{2B459909-91A4-493E-8166-D586EAB8D786}" type="slidenum">
+            <a:fld id="{DA620E43-352B-48D1-BF63-E031CC162B1E}" type="slidenum">
               <a:rPr b="1" lang="en-GB" sz="850" strike="noStrike" u="none">
                 <a:solidFill>
                   <a:schemeClr val="accent1"/>
@@ -17913,7 +17913,7 @@
                 <a:tab algn="l" pos="0"/>
               </a:tabLst>
             </a:pPr>
-            <a:fld id="{616F1B6E-6CA1-43A8-BA3E-AFA4F7F87E7F}" type="slidenum">
+            <a:fld id="{4254333F-2E38-4A8F-B773-F80204CFB239}" type="slidenum">
               <a:rPr b="1" lang="en-GB" sz="850" strike="noStrike" u="none">
                 <a:solidFill>
                   <a:schemeClr val="accent1"/>
@@ -18214,7 +18214,7 @@
                 <a:tab algn="l" pos="0"/>
               </a:tabLst>
             </a:pPr>
-            <a:fld id="{FBB0BF3F-297A-4DB8-A44F-2E828BA4D3FB}" type="slidenum">
+            <a:fld id="{4D0577B9-6D7F-4EEA-AF10-7ACF3EF6D6BC}" type="slidenum">
               <a:rPr b="1" lang="en-GB" sz="850" strike="noStrike" u="none">
                 <a:solidFill>
                   <a:schemeClr val="accent1"/>
@@ -18515,7 +18515,7 @@
                 <a:tab algn="l" pos="0"/>
               </a:tabLst>
             </a:pPr>
-            <a:fld id="{15338854-B265-4A1F-809A-328CF13C1829}" type="slidenum">
+            <a:fld id="{39AAE02F-84B0-4A74-B649-892AF7CA79B9}" type="slidenum">
               <a:rPr b="1" lang="en-GB" sz="850" strike="noStrike" u="none">
                 <a:solidFill>
                   <a:schemeClr val="accent1"/>
@@ -24662,7 +24662,7 @@
                 <a:tab algn="l" pos="0"/>
               </a:tabLst>
             </a:pPr>
-            <a:fld id="{D9DA1EA7-F054-40FC-AAAC-2F36397DD9ED}" type="slidenum">
+            <a:fld id="{3C90659F-FF20-44D7-A091-BF2F86AAEB93}" type="slidenum">
               <a:rPr b="1" lang="en-GB" sz="850" strike="noStrike" u="none">
                 <a:solidFill>
                   <a:schemeClr val="accent1"/>
@@ -28799,7 +28799,7 @@
                 <a:tab algn="l" pos="0"/>
               </a:tabLst>
             </a:pPr>
-            <a:fld id="{CB23C69C-FE1A-4D54-AC54-B3312558B198}" type="slidenum">
+            <a:fld id="{8C4B760D-5B02-475D-9AF0-871E3C76DB5A}" type="slidenum">
               <a:rPr b="1" lang="en-GB" sz="850" strike="noStrike" u="none">
                 <a:solidFill>
                   <a:schemeClr val="accent1"/>
@@ -29100,7 +29100,7 @@
                 <a:tab algn="l" pos="0"/>
               </a:tabLst>
             </a:pPr>
-            <a:fld id="{42B769FA-D84A-4ABF-A18A-D8513667D4A2}" type="slidenum">
+            <a:fld id="{F75CA17A-E735-4390-A440-041AB1313317}" type="slidenum">
               <a:rPr b="1" lang="en-GB" sz="850" strike="noStrike" u="none">
                 <a:solidFill>
                   <a:schemeClr val="accent1"/>
@@ -29401,7 +29401,7 @@
                 <a:tab algn="l" pos="0"/>
               </a:tabLst>
             </a:pPr>
-            <a:fld id="{2BF690A3-BFBA-4C02-B57A-03F5DDEE4A11}" type="slidenum">
+            <a:fld id="{26B14012-866B-43BD-898C-8495792E786A}" type="slidenum">
               <a:rPr b="1" lang="en-GB" sz="850" strike="noStrike" u="none">
                 <a:solidFill>
                   <a:schemeClr val="accent1"/>
@@ -29702,7 +29702,7 @@
                 <a:tab algn="l" pos="0"/>
               </a:tabLst>
             </a:pPr>
-            <a:fld id="{2E8DE243-4639-4EC4-90AA-64EF0736AF28}" type="slidenum">
+            <a:fld id="{6DB5353C-8486-47B4-A008-111ED3ADA197}" type="slidenum">
               <a:rPr b="1" lang="en-GB" sz="850" strike="noStrike" u="none">
                 <a:solidFill>
                   <a:schemeClr val="accent1"/>
@@ -30003,7 +30003,7 @@
                 <a:tab algn="l" pos="0"/>
               </a:tabLst>
             </a:pPr>
-            <a:fld id="{BC274EB2-B7A4-4F52-AF65-AEF036075D3C}" type="slidenum">
+            <a:fld id="{399828D1-6E7B-41A9-8951-61F4752DD936}" type="slidenum">
               <a:rPr b="1" lang="en-GB" sz="850" strike="noStrike" u="none">
                 <a:solidFill>
                   <a:schemeClr val="accent1"/>
@@ -30304,7 +30304,7 @@
                 <a:tab algn="l" pos="0"/>
               </a:tabLst>
             </a:pPr>
-            <a:fld id="{92A80923-59A5-46EC-9C50-77BDEE07CF93}" type="slidenum">
+            <a:fld id="{188C26A9-528F-4FF3-AE2E-DC9B7787F9E7}" type="slidenum">
               <a:rPr b="1" lang="en-GB" sz="850" strike="noStrike" u="none">
                 <a:solidFill>
                   <a:schemeClr val="accent1"/>
@@ -30605,7 +30605,7 @@
                 <a:tab algn="l" pos="0"/>
               </a:tabLst>
             </a:pPr>
-            <a:fld id="{1951957D-B722-49A1-BEB1-5ECC237CFC0C}" type="slidenum">
+            <a:fld id="{A3C7D1C6-D92B-421A-9D63-D7F22D8C79E4}" type="slidenum">
               <a:rPr b="1" lang="en-GB" sz="850" strike="noStrike" u="none">
                 <a:solidFill>
                   <a:schemeClr val="accent1"/>
@@ -30906,7 +30906,7 @@
                 <a:tab algn="l" pos="0"/>
               </a:tabLst>
             </a:pPr>
-            <a:fld id="{9B44F8BE-3FBE-4758-AB80-81FAEFB61BEB}" type="slidenum">
+            <a:fld id="{05987C19-2632-4B5C-87D4-DDE2229170E8}" type="slidenum">
               <a:rPr b="1" lang="en-GB" sz="850" strike="noStrike" u="none">
                 <a:solidFill>
                   <a:schemeClr val="accent1"/>
@@ -31207,7 +31207,7 @@
                 <a:tab algn="l" pos="0"/>
               </a:tabLst>
             </a:pPr>
-            <a:fld id="{A34278F7-7945-44E5-9665-B707AA4E084C}" type="slidenum">
+            <a:fld id="{52FDE6A8-1598-4E27-A771-057213E360D3}" type="slidenum">
               <a:rPr b="1" lang="en-GB" sz="850" strike="noStrike" u="none">
                 <a:solidFill>
                   <a:schemeClr val="accent1"/>
@@ -31508,7 +31508,7 @@
                 <a:tab algn="l" pos="0"/>
               </a:tabLst>
             </a:pPr>
-            <a:fld id="{8428BBBB-4CA9-4B3C-992C-25FE990EDA47}" type="slidenum">
+            <a:fld id="{736894DC-F566-4138-B62D-9565B8436F5A}" type="slidenum">
               <a:rPr b="1" lang="en-GB" sz="850" strike="noStrike" u="none">
                 <a:solidFill>
                   <a:schemeClr val="accent1"/>
@@ -31864,7 +31864,7 @@
                 <a:tab algn="l" pos="0"/>
               </a:tabLst>
             </a:pPr>
-            <a:fld id="{6E13487E-4BE8-4AE1-9781-4F16893D7B95}" type="slidenum">
+            <a:fld id="{97B22239-F305-461F-832C-A0C0C1B6C65F}" type="slidenum">
               <a:rPr b="1" lang="en-GB" sz="850" strike="noStrike" u="none">
                 <a:solidFill>
                   <a:schemeClr val="lt1"/>
@@ -34663,7 +34663,7 @@
                 <a:tab algn="l" pos="0"/>
               </a:tabLst>
             </a:pPr>
-            <a:fld id="{3B542A23-9582-42A6-A56E-525FB2A50605}" type="slidenum">
+            <a:fld id="{375EB6C3-E66A-45FB-8D2E-B460DE743029}" type="slidenum">
               <a:rPr b="1" lang="en-GB" sz="850" strike="noStrike" u="none">
                 <a:solidFill>
                   <a:schemeClr val="accent1"/>
@@ -34964,7 +34964,7 @@
                 <a:tab algn="l" pos="0"/>
               </a:tabLst>
             </a:pPr>
-            <a:fld id="{13F5BEF4-59E6-45CA-BD05-D6579FBA22E0}" type="slidenum">
+            <a:fld id="{ED7D1F83-ADF7-4A58-BE37-DABF55BEA69F}" type="slidenum">
               <a:rPr b="1" lang="en-GB" sz="850" strike="noStrike" u="none">
                 <a:solidFill>
                   <a:schemeClr val="accent1"/>
@@ -35265,7 +35265,7 @@
                 <a:tab algn="l" pos="0"/>
               </a:tabLst>
             </a:pPr>
-            <a:fld id="{342B472D-D07F-4CAF-9215-3238B179C3E3}" type="slidenum">
+            <a:fld id="{317D8F84-E8BB-4982-95C6-1243FF1A65BE}" type="slidenum">
               <a:rPr b="1" lang="en-GB" sz="850" strike="noStrike" u="none">
                 <a:solidFill>
                   <a:schemeClr val="accent1"/>
@@ -37796,7 +37796,7 @@
         </p:blipFill>
         <p:spPr>
           <a:xfrm>
-            <a:off x="4254840" y="2851560"/>
+            <a:off x="4254840" y="3026160"/>
             <a:ext cx="745560" cy="270000"/>
           </a:xfrm>
           <a:prstGeom prst="rect">
@@ -37971,7 +37971,7 @@
         <p:spPr>
           <a:xfrm>
             <a:off x="684000" y="2700000"/>
-            <a:ext cx="6707880" cy="1078560"/>
+            <a:ext cx="6707880" cy="3782160"/>
           </a:xfrm>
           <a:prstGeom prst="rect">
             <a:avLst/>
@@ -38061,6 +38061,23 @@
                 <a:tab algn="l" pos="0"/>
               </a:tabLst>
             </a:pPr>
+            <a:endParaRPr b="0" lang="en-GB" sz="1200" strike="noStrike" u="none">
+              <a:solidFill>
+                <a:srgbClr val="000000"/>
+              </a:solidFill>
+              <a:uFillTx/>
+              <a:latin typeface="Arial"/>
+            </a:endParaRPr>
+          </a:p>
+          <a:p>
+            <a:pPr defTabSz="685800">
+              <a:lnSpc>
+                <a:spcPct val="105000"/>
+              </a:lnSpc>
+              <a:tabLst>
+                <a:tab algn="l" pos="0"/>
+              </a:tabLst>
+            </a:pPr>
             <a:r>
               <a:rPr b="0" lang="en-US" sz="1200" strike="noStrike" u="none">
                 <a:solidFill>
@@ -38100,6 +38117,23 @@
                 <a:tab algn="l" pos="0"/>
               </a:tabLst>
             </a:pPr>
+            <a:endParaRPr b="0" lang="en-GB" sz="1200" strike="noStrike" u="none">
+              <a:solidFill>
+                <a:srgbClr val="000000"/>
+              </a:solidFill>
+              <a:uFillTx/>
+              <a:latin typeface="Arial"/>
+            </a:endParaRPr>
+          </a:p>
+          <a:p>
+            <a:pPr defTabSz="685800">
+              <a:lnSpc>
+                <a:spcPct val="105000"/>
+              </a:lnSpc>
+              <a:tabLst>
+                <a:tab algn="l" pos="0"/>
+              </a:tabLst>
+            </a:pPr>
             <a:r>
               <a:rPr b="0" lang="en-US" sz="1200" strike="noStrike" u="none">
                 <a:solidFill>
@@ -38122,6 +38156,23 @@
               </a:rPr>
               <a:t>- To convert this to a Green’s function problem, we set</a:t>
             </a:r>
+            <a:endParaRPr b="0" lang="en-GB" sz="1200" strike="noStrike" u="none">
+              <a:solidFill>
+                <a:srgbClr val="000000"/>
+              </a:solidFill>
+              <a:uFillTx/>
+              <a:latin typeface="Arial"/>
+            </a:endParaRPr>
+          </a:p>
+          <a:p>
+            <a:pPr defTabSz="685800">
+              <a:lnSpc>
+                <a:spcPct val="105000"/>
+              </a:lnSpc>
+              <a:tabLst>
+                <a:tab algn="l" pos="0"/>
+              </a:tabLst>
+            </a:pPr>
             <a:endParaRPr b="0" lang="en-GB" sz="1200" strike="noStrike" u="none">
               <a:solidFill>
                 <a:srgbClr val="000000"/>
@@ -38189,6 +38240,34 @@
               </a:rPr>
               <a:t> </a:t>
             </a:r>
+            <a:endParaRPr b="0" lang="en-GB" sz="1200" strike="noStrike" u="none">
+              <a:solidFill>
+                <a:srgbClr val="000000"/>
+              </a:solidFill>
+              <a:uFillTx/>
+              <a:latin typeface="Arial"/>
+            </a:endParaRPr>
+          </a:p>
+          <a:p>
+            <a:pPr defTabSz="685800">
+              <a:lnSpc>
+                <a:spcPct val="105000"/>
+              </a:lnSpc>
+              <a:tabLst>
+                <a:tab algn="l" pos="0"/>
+              </a:tabLst>
+            </a:pPr>
+            <a:r>
+              <a:rPr b="0" lang="en-US" sz="1200" strike="noStrike" u="none">
+                <a:solidFill>
+                  <a:schemeClr val="accent1"/>
+                </a:solidFill>
+                <a:uFillTx/>
+                <a:latin typeface="Imperial Sans Text Medium"/>
+                <a:ea typeface="Inter Medium"/>
+              </a:rPr>
+              <a:t> </a:t>
+            </a:r>
             <a:r>
               <a:rPr b="0" lang="en-US" sz="1200" strike="noStrike" u="none">
                 <a:solidFill>
@@ -38250,6 +38329,23 @@
                 <a:tab algn="l" pos="0"/>
               </a:tabLst>
             </a:pPr>
+            <a:endParaRPr b="0" lang="en-GB" sz="1200" strike="noStrike" u="none">
+              <a:solidFill>
+                <a:srgbClr val="000000"/>
+              </a:solidFill>
+              <a:uFillTx/>
+              <a:latin typeface="Arial"/>
+            </a:endParaRPr>
+          </a:p>
+          <a:p>
+            <a:pPr defTabSz="685800">
+              <a:lnSpc>
+                <a:spcPct val="105000"/>
+              </a:lnSpc>
+              <a:tabLst>
+                <a:tab algn="l" pos="0"/>
+              </a:tabLst>
+            </a:pPr>
             <a:r>
               <a:rPr b="0" lang="en-US" sz="1200" strike="noStrike" u="none">
                 <a:solidFill>
@@ -38272,6 +38368,23 @@
               </a:rPr>
               <a:t>- We also know the jump discontinuity is 1, and that the function must be continuous at y</a:t>
             </a:r>
+            <a:endParaRPr b="0" lang="en-GB" sz="1200" strike="noStrike" u="none">
+              <a:solidFill>
+                <a:srgbClr val="000000"/>
+              </a:solidFill>
+              <a:uFillTx/>
+              <a:latin typeface="Arial"/>
+            </a:endParaRPr>
+          </a:p>
+          <a:p>
+            <a:pPr defTabSz="685800">
+              <a:lnSpc>
+                <a:spcPct val="105000"/>
+              </a:lnSpc>
+              <a:tabLst>
+                <a:tab algn="l" pos="0"/>
+              </a:tabLst>
+            </a:pPr>
             <a:endParaRPr b="0" lang="en-GB" sz="1200" strike="noStrike" u="none">
               <a:solidFill>
                 <a:srgbClr val="000000"/>
@@ -38457,7 +38570,7 @@
         </p:blipFill>
         <p:spPr>
           <a:xfrm>
-            <a:off x="4393080" y="3086640"/>
+            <a:off x="4445640" y="3467520"/>
             <a:ext cx="1161720" cy="222120"/>
           </a:xfrm>
           <a:prstGeom prst="rect">
@@ -38481,7 +38594,7 @@
         </p:blipFill>
         <p:spPr>
           <a:xfrm>
-            <a:off x="6367320" y="3280320"/>
+            <a:off x="6361920" y="3846600"/>
             <a:ext cx="1556640" cy="218520"/>
           </a:xfrm>
           <a:prstGeom prst="rect">
@@ -38505,7 +38618,7 @@
         </p:blipFill>
         <p:spPr>
           <a:xfrm>
-            <a:off x="822600" y="4301640"/>
+            <a:off x="790920" y="5681520"/>
             <a:ext cx="2940840" cy="711360"/>
           </a:xfrm>
           <a:prstGeom prst="rect">

--- a/M2R_presentation.pptx
+++ b/M2R_presentation.pptx
@@ -153,7 +153,7 @@
         <p:txBody>
           <a:bodyPr/>
           <a:p>
-            <a:fld id="{885C7E0D-7BE0-489F-98AA-B34C4BB0EAD2}" type="slidenum">
+            <a:fld id="{2E19300D-C423-40AC-89DE-1F5E3C537FEF}" type="slidenum">
               <a:t>&lt;#&gt;</a:t>
             </a:fld>
           </a:p>
@@ -236,7 +236,7 @@
         <p:txBody>
           <a:bodyPr/>
           <a:p>
-            <a:fld id="{FD096149-F047-4049-95DD-B4F3E336CD67}" type="slidenum">
+            <a:fld id="{6DA00A81-3464-4EAB-AE83-5FAA5F315FA5}" type="slidenum">
               <a:t>&lt;#&gt;</a:t>
             </a:fld>
           </a:p>
@@ -341,7 +341,7 @@
         <p:txBody>
           <a:bodyPr/>
           <a:p>
-            <a:fld id="{49D21FEC-555D-4E98-B879-60321BE3D03E}" type="slidenum">
+            <a:fld id="{72C3C1C6-808D-4E0A-AEEC-4E1AB5DDEE8B}" type="slidenum">
               <a:t>&lt;#&gt;</a:t>
             </a:fld>
           </a:p>
@@ -424,7 +424,7 @@
         <p:txBody>
           <a:bodyPr/>
           <a:p>
-            <a:fld id="{9A30E294-B0CB-40FE-82BA-0C3F64F106B2}" type="slidenum">
+            <a:fld id="{5D27D0CD-DD90-4AAA-A315-2EDCFD58E94C}" type="slidenum">
               <a:t>&lt;#&gt;</a:t>
             </a:fld>
           </a:p>
@@ -507,7 +507,7 @@
         <p:txBody>
           <a:bodyPr/>
           <a:p>
-            <a:fld id="{928A159A-A088-419A-A294-0A8340D4021C}" type="slidenum">
+            <a:fld id="{15F6683C-ED9D-494F-8528-3AC80A0E15F8}" type="slidenum">
               <a:t>&lt;#&gt;</a:t>
             </a:fld>
           </a:p>
@@ -590,7 +590,7 @@
         <p:txBody>
           <a:bodyPr/>
           <a:p>
-            <a:fld id="{60C5D14A-3F97-49C1-B156-2272CE8D27F2}" type="slidenum">
+            <a:fld id="{3C4B9D83-FE8E-44F1-863C-01FCAF4F843A}" type="slidenum">
               <a:t>&lt;#&gt;</a:t>
             </a:fld>
           </a:p>
@@ -673,7 +673,7 @@
         <p:txBody>
           <a:bodyPr/>
           <a:p>
-            <a:fld id="{1985DDCF-4805-4172-B520-ABA58F5902AB}" type="slidenum">
+            <a:fld id="{AEDBF371-E069-4634-9674-0026273EDC9B}" type="slidenum">
               <a:t>&lt;#&gt;</a:t>
             </a:fld>
           </a:p>
@@ -756,7 +756,7 @@
         <p:txBody>
           <a:bodyPr/>
           <a:p>
-            <a:fld id="{9589E9EC-39EA-4113-9F04-84252D2520B1}" type="slidenum">
+            <a:fld id="{6441BD38-1FB5-4F9F-B576-2A3B75F575F8}" type="slidenum">
               <a:t>&lt;#&gt;</a:t>
             </a:fld>
           </a:p>
@@ -839,7 +839,7 @@
         <p:txBody>
           <a:bodyPr/>
           <a:p>
-            <a:fld id="{EC9D7F19-F05F-4A62-84B7-D39A2E1E5A06}" type="slidenum">
+            <a:fld id="{1E02C4E0-51D6-4ADC-B916-0F88A0944333}" type="slidenum">
               <a:t>&lt;#&gt;</a:t>
             </a:fld>
           </a:p>
@@ -922,7 +922,7 @@
         <p:txBody>
           <a:bodyPr/>
           <a:p>
-            <a:fld id="{A2420554-8677-4E1E-8409-E17584BB1952}" type="slidenum">
+            <a:fld id="{64153A39-DD7E-4CB4-A5AC-39E1680EBEFF}" type="slidenum">
               <a:t>&lt;#&gt;</a:t>
             </a:fld>
           </a:p>
@@ -1005,7 +1005,7 @@
         <p:txBody>
           <a:bodyPr/>
           <a:p>
-            <a:fld id="{409C72BA-7F84-430B-BB70-FCD2A4B6C681}" type="slidenum">
+            <a:fld id="{A1E4AFE3-B726-4167-841B-1D5ED8CED420}" type="slidenum">
               <a:t>&lt;#&gt;</a:t>
             </a:fld>
           </a:p>
@@ -1088,7 +1088,7 @@
         <p:txBody>
           <a:bodyPr/>
           <a:p>
-            <a:fld id="{429F4A77-701C-4209-B158-E55FCD7377DA}" type="slidenum">
+            <a:fld id="{1E2A8D67-1A04-43C3-B30B-C98B242D3D9B}" type="slidenum">
               <a:t>&lt;#&gt;</a:t>
             </a:fld>
           </a:p>
@@ -1171,7 +1171,7 @@
         <p:txBody>
           <a:bodyPr/>
           <a:p>
-            <a:fld id="{9E96C608-0818-446A-B01F-5D1A2DA49FDF}" type="slidenum">
+            <a:fld id="{74531EB7-E541-4CE1-A03B-7705CD71801A}" type="slidenum">
               <a:t>&lt;#&gt;</a:t>
             </a:fld>
           </a:p>
@@ -1276,7 +1276,7 @@
         <p:txBody>
           <a:bodyPr/>
           <a:p>
-            <a:fld id="{66F64B84-080D-41B4-A523-21DCB04907D1}" type="slidenum">
+            <a:fld id="{320201FE-DAEA-4206-B3F8-E6BC122638C7}" type="slidenum">
               <a:t>&lt;#&gt;</a:t>
             </a:fld>
           </a:p>
@@ -1359,7 +1359,7 @@
         <p:txBody>
           <a:bodyPr/>
           <a:p>
-            <a:fld id="{841D60F4-1E7E-4869-9D68-D9A57ECA45BA}" type="slidenum">
+            <a:fld id="{E9451AFF-746E-444E-9FAF-8312FA5BE870}" type="slidenum">
               <a:t>&lt;#&gt;</a:t>
             </a:fld>
           </a:p>
@@ -1442,7 +1442,7 @@
         <p:txBody>
           <a:bodyPr/>
           <a:p>
-            <a:fld id="{64B79B90-C77E-4780-BEFF-BBCE63DD49E4}" type="slidenum">
+            <a:fld id="{0ABC782C-4739-4F4C-B45E-BF7DA1A5E347}" type="slidenum">
               <a:t>&lt;#&gt;</a:t>
             </a:fld>
           </a:p>
@@ -1525,7 +1525,7 @@
         <p:txBody>
           <a:bodyPr/>
           <a:p>
-            <a:fld id="{BCE908AB-B4AB-4AFF-BF6B-60E3AA43CE6B}" type="slidenum">
+            <a:fld id="{FD8FB208-1C3C-4492-94BD-AD366D00A123}" type="slidenum">
               <a:t>&lt;#&gt;</a:t>
             </a:fld>
           </a:p>
@@ -1608,7 +1608,7 @@
         <p:txBody>
           <a:bodyPr/>
           <a:p>
-            <a:fld id="{23FA8F53-0868-42F6-93E2-F2F8286D659F}" type="slidenum">
+            <a:fld id="{51D49B74-D083-4EE9-8CA8-25721A263C43}" type="slidenum">
               <a:t>&lt;#&gt;</a:t>
             </a:fld>
           </a:p>
@@ -1691,7 +1691,7 @@
         <p:txBody>
           <a:bodyPr/>
           <a:p>
-            <a:fld id="{E1DB3FA0-2C93-417F-B5DB-F4C85F3D0B57}" type="slidenum">
+            <a:fld id="{6755C589-12D5-45AE-9918-EE23667F1954}" type="slidenum">
               <a:t>&lt;#&gt;</a:t>
             </a:fld>
           </a:p>
@@ -1774,7 +1774,7 @@
         <p:txBody>
           <a:bodyPr/>
           <a:p>
-            <a:fld id="{4C4B61F2-AE6C-41AD-A023-E60098EF25D8}" type="slidenum">
+            <a:fld id="{D77DED22-348B-44A0-B052-F39CE227271A}" type="slidenum">
               <a:t>&lt;#&gt;</a:t>
             </a:fld>
           </a:p>
@@ -1857,7 +1857,7 @@
         <p:txBody>
           <a:bodyPr/>
           <a:p>
-            <a:fld id="{C5E82138-F722-4ACD-8AA8-C9C6E246AB91}" type="slidenum">
+            <a:fld id="{820E1653-20D3-47F1-BCFE-9CDDAB07D9FD}" type="slidenum">
               <a:t>&lt;#&gt;</a:t>
             </a:fld>
           </a:p>
@@ -1940,7 +1940,7 @@
         <p:txBody>
           <a:bodyPr/>
           <a:p>
-            <a:fld id="{2E53D114-FBC5-46FD-BE3A-768020E993CC}" type="slidenum">
+            <a:fld id="{79E9D6B4-FB9F-4A7D-BC49-ACF6F6AA5906}" type="slidenum">
               <a:t>&lt;#&gt;</a:t>
             </a:fld>
           </a:p>
@@ -2023,7 +2023,7 @@
         <p:txBody>
           <a:bodyPr/>
           <a:p>
-            <a:fld id="{84BC0300-BD19-468A-9616-E42EC1D1FCF3}" type="slidenum">
+            <a:fld id="{7738E507-702A-4436-B3C8-F0013392AF3C}" type="slidenum">
               <a:t>&lt;#&gt;</a:t>
             </a:fld>
           </a:p>
@@ -2106,7 +2106,7 @@
         <p:txBody>
           <a:bodyPr/>
           <a:p>
-            <a:fld id="{F5B48108-8BFE-4E79-B0D6-7E7F1752BCB1}" type="slidenum">
+            <a:fld id="{3CE37BB4-73C0-447C-BC97-443F40E3F8DC}" type="slidenum">
               <a:t>&lt;#&gt;</a:t>
             </a:fld>
           </a:p>
@@ -2211,7 +2211,7 @@
         <p:txBody>
           <a:bodyPr/>
           <a:p>
-            <a:fld id="{3E88D950-5711-45FE-AD8E-5E63E8F931D6}" type="slidenum">
+            <a:fld id="{1C5F7FD2-191D-4C3D-84CC-4119BE2C8CB2}" type="slidenum">
               <a:t>&lt;#&gt;</a:t>
             </a:fld>
           </a:p>
@@ -2294,7 +2294,7 @@
         <p:txBody>
           <a:bodyPr/>
           <a:p>
-            <a:fld id="{CD1DA935-EE78-4ECF-8ED0-C4B37542E5EA}" type="slidenum">
+            <a:fld id="{CFE8E3CF-12E2-4D57-AAEF-083ACE8D3BB7}" type="slidenum">
               <a:t>&lt;#&gt;</a:t>
             </a:fld>
           </a:p>
@@ -2377,7 +2377,7 @@
         <p:txBody>
           <a:bodyPr/>
           <a:p>
-            <a:fld id="{C7B3F08B-8459-490D-A09D-7CD1F5043F68}" type="slidenum">
+            <a:fld id="{7EFAC573-79F0-4F4A-B331-E3BE1066F197}" type="slidenum">
               <a:t>&lt;#&gt;</a:t>
             </a:fld>
           </a:p>
@@ -2460,7 +2460,7 @@
         <p:txBody>
           <a:bodyPr/>
           <a:p>
-            <a:fld id="{ACAEAE2E-B685-4A5D-A3E7-8577C19E5A84}" type="slidenum">
+            <a:fld id="{A737A289-9461-4BF8-A89C-1CC0E3134E6F}" type="slidenum">
               <a:t>&lt;#&gt;</a:t>
             </a:fld>
           </a:p>
@@ -2543,7 +2543,7 @@
         <p:txBody>
           <a:bodyPr/>
           <a:p>
-            <a:fld id="{58BA216A-0AD3-4683-8BDF-ED4F33710E4B}" type="slidenum">
+            <a:fld id="{A900256E-D9BE-4B9A-B349-839E1BAD8E9B}" type="slidenum">
               <a:t>&lt;#&gt;</a:t>
             </a:fld>
           </a:p>
@@ -2626,7 +2626,7 @@
         <p:txBody>
           <a:bodyPr/>
           <a:p>
-            <a:fld id="{F8EBC350-E3BF-4125-AEA9-16F6C7F35F0D}" type="slidenum">
+            <a:fld id="{10797DDB-F560-4A07-A848-26FE6F0F5B02}" type="slidenum">
               <a:t>&lt;#&gt;</a:t>
             </a:fld>
           </a:p>
@@ -2709,7 +2709,7 @@
         <p:txBody>
           <a:bodyPr/>
           <a:p>
-            <a:fld id="{B8F40B09-6C0C-4064-B4C3-1C2322685B63}" type="slidenum">
+            <a:fld id="{259F0E7E-AEDB-4F88-BE1C-F21116D9AA61}" type="slidenum">
               <a:t>&lt;#&gt;</a:t>
             </a:fld>
           </a:p>
@@ -2792,7 +2792,7 @@
         <p:txBody>
           <a:bodyPr/>
           <a:p>
-            <a:fld id="{F998FD4F-0F0F-4A48-A78B-D67DE6F94E55}" type="slidenum">
+            <a:fld id="{F66396DF-0488-4E76-A543-6B07CFBD79BF}" type="slidenum">
               <a:t>&lt;#&gt;</a:t>
             </a:fld>
           </a:p>
@@ -2875,7 +2875,7 @@
         <p:txBody>
           <a:bodyPr/>
           <a:p>
-            <a:fld id="{C21253B4-AD1B-43F7-9636-663F41F704C4}" type="slidenum">
+            <a:fld id="{E5C3DECC-328C-4667-AAE0-64CF3992BACC}" type="slidenum">
               <a:t>&lt;#&gt;</a:t>
             </a:fld>
           </a:p>
@@ -3112,7 +3112,7 @@
         <p:txBody>
           <a:bodyPr/>
           <a:p>
-            <a:fld id="{1E1305F1-6576-4EF2-A641-1DCD4C3E441A}" type="slidenum">
+            <a:fld id="{970453F8-1401-4C86-B3F4-72AB85ADDACA}" type="slidenum">
               <a:t>&lt;#&gt;</a:t>
             </a:fld>
           </a:p>
@@ -3283,7 +3283,7 @@
         <p:txBody>
           <a:bodyPr/>
           <a:p>
-            <a:fld id="{FED06C92-1B8E-461F-AEBB-2CD30A2D8CA8}" type="slidenum">
+            <a:fld id="{9011EE7A-FFEB-460C-813E-E492714EC603}" type="slidenum">
               <a:t>&lt;#&gt;</a:t>
             </a:fld>
           </a:p>
@@ -3366,7 +3366,7 @@
         <p:txBody>
           <a:bodyPr/>
           <a:p>
-            <a:fld id="{AAAC77E2-BD10-4397-BBA8-0992B8B52D95}" type="slidenum">
+            <a:fld id="{723D5F44-E626-4925-9C94-A475AAA0A6F4}" type="slidenum">
               <a:t>&lt;#&gt;</a:t>
             </a:fld>
           </a:p>
@@ -3449,7 +3449,7 @@
         <p:txBody>
           <a:bodyPr/>
           <a:p>
-            <a:fld id="{BA170042-FE13-463D-967B-22F871A59256}" type="slidenum">
+            <a:fld id="{B7FBDB83-5BFB-4705-A844-538A76309D95}" type="slidenum">
               <a:t>&lt;#&gt;</a:t>
             </a:fld>
           </a:p>
@@ -3532,7 +3532,7 @@
         <p:txBody>
           <a:bodyPr/>
           <a:p>
-            <a:fld id="{95793F28-5A07-439E-A6EE-F83C07790822}" type="slidenum">
+            <a:fld id="{63B7A5BB-4359-43CA-84D6-B3A81556F90C}" type="slidenum">
               <a:t>&lt;#&gt;</a:t>
             </a:fld>
           </a:p>
@@ -3615,7 +3615,7 @@
         <p:txBody>
           <a:bodyPr/>
           <a:p>
-            <a:fld id="{21132C84-8B74-4085-9554-C7FA44862303}" type="slidenum">
+            <a:fld id="{E459365B-FFCF-42EB-A1FB-3DFEA1534C94}" type="slidenum">
               <a:t>&lt;#&gt;</a:t>
             </a:fld>
           </a:p>
@@ -3698,7 +3698,7 @@
         <p:txBody>
           <a:bodyPr/>
           <a:p>
-            <a:fld id="{9DCAD386-EF52-4617-8E46-8677DF3C7D60}" type="slidenum">
+            <a:fld id="{C38E87C6-A551-44CC-886B-C101EA4F73BD}" type="slidenum">
               <a:t>&lt;#&gt;</a:t>
             </a:fld>
           </a:p>
@@ -3781,7 +3781,7 @@
         <p:txBody>
           <a:bodyPr/>
           <a:p>
-            <a:fld id="{061F94B8-82D2-4E0F-A9BE-7551FD251149}" type="slidenum">
+            <a:fld id="{CEDA7C4B-7623-429C-8C83-EAD84FB6591E}" type="slidenum">
               <a:t>&lt;#&gt;</a:t>
             </a:fld>
           </a:p>
@@ -3864,7 +3864,7 @@
         <p:txBody>
           <a:bodyPr/>
           <a:p>
-            <a:fld id="{97103A6D-30DA-4101-A3B4-0BE29D40556E}" type="slidenum">
+            <a:fld id="{5F1A9EB8-2420-40B2-907F-C275459D2BE8}" type="slidenum">
               <a:t>&lt;#&gt;</a:t>
             </a:fld>
           </a:p>
@@ -3947,7 +3947,7 @@
         <p:txBody>
           <a:bodyPr/>
           <a:p>
-            <a:fld id="{519BABCE-E077-496A-9D20-BBCDB6D36A57}" type="slidenum">
+            <a:fld id="{8056AEA7-DB84-4750-98D8-9C7311EA5A53}" type="slidenum">
               <a:t>&lt;#&gt;</a:t>
             </a:fld>
           </a:p>
@@ -4030,7 +4030,7 @@
         <p:txBody>
           <a:bodyPr/>
           <a:p>
-            <a:fld id="{1C1E92EC-5D4A-4245-AF14-9DA761ED1E24}" type="slidenum">
+            <a:fld id="{4C327640-0A4B-4DD8-A54A-EC95F4D4A048}" type="slidenum">
               <a:t>&lt;#&gt;</a:t>
             </a:fld>
           </a:p>
@@ -4113,7 +4113,7 @@
         <p:txBody>
           <a:bodyPr/>
           <a:p>
-            <a:fld id="{1965EA46-9F9E-4F7A-AB11-FA44BCE0A59E}" type="slidenum">
+            <a:fld id="{0970EB35-4B4B-4198-9713-120F8C51420C}" type="slidenum">
               <a:t>&lt;#&gt;</a:t>
             </a:fld>
           </a:p>
@@ -4240,7 +4240,7 @@
         <p:txBody>
           <a:bodyPr/>
           <a:p>
-            <a:fld id="{A256C1F6-ADA3-4980-9019-A14D6C5C521A}" type="slidenum">
+            <a:fld id="{79E1D361-5E24-443C-9954-DDFC8FCD1C5E}" type="slidenum">
               <a:t>&lt;#&gt;</a:t>
             </a:fld>
           </a:p>
@@ -4323,7 +4323,7 @@
         <p:txBody>
           <a:bodyPr/>
           <a:p>
-            <a:fld id="{488F50C6-618E-4B51-BC4E-A132EE70B680}" type="slidenum">
+            <a:fld id="{A6CAA4D3-FBCB-4DBE-8CBD-1DB3C357031B}" type="slidenum">
               <a:t>&lt;#&gt;</a:t>
             </a:fld>
           </a:p>
@@ -4406,7 +4406,7 @@
         <p:txBody>
           <a:bodyPr/>
           <a:p>
-            <a:fld id="{33137F86-4A3F-41FE-9278-780348C0D70C}" type="slidenum">
+            <a:fld id="{6972D348-9F43-466E-A8A1-E96187CBEA56}" type="slidenum">
               <a:t>&lt;#&gt;</a:t>
             </a:fld>
           </a:p>
@@ -5896,7 +5896,7 @@
                 <a:tab algn="l" pos="0"/>
               </a:tabLst>
             </a:pPr>
-            <a:fld id="{E0EBFE90-C31B-411E-AB14-1988C8E613F3}" type="slidenum">
+            <a:fld id="{F66A1AE2-B276-4A84-9FFD-288625774228}" type="slidenum">
               <a:rPr b="1" lang="en-GB" sz="850" strike="noStrike" u="none">
                 <a:solidFill>
                   <a:schemeClr val="accent1"/>
@@ -6197,7 +6197,7 @@
                 <a:tab algn="l" pos="0"/>
               </a:tabLst>
             </a:pPr>
-            <a:fld id="{49C6A626-B8B7-4529-88C8-5CD0874043A1}" type="slidenum">
+            <a:fld id="{776D829D-02E9-4FF3-9D12-87724EF93964}" type="slidenum">
               <a:rPr b="1" lang="en-GB" sz="850" strike="noStrike" u="none">
                 <a:solidFill>
                   <a:schemeClr val="accent1"/>
@@ -7457,7 +7457,7 @@
                 <a:tab algn="l" pos="0"/>
               </a:tabLst>
             </a:pPr>
-            <a:fld id="{140E9092-28EC-49AC-81E7-3AF791E657D9}" type="slidenum">
+            <a:fld id="{70A029C3-C35C-44F6-A1B1-130BA91A9AD4}" type="slidenum">
               <a:rPr b="1" lang="en-GB" sz="850" strike="noStrike" u="none">
                 <a:solidFill>
                   <a:schemeClr val="accent1"/>
@@ -7758,7 +7758,7 @@
                 <a:tab algn="l" pos="0"/>
               </a:tabLst>
             </a:pPr>
-            <a:fld id="{C36B9DD7-71C1-4726-9765-31DE436402EB}" type="slidenum">
+            <a:fld id="{737D2D8E-FBC6-40EE-8730-1D4808C98180}" type="slidenum">
               <a:rPr b="1" lang="en-GB" sz="850" strike="noStrike" u="none">
                 <a:solidFill>
                   <a:schemeClr val="accent1"/>
@@ -8059,7 +8059,7 @@
                 <a:tab algn="l" pos="0"/>
               </a:tabLst>
             </a:pPr>
-            <a:fld id="{1FD96505-76EC-4DC6-8C21-3BC56128C77F}" type="slidenum">
+            <a:fld id="{ECC6F61F-CD54-4E8B-89C4-DDFBA7DE1911}" type="slidenum">
               <a:rPr b="1" lang="en-GB" sz="850" strike="noStrike" u="none">
                 <a:solidFill>
                   <a:schemeClr val="accent1"/>
@@ -8360,7 +8360,7 @@
                 <a:tab algn="l" pos="0"/>
               </a:tabLst>
             </a:pPr>
-            <a:fld id="{61504ADB-D565-48C3-A2CD-22B964F90C16}" type="slidenum">
+            <a:fld id="{24929139-34D6-49A3-BC8D-4E1F566B6CF1}" type="slidenum">
               <a:rPr b="1" lang="en-GB" sz="850" strike="noStrike" u="none">
                 <a:solidFill>
                   <a:schemeClr val="accent1"/>
@@ -8661,7 +8661,7 @@
                 <a:tab algn="l" pos="0"/>
               </a:tabLst>
             </a:pPr>
-            <a:fld id="{BE935054-0D81-4F19-BEB8-7A80616E6CF7}" type="slidenum">
+            <a:fld id="{6685164C-0433-4C65-BF47-3DAD3185C648}" type="slidenum">
               <a:rPr b="1" lang="en-GB" sz="850" strike="noStrike" u="none">
                 <a:solidFill>
                   <a:schemeClr val="accent1"/>
@@ -9017,7 +9017,7 @@
                 <a:tab algn="l" pos="0"/>
               </a:tabLst>
             </a:pPr>
-            <a:fld id="{0AA48F52-97B1-46AE-A761-27CD1FCF5D49}" type="slidenum">
+            <a:fld id="{5B8B9650-8C29-4CF1-9581-4E87171B309C}" type="slidenum">
               <a:rPr b="1" lang="en-GB" sz="850" strike="noStrike" u="none">
                 <a:solidFill>
                   <a:schemeClr val="lt1"/>
@@ -9318,7 +9318,7 @@
                 <a:tab algn="l" pos="0"/>
               </a:tabLst>
             </a:pPr>
-            <a:fld id="{ED32148C-19F0-4E8B-856E-8ABA293971A2}" type="slidenum">
+            <a:fld id="{0BCBACE2-5491-40DA-A620-AB7B063D83F1}" type="slidenum">
               <a:rPr b="1" lang="en-GB" sz="850" strike="noStrike" u="none">
                 <a:solidFill>
                   <a:schemeClr val="accent1"/>
@@ -9619,7 +9619,7 @@
                 <a:tab algn="l" pos="0"/>
               </a:tabLst>
             </a:pPr>
-            <a:fld id="{DD8FB0C6-C61C-428F-B312-6737FCE3ADDD}" type="slidenum">
+            <a:fld id="{203E2860-D0D6-4BA8-B128-F10D5036643F}" type="slidenum">
               <a:rPr b="1" lang="en-GB" sz="850" strike="noStrike" u="none">
                 <a:solidFill>
                   <a:schemeClr val="accent1"/>
@@ -9920,7 +9920,7 @@
                 <a:tab algn="l" pos="0"/>
               </a:tabLst>
             </a:pPr>
-            <a:fld id="{38AD8DF8-6BDE-45BE-BF76-B7343E287D67}" type="slidenum">
+            <a:fld id="{457B38CA-3875-44E9-AC01-F277B0BCA4CC}" type="slidenum">
               <a:rPr b="1" lang="en-GB" sz="850" strike="noStrike" u="none">
                 <a:solidFill>
                   <a:schemeClr val="accent1"/>
@@ -10221,7 +10221,7 @@
                 <a:tab algn="l" pos="0"/>
               </a:tabLst>
             </a:pPr>
-            <a:fld id="{48415C98-CC9F-4664-8C5D-E3A667E77D75}" type="slidenum">
+            <a:fld id="{B1E83BD1-49AA-41C9-8FD2-73C16DAB0C84}" type="slidenum">
               <a:rPr b="1" lang="en-GB" sz="850" strike="noStrike" u="none">
                 <a:solidFill>
                   <a:schemeClr val="accent1"/>
@@ -10577,7 +10577,7 @@
                 <a:tab algn="l" pos="0"/>
               </a:tabLst>
             </a:pPr>
-            <a:fld id="{FBFD8B7B-969D-4249-85FE-C11DA70FD4F2}" type="slidenum">
+            <a:fld id="{4BC75949-A51F-43BB-89AE-70CEAC68C03E}" type="slidenum">
               <a:rPr b="1" lang="en-GB" sz="850" strike="noStrike" u="none">
                 <a:solidFill>
                   <a:schemeClr val="lt1"/>
@@ -11837,7 +11837,7 @@
                 <a:tab algn="l" pos="0"/>
               </a:tabLst>
             </a:pPr>
-            <a:fld id="{88C15F8E-D563-4109-A5BF-DA81A2A123BA}" type="slidenum">
+            <a:fld id="{344889D3-DA31-41D7-A3AE-0BA5A8365087}" type="slidenum">
               <a:rPr b="1" lang="en-GB" sz="850" strike="noStrike" u="none">
                 <a:solidFill>
                   <a:schemeClr val="accent1"/>
@@ -12138,7 +12138,7 @@
                 <a:tab algn="l" pos="0"/>
               </a:tabLst>
             </a:pPr>
-            <a:fld id="{918F3EBA-C33C-441E-9C74-92F1ED779632}" type="slidenum">
+            <a:fld id="{46EEB753-F7AF-4912-A1C5-0BF6FFC548E0}" type="slidenum">
               <a:rPr b="1" lang="en-GB" sz="850" strike="noStrike" u="none">
                 <a:solidFill>
                   <a:schemeClr val="accent1"/>
@@ -12439,7 +12439,7 @@
                 <a:tab algn="l" pos="0"/>
               </a:tabLst>
             </a:pPr>
-            <a:fld id="{EB99AE6A-84D9-4272-BA44-BA51E3F3A75E}" type="slidenum">
+            <a:fld id="{C613C6BD-D9B9-4E1B-8AEA-FAF9B13B35A8}" type="slidenum">
               <a:rPr b="1" lang="en-GB" sz="850" strike="noStrike" u="none">
                 <a:solidFill>
                   <a:schemeClr val="accent1"/>
@@ -12740,7 +12740,7 @@
                 <a:tab algn="l" pos="0"/>
               </a:tabLst>
             </a:pPr>
-            <a:fld id="{1AE61217-3DC3-472C-B4A0-9D72780A3240}" type="slidenum">
+            <a:fld id="{A7D479C6-C561-48AA-B886-9A0ACC81832B}" type="slidenum">
               <a:rPr b="1" lang="en-GB" sz="850" strike="noStrike" u="none">
                 <a:solidFill>
                   <a:schemeClr val="accent1"/>
@@ -13041,7 +13041,7 @@
                 <a:tab algn="l" pos="0"/>
               </a:tabLst>
             </a:pPr>
-            <a:fld id="{7E8DDE9C-B554-4E30-9E7C-83EAD25DB25C}" type="slidenum">
+            <a:fld id="{AFAF3802-E9A6-4039-8CEC-A5193EE1E640}" type="slidenum">
               <a:rPr b="1" lang="en-GB" sz="850" strike="noStrike" u="none">
                 <a:solidFill>
                   <a:schemeClr val="accent1"/>
@@ -13342,7 +13342,7 @@
                 <a:tab algn="l" pos="0"/>
               </a:tabLst>
             </a:pPr>
-            <a:fld id="{E21DCF5B-F7F2-45B6-93C8-5A078BEB7D69}" type="slidenum">
+            <a:fld id="{1B612145-140E-4364-9848-587F1971ECBE}" type="slidenum">
               <a:rPr b="1" lang="en-GB" sz="850" strike="noStrike" u="none">
                 <a:solidFill>
                   <a:schemeClr val="accent1"/>
@@ -13643,7 +13643,7 @@
                 <a:tab algn="l" pos="0"/>
               </a:tabLst>
             </a:pPr>
-            <a:fld id="{6A8740E8-0D50-4198-A8FC-8157D574FFFC}" type="slidenum">
+            <a:fld id="{ED2426EF-0830-4C4B-832A-E025DD1A1999}" type="slidenum">
               <a:rPr b="1" lang="en-GB" sz="850" strike="noStrike" u="none">
                 <a:solidFill>
                   <a:schemeClr val="accent1"/>
@@ -13944,7 +13944,7 @@
                 <a:tab algn="l" pos="0"/>
               </a:tabLst>
             </a:pPr>
-            <a:fld id="{1CEEDCA1-3E1C-47B9-A73F-525AC9FDC7B0}" type="slidenum">
+            <a:fld id="{33EAE54C-C89B-4DF4-B4CF-00BA2E0702A4}" type="slidenum">
               <a:rPr b="1" lang="en-GB" sz="850" strike="noStrike" u="none">
                 <a:solidFill>
                   <a:schemeClr val="accent1"/>
@@ -14245,7 +14245,7 @@
                 <a:tab algn="l" pos="0"/>
               </a:tabLst>
             </a:pPr>
-            <a:fld id="{30D53312-1438-453B-A350-663F29662523}" type="slidenum">
+            <a:fld id="{1A502975-83A2-4471-ADCC-244582A71FAD}" type="slidenum">
               <a:rPr b="1" lang="en-GB" sz="850" strike="noStrike" u="none">
                 <a:solidFill>
                   <a:schemeClr val="accent1"/>
@@ -14546,7 +14546,7 @@
                 <a:tab algn="l" pos="0"/>
               </a:tabLst>
             </a:pPr>
-            <a:fld id="{E20809E3-99E8-49F6-BE4D-2C727CD67E52}" type="slidenum">
+            <a:fld id="{F042BC91-4DA7-481D-B347-146FF3313AEC}" type="slidenum">
               <a:rPr b="1" lang="en-GB" sz="850" strike="noStrike" u="none">
                 <a:solidFill>
                   <a:schemeClr val="accent1"/>
@@ -14847,7 +14847,7 @@
                 <a:tab algn="l" pos="0"/>
               </a:tabLst>
             </a:pPr>
-            <a:fld id="{5015BDBA-BCBD-4D90-81C0-A43AD55D998E}" type="slidenum">
+            <a:fld id="{64151383-A371-4BDE-9839-C76581C88311}" type="slidenum">
               <a:rPr b="1" lang="en-GB" sz="850" strike="noStrike" u="none">
                 <a:solidFill>
                   <a:schemeClr val="accent1"/>
@@ -16107,7 +16107,7 @@
                 <a:tab algn="l" pos="0"/>
               </a:tabLst>
             </a:pPr>
-            <a:fld id="{95274355-DD2A-4A3F-A652-4EAF3C1B9593}" type="slidenum">
+            <a:fld id="{64E5A7BA-08B5-436B-BA9B-3EF97BBD5827}" type="slidenum">
               <a:rPr b="1" lang="en-GB" sz="850" strike="noStrike" u="none">
                 <a:solidFill>
                   <a:schemeClr val="accent1"/>
@@ -16408,7 +16408,7 @@
                 <a:tab algn="l" pos="0"/>
               </a:tabLst>
             </a:pPr>
-            <a:fld id="{3D9A64DD-204F-41B4-9B1A-41A94452BB24}" type="slidenum">
+            <a:fld id="{986D3324-174B-4896-B543-54089985E542}" type="slidenum">
               <a:rPr b="1" lang="en-GB" sz="850" strike="noStrike" u="none">
                 <a:solidFill>
                   <a:schemeClr val="accent1"/>
@@ -16709,7 +16709,7 @@
                 <a:tab algn="l" pos="0"/>
               </a:tabLst>
             </a:pPr>
-            <a:fld id="{6E6117A0-FF4E-41FB-A73B-3C3F3F6C8E62}" type="slidenum">
+            <a:fld id="{F1C3DE98-AC28-4C69-8440-EE8E0286683A}" type="slidenum">
               <a:rPr b="1" lang="en-GB" sz="850" strike="noStrike" u="none">
                 <a:solidFill>
                   <a:schemeClr val="accent1"/>
@@ -17010,7 +17010,7 @@
                 <a:tab algn="l" pos="0"/>
               </a:tabLst>
             </a:pPr>
-            <a:fld id="{649F6B8D-2369-479D-99DA-75E524EB6CA9}" type="slidenum">
+            <a:fld id="{D76DB840-2B21-456A-9849-B1AD3D649804}" type="slidenum">
               <a:rPr b="1" lang="en-GB" sz="850" strike="noStrike" u="none">
                 <a:solidFill>
                   <a:schemeClr val="accent1"/>
@@ -17311,7 +17311,7 @@
                 <a:tab algn="l" pos="0"/>
               </a:tabLst>
             </a:pPr>
-            <a:fld id="{2AECC9EB-2BDE-42AE-8A92-2FCC9E88F8CA}" type="slidenum">
+            <a:fld id="{7E6A08A8-16F8-4542-BDED-DA09C5E16D5C}" type="slidenum">
               <a:rPr b="1" lang="en-GB" sz="850" strike="noStrike" u="none">
                 <a:solidFill>
                   <a:schemeClr val="accent1"/>
@@ -17612,7 +17612,7 @@
                 <a:tab algn="l" pos="0"/>
               </a:tabLst>
             </a:pPr>
-            <a:fld id="{DA620E43-352B-48D1-BF63-E031CC162B1E}" type="slidenum">
+            <a:fld id="{93F7E10F-2DF4-4D08-AD90-5E8B8591D775}" type="slidenum">
               <a:rPr b="1" lang="en-GB" sz="850" strike="noStrike" u="none">
                 <a:solidFill>
                   <a:schemeClr val="accent1"/>
@@ -17913,7 +17913,7 @@
                 <a:tab algn="l" pos="0"/>
               </a:tabLst>
             </a:pPr>
-            <a:fld id="{4254333F-2E38-4A8F-B773-F80204CFB239}" type="slidenum">
+            <a:fld id="{47D7DEA8-FB56-407C-BFB5-E6FDE96E0551}" type="slidenum">
               <a:rPr b="1" lang="en-GB" sz="850" strike="noStrike" u="none">
                 <a:solidFill>
                   <a:schemeClr val="accent1"/>
@@ -18214,7 +18214,7 @@
                 <a:tab algn="l" pos="0"/>
               </a:tabLst>
             </a:pPr>
-            <a:fld id="{4D0577B9-6D7F-4EEA-AF10-7ACF3EF6D6BC}" type="slidenum">
+            <a:fld id="{0B5B5248-9914-4726-BD10-A57606A1F8EA}" type="slidenum">
               <a:rPr b="1" lang="en-GB" sz="850" strike="noStrike" u="none">
                 <a:solidFill>
                   <a:schemeClr val="accent1"/>
@@ -18515,7 +18515,7 @@
                 <a:tab algn="l" pos="0"/>
               </a:tabLst>
             </a:pPr>
-            <a:fld id="{39AAE02F-84B0-4A74-B649-892AF7CA79B9}" type="slidenum">
+            <a:fld id="{C893219D-8D11-4181-A5E7-D755A5F02B79}" type="slidenum">
               <a:rPr b="1" lang="en-GB" sz="850" strike="noStrike" u="none">
                 <a:solidFill>
                   <a:schemeClr val="accent1"/>
@@ -24662,7 +24662,7 @@
                 <a:tab algn="l" pos="0"/>
               </a:tabLst>
             </a:pPr>
-            <a:fld id="{3C90659F-FF20-44D7-A091-BF2F86AAEB93}" type="slidenum">
+            <a:fld id="{B7A8097E-5CEC-454B-B483-96B9F3EFC9B8}" type="slidenum">
               <a:rPr b="1" lang="en-GB" sz="850" strike="noStrike" u="none">
                 <a:solidFill>
                   <a:schemeClr val="accent1"/>
@@ -28799,7 +28799,7 @@
                 <a:tab algn="l" pos="0"/>
               </a:tabLst>
             </a:pPr>
-            <a:fld id="{8C4B760D-5B02-475D-9AF0-871E3C76DB5A}" type="slidenum">
+            <a:fld id="{889C7003-836D-43C4-AF68-3FC5A8118908}" type="slidenum">
               <a:rPr b="1" lang="en-GB" sz="850" strike="noStrike" u="none">
                 <a:solidFill>
                   <a:schemeClr val="accent1"/>
@@ -29100,7 +29100,7 @@
                 <a:tab algn="l" pos="0"/>
               </a:tabLst>
             </a:pPr>
-            <a:fld id="{F75CA17A-E735-4390-A440-041AB1313317}" type="slidenum">
+            <a:fld id="{8B36D97A-CA24-46E5-B203-8C18872391E9}" type="slidenum">
               <a:rPr b="1" lang="en-GB" sz="850" strike="noStrike" u="none">
                 <a:solidFill>
                   <a:schemeClr val="accent1"/>
@@ -29401,7 +29401,7 @@
                 <a:tab algn="l" pos="0"/>
               </a:tabLst>
             </a:pPr>
-            <a:fld id="{26B14012-866B-43BD-898C-8495792E786A}" type="slidenum">
+            <a:fld id="{5A8E4C0D-B8E5-42D3-88F7-EF53E0F5542D}" type="slidenum">
               <a:rPr b="1" lang="en-GB" sz="850" strike="noStrike" u="none">
                 <a:solidFill>
                   <a:schemeClr val="accent1"/>
@@ -29702,7 +29702,7 @@
                 <a:tab algn="l" pos="0"/>
               </a:tabLst>
             </a:pPr>
-            <a:fld id="{6DB5353C-8486-47B4-A008-111ED3ADA197}" type="slidenum">
+            <a:fld id="{757CC714-5891-4015-AF9B-A6A38E141409}" type="slidenum">
               <a:rPr b="1" lang="en-GB" sz="850" strike="noStrike" u="none">
                 <a:solidFill>
                   <a:schemeClr val="accent1"/>
@@ -30003,7 +30003,7 @@
                 <a:tab algn="l" pos="0"/>
               </a:tabLst>
             </a:pPr>
-            <a:fld id="{399828D1-6E7B-41A9-8951-61F4752DD936}" type="slidenum">
+            <a:fld id="{31F2BCD5-3533-4952-916D-C7DD1D514B8D}" type="slidenum">
               <a:rPr b="1" lang="en-GB" sz="850" strike="noStrike" u="none">
                 <a:solidFill>
                   <a:schemeClr val="accent1"/>
@@ -30304,7 +30304,7 @@
                 <a:tab algn="l" pos="0"/>
               </a:tabLst>
             </a:pPr>
-            <a:fld id="{188C26A9-528F-4FF3-AE2E-DC9B7787F9E7}" type="slidenum">
+            <a:fld id="{1BA1CB2A-0C5E-4072-9CA4-0838FC80DDF9}" type="slidenum">
               <a:rPr b="1" lang="en-GB" sz="850" strike="noStrike" u="none">
                 <a:solidFill>
                   <a:schemeClr val="accent1"/>
@@ -30605,7 +30605,7 @@
                 <a:tab algn="l" pos="0"/>
               </a:tabLst>
             </a:pPr>
-            <a:fld id="{A3C7D1C6-D92B-421A-9D63-D7F22D8C79E4}" type="slidenum">
+            <a:fld id="{F8BE6382-EE07-4C40-8472-B68C91159D94}" type="slidenum">
               <a:rPr b="1" lang="en-GB" sz="850" strike="noStrike" u="none">
                 <a:solidFill>
                   <a:schemeClr val="accent1"/>
@@ -30906,7 +30906,7 @@
                 <a:tab algn="l" pos="0"/>
               </a:tabLst>
             </a:pPr>
-            <a:fld id="{05987C19-2632-4B5C-87D4-DDE2229170E8}" type="slidenum">
+            <a:fld id="{D9A3848A-B425-4B32-B9B3-8EA83F836E67}" type="slidenum">
               <a:rPr b="1" lang="en-GB" sz="850" strike="noStrike" u="none">
                 <a:solidFill>
                   <a:schemeClr val="accent1"/>
@@ -31207,7 +31207,7 @@
                 <a:tab algn="l" pos="0"/>
               </a:tabLst>
             </a:pPr>
-            <a:fld id="{52FDE6A8-1598-4E27-A771-057213E360D3}" type="slidenum">
+            <a:fld id="{3C4F6FCA-2ACF-409F-92C7-0F51FC9923AF}" type="slidenum">
               <a:rPr b="1" lang="en-GB" sz="850" strike="noStrike" u="none">
                 <a:solidFill>
                   <a:schemeClr val="accent1"/>
@@ -31508,7 +31508,7 @@
                 <a:tab algn="l" pos="0"/>
               </a:tabLst>
             </a:pPr>
-            <a:fld id="{736894DC-F566-4138-B62D-9565B8436F5A}" type="slidenum">
+            <a:fld id="{2643CD8A-E8EB-4C09-BB67-5E8ACD7D8B45}" type="slidenum">
               <a:rPr b="1" lang="en-GB" sz="850" strike="noStrike" u="none">
                 <a:solidFill>
                   <a:schemeClr val="accent1"/>
@@ -31864,7 +31864,7 @@
                 <a:tab algn="l" pos="0"/>
               </a:tabLst>
             </a:pPr>
-            <a:fld id="{97B22239-F305-461F-832C-A0C0C1B6C65F}" type="slidenum">
+            <a:fld id="{983CB6AB-07FB-4F53-A67E-F6B38984574B}" type="slidenum">
               <a:rPr b="1" lang="en-GB" sz="850" strike="noStrike" u="none">
                 <a:solidFill>
                   <a:schemeClr val="lt1"/>
@@ -34663,7 +34663,7 @@
                 <a:tab algn="l" pos="0"/>
               </a:tabLst>
             </a:pPr>
-            <a:fld id="{375EB6C3-E66A-45FB-8D2E-B460DE743029}" type="slidenum">
+            <a:fld id="{1D4D84AB-8BC7-4CEC-B241-DA85469F61DA}" type="slidenum">
               <a:rPr b="1" lang="en-GB" sz="850" strike="noStrike" u="none">
                 <a:solidFill>
                   <a:schemeClr val="accent1"/>
@@ -34964,7 +34964,7 @@
                 <a:tab algn="l" pos="0"/>
               </a:tabLst>
             </a:pPr>
-            <a:fld id="{ED7D1F83-ADF7-4A58-BE37-DABF55BEA69F}" type="slidenum">
+            <a:fld id="{2DBC02F3-772C-4ECF-ABB7-AB1A665754CB}" type="slidenum">
               <a:rPr b="1" lang="en-GB" sz="850" strike="noStrike" u="none">
                 <a:solidFill>
                   <a:schemeClr val="accent1"/>
@@ -35265,7 +35265,7 @@
                 <a:tab algn="l" pos="0"/>
               </a:tabLst>
             </a:pPr>
-            <a:fld id="{317D8F84-E8BB-4982-95C6-1243FF1A65BE}" type="slidenum">
+            <a:fld id="{B024C4B4-088A-433D-BE17-AFE8608A2BA3}" type="slidenum">
               <a:rPr b="1" lang="en-GB" sz="850" strike="noStrike" u="none">
                 <a:solidFill>
                   <a:schemeClr val="accent1"/>
@@ -36480,10 +36480,21 @@
                 <a:latin typeface="Imperial Sans Text Medium"/>
                 <a:ea typeface="Inter Medium"/>
               </a:rPr>
-              <a:t>- Boundary conditions for u = cos(x</a:t>
+              <a:t>- Boundary conditions for </a:t>
             </a:r>
             <a:r>
-              <a:rPr b="0" lang="en-US" sz="1200" strike="noStrike" u="none" baseline="33000">
+              <a:rPr b="0" i="1" lang="en-US" sz="1200" strike="noStrike" u="none">
+                <a:solidFill>
+                  <a:schemeClr val="accent1"/>
+                </a:solidFill>
+                <a:uFillTx/>
+                <a:latin typeface="Imperial Sans Text Medium"/>
+                <a:ea typeface="Inter Medium"/>
+              </a:rPr>
+              <a:t>u = cos(x</a:t>
+            </a:r>
+            <a:r>
+              <a:rPr b="0" i="1" lang="en-US" sz="1200" strike="noStrike" u="none" baseline="33000">
                 <a:solidFill>
                   <a:schemeClr val="accent1"/>
                 </a:solidFill>
@@ -36494,7 +36505,7 @@
               <a:t>2</a:t>
             </a:r>
             <a:r>
-              <a:rPr b="0" lang="en-US" sz="1200" strike="noStrike" u="none">
+              <a:rPr b="0" i="1" lang="en-US" sz="1200" strike="noStrike" u="none">
                 <a:solidFill>
                   <a:schemeClr val="accent1"/>
                 </a:solidFill>
@@ -36769,7 +36780,7 @@
                 <a:latin typeface="Imperial Sans Text Medium"/>
                 <a:ea typeface="Inter Medium"/>
               </a:rPr>
-              <a:t>- Vectorise the solution matrix</a:t>
+              <a:t>- Vectorise the sampled solution matrix</a:t>
             </a:r>
             <a:endParaRPr b="0" lang="en-GB" sz="1200" strike="noStrike" u="none">
               <a:solidFill>
@@ -37699,7 +37710,7 @@
         </p:blipFill>
         <p:spPr>
           <a:xfrm>
-            <a:off x="5677920" y="4731480"/>
+            <a:off x="8863200" y="2090880"/>
             <a:ext cx="2915640" cy="1790280"/>
           </a:xfrm>
           <a:prstGeom prst="rect">
@@ -37723,7 +37734,7 @@
         </p:blipFill>
         <p:spPr>
           <a:xfrm>
-            <a:off x="5244120" y="1871280"/>
+            <a:off x="5244120" y="1479600"/>
             <a:ext cx="2584080" cy="2584080"/>
           </a:xfrm>
           <a:prstGeom prst="rect">
@@ -37747,8 +37758,8 @@
         </p:blipFill>
         <p:spPr>
           <a:xfrm>
-            <a:off x="8207280" y="1871280"/>
-            <a:ext cx="3917160" cy="2704320"/>
+            <a:off x="5911200" y="3973680"/>
+            <a:ext cx="5317560" cy="2678400"/>
           </a:xfrm>
           <a:prstGeom prst="rect">
             <a:avLst/>

--- a/M2R_presentation.pptx
+++ b/M2R_presentation.pptx
@@ -153,7 +153,7 @@
         <p:txBody>
           <a:bodyPr/>
           <a:p>
-            <a:fld id="{2E19300D-C423-40AC-89DE-1F5E3C537FEF}" type="slidenum">
+            <a:fld id="{E06A5756-51C7-4F06-8DB6-E8FB33C52E90}" type="slidenum">
               <a:t>&lt;#&gt;</a:t>
             </a:fld>
           </a:p>
@@ -236,7 +236,7 @@
         <p:txBody>
           <a:bodyPr/>
           <a:p>
-            <a:fld id="{6DA00A81-3464-4EAB-AE83-5FAA5F315FA5}" type="slidenum">
+            <a:fld id="{4C09D5CE-9161-4E58-8817-931EC2695590}" type="slidenum">
               <a:t>&lt;#&gt;</a:t>
             </a:fld>
           </a:p>
@@ -341,7 +341,7 @@
         <p:txBody>
           <a:bodyPr/>
           <a:p>
-            <a:fld id="{72C3C1C6-808D-4E0A-AEEC-4E1AB5DDEE8B}" type="slidenum">
+            <a:fld id="{445C997E-2C19-400C-AEF5-D7F8B6A50D4C}" type="slidenum">
               <a:t>&lt;#&gt;</a:t>
             </a:fld>
           </a:p>
@@ -424,7 +424,7 @@
         <p:txBody>
           <a:bodyPr/>
           <a:p>
-            <a:fld id="{5D27D0CD-DD90-4AAA-A315-2EDCFD58E94C}" type="slidenum">
+            <a:fld id="{5A1A5D22-2217-4C3C-B323-2E77A262DD2F}" type="slidenum">
               <a:t>&lt;#&gt;</a:t>
             </a:fld>
           </a:p>
@@ -507,7 +507,7 @@
         <p:txBody>
           <a:bodyPr/>
           <a:p>
-            <a:fld id="{15F6683C-ED9D-494F-8528-3AC80A0E15F8}" type="slidenum">
+            <a:fld id="{9017E4CB-7222-4D2F-9E2F-5C5979974242}" type="slidenum">
               <a:t>&lt;#&gt;</a:t>
             </a:fld>
           </a:p>
@@ -590,7 +590,7 @@
         <p:txBody>
           <a:bodyPr/>
           <a:p>
-            <a:fld id="{3C4B9D83-FE8E-44F1-863C-01FCAF4F843A}" type="slidenum">
+            <a:fld id="{A1D3E18A-14D5-4FAC-85D7-D2841E798DEE}" type="slidenum">
               <a:t>&lt;#&gt;</a:t>
             </a:fld>
           </a:p>
@@ -673,7 +673,7 @@
         <p:txBody>
           <a:bodyPr/>
           <a:p>
-            <a:fld id="{AEDBF371-E069-4634-9674-0026273EDC9B}" type="slidenum">
+            <a:fld id="{22C2E339-7788-4DB8-83BD-7B522CC919CD}" type="slidenum">
               <a:t>&lt;#&gt;</a:t>
             </a:fld>
           </a:p>
@@ -756,7 +756,7 @@
         <p:txBody>
           <a:bodyPr/>
           <a:p>
-            <a:fld id="{6441BD38-1FB5-4F9F-B576-2A3B75F575F8}" type="slidenum">
+            <a:fld id="{31191925-DB3D-4B41-A907-4065F899C6BE}" type="slidenum">
               <a:t>&lt;#&gt;</a:t>
             </a:fld>
           </a:p>
@@ -839,7 +839,7 @@
         <p:txBody>
           <a:bodyPr/>
           <a:p>
-            <a:fld id="{1E02C4E0-51D6-4ADC-B916-0F88A0944333}" type="slidenum">
+            <a:fld id="{9E4D8014-EBD2-4A40-A396-69C780EE718E}" type="slidenum">
               <a:t>&lt;#&gt;</a:t>
             </a:fld>
           </a:p>
@@ -922,7 +922,7 @@
         <p:txBody>
           <a:bodyPr/>
           <a:p>
-            <a:fld id="{64153A39-DD7E-4CB4-A5AC-39E1680EBEFF}" type="slidenum">
+            <a:fld id="{5687F5D1-A5FC-4871-9B4D-EBD1595CCA95}" type="slidenum">
               <a:t>&lt;#&gt;</a:t>
             </a:fld>
           </a:p>
@@ -1005,7 +1005,7 @@
         <p:txBody>
           <a:bodyPr/>
           <a:p>
-            <a:fld id="{A1E4AFE3-B726-4167-841B-1D5ED8CED420}" type="slidenum">
+            <a:fld id="{390130EB-93CE-4CAB-A611-DA6B73C270B0}" type="slidenum">
               <a:t>&lt;#&gt;</a:t>
             </a:fld>
           </a:p>
@@ -1088,7 +1088,7 @@
         <p:txBody>
           <a:bodyPr/>
           <a:p>
-            <a:fld id="{1E2A8D67-1A04-43C3-B30B-C98B242D3D9B}" type="slidenum">
+            <a:fld id="{365C43D5-3E78-4021-AEB1-392663500B32}" type="slidenum">
               <a:t>&lt;#&gt;</a:t>
             </a:fld>
           </a:p>
@@ -1171,7 +1171,7 @@
         <p:txBody>
           <a:bodyPr/>
           <a:p>
-            <a:fld id="{74531EB7-E541-4CE1-A03B-7705CD71801A}" type="slidenum">
+            <a:fld id="{6028BD49-1BCB-4008-A427-657A84931711}" type="slidenum">
               <a:t>&lt;#&gt;</a:t>
             </a:fld>
           </a:p>
@@ -1276,7 +1276,7 @@
         <p:txBody>
           <a:bodyPr/>
           <a:p>
-            <a:fld id="{320201FE-DAEA-4206-B3F8-E6BC122638C7}" type="slidenum">
+            <a:fld id="{9F886D7D-D5CF-4DD9-AA48-6F87238C829E}" type="slidenum">
               <a:t>&lt;#&gt;</a:t>
             </a:fld>
           </a:p>
@@ -1359,7 +1359,7 @@
         <p:txBody>
           <a:bodyPr/>
           <a:p>
-            <a:fld id="{E9451AFF-746E-444E-9FAF-8312FA5BE870}" type="slidenum">
+            <a:fld id="{56FBD9C9-8F87-4B22-A10E-80852B8BB820}" type="slidenum">
               <a:t>&lt;#&gt;</a:t>
             </a:fld>
           </a:p>
@@ -1442,7 +1442,7 @@
         <p:txBody>
           <a:bodyPr/>
           <a:p>
-            <a:fld id="{0ABC782C-4739-4F4C-B45E-BF7DA1A5E347}" type="slidenum">
+            <a:fld id="{B315D016-0F72-4FED-9A52-C9C106EE63F5}" type="slidenum">
               <a:t>&lt;#&gt;</a:t>
             </a:fld>
           </a:p>
@@ -1525,7 +1525,7 @@
         <p:txBody>
           <a:bodyPr/>
           <a:p>
-            <a:fld id="{FD8FB208-1C3C-4492-94BD-AD366D00A123}" type="slidenum">
+            <a:fld id="{4E7C9362-3388-457D-91E0-B94DDB891AA5}" type="slidenum">
               <a:t>&lt;#&gt;</a:t>
             </a:fld>
           </a:p>
@@ -1608,7 +1608,7 @@
         <p:txBody>
           <a:bodyPr/>
           <a:p>
-            <a:fld id="{51D49B74-D083-4EE9-8CA8-25721A263C43}" type="slidenum">
+            <a:fld id="{8D941339-9891-4ECE-B1E4-0428612E0AD5}" type="slidenum">
               <a:t>&lt;#&gt;</a:t>
             </a:fld>
           </a:p>
@@ -1691,7 +1691,7 @@
         <p:txBody>
           <a:bodyPr/>
           <a:p>
-            <a:fld id="{6755C589-12D5-45AE-9918-EE23667F1954}" type="slidenum">
+            <a:fld id="{7D044FDB-A884-4F2B-9E83-6E61163EAC34}" type="slidenum">
               <a:t>&lt;#&gt;</a:t>
             </a:fld>
           </a:p>
@@ -1774,7 +1774,7 @@
         <p:txBody>
           <a:bodyPr/>
           <a:p>
-            <a:fld id="{D77DED22-348B-44A0-B052-F39CE227271A}" type="slidenum">
+            <a:fld id="{AED41F25-39BB-4FCA-99EC-9FB5AEAFD18E}" type="slidenum">
               <a:t>&lt;#&gt;</a:t>
             </a:fld>
           </a:p>
@@ -1857,7 +1857,7 @@
         <p:txBody>
           <a:bodyPr/>
           <a:p>
-            <a:fld id="{820E1653-20D3-47F1-BCFE-9CDDAB07D9FD}" type="slidenum">
+            <a:fld id="{A44FDA42-7D73-481C-9E9C-5C684BEA4D9C}" type="slidenum">
               <a:t>&lt;#&gt;</a:t>
             </a:fld>
           </a:p>
@@ -1940,7 +1940,7 @@
         <p:txBody>
           <a:bodyPr/>
           <a:p>
-            <a:fld id="{79E9D6B4-FB9F-4A7D-BC49-ACF6F6AA5906}" type="slidenum">
+            <a:fld id="{90C03AC6-135F-4527-ADE6-8881C9352D35}" type="slidenum">
               <a:t>&lt;#&gt;</a:t>
             </a:fld>
           </a:p>
@@ -2023,7 +2023,7 @@
         <p:txBody>
           <a:bodyPr/>
           <a:p>
-            <a:fld id="{7738E507-702A-4436-B3C8-F0013392AF3C}" type="slidenum">
+            <a:fld id="{C7422100-94BD-444E-A6E2-BFA0D5ABED18}" type="slidenum">
               <a:t>&lt;#&gt;</a:t>
             </a:fld>
           </a:p>
@@ -2106,7 +2106,7 @@
         <p:txBody>
           <a:bodyPr/>
           <a:p>
-            <a:fld id="{3CE37BB4-73C0-447C-BC97-443F40E3F8DC}" type="slidenum">
+            <a:fld id="{68B9A32D-6F08-4CB6-9B81-E17E3CC0329E}" type="slidenum">
               <a:t>&lt;#&gt;</a:t>
             </a:fld>
           </a:p>
@@ -2211,7 +2211,7 @@
         <p:txBody>
           <a:bodyPr/>
           <a:p>
-            <a:fld id="{1C5F7FD2-191D-4C3D-84CC-4119BE2C8CB2}" type="slidenum">
+            <a:fld id="{CE7EE1F9-C507-4E21-85C4-4D6FAE998492}" type="slidenum">
               <a:t>&lt;#&gt;</a:t>
             </a:fld>
           </a:p>
@@ -2294,7 +2294,7 @@
         <p:txBody>
           <a:bodyPr/>
           <a:p>
-            <a:fld id="{CFE8E3CF-12E2-4D57-AAEF-083ACE8D3BB7}" type="slidenum">
+            <a:fld id="{7D71BCD7-C7AA-46E0-A27F-C6E9B7DD4731}" type="slidenum">
               <a:t>&lt;#&gt;</a:t>
             </a:fld>
           </a:p>
@@ -2377,7 +2377,7 @@
         <p:txBody>
           <a:bodyPr/>
           <a:p>
-            <a:fld id="{7EFAC573-79F0-4F4A-B331-E3BE1066F197}" type="slidenum">
+            <a:fld id="{20D38F04-F8A8-4A19-9A1F-47D60D22087D}" type="slidenum">
               <a:t>&lt;#&gt;</a:t>
             </a:fld>
           </a:p>
@@ -2460,7 +2460,7 @@
         <p:txBody>
           <a:bodyPr/>
           <a:p>
-            <a:fld id="{A737A289-9461-4BF8-A89C-1CC0E3134E6F}" type="slidenum">
+            <a:fld id="{A80B41ED-E3D5-41CA-B74B-21E5D41464DB}" type="slidenum">
               <a:t>&lt;#&gt;</a:t>
             </a:fld>
           </a:p>
@@ -2543,7 +2543,7 @@
         <p:txBody>
           <a:bodyPr/>
           <a:p>
-            <a:fld id="{A900256E-D9BE-4B9A-B349-839E1BAD8E9B}" type="slidenum">
+            <a:fld id="{E149BB6D-C0E0-492D-BD1B-22C305D43FD8}" type="slidenum">
               <a:t>&lt;#&gt;</a:t>
             </a:fld>
           </a:p>
@@ -2626,7 +2626,7 @@
         <p:txBody>
           <a:bodyPr/>
           <a:p>
-            <a:fld id="{10797DDB-F560-4A07-A848-26FE6F0F5B02}" type="slidenum">
+            <a:fld id="{7E2D9600-0516-4CD5-9165-A6F231BF34B1}" type="slidenum">
               <a:t>&lt;#&gt;</a:t>
             </a:fld>
           </a:p>
@@ -2709,7 +2709,7 @@
         <p:txBody>
           <a:bodyPr/>
           <a:p>
-            <a:fld id="{259F0E7E-AEDB-4F88-BE1C-F21116D9AA61}" type="slidenum">
+            <a:fld id="{08C66B94-2666-4DFD-8E8C-F1FC398B908C}" type="slidenum">
               <a:t>&lt;#&gt;</a:t>
             </a:fld>
           </a:p>
@@ -2792,7 +2792,7 @@
         <p:txBody>
           <a:bodyPr/>
           <a:p>
-            <a:fld id="{F66396DF-0488-4E76-A543-6B07CFBD79BF}" type="slidenum">
+            <a:fld id="{CCB864B1-971D-4DAD-9396-4F191BA5F37F}" type="slidenum">
               <a:t>&lt;#&gt;</a:t>
             </a:fld>
           </a:p>
@@ -2875,7 +2875,7 @@
         <p:txBody>
           <a:bodyPr/>
           <a:p>
-            <a:fld id="{E5C3DECC-328C-4667-AAE0-64CF3992BACC}" type="slidenum">
+            <a:fld id="{9E130B26-94C0-486A-8C9E-C4A676D82F7F}" type="slidenum">
               <a:t>&lt;#&gt;</a:t>
             </a:fld>
           </a:p>
@@ -3112,7 +3112,7 @@
         <p:txBody>
           <a:bodyPr/>
           <a:p>
-            <a:fld id="{970453F8-1401-4C86-B3F4-72AB85ADDACA}" type="slidenum">
+            <a:fld id="{A6C0DEF3-60F1-484E-999A-342159007D67}" type="slidenum">
               <a:t>&lt;#&gt;</a:t>
             </a:fld>
           </a:p>
@@ -3283,7 +3283,7 @@
         <p:txBody>
           <a:bodyPr/>
           <a:p>
-            <a:fld id="{9011EE7A-FFEB-460C-813E-E492714EC603}" type="slidenum">
+            <a:fld id="{BD22035B-31DD-4568-A136-7CA3F02D9F1C}" type="slidenum">
               <a:t>&lt;#&gt;</a:t>
             </a:fld>
           </a:p>
@@ -3366,7 +3366,7 @@
         <p:txBody>
           <a:bodyPr/>
           <a:p>
-            <a:fld id="{723D5F44-E626-4925-9C94-A475AAA0A6F4}" type="slidenum">
+            <a:fld id="{13E27D52-CF27-48C0-8947-233CAEC45DE7}" type="slidenum">
               <a:t>&lt;#&gt;</a:t>
             </a:fld>
           </a:p>
@@ -3449,7 +3449,7 @@
         <p:txBody>
           <a:bodyPr/>
           <a:p>
-            <a:fld id="{B7FBDB83-5BFB-4705-A844-538A76309D95}" type="slidenum">
+            <a:fld id="{2EEE02A6-BFDF-4A63-A9EF-3AD574C2501C}" type="slidenum">
               <a:t>&lt;#&gt;</a:t>
             </a:fld>
           </a:p>
@@ -3532,7 +3532,7 @@
         <p:txBody>
           <a:bodyPr/>
           <a:p>
-            <a:fld id="{63B7A5BB-4359-43CA-84D6-B3A81556F90C}" type="slidenum">
+            <a:fld id="{344F3293-70AA-4DDA-BF82-88007482A287}" type="slidenum">
               <a:t>&lt;#&gt;</a:t>
             </a:fld>
           </a:p>
@@ -3615,7 +3615,7 @@
         <p:txBody>
           <a:bodyPr/>
           <a:p>
-            <a:fld id="{E459365B-FFCF-42EB-A1FB-3DFEA1534C94}" type="slidenum">
+            <a:fld id="{69DBD453-A94A-4FC3-9AA8-212B81FFC5B0}" type="slidenum">
               <a:t>&lt;#&gt;</a:t>
             </a:fld>
           </a:p>
@@ -3698,7 +3698,7 @@
         <p:txBody>
           <a:bodyPr/>
           <a:p>
-            <a:fld id="{C38E87C6-A551-44CC-886B-C101EA4F73BD}" type="slidenum">
+            <a:fld id="{1098EE29-103B-4EB3-AC59-1D9CA6DCE8AC}" type="slidenum">
               <a:t>&lt;#&gt;</a:t>
             </a:fld>
           </a:p>
@@ -3781,7 +3781,7 @@
         <p:txBody>
           <a:bodyPr/>
           <a:p>
-            <a:fld id="{CEDA7C4B-7623-429C-8C83-EAD84FB6591E}" type="slidenum">
+            <a:fld id="{B394A22C-2CC6-4842-887C-4DB6086E8BB9}" type="slidenum">
               <a:t>&lt;#&gt;</a:t>
             </a:fld>
           </a:p>
@@ -3864,7 +3864,7 @@
         <p:txBody>
           <a:bodyPr/>
           <a:p>
-            <a:fld id="{5F1A9EB8-2420-40B2-907F-C275459D2BE8}" type="slidenum">
+            <a:fld id="{8C22A78D-A8F3-4BD0-839C-65AE1DC239FA}" type="slidenum">
               <a:t>&lt;#&gt;</a:t>
             </a:fld>
           </a:p>
@@ -3947,7 +3947,7 @@
         <p:txBody>
           <a:bodyPr/>
           <a:p>
-            <a:fld id="{8056AEA7-DB84-4750-98D8-9C7311EA5A53}" type="slidenum">
+            <a:fld id="{E407B36A-DC5E-4FA1-912E-0D9997A8249D}" type="slidenum">
               <a:t>&lt;#&gt;</a:t>
             </a:fld>
           </a:p>
@@ -4030,7 +4030,7 @@
         <p:txBody>
           <a:bodyPr/>
           <a:p>
-            <a:fld id="{4C327640-0A4B-4DD8-A54A-EC95F4D4A048}" type="slidenum">
+            <a:fld id="{F0BDDBEA-1618-4A80-A0EE-CC4DDBA59BEC}" type="slidenum">
               <a:t>&lt;#&gt;</a:t>
             </a:fld>
           </a:p>
@@ -4113,7 +4113,7 @@
         <p:txBody>
           <a:bodyPr/>
           <a:p>
-            <a:fld id="{0970EB35-4B4B-4198-9713-120F8C51420C}" type="slidenum">
+            <a:fld id="{12B6983F-A269-42FE-8B56-CEEC9DDDE8D1}" type="slidenum">
               <a:t>&lt;#&gt;</a:t>
             </a:fld>
           </a:p>
@@ -4240,7 +4240,7 @@
         <p:txBody>
           <a:bodyPr/>
           <a:p>
-            <a:fld id="{79E1D361-5E24-443C-9954-DDFC8FCD1C5E}" type="slidenum">
+            <a:fld id="{D1C4FABD-5FE3-4DB4-AD4F-E831787B1BF0}" type="slidenum">
               <a:t>&lt;#&gt;</a:t>
             </a:fld>
           </a:p>
@@ -4323,7 +4323,7 @@
         <p:txBody>
           <a:bodyPr/>
           <a:p>
-            <a:fld id="{A6CAA4D3-FBCB-4DBE-8CBD-1DB3C357031B}" type="slidenum">
+            <a:fld id="{F1AAC069-4C87-4EBF-9D0E-DFEF2FCB5F09}" type="slidenum">
               <a:t>&lt;#&gt;</a:t>
             </a:fld>
           </a:p>
@@ -4406,7 +4406,7 @@
         <p:txBody>
           <a:bodyPr/>
           <a:p>
-            <a:fld id="{6972D348-9F43-466E-A8A1-E96187CBEA56}" type="slidenum">
+            <a:fld id="{0D5FC913-16CC-48A5-B32F-D3CA5BC026BC}" type="slidenum">
               <a:t>&lt;#&gt;</a:t>
             </a:fld>
           </a:p>
@@ -5896,7 +5896,7 @@
                 <a:tab algn="l" pos="0"/>
               </a:tabLst>
             </a:pPr>
-            <a:fld id="{F66A1AE2-B276-4A84-9FFD-288625774228}" type="slidenum">
+            <a:fld id="{07C59DAD-5F5C-4844-B312-48A6205A7101}" type="slidenum">
               <a:rPr b="1" lang="en-GB" sz="850" strike="noStrike" u="none">
                 <a:solidFill>
                   <a:schemeClr val="accent1"/>
@@ -6197,7 +6197,7 @@
                 <a:tab algn="l" pos="0"/>
               </a:tabLst>
             </a:pPr>
-            <a:fld id="{776D829D-02E9-4FF3-9D12-87724EF93964}" type="slidenum">
+            <a:fld id="{376D95CF-5B49-4BED-AC3B-8F9034D390A0}" type="slidenum">
               <a:rPr b="1" lang="en-GB" sz="850" strike="noStrike" u="none">
                 <a:solidFill>
                   <a:schemeClr val="accent1"/>
@@ -7457,7 +7457,7 @@
                 <a:tab algn="l" pos="0"/>
               </a:tabLst>
             </a:pPr>
-            <a:fld id="{70A029C3-C35C-44F6-A1B1-130BA91A9AD4}" type="slidenum">
+            <a:fld id="{D868C043-39CC-4891-B08F-AE550D5DDB18}" type="slidenum">
               <a:rPr b="1" lang="en-GB" sz="850" strike="noStrike" u="none">
                 <a:solidFill>
                   <a:schemeClr val="accent1"/>
@@ -7758,7 +7758,7 @@
                 <a:tab algn="l" pos="0"/>
               </a:tabLst>
             </a:pPr>
-            <a:fld id="{737D2D8E-FBC6-40EE-8730-1D4808C98180}" type="slidenum">
+            <a:fld id="{3D02D478-C957-48AA-86A1-33108DF51E38}" type="slidenum">
               <a:rPr b="1" lang="en-GB" sz="850" strike="noStrike" u="none">
                 <a:solidFill>
                   <a:schemeClr val="accent1"/>
@@ -8059,7 +8059,7 @@
                 <a:tab algn="l" pos="0"/>
               </a:tabLst>
             </a:pPr>
-            <a:fld id="{ECC6F61F-CD54-4E8B-89C4-DDFBA7DE1911}" type="slidenum">
+            <a:fld id="{704F2620-72F0-4ABC-A026-C3FCC802C63A}" type="slidenum">
               <a:rPr b="1" lang="en-GB" sz="850" strike="noStrike" u="none">
                 <a:solidFill>
                   <a:schemeClr val="accent1"/>
@@ -8360,7 +8360,7 @@
                 <a:tab algn="l" pos="0"/>
               </a:tabLst>
             </a:pPr>
-            <a:fld id="{24929139-34D6-49A3-BC8D-4E1F566B6CF1}" type="slidenum">
+            <a:fld id="{860E5EAA-026E-4F2C-86BA-1F8037DBF5D6}" type="slidenum">
               <a:rPr b="1" lang="en-GB" sz="850" strike="noStrike" u="none">
                 <a:solidFill>
                   <a:schemeClr val="accent1"/>
@@ -8661,7 +8661,7 @@
                 <a:tab algn="l" pos="0"/>
               </a:tabLst>
             </a:pPr>
-            <a:fld id="{6685164C-0433-4C65-BF47-3DAD3185C648}" type="slidenum">
+            <a:fld id="{92838EFC-CA6B-44E4-8841-8132840324B2}" type="slidenum">
               <a:rPr b="1" lang="en-GB" sz="850" strike="noStrike" u="none">
                 <a:solidFill>
                   <a:schemeClr val="accent1"/>
@@ -9017,7 +9017,7 @@
                 <a:tab algn="l" pos="0"/>
               </a:tabLst>
             </a:pPr>
-            <a:fld id="{5B8B9650-8C29-4CF1-9581-4E87171B309C}" type="slidenum">
+            <a:fld id="{F74B798C-1A34-492F-AA32-78C188893CAC}" type="slidenum">
               <a:rPr b="1" lang="en-GB" sz="850" strike="noStrike" u="none">
                 <a:solidFill>
                   <a:schemeClr val="lt1"/>
@@ -9318,7 +9318,7 @@
                 <a:tab algn="l" pos="0"/>
               </a:tabLst>
             </a:pPr>
-            <a:fld id="{0BCBACE2-5491-40DA-A620-AB7B063D83F1}" type="slidenum">
+            <a:fld id="{D3B6E382-F94A-4F71-9F53-66D5C97FCB7D}" type="slidenum">
               <a:rPr b="1" lang="en-GB" sz="850" strike="noStrike" u="none">
                 <a:solidFill>
                   <a:schemeClr val="accent1"/>
@@ -9619,7 +9619,7 @@
                 <a:tab algn="l" pos="0"/>
               </a:tabLst>
             </a:pPr>
-            <a:fld id="{203E2860-D0D6-4BA8-B128-F10D5036643F}" type="slidenum">
+            <a:fld id="{553F5009-4653-40F8-BD2E-B086C688EAD4}" type="slidenum">
               <a:rPr b="1" lang="en-GB" sz="850" strike="noStrike" u="none">
                 <a:solidFill>
                   <a:schemeClr val="accent1"/>
@@ -9920,7 +9920,7 @@
                 <a:tab algn="l" pos="0"/>
               </a:tabLst>
             </a:pPr>
-            <a:fld id="{457B38CA-3875-44E9-AC01-F277B0BCA4CC}" type="slidenum">
+            <a:fld id="{19CE702D-A5BA-404E-B8D6-A81F24AE648C}" type="slidenum">
               <a:rPr b="1" lang="en-GB" sz="850" strike="noStrike" u="none">
                 <a:solidFill>
                   <a:schemeClr val="accent1"/>
@@ -10221,7 +10221,7 @@
                 <a:tab algn="l" pos="0"/>
               </a:tabLst>
             </a:pPr>
-            <a:fld id="{B1E83BD1-49AA-41C9-8FD2-73C16DAB0C84}" type="slidenum">
+            <a:fld id="{17542C6B-164B-47EF-A964-479E1620A89E}" type="slidenum">
               <a:rPr b="1" lang="en-GB" sz="850" strike="noStrike" u="none">
                 <a:solidFill>
                   <a:schemeClr val="accent1"/>
@@ -10577,7 +10577,7 @@
                 <a:tab algn="l" pos="0"/>
               </a:tabLst>
             </a:pPr>
-            <a:fld id="{4BC75949-A51F-43BB-89AE-70CEAC68C03E}" type="slidenum">
+            <a:fld id="{590FED12-3E98-427B-87E3-07FF89A188BE}" type="slidenum">
               <a:rPr b="1" lang="en-GB" sz="850" strike="noStrike" u="none">
                 <a:solidFill>
                   <a:schemeClr val="lt1"/>
@@ -11837,7 +11837,7 @@
                 <a:tab algn="l" pos="0"/>
               </a:tabLst>
             </a:pPr>
-            <a:fld id="{344889D3-DA31-41D7-A3AE-0BA5A8365087}" type="slidenum">
+            <a:fld id="{9D28479F-EBAD-40B2-8803-174F70498227}" type="slidenum">
               <a:rPr b="1" lang="en-GB" sz="850" strike="noStrike" u="none">
                 <a:solidFill>
                   <a:schemeClr val="accent1"/>
@@ -12138,7 +12138,7 @@
                 <a:tab algn="l" pos="0"/>
               </a:tabLst>
             </a:pPr>
-            <a:fld id="{46EEB753-F7AF-4912-A1C5-0BF6FFC548E0}" type="slidenum">
+            <a:fld id="{6968469F-045E-4055-96F0-1D6915D60BC8}" type="slidenum">
               <a:rPr b="1" lang="en-GB" sz="850" strike="noStrike" u="none">
                 <a:solidFill>
                   <a:schemeClr val="accent1"/>
@@ -12439,7 +12439,7 @@
                 <a:tab algn="l" pos="0"/>
               </a:tabLst>
             </a:pPr>
-            <a:fld id="{C613C6BD-D9B9-4E1B-8AEA-FAF9B13B35A8}" type="slidenum">
+            <a:fld id="{10BEDBFE-3F72-4A06-929E-4471028EBCE6}" type="slidenum">
               <a:rPr b="1" lang="en-GB" sz="850" strike="noStrike" u="none">
                 <a:solidFill>
                   <a:schemeClr val="accent1"/>
@@ -12740,7 +12740,7 @@
                 <a:tab algn="l" pos="0"/>
               </a:tabLst>
             </a:pPr>
-            <a:fld id="{A7D479C6-C561-48AA-B886-9A0ACC81832B}" type="slidenum">
+            <a:fld id="{AAB392A1-35C8-4E52-B386-C475E70EB9A5}" type="slidenum">
               <a:rPr b="1" lang="en-GB" sz="850" strike="noStrike" u="none">
                 <a:solidFill>
                   <a:schemeClr val="accent1"/>
@@ -13041,7 +13041,7 @@
                 <a:tab algn="l" pos="0"/>
               </a:tabLst>
             </a:pPr>
-            <a:fld id="{AFAF3802-E9A6-4039-8CEC-A5193EE1E640}" type="slidenum">
+            <a:fld id="{73995D51-9469-44E8-ACBF-C9421F04CF3F}" type="slidenum">
               <a:rPr b="1" lang="en-GB" sz="850" strike="noStrike" u="none">
                 <a:solidFill>
                   <a:schemeClr val="accent1"/>
@@ -13342,7 +13342,7 @@
                 <a:tab algn="l" pos="0"/>
               </a:tabLst>
             </a:pPr>
-            <a:fld id="{1B612145-140E-4364-9848-587F1971ECBE}" type="slidenum">
+            <a:fld id="{BDA3B419-5405-4219-8B3D-070D502B8BD4}" type="slidenum">
               <a:rPr b="1" lang="en-GB" sz="850" strike="noStrike" u="none">
                 <a:solidFill>
                   <a:schemeClr val="accent1"/>
@@ -13643,7 +13643,7 @@
                 <a:tab algn="l" pos="0"/>
               </a:tabLst>
             </a:pPr>
-            <a:fld id="{ED2426EF-0830-4C4B-832A-E025DD1A1999}" type="slidenum">
+            <a:fld id="{CE3D35E0-86A4-402C-B02C-8F139131568F}" type="slidenum">
               <a:rPr b="1" lang="en-GB" sz="850" strike="noStrike" u="none">
                 <a:solidFill>
                   <a:schemeClr val="accent1"/>
@@ -13944,7 +13944,7 @@
                 <a:tab algn="l" pos="0"/>
               </a:tabLst>
             </a:pPr>
-            <a:fld id="{33EAE54C-C89B-4DF4-B4CF-00BA2E0702A4}" type="slidenum">
+            <a:fld id="{5EF8105D-A33A-4E21-B7D8-7A3D8FCBB348}" type="slidenum">
               <a:rPr b="1" lang="en-GB" sz="850" strike="noStrike" u="none">
                 <a:solidFill>
                   <a:schemeClr val="accent1"/>
@@ -14245,7 +14245,7 @@
                 <a:tab algn="l" pos="0"/>
               </a:tabLst>
             </a:pPr>
-            <a:fld id="{1A502975-83A2-4471-ADCC-244582A71FAD}" type="slidenum">
+            <a:fld id="{E444FA55-5517-4CC7-9552-7DC772EF5EE0}" type="slidenum">
               <a:rPr b="1" lang="en-GB" sz="850" strike="noStrike" u="none">
                 <a:solidFill>
                   <a:schemeClr val="accent1"/>
@@ -14546,7 +14546,7 @@
                 <a:tab algn="l" pos="0"/>
               </a:tabLst>
             </a:pPr>
-            <a:fld id="{F042BC91-4DA7-481D-B347-146FF3313AEC}" type="slidenum">
+            <a:fld id="{D38625F3-E391-4456-940E-7EABEC019FBD}" type="slidenum">
               <a:rPr b="1" lang="en-GB" sz="850" strike="noStrike" u="none">
                 <a:solidFill>
                   <a:schemeClr val="accent1"/>
@@ -14847,7 +14847,7 @@
                 <a:tab algn="l" pos="0"/>
               </a:tabLst>
             </a:pPr>
-            <a:fld id="{64151383-A371-4BDE-9839-C76581C88311}" type="slidenum">
+            <a:fld id="{28D00E6D-CEA2-4B08-9465-2D4927A69620}" type="slidenum">
               <a:rPr b="1" lang="en-GB" sz="850" strike="noStrike" u="none">
                 <a:solidFill>
                   <a:schemeClr val="accent1"/>
@@ -16107,7 +16107,7 @@
                 <a:tab algn="l" pos="0"/>
               </a:tabLst>
             </a:pPr>
-            <a:fld id="{64E5A7BA-08B5-436B-BA9B-3EF97BBD5827}" type="slidenum">
+            <a:fld id="{7BF66368-9BAB-47FD-AEB1-32A411D077C4}" type="slidenum">
               <a:rPr b="1" lang="en-GB" sz="850" strike="noStrike" u="none">
                 <a:solidFill>
                   <a:schemeClr val="accent1"/>
@@ -16408,7 +16408,7 @@
                 <a:tab algn="l" pos="0"/>
               </a:tabLst>
             </a:pPr>
-            <a:fld id="{986D3324-174B-4896-B543-54089985E542}" type="slidenum">
+            <a:fld id="{8F03044F-412F-4D64-A9BD-69BC0F97CC6B}" type="slidenum">
               <a:rPr b="1" lang="en-GB" sz="850" strike="noStrike" u="none">
                 <a:solidFill>
                   <a:schemeClr val="accent1"/>
@@ -16709,7 +16709,7 @@
                 <a:tab algn="l" pos="0"/>
               </a:tabLst>
             </a:pPr>
-            <a:fld id="{F1C3DE98-AC28-4C69-8440-EE8E0286683A}" type="slidenum">
+            <a:fld id="{82805332-A55C-42AD-931A-1057DC8045E7}" type="slidenum">
               <a:rPr b="1" lang="en-GB" sz="850" strike="noStrike" u="none">
                 <a:solidFill>
                   <a:schemeClr val="accent1"/>
@@ -17010,7 +17010,7 @@
                 <a:tab algn="l" pos="0"/>
               </a:tabLst>
             </a:pPr>
-            <a:fld id="{D76DB840-2B21-456A-9849-B1AD3D649804}" type="slidenum">
+            <a:fld id="{CAB2AAC7-F46D-4578-A43D-3E0848B50E64}" type="slidenum">
               <a:rPr b="1" lang="en-GB" sz="850" strike="noStrike" u="none">
                 <a:solidFill>
                   <a:schemeClr val="accent1"/>
@@ -17311,7 +17311,7 @@
                 <a:tab algn="l" pos="0"/>
               </a:tabLst>
             </a:pPr>
-            <a:fld id="{7E6A08A8-16F8-4542-BDED-DA09C5E16D5C}" type="slidenum">
+            <a:fld id="{4E719201-4207-4D61-81B1-11F8E061FD06}" type="slidenum">
               <a:rPr b="1" lang="en-GB" sz="850" strike="noStrike" u="none">
                 <a:solidFill>
                   <a:schemeClr val="accent1"/>
@@ -17612,7 +17612,7 @@
                 <a:tab algn="l" pos="0"/>
               </a:tabLst>
             </a:pPr>
-            <a:fld id="{93F7E10F-2DF4-4D08-AD90-5E8B8591D775}" type="slidenum">
+            <a:fld id="{4D25AA63-2E72-4EC0-9415-4B1C7EDCDF04}" type="slidenum">
               <a:rPr b="1" lang="en-GB" sz="850" strike="noStrike" u="none">
                 <a:solidFill>
                   <a:schemeClr val="accent1"/>
@@ -17913,7 +17913,7 @@
                 <a:tab algn="l" pos="0"/>
               </a:tabLst>
             </a:pPr>
-            <a:fld id="{47D7DEA8-FB56-407C-BFB5-E6FDE96E0551}" type="slidenum">
+            <a:fld id="{ACACADD5-B676-49D4-9864-6FB75144561A}" type="slidenum">
               <a:rPr b="1" lang="en-GB" sz="850" strike="noStrike" u="none">
                 <a:solidFill>
                   <a:schemeClr val="accent1"/>
@@ -18214,7 +18214,7 @@
                 <a:tab algn="l" pos="0"/>
               </a:tabLst>
             </a:pPr>
-            <a:fld id="{0B5B5248-9914-4726-BD10-A57606A1F8EA}" type="slidenum">
+            <a:fld id="{F7660159-78DF-4C9A-85C4-D84940DC46BF}" type="slidenum">
               <a:rPr b="1" lang="en-GB" sz="850" strike="noStrike" u="none">
                 <a:solidFill>
                   <a:schemeClr val="accent1"/>
@@ -18515,7 +18515,7 @@
                 <a:tab algn="l" pos="0"/>
               </a:tabLst>
             </a:pPr>
-            <a:fld id="{C893219D-8D11-4181-A5E7-D755A5F02B79}" type="slidenum">
+            <a:fld id="{0C45435F-9C74-499E-81CA-90C53E76A6F9}" type="slidenum">
               <a:rPr b="1" lang="en-GB" sz="850" strike="noStrike" u="none">
                 <a:solidFill>
                   <a:schemeClr val="accent1"/>
@@ -24662,7 +24662,7 @@
                 <a:tab algn="l" pos="0"/>
               </a:tabLst>
             </a:pPr>
-            <a:fld id="{B7A8097E-5CEC-454B-B483-96B9F3EFC9B8}" type="slidenum">
+            <a:fld id="{933CFDD7-DCD3-45CD-BA57-6B59112AFAF4}" type="slidenum">
               <a:rPr b="1" lang="en-GB" sz="850" strike="noStrike" u="none">
                 <a:solidFill>
                   <a:schemeClr val="accent1"/>
@@ -28799,7 +28799,7 @@
                 <a:tab algn="l" pos="0"/>
               </a:tabLst>
             </a:pPr>
-            <a:fld id="{889C7003-836D-43C4-AF68-3FC5A8118908}" type="slidenum">
+            <a:fld id="{096293F3-DA83-4D9C-8DBD-A069A33DB31B}" type="slidenum">
               <a:rPr b="1" lang="en-GB" sz="850" strike="noStrike" u="none">
                 <a:solidFill>
                   <a:schemeClr val="accent1"/>
@@ -29100,7 +29100,7 @@
                 <a:tab algn="l" pos="0"/>
               </a:tabLst>
             </a:pPr>
-            <a:fld id="{8B36D97A-CA24-46E5-B203-8C18872391E9}" type="slidenum">
+            <a:fld id="{034AA1F9-5557-416F-BB3C-BF6D4D5C9D54}" type="slidenum">
               <a:rPr b="1" lang="en-GB" sz="850" strike="noStrike" u="none">
                 <a:solidFill>
                   <a:schemeClr val="accent1"/>
@@ -29401,7 +29401,7 @@
                 <a:tab algn="l" pos="0"/>
               </a:tabLst>
             </a:pPr>
-            <a:fld id="{5A8E4C0D-B8E5-42D3-88F7-EF53E0F5542D}" type="slidenum">
+            <a:fld id="{61460C96-C11E-44D9-ACD3-327D78F082EB}" type="slidenum">
               <a:rPr b="1" lang="en-GB" sz="850" strike="noStrike" u="none">
                 <a:solidFill>
                   <a:schemeClr val="accent1"/>
@@ -29702,7 +29702,7 @@
                 <a:tab algn="l" pos="0"/>
               </a:tabLst>
             </a:pPr>
-            <a:fld id="{757CC714-5891-4015-AF9B-A6A38E141409}" type="slidenum">
+            <a:fld id="{C8D14F67-DD60-4F6C-8242-D0B49B9AC872}" type="slidenum">
               <a:rPr b="1" lang="en-GB" sz="850" strike="noStrike" u="none">
                 <a:solidFill>
                   <a:schemeClr val="accent1"/>
@@ -30003,7 +30003,7 @@
                 <a:tab algn="l" pos="0"/>
               </a:tabLst>
             </a:pPr>
-            <a:fld id="{31F2BCD5-3533-4952-916D-C7DD1D514B8D}" type="slidenum">
+            <a:fld id="{6B74EA2A-77AC-489E-9F23-75C23F7E2719}" type="slidenum">
               <a:rPr b="1" lang="en-GB" sz="850" strike="noStrike" u="none">
                 <a:solidFill>
                   <a:schemeClr val="accent1"/>
@@ -30304,7 +30304,7 @@
                 <a:tab algn="l" pos="0"/>
               </a:tabLst>
             </a:pPr>
-            <a:fld id="{1BA1CB2A-0C5E-4072-9CA4-0838FC80DDF9}" type="slidenum">
+            <a:fld id="{CAB99AA7-82B0-4BD8-B205-5D988E9AA2F8}" type="slidenum">
               <a:rPr b="1" lang="en-GB" sz="850" strike="noStrike" u="none">
                 <a:solidFill>
                   <a:schemeClr val="accent1"/>
@@ -30605,7 +30605,7 @@
                 <a:tab algn="l" pos="0"/>
               </a:tabLst>
             </a:pPr>
-            <a:fld id="{F8BE6382-EE07-4C40-8472-B68C91159D94}" type="slidenum">
+            <a:fld id="{1ED0ADD6-78B0-4195-99A6-54783C9BCC51}" type="slidenum">
               <a:rPr b="1" lang="en-GB" sz="850" strike="noStrike" u="none">
                 <a:solidFill>
                   <a:schemeClr val="accent1"/>
@@ -30906,7 +30906,7 @@
                 <a:tab algn="l" pos="0"/>
               </a:tabLst>
             </a:pPr>
-            <a:fld id="{D9A3848A-B425-4B32-B9B3-8EA83F836E67}" type="slidenum">
+            <a:fld id="{2B450C77-A527-4437-81AB-FFFA971B4F9D}" type="slidenum">
               <a:rPr b="1" lang="en-GB" sz="850" strike="noStrike" u="none">
                 <a:solidFill>
                   <a:schemeClr val="accent1"/>
@@ -31207,7 +31207,7 @@
                 <a:tab algn="l" pos="0"/>
               </a:tabLst>
             </a:pPr>
-            <a:fld id="{3C4F6FCA-2ACF-409F-92C7-0F51FC9923AF}" type="slidenum">
+            <a:fld id="{A96B6BAF-7DB1-48F0-9007-C1032801477B}" type="slidenum">
               <a:rPr b="1" lang="en-GB" sz="850" strike="noStrike" u="none">
                 <a:solidFill>
                   <a:schemeClr val="accent1"/>
@@ -31508,7 +31508,7 @@
                 <a:tab algn="l" pos="0"/>
               </a:tabLst>
             </a:pPr>
-            <a:fld id="{2643CD8A-E8EB-4C09-BB67-5E8ACD7D8B45}" type="slidenum">
+            <a:fld id="{5FCBB160-3B7A-4336-973D-C651CB33EF3E}" type="slidenum">
               <a:rPr b="1" lang="en-GB" sz="850" strike="noStrike" u="none">
                 <a:solidFill>
                   <a:schemeClr val="accent1"/>
@@ -31864,7 +31864,7 @@
                 <a:tab algn="l" pos="0"/>
               </a:tabLst>
             </a:pPr>
-            <a:fld id="{983CB6AB-07FB-4F53-A67E-F6B38984574B}" type="slidenum">
+            <a:fld id="{616AEC85-DAB2-4C13-8629-D80BB995F952}" type="slidenum">
               <a:rPr b="1" lang="en-GB" sz="850" strike="noStrike" u="none">
                 <a:solidFill>
                   <a:schemeClr val="lt1"/>
@@ -34663,7 +34663,7 @@
                 <a:tab algn="l" pos="0"/>
               </a:tabLst>
             </a:pPr>
-            <a:fld id="{1D4D84AB-8BC7-4CEC-B241-DA85469F61DA}" type="slidenum">
+            <a:fld id="{FE0527A4-A717-4EA7-B8C8-CD90F3161923}" type="slidenum">
               <a:rPr b="1" lang="en-GB" sz="850" strike="noStrike" u="none">
                 <a:solidFill>
                   <a:schemeClr val="accent1"/>
@@ -34964,7 +34964,7 @@
                 <a:tab algn="l" pos="0"/>
               </a:tabLst>
             </a:pPr>
-            <a:fld id="{2DBC02F3-772C-4ECF-ABB7-AB1A665754CB}" type="slidenum">
+            <a:fld id="{7F3B0646-3BB0-4B83-A237-E4EBE6F36DBC}" type="slidenum">
               <a:rPr b="1" lang="en-GB" sz="850" strike="noStrike" u="none">
                 <a:solidFill>
                   <a:schemeClr val="accent1"/>
@@ -35265,7 +35265,7 @@
                 <a:tab algn="l" pos="0"/>
               </a:tabLst>
             </a:pPr>
-            <a:fld id="{B024C4B4-088A-433D-BE17-AFE8608A2BA3}" type="slidenum">
+            <a:fld id="{D106216C-A93F-4152-A83D-1107F1B5A33E}" type="slidenum">
               <a:rPr b="1" lang="en-GB" sz="850" strike="noStrike" u="none">
                 <a:solidFill>
                   <a:schemeClr val="accent1"/>
@@ -38474,7 +38474,7 @@
         </p:blipFill>
         <p:spPr>
           <a:xfrm>
-            <a:off x="8519760" y="2334600"/>
+            <a:off x="8519760" y="1254600"/>
             <a:ext cx="2857680" cy="1897200"/>
           </a:xfrm>
           <a:prstGeom prst="rect">
@@ -38518,7 +38518,7 @@
         </p:nvSpPr>
         <p:spPr>
           <a:xfrm>
-            <a:off x="8293320" y="4278600"/>
+            <a:off x="8293320" y="3198600"/>
             <a:ext cx="4156560" cy="286920"/>
           </a:xfrm>
           <a:prstGeom prst="rect">
@@ -38641,6 +38641,90 @@
           </a:ln>
         </p:spPr>
       </p:pic>
+      <p:pic>
+        <p:nvPicPr>
+          <p:cNvPr id="405" name="" descr=""/>
+          <p:cNvPicPr/>
+          <p:nvPr/>
+        </p:nvPicPr>
+        <p:blipFill>
+          <a:blip r:embed="rId8"/>
+          <a:srcRect l="0" t="0" r="0" b="12209"/>
+          <a:stretch/>
+        </p:blipFill>
+        <p:spPr>
+          <a:xfrm>
+            <a:off x="8591400" y="3580920"/>
+            <a:ext cx="2753640" cy="2054520"/>
+          </a:xfrm>
+          <a:prstGeom prst="rect">
+            <a:avLst/>
+          </a:prstGeom>
+          <a:noFill/>
+          <a:ln w="0">
+            <a:noFill/>
+          </a:ln>
+        </p:spPr>
+      </p:pic>
+      <p:sp>
+        <p:nvSpPr>
+          <p:cNvPr id="406" name="Text Placeholder 13"/>
+          <p:cNvSpPr/>
+          <p:nvPr/>
+        </p:nvSpPr>
+        <p:spPr>
+          <a:xfrm>
+            <a:off x="9013320" y="5718600"/>
+            <a:ext cx="2046240" cy="286920"/>
+          </a:xfrm>
+          <a:prstGeom prst="rect">
+            <a:avLst/>
+          </a:prstGeom>
+          <a:noFill/>
+          <a:ln w="0">
+            <a:noFill/>
+          </a:ln>
+        </p:spPr>
+        <p:style>
+          <a:lnRef idx="0"/>
+          <a:fillRef idx="0"/>
+          <a:effectRef idx="0"/>
+          <a:fontRef idx="minor"/>
+        </p:style>
+        <p:txBody>
+          <a:bodyPr lIns="0" rIns="0" tIns="0" bIns="0" anchor="t">
+            <a:noAutofit/>
+          </a:bodyPr>
+          <a:p>
+            <a:pPr defTabSz="685800">
+              <a:lnSpc>
+                <a:spcPct val="105000"/>
+              </a:lnSpc>
+              <a:tabLst>
+                <a:tab algn="l" pos="0"/>
+              </a:tabLst>
+            </a:pPr>
+            <a:r>
+              <a:rPr b="0" i="1" lang="en-US" sz="1000" strike="noStrike" u="none">
+                <a:solidFill>
+                  <a:schemeClr val="accent1"/>
+                </a:solidFill>
+                <a:uFillTx/>
+                <a:latin typeface="Imperial Sans Text Medium"/>
+                <a:ea typeface="Inter Medium"/>
+              </a:rPr>
+              <a:t>A slice of the above plot for y = 0.5</a:t>
+            </a:r>
+            <a:endParaRPr b="0" i="1" lang="en-GB" sz="1000" strike="noStrike" u="none">
+              <a:solidFill>
+                <a:srgbClr val="000000"/>
+              </a:solidFill>
+              <a:uFillTx/>
+              <a:latin typeface="Arial"/>
+            </a:endParaRPr>
+          </a:p>
+        </p:txBody>
+      </p:sp>
     </p:spTree>
   </p:cSld>
   <p:transition>

--- a/M2R_presentation.pptx
+++ b/M2R_presentation.pptx
@@ -153,7 +153,7 @@
         <p:txBody>
           <a:bodyPr/>
           <a:p>
-            <a:fld id="{E06A5756-51C7-4F06-8DB6-E8FB33C52E90}" type="slidenum">
+            <a:fld id="{A33C1057-CEA1-4C40-9C57-FFDE39386285}" type="slidenum">
               <a:t>&lt;#&gt;</a:t>
             </a:fld>
           </a:p>
@@ -236,7 +236,7 @@
         <p:txBody>
           <a:bodyPr/>
           <a:p>
-            <a:fld id="{4C09D5CE-9161-4E58-8817-931EC2695590}" type="slidenum">
+            <a:fld id="{ABE10360-7499-4FFB-BAF3-58B54CE65680}" type="slidenum">
               <a:t>&lt;#&gt;</a:t>
             </a:fld>
           </a:p>
@@ -341,7 +341,7 @@
         <p:txBody>
           <a:bodyPr/>
           <a:p>
-            <a:fld id="{445C997E-2C19-400C-AEF5-D7F8B6A50D4C}" type="slidenum">
+            <a:fld id="{F09A3BF0-3D18-446E-8550-2A31C62A8950}" type="slidenum">
               <a:t>&lt;#&gt;</a:t>
             </a:fld>
           </a:p>
@@ -424,7 +424,7 @@
         <p:txBody>
           <a:bodyPr/>
           <a:p>
-            <a:fld id="{5A1A5D22-2217-4C3C-B323-2E77A262DD2F}" type="slidenum">
+            <a:fld id="{5869B96C-74A8-4F35-8CE3-3598AFBA755F}" type="slidenum">
               <a:t>&lt;#&gt;</a:t>
             </a:fld>
           </a:p>
@@ -507,7 +507,7 @@
         <p:txBody>
           <a:bodyPr/>
           <a:p>
-            <a:fld id="{9017E4CB-7222-4D2F-9E2F-5C5979974242}" type="slidenum">
+            <a:fld id="{0AEF88B4-CDCA-43F2-B312-B66C8621D93C}" type="slidenum">
               <a:t>&lt;#&gt;</a:t>
             </a:fld>
           </a:p>
@@ -590,7 +590,7 @@
         <p:txBody>
           <a:bodyPr/>
           <a:p>
-            <a:fld id="{A1D3E18A-14D5-4FAC-85D7-D2841E798DEE}" type="slidenum">
+            <a:fld id="{D9057600-AC14-4A2B-8A95-AE0571B546B3}" type="slidenum">
               <a:t>&lt;#&gt;</a:t>
             </a:fld>
           </a:p>
@@ -673,7 +673,7 @@
         <p:txBody>
           <a:bodyPr/>
           <a:p>
-            <a:fld id="{22C2E339-7788-4DB8-83BD-7B522CC919CD}" type="slidenum">
+            <a:fld id="{823EF51B-9085-41C5-9101-B6C4A8E9BB2E}" type="slidenum">
               <a:t>&lt;#&gt;</a:t>
             </a:fld>
           </a:p>
@@ -756,7 +756,7 @@
         <p:txBody>
           <a:bodyPr/>
           <a:p>
-            <a:fld id="{31191925-DB3D-4B41-A907-4065F899C6BE}" type="slidenum">
+            <a:fld id="{41B5E87C-368D-4E94-B27F-3853F3AA36ED}" type="slidenum">
               <a:t>&lt;#&gt;</a:t>
             </a:fld>
           </a:p>
@@ -839,7 +839,7 @@
         <p:txBody>
           <a:bodyPr/>
           <a:p>
-            <a:fld id="{9E4D8014-EBD2-4A40-A396-69C780EE718E}" type="slidenum">
+            <a:fld id="{6E7115AF-8AB8-4B17-A66B-8BFCBC36A1C2}" type="slidenum">
               <a:t>&lt;#&gt;</a:t>
             </a:fld>
           </a:p>
@@ -922,7 +922,7 @@
         <p:txBody>
           <a:bodyPr/>
           <a:p>
-            <a:fld id="{5687F5D1-A5FC-4871-9B4D-EBD1595CCA95}" type="slidenum">
+            <a:fld id="{EECF1ABF-F48B-4AB6-9045-89F0F0B61B15}" type="slidenum">
               <a:t>&lt;#&gt;</a:t>
             </a:fld>
           </a:p>
@@ -1005,7 +1005,7 @@
         <p:txBody>
           <a:bodyPr/>
           <a:p>
-            <a:fld id="{390130EB-93CE-4CAB-A611-DA6B73C270B0}" type="slidenum">
+            <a:fld id="{B4D27914-634E-482B-89A4-9EAA082B2BBB}" type="slidenum">
               <a:t>&lt;#&gt;</a:t>
             </a:fld>
           </a:p>
@@ -1088,7 +1088,7 @@
         <p:txBody>
           <a:bodyPr/>
           <a:p>
-            <a:fld id="{365C43D5-3E78-4021-AEB1-392663500B32}" type="slidenum">
+            <a:fld id="{9A6E2C51-99DB-4199-B36A-2418D82858E9}" type="slidenum">
               <a:t>&lt;#&gt;</a:t>
             </a:fld>
           </a:p>
@@ -1171,7 +1171,7 @@
         <p:txBody>
           <a:bodyPr/>
           <a:p>
-            <a:fld id="{6028BD49-1BCB-4008-A427-657A84931711}" type="slidenum">
+            <a:fld id="{19E3E24C-695C-445C-82A1-109770EB70CD}" type="slidenum">
               <a:t>&lt;#&gt;</a:t>
             </a:fld>
           </a:p>
@@ -1276,7 +1276,7 @@
         <p:txBody>
           <a:bodyPr/>
           <a:p>
-            <a:fld id="{9F886D7D-D5CF-4DD9-AA48-6F87238C829E}" type="slidenum">
+            <a:fld id="{E998C531-4659-48CD-88CE-1B9D18408B8A}" type="slidenum">
               <a:t>&lt;#&gt;</a:t>
             </a:fld>
           </a:p>
@@ -1359,7 +1359,7 @@
         <p:txBody>
           <a:bodyPr/>
           <a:p>
-            <a:fld id="{56FBD9C9-8F87-4B22-A10E-80852B8BB820}" type="slidenum">
+            <a:fld id="{1BD894C6-DC29-46CD-90E1-7F70C49FF3D2}" type="slidenum">
               <a:t>&lt;#&gt;</a:t>
             </a:fld>
           </a:p>
@@ -1442,7 +1442,7 @@
         <p:txBody>
           <a:bodyPr/>
           <a:p>
-            <a:fld id="{B315D016-0F72-4FED-9A52-C9C106EE63F5}" type="slidenum">
+            <a:fld id="{5BEC4A8F-5FF4-4E6C-A15E-B25192853356}" type="slidenum">
               <a:t>&lt;#&gt;</a:t>
             </a:fld>
           </a:p>
@@ -1525,7 +1525,7 @@
         <p:txBody>
           <a:bodyPr/>
           <a:p>
-            <a:fld id="{4E7C9362-3388-457D-91E0-B94DDB891AA5}" type="slidenum">
+            <a:fld id="{7C85F5F6-1376-47C1-A75B-7ED6401245C2}" type="slidenum">
               <a:t>&lt;#&gt;</a:t>
             </a:fld>
           </a:p>
@@ -1608,7 +1608,7 @@
         <p:txBody>
           <a:bodyPr/>
           <a:p>
-            <a:fld id="{8D941339-9891-4ECE-B1E4-0428612E0AD5}" type="slidenum">
+            <a:fld id="{18247969-334E-4083-8F34-9DA0D5603862}" type="slidenum">
               <a:t>&lt;#&gt;</a:t>
             </a:fld>
           </a:p>
@@ -1691,7 +1691,7 @@
         <p:txBody>
           <a:bodyPr/>
           <a:p>
-            <a:fld id="{7D044FDB-A884-4F2B-9E83-6E61163EAC34}" type="slidenum">
+            <a:fld id="{DE13DA6B-2A3C-4AE8-BC93-537663A1EB32}" type="slidenum">
               <a:t>&lt;#&gt;</a:t>
             </a:fld>
           </a:p>
@@ -1774,7 +1774,7 @@
         <p:txBody>
           <a:bodyPr/>
           <a:p>
-            <a:fld id="{AED41F25-39BB-4FCA-99EC-9FB5AEAFD18E}" type="slidenum">
+            <a:fld id="{B40C8876-9A84-4C3F-8D78-982DEB956D5A}" type="slidenum">
               <a:t>&lt;#&gt;</a:t>
             </a:fld>
           </a:p>
@@ -1857,7 +1857,7 @@
         <p:txBody>
           <a:bodyPr/>
           <a:p>
-            <a:fld id="{A44FDA42-7D73-481C-9E9C-5C684BEA4D9C}" type="slidenum">
+            <a:fld id="{D9F6B4B5-EFEF-4591-A5F2-F72D18B749E5}" type="slidenum">
               <a:t>&lt;#&gt;</a:t>
             </a:fld>
           </a:p>
@@ -1940,7 +1940,7 @@
         <p:txBody>
           <a:bodyPr/>
           <a:p>
-            <a:fld id="{90C03AC6-135F-4527-ADE6-8881C9352D35}" type="slidenum">
+            <a:fld id="{C40C1353-C660-40B3-813F-A04A546DBD41}" type="slidenum">
               <a:t>&lt;#&gt;</a:t>
             </a:fld>
           </a:p>
@@ -2023,7 +2023,7 @@
         <p:txBody>
           <a:bodyPr/>
           <a:p>
-            <a:fld id="{C7422100-94BD-444E-A6E2-BFA0D5ABED18}" type="slidenum">
+            <a:fld id="{778B29DC-9A75-419A-9C41-AAEA00523F22}" type="slidenum">
               <a:t>&lt;#&gt;</a:t>
             </a:fld>
           </a:p>
@@ -2106,7 +2106,7 @@
         <p:txBody>
           <a:bodyPr/>
           <a:p>
-            <a:fld id="{68B9A32D-6F08-4CB6-9B81-E17E3CC0329E}" type="slidenum">
+            <a:fld id="{E295A633-A1B1-4A1B-A105-6F79C98A59A4}" type="slidenum">
               <a:t>&lt;#&gt;</a:t>
             </a:fld>
           </a:p>
@@ -2211,7 +2211,7 @@
         <p:txBody>
           <a:bodyPr/>
           <a:p>
-            <a:fld id="{CE7EE1F9-C507-4E21-85C4-4D6FAE998492}" type="slidenum">
+            <a:fld id="{729017A6-3C15-4381-8E3B-4CF6D0BFFADD}" type="slidenum">
               <a:t>&lt;#&gt;</a:t>
             </a:fld>
           </a:p>
@@ -2294,7 +2294,7 @@
         <p:txBody>
           <a:bodyPr/>
           <a:p>
-            <a:fld id="{7D71BCD7-C7AA-46E0-A27F-C6E9B7DD4731}" type="slidenum">
+            <a:fld id="{C0FBFF88-40C4-44D3-A2B7-944659866ADD}" type="slidenum">
               <a:t>&lt;#&gt;</a:t>
             </a:fld>
           </a:p>
@@ -2377,7 +2377,7 @@
         <p:txBody>
           <a:bodyPr/>
           <a:p>
-            <a:fld id="{20D38F04-F8A8-4A19-9A1F-47D60D22087D}" type="slidenum">
+            <a:fld id="{9631658B-ED67-47F8-BA54-DD3AC1A21DF0}" type="slidenum">
               <a:t>&lt;#&gt;</a:t>
             </a:fld>
           </a:p>
@@ -2460,7 +2460,7 @@
         <p:txBody>
           <a:bodyPr/>
           <a:p>
-            <a:fld id="{A80B41ED-E3D5-41CA-B74B-21E5D41464DB}" type="slidenum">
+            <a:fld id="{0B487551-9009-43A9-9580-8FCF4743AFD5}" type="slidenum">
               <a:t>&lt;#&gt;</a:t>
             </a:fld>
           </a:p>
@@ -2543,7 +2543,7 @@
         <p:txBody>
           <a:bodyPr/>
           <a:p>
-            <a:fld id="{E149BB6D-C0E0-492D-BD1B-22C305D43FD8}" type="slidenum">
+            <a:fld id="{9F3E07B0-B2FE-4962-AF07-C0E339547118}" type="slidenum">
               <a:t>&lt;#&gt;</a:t>
             </a:fld>
           </a:p>
@@ -2626,7 +2626,7 @@
         <p:txBody>
           <a:bodyPr/>
           <a:p>
-            <a:fld id="{7E2D9600-0516-4CD5-9165-A6F231BF34B1}" type="slidenum">
+            <a:fld id="{FC277629-5988-4C05-9F0A-BF890392CB94}" type="slidenum">
               <a:t>&lt;#&gt;</a:t>
             </a:fld>
           </a:p>
@@ -2709,7 +2709,7 @@
         <p:txBody>
           <a:bodyPr/>
           <a:p>
-            <a:fld id="{08C66B94-2666-4DFD-8E8C-F1FC398B908C}" type="slidenum">
+            <a:fld id="{E1CD870E-E3FA-4AFF-845C-95B227107291}" type="slidenum">
               <a:t>&lt;#&gt;</a:t>
             </a:fld>
           </a:p>
@@ -2792,7 +2792,7 @@
         <p:txBody>
           <a:bodyPr/>
           <a:p>
-            <a:fld id="{CCB864B1-971D-4DAD-9396-4F191BA5F37F}" type="slidenum">
+            <a:fld id="{4C7C6453-3C08-407B-B5A6-0B3A3C66F5F7}" type="slidenum">
               <a:t>&lt;#&gt;</a:t>
             </a:fld>
           </a:p>
@@ -2875,7 +2875,7 @@
         <p:txBody>
           <a:bodyPr/>
           <a:p>
-            <a:fld id="{9E130B26-94C0-486A-8C9E-C4A676D82F7F}" type="slidenum">
+            <a:fld id="{4F22C909-5242-40E0-B4A0-EC850449D9B4}" type="slidenum">
               <a:t>&lt;#&gt;</a:t>
             </a:fld>
           </a:p>
@@ -3112,7 +3112,7 @@
         <p:txBody>
           <a:bodyPr/>
           <a:p>
-            <a:fld id="{A6C0DEF3-60F1-484E-999A-342159007D67}" type="slidenum">
+            <a:fld id="{E51DD93C-7D70-499A-AE6D-B07FAEDB1567}" type="slidenum">
               <a:t>&lt;#&gt;</a:t>
             </a:fld>
           </a:p>
@@ -3283,7 +3283,7 @@
         <p:txBody>
           <a:bodyPr/>
           <a:p>
-            <a:fld id="{BD22035B-31DD-4568-A136-7CA3F02D9F1C}" type="slidenum">
+            <a:fld id="{2DF49C98-59DF-4F88-8B00-FF19176A8CFE}" type="slidenum">
               <a:t>&lt;#&gt;</a:t>
             </a:fld>
           </a:p>
@@ -3366,7 +3366,7 @@
         <p:txBody>
           <a:bodyPr/>
           <a:p>
-            <a:fld id="{13E27D52-CF27-48C0-8947-233CAEC45DE7}" type="slidenum">
+            <a:fld id="{F5901265-5EA4-408F-B6E1-786BBE924A44}" type="slidenum">
               <a:t>&lt;#&gt;</a:t>
             </a:fld>
           </a:p>
@@ -3449,7 +3449,7 @@
         <p:txBody>
           <a:bodyPr/>
           <a:p>
-            <a:fld id="{2EEE02A6-BFDF-4A63-A9EF-3AD574C2501C}" type="slidenum">
+            <a:fld id="{DC855A42-5F1A-4868-AF01-08ED56D46E92}" type="slidenum">
               <a:t>&lt;#&gt;</a:t>
             </a:fld>
           </a:p>
@@ -3532,7 +3532,7 @@
         <p:txBody>
           <a:bodyPr/>
           <a:p>
-            <a:fld id="{344F3293-70AA-4DDA-BF82-88007482A287}" type="slidenum">
+            <a:fld id="{84094F5F-BED5-4490-B202-C9054FB02271}" type="slidenum">
               <a:t>&lt;#&gt;</a:t>
             </a:fld>
           </a:p>
@@ -3615,7 +3615,7 @@
         <p:txBody>
           <a:bodyPr/>
           <a:p>
-            <a:fld id="{69DBD453-A94A-4FC3-9AA8-212B81FFC5B0}" type="slidenum">
+            <a:fld id="{0520DD6F-3F0E-4530-B382-B2E21A9B0BB9}" type="slidenum">
               <a:t>&lt;#&gt;</a:t>
             </a:fld>
           </a:p>
@@ -3698,7 +3698,7 @@
         <p:txBody>
           <a:bodyPr/>
           <a:p>
-            <a:fld id="{1098EE29-103B-4EB3-AC59-1D9CA6DCE8AC}" type="slidenum">
+            <a:fld id="{E9CA0F88-30BD-4E1F-92D5-F8F439AE8D6F}" type="slidenum">
               <a:t>&lt;#&gt;</a:t>
             </a:fld>
           </a:p>
@@ -3781,7 +3781,7 @@
         <p:txBody>
           <a:bodyPr/>
           <a:p>
-            <a:fld id="{B394A22C-2CC6-4842-887C-4DB6086E8BB9}" type="slidenum">
+            <a:fld id="{F7B0C1AD-834F-4284-ADD9-2AE8B1B45356}" type="slidenum">
               <a:t>&lt;#&gt;</a:t>
             </a:fld>
           </a:p>
@@ -3864,7 +3864,7 @@
         <p:txBody>
           <a:bodyPr/>
           <a:p>
-            <a:fld id="{8C22A78D-A8F3-4BD0-839C-65AE1DC239FA}" type="slidenum">
+            <a:fld id="{107E8022-4597-457E-9EF5-DB4262D2305E}" type="slidenum">
               <a:t>&lt;#&gt;</a:t>
             </a:fld>
           </a:p>
@@ -3947,7 +3947,7 @@
         <p:txBody>
           <a:bodyPr/>
           <a:p>
-            <a:fld id="{E407B36A-DC5E-4FA1-912E-0D9997A8249D}" type="slidenum">
+            <a:fld id="{685801BF-7323-47AC-BB41-E6BFD4AA6B26}" type="slidenum">
               <a:t>&lt;#&gt;</a:t>
             </a:fld>
           </a:p>
@@ -4030,7 +4030,7 @@
         <p:txBody>
           <a:bodyPr/>
           <a:p>
-            <a:fld id="{F0BDDBEA-1618-4A80-A0EE-CC4DDBA59BEC}" type="slidenum">
+            <a:fld id="{05816F2C-4AA1-4588-B33C-11E5B0E0C3DA}" type="slidenum">
               <a:t>&lt;#&gt;</a:t>
             </a:fld>
           </a:p>
@@ -4113,7 +4113,7 @@
         <p:txBody>
           <a:bodyPr/>
           <a:p>
-            <a:fld id="{12B6983F-A269-42FE-8B56-CEEC9DDDE8D1}" type="slidenum">
+            <a:fld id="{930DF562-8229-4B37-92AD-BAF06D35897B}" type="slidenum">
               <a:t>&lt;#&gt;</a:t>
             </a:fld>
           </a:p>
@@ -4240,7 +4240,7 @@
         <p:txBody>
           <a:bodyPr/>
           <a:p>
-            <a:fld id="{D1C4FABD-5FE3-4DB4-AD4F-E831787B1BF0}" type="slidenum">
+            <a:fld id="{887E7478-2702-4F5B-9E72-B2FC06DFC3D3}" type="slidenum">
               <a:t>&lt;#&gt;</a:t>
             </a:fld>
           </a:p>
@@ -4323,7 +4323,7 @@
         <p:txBody>
           <a:bodyPr/>
           <a:p>
-            <a:fld id="{F1AAC069-4C87-4EBF-9D0E-DFEF2FCB5F09}" type="slidenum">
+            <a:fld id="{21F03A4B-A9B6-4E0D-961B-4C1BBCE6F386}" type="slidenum">
               <a:t>&lt;#&gt;</a:t>
             </a:fld>
           </a:p>
@@ -4406,7 +4406,7 @@
         <p:txBody>
           <a:bodyPr/>
           <a:p>
-            <a:fld id="{0D5FC913-16CC-48A5-B32F-D3CA5BC026BC}" type="slidenum">
+            <a:fld id="{5429597F-BA75-4D5B-9FF3-4AD4D9DEB189}" type="slidenum">
               <a:t>&lt;#&gt;</a:t>
             </a:fld>
           </a:p>
@@ -5896,7 +5896,7 @@
                 <a:tab algn="l" pos="0"/>
               </a:tabLst>
             </a:pPr>
-            <a:fld id="{07C59DAD-5F5C-4844-B312-48A6205A7101}" type="slidenum">
+            <a:fld id="{4F42A45E-C4C4-4509-8C99-E5E61BF86E63}" type="slidenum">
               <a:rPr b="1" lang="en-GB" sz="850" strike="noStrike" u="none">
                 <a:solidFill>
                   <a:schemeClr val="accent1"/>
@@ -6197,7 +6197,7 @@
                 <a:tab algn="l" pos="0"/>
               </a:tabLst>
             </a:pPr>
-            <a:fld id="{376D95CF-5B49-4BED-AC3B-8F9034D390A0}" type="slidenum">
+            <a:fld id="{5A20732C-05C4-428A-93E5-9F26DD9E043F}" type="slidenum">
               <a:rPr b="1" lang="en-GB" sz="850" strike="noStrike" u="none">
                 <a:solidFill>
                   <a:schemeClr val="accent1"/>
@@ -7457,7 +7457,7 @@
                 <a:tab algn="l" pos="0"/>
               </a:tabLst>
             </a:pPr>
-            <a:fld id="{D868C043-39CC-4891-B08F-AE550D5DDB18}" type="slidenum">
+            <a:fld id="{905A4366-9369-4F0A-8CAF-8367B9CB6ACA}" type="slidenum">
               <a:rPr b="1" lang="en-GB" sz="850" strike="noStrike" u="none">
                 <a:solidFill>
                   <a:schemeClr val="accent1"/>
@@ -7758,7 +7758,7 @@
                 <a:tab algn="l" pos="0"/>
               </a:tabLst>
             </a:pPr>
-            <a:fld id="{3D02D478-C957-48AA-86A1-33108DF51E38}" type="slidenum">
+            <a:fld id="{B128EA9B-D4EB-43BC-ABED-1ADACCAD54D2}" type="slidenum">
               <a:rPr b="1" lang="en-GB" sz="850" strike="noStrike" u="none">
                 <a:solidFill>
                   <a:schemeClr val="accent1"/>
@@ -8059,7 +8059,7 @@
                 <a:tab algn="l" pos="0"/>
               </a:tabLst>
             </a:pPr>
-            <a:fld id="{704F2620-72F0-4ABC-A026-C3FCC802C63A}" type="slidenum">
+            <a:fld id="{B41D5909-3166-40BB-A56E-F7A6B19DE747}" type="slidenum">
               <a:rPr b="1" lang="en-GB" sz="850" strike="noStrike" u="none">
                 <a:solidFill>
                   <a:schemeClr val="accent1"/>
@@ -8360,7 +8360,7 @@
                 <a:tab algn="l" pos="0"/>
               </a:tabLst>
             </a:pPr>
-            <a:fld id="{860E5EAA-026E-4F2C-86BA-1F8037DBF5D6}" type="slidenum">
+            <a:fld id="{FA0955C2-06FB-4EF9-9FF6-E927793485E6}" type="slidenum">
               <a:rPr b="1" lang="en-GB" sz="850" strike="noStrike" u="none">
                 <a:solidFill>
                   <a:schemeClr val="accent1"/>
@@ -8661,7 +8661,7 @@
                 <a:tab algn="l" pos="0"/>
               </a:tabLst>
             </a:pPr>
-            <a:fld id="{92838EFC-CA6B-44E4-8841-8132840324B2}" type="slidenum">
+            <a:fld id="{059ED6CF-228F-4091-8CF0-0F5435EA513D}" type="slidenum">
               <a:rPr b="1" lang="en-GB" sz="850" strike="noStrike" u="none">
                 <a:solidFill>
                   <a:schemeClr val="accent1"/>
@@ -9017,7 +9017,7 @@
                 <a:tab algn="l" pos="0"/>
               </a:tabLst>
             </a:pPr>
-            <a:fld id="{F74B798C-1A34-492F-AA32-78C188893CAC}" type="slidenum">
+            <a:fld id="{D5A5874F-5F5A-4887-8050-20A969E2DCEA}" type="slidenum">
               <a:rPr b="1" lang="en-GB" sz="850" strike="noStrike" u="none">
                 <a:solidFill>
                   <a:schemeClr val="lt1"/>
@@ -9318,7 +9318,7 @@
                 <a:tab algn="l" pos="0"/>
               </a:tabLst>
             </a:pPr>
-            <a:fld id="{D3B6E382-F94A-4F71-9F53-66D5C97FCB7D}" type="slidenum">
+            <a:fld id="{9B7A6238-3D24-44BE-BBC9-F8BE2AF2EDFE}" type="slidenum">
               <a:rPr b="1" lang="en-GB" sz="850" strike="noStrike" u="none">
                 <a:solidFill>
                   <a:schemeClr val="accent1"/>
@@ -9619,7 +9619,7 @@
                 <a:tab algn="l" pos="0"/>
               </a:tabLst>
             </a:pPr>
-            <a:fld id="{553F5009-4653-40F8-BD2E-B086C688EAD4}" type="slidenum">
+            <a:fld id="{47D0ACB0-3F9B-49BC-A8DC-C1BB417A5061}" type="slidenum">
               <a:rPr b="1" lang="en-GB" sz="850" strike="noStrike" u="none">
                 <a:solidFill>
                   <a:schemeClr val="accent1"/>
@@ -9920,7 +9920,7 @@
                 <a:tab algn="l" pos="0"/>
               </a:tabLst>
             </a:pPr>
-            <a:fld id="{19CE702D-A5BA-404E-B8D6-A81F24AE648C}" type="slidenum">
+            <a:fld id="{991602B4-35E2-4F03-AC43-109DDE563C74}" type="slidenum">
               <a:rPr b="1" lang="en-GB" sz="850" strike="noStrike" u="none">
                 <a:solidFill>
                   <a:schemeClr val="accent1"/>
@@ -10221,7 +10221,7 @@
                 <a:tab algn="l" pos="0"/>
               </a:tabLst>
             </a:pPr>
-            <a:fld id="{17542C6B-164B-47EF-A964-479E1620A89E}" type="slidenum">
+            <a:fld id="{BF7A1565-8696-4F60-BE43-16B7C1F87104}" type="slidenum">
               <a:rPr b="1" lang="en-GB" sz="850" strike="noStrike" u="none">
                 <a:solidFill>
                   <a:schemeClr val="accent1"/>
@@ -10577,7 +10577,7 @@
                 <a:tab algn="l" pos="0"/>
               </a:tabLst>
             </a:pPr>
-            <a:fld id="{590FED12-3E98-427B-87E3-07FF89A188BE}" type="slidenum">
+            <a:fld id="{830100C3-B7FD-49C8-9C6D-FCFC62CCBD37}" type="slidenum">
               <a:rPr b="1" lang="en-GB" sz="850" strike="noStrike" u="none">
                 <a:solidFill>
                   <a:schemeClr val="lt1"/>
@@ -11837,7 +11837,7 @@
                 <a:tab algn="l" pos="0"/>
               </a:tabLst>
             </a:pPr>
-            <a:fld id="{9D28479F-EBAD-40B2-8803-174F70498227}" type="slidenum">
+            <a:fld id="{5D30F280-5BF7-48E9-8713-95CBF790F87E}" type="slidenum">
               <a:rPr b="1" lang="en-GB" sz="850" strike="noStrike" u="none">
                 <a:solidFill>
                   <a:schemeClr val="accent1"/>
@@ -12138,7 +12138,7 @@
                 <a:tab algn="l" pos="0"/>
               </a:tabLst>
             </a:pPr>
-            <a:fld id="{6968469F-045E-4055-96F0-1D6915D60BC8}" type="slidenum">
+            <a:fld id="{40F1544D-C40A-4E7A-ADD2-750F8505A822}" type="slidenum">
               <a:rPr b="1" lang="en-GB" sz="850" strike="noStrike" u="none">
                 <a:solidFill>
                   <a:schemeClr val="accent1"/>
@@ -12439,7 +12439,7 @@
                 <a:tab algn="l" pos="0"/>
               </a:tabLst>
             </a:pPr>
-            <a:fld id="{10BEDBFE-3F72-4A06-929E-4471028EBCE6}" type="slidenum">
+            <a:fld id="{EAD1676C-2D81-453F-A0EF-0CA3064BB26D}" type="slidenum">
               <a:rPr b="1" lang="en-GB" sz="850" strike="noStrike" u="none">
                 <a:solidFill>
                   <a:schemeClr val="accent1"/>
@@ -12740,7 +12740,7 @@
                 <a:tab algn="l" pos="0"/>
               </a:tabLst>
             </a:pPr>
-            <a:fld id="{AAB392A1-35C8-4E52-B386-C475E70EB9A5}" type="slidenum">
+            <a:fld id="{16105055-A051-4A39-AD2A-B63D9F3283D9}" type="slidenum">
               <a:rPr b="1" lang="en-GB" sz="850" strike="noStrike" u="none">
                 <a:solidFill>
                   <a:schemeClr val="accent1"/>
@@ -13041,7 +13041,7 @@
                 <a:tab algn="l" pos="0"/>
               </a:tabLst>
             </a:pPr>
-            <a:fld id="{73995D51-9469-44E8-ACBF-C9421F04CF3F}" type="slidenum">
+            <a:fld id="{DA22939C-480C-4AD5-812D-AFB198A2FFC6}" type="slidenum">
               <a:rPr b="1" lang="en-GB" sz="850" strike="noStrike" u="none">
                 <a:solidFill>
                   <a:schemeClr val="accent1"/>
@@ -13342,7 +13342,7 @@
                 <a:tab algn="l" pos="0"/>
               </a:tabLst>
             </a:pPr>
-            <a:fld id="{BDA3B419-5405-4219-8B3D-070D502B8BD4}" type="slidenum">
+            <a:fld id="{6F2C91B5-767A-4151-815A-E4694AFB82CA}" type="slidenum">
               <a:rPr b="1" lang="en-GB" sz="850" strike="noStrike" u="none">
                 <a:solidFill>
                   <a:schemeClr val="accent1"/>
@@ -13643,7 +13643,7 @@
                 <a:tab algn="l" pos="0"/>
               </a:tabLst>
             </a:pPr>
-            <a:fld id="{CE3D35E0-86A4-402C-B02C-8F139131568F}" type="slidenum">
+            <a:fld id="{D8E0F7B5-AFE6-437F-BFDE-482DAD596F4A}" type="slidenum">
               <a:rPr b="1" lang="en-GB" sz="850" strike="noStrike" u="none">
                 <a:solidFill>
                   <a:schemeClr val="accent1"/>
@@ -13944,7 +13944,7 @@
                 <a:tab algn="l" pos="0"/>
               </a:tabLst>
             </a:pPr>
-            <a:fld id="{5EF8105D-A33A-4E21-B7D8-7A3D8FCBB348}" type="slidenum">
+            <a:fld id="{D4A99BAE-D92E-42B8-9630-A2A10FCE4A9D}" type="slidenum">
               <a:rPr b="1" lang="en-GB" sz="850" strike="noStrike" u="none">
                 <a:solidFill>
                   <a:schemeClr val="accent1"/>
@@ -14245,7 +14245,7 @@
                 <a:tab algn="l" pos="0"/>
               </a:tabLst>
             </a:pPr>
-            <a:fld id="{E444FA55-5517-4CC7-9552-7DC772EF5EE0}" type="slidenum">
+            <a:fld id="{9831E6B9-EEEA-47C8-9B2C-6C1806666421}" type="slidenum">
               <a:rPr b="1" lang="en-GB" sz="850" strike="noStrike" u="none">
                 <a:solidFill>
                   <a:schemeClr val="accent1"/>
@@ -14546,7 +14546,7 @@
                 <a:tab algn="l" pos="0"/>
               </a:tabLst>
             </a:pPr>
-            <a:fld id="{D38625F3-E391-4456-940E-7EABEC019FBD}" type="slidenum">
+            <a:fld id="{A60AAF8E-0C72-49B5-8401-E4B6898AC8C3}" type="slidenum">
               <a:rPr b="1" lang="en-GB" sz="850" strike="noStrike" u="none">
                 <a:solidFill>
                   <a:schemeClr val="accent1"/>
@@ -14847,7 +14847,7 @@
                 <a:tab algn="l" pos="0"/>
               </a:tabLst>
             </a:pPr>
-            <a:fld id="{28D00E6D-CEA2-4B08-9465-2D4927A69620}" type="slidenum">
+            <a:fld id="{06BA8500-C421-45B1-9963-DF9D87954590}" type="slidenum">
               <a:rPr b="1" lang="en-GB" sz="850" strike="noStrike" u="none">
                 <a:solidFill>
                   <a:schemeClr val="accent1"/>
@@ -16107,7 +16107,7 @@
                 <a:tab algn="l" pos="0"/>
               </a:tabLst>
             </a:pPr>
-            <a:fld id="{7BF66368-9BAB-47FD-AEB1-32A411D077C4}" type="slidenum">
+            <a:fld id="{4B5BC647-AE6C-4E10-AB3A-3DBD4171956E}" type="slidenum">
               <a:rPr b="1" lang="en-GB" sz="850" strike="noStrike" u="none">
                 <a:solidFill>
                   <a:schemeClr val="accent1"/>
@@ -16408,7 +16408,7 @@
                 <a:tab algn="l" pos="0"/>
               </a:tabLst>
             </a:pPr>
-            <a:fld id="{8F03044F-412F-4D64-A9BD-69BC0F97CC6B}" type="slidenum">
+            <a:fld id="{121E09D8-BDB4-447A-88F5-759B0DAA3976}" type="slidenum">
               <a:rPr b="1" lang="en-GB" sz="850" strike="noStrike" u="none">
                 <a:solidFill>
                   <a:schemeClr val="accent1"/>
@@ -16709,7 +16709,7 @@
                 <a:tab algn="l" pos="0"/>
               </a:tabLst>
             </a:pPr>
-            <a:fld id="{82805332-A55C-42AD-931A-1057DC8045E7}" type="slidenum">
+            <a:fld id="{39A52A70-200B-48A1-BE7D-CFD7F2F2FE4C}" type="slidenum">
               <a:rPr b="1" lang="en-GB" sz="850" strike="noStrike" u="none">
                 <a:solidFill>
                   <a:schemeClr val="accent1"/>
@@ -17010,7 +17010,7 @@
                 <a:tab algn="l" pos="0"/>
               </a:tabLst>
             </a:pPr>
-            <a:fld id="{CAB2AAC7-F46D-4578-A43D-3E0848B50E64}" type="slidenum">
+            <a:fld id="{9DEABE9C-12F6-4BEF-9D49-12768C772059}" type="slidenum">
               <a:rPr b="1" lang="en-GB" sz="850" strike="noStrike" u="none">
                 <a:solidFill>
                   <a:schemeClr val="accent1"/>
@@ -17311,7 +17311,7 @@
                 <a:tab algn="l" pos="0"/>
               </a:tabLst>
             </a:pPr>
-            <a:fld id="{4E719201-4207-4D61-81B1-11F8E061FD06}" type="slidenum">
+            <a:fld id="{87DA2206-4F1B-4F02-8587-41011DD83CBF}" type="slidenum">
               <a:rPr b="1" lang="en-GB" sz="850" strike="noStrike" u="none">
                 <a:solidFill>
                   <a:schemeClr val="accent1"/>
@@ -17612,7 +17612,7 @@
                 <a:tab algn="l" pos="0"/>
               </a:tabLst>
             </a:pPr>
-            <a:fld id="{4D25AA63-2E72-4EC0-9415-4B1C7EDCDF04}" type="slidenum">
+            <a:fld id="{DF165839-0674-4612-84EC-72769B4A8E7E}" type="slidenum">
               <a:rPr b="1" lang="en-GB" sz="850" strike="noStrike" u="none">
                 <a:solidFill>
                   <a:schemeClr val="accent1"/>
@@ -17913,7 +17913,7 @@
                 <a:tab algn="l" pos="0"/>
               </a:tabLst>
             </a:pPr>
-            <a:fld id="{ACACADD5-B676-49D4-9864-6FB75144561A}" type="slidenum">
+            <a:fld id="{C85319DA-5FCF-4135-AD08-1158181F6118}" type="slidenum">
               <a:rPr b="1" lang="en-GB" sz="850" strike="noStrike" u="none">
                 <a:solidFill>
                   <a:schemeClr val="accent1"/>
@@ -18214,7 +18214,7 @@
                 <a:tab algn="l" pos="0"/>
               </a:tabLst>
             </a:pPr>
-            <a:fld id="{F7660159-78DF-4C9A-85C4-D84940DC46BF}" type="slidenum">
+            <a:fld id="{8CB8B0FD-AFD4-48C4-A09B-F2F5C7E6237C}" type="slidenum">
               <a:rPr b="1" lang="en-GB" sz="850" strike="noStrike" u="none">
                 <a:solidFill>
                   <a:schemeClr val="accent1"/>
@@ -18515,7 +18515,7 @@
                 <a:tab algn="l" pos="0"/>
               </a:tabLst>
             </a:pPr>
-            <a:fld id="{0C45435F-9C74-499E-81CA-90C53E76A6F9}" type="slidenum">
+            <a:fld id="{DC972528-CBDD-4148-B4B5-5BCCA075DA73}" type="slidenum">
               <a:rPr b="1" lang="en-GB" sz="850" strike="noStrike" u="none">
                 <a:solidFill>
                   <a:schemeClr val="accent1"/>
@@ -24662,7 +24662,7 @@
                 <a:tab algn="l" pos="0"/>
               </a:tabLst>
             </a:pPr>
-            <a:fld id="{933CFDD7-DCD3-45CD-BA57-6B59112AFAF4}" type="slidenum">
+            <a:fld id="{6623644C-ACAD-43E1-A3F0-2A75EE2F8549}" type="slidenum">
               <a:rPr b="1" lang="en-GB" sz="850" strike="noStrike" u="none">
                 <a:solidFill>
                   <a:schemeClr val="accent1"/>
@@ -28799,7 +28799,7 @@
                 <a:tab algn="l" pos="0"/>
               </a:tabLst>
             </a:pPr>
-            <a:fld id="{096293F3-DA83-4D9C-8DBD-A069A33DB31B}" type="slidenum">
+            <a:fld id="{CB88A843-1088-4BFA-A9C0-77393C2FF216}" type="slidenum">
               <a:rPr b="1" lang="en-GB" sz="850" strike="noStrike" u="none">
                 <a:solidFill>
                   <a:schemeClr val="accent1"/>
@@ -29100,7 +29100,7 @@
                 <a:tab algn="l" pos="0"/>
               </a:tabLst>
             </a:pPr>
-            <a:fld id="{034AA1F9-5557-416F-BB3C-BF6D4D5C9D54}" type="slidenum">
+            <a:fld id="{A42783C1-3854-499B-A875-35610CD91F8C}" type="slidenum">
               <a:rPr b="1" lang="en-GB" sz="850" strike="noStrike" u="none">
                 <a:solidFill>
                   <a:schemeClr val="accent1"/>
@@ -29401,7 +29401,7 @@
                 <a:tab algn="l" pos="0"/>
               </a:tabLst>
             </a:pPr>
-            <a:fld id="{61460C96-C11E-44D9-ACD3-327D78F082EB}" type="slidenum">
+            <a:fld id="{69DE97DC-404C-4137-A040-89F4E95E3CCC}" type="slidenum">
               <a:rPr b="1" lang="en-GB" sz="850" strike="noStrike" u="none">
                 <a:solidFill>
                   <a:schemeClr val="accent1"/>
@@ -29702,7 +29702,7 @@
                 <a:tab algn="l" pos="0"/>
               </a:tabLst>
             </a:pPr>
-            <a:fld id="{C8D14F67-DD60-4F6C-8242-D0B49B9AC872}" type="slidenum">
+            <a:fld id="{F93AFB94-1F3A-4B09-977F-B6BECAA58565}" type="slidenum">
               <a:rPr b="1" lang="en-GB" sz="850" strike="noStrike" u="none">
                 <a:solidFill>
                   <a:schemeClr val="accent1"/>
@@ -30003,7 +30003,7 @@
                 <a:tab algn="l" pos="0"/>
               </a:tabLst>
             </a:pPr>
-            <a:fld id="{6B74EA2A-77AC-489E-9F23-75C23F7E2719}" type="slidenum">
+            <a:fld id="{12B17EE9-492B-45B5-AE0D-0F6CBCC25D6D}" type="slidenum">
               <a:rPr b="1" lang="en-GB" sz="850" strike="noStrike" u="none">
                 <a:solidFill>
                   <a:schemeClr val="accent1"/>
@@ -30304,7 +30304,7 @@
                 <a:tab algn="l" pos="0"/>
               </a:tabLst>
             </a:pPr>
-            <a:fld id="{CAB99AA7-82B0-4BD8-B205-5D988E9AA2F8}" type="slidenum">
+            <a:fld id="{3D34D113-1686-420F-B621-35BA0C72F4EF}" type="slidenum">
               <a:rPr b="1" lang="en-GB" sz="850" strike="noStrike" u="none">
                 <a:solidFill>
                   <a:schemeClr val="accent1"/>
@@ -30605,7 +30605,7 @@
                 <a:tab algn="l" pos="0"/>
               </a:tabLst>
             </a:pPr>
-            <a:fld id="{1ED0ADD6-78B0-4195-99A6-54783C9BCC51}" type="slidenum">
+            <a:fld id="{5512166F-BBAC-4B26-9E08-2F96E772750F}" type="slidenum">
               <a:rPr b="1" lang="en-GB" sz="850" strike="noStrike" u="none">
                 <a:solidFill>
                   <a:schemeClr val="accent1"/>
@@ -30906,7 +30906,7 @@
                 <a:tab algn="l" pos="0"/>
               </a:tabLst>
             </a:pPr>
-            <a:fld id="{2B450C77-A527-4437-81AB-FFFA971B4F9D}" type="slidenum">
+            <a:fld id="{DED3F9AF-9DA9-477B-A6DB-12EC4FF74503}" type="slidenum">
               <a:rPr b="1" lang="en-GB" sz="850" strike="noStrike" u="none">
                 <a:solidFill>
                   <a:schemeClr val="accent1"/>
@@ -31207,7 +31207,7 @@
                 <a:tab algn="l" pos="0"/>
               </a:tabLst>
             </a:pPr>
-            <a:fld id="{A96B6BAF-7DB1-48F0-9007-C1032801477B}" type="slidenum">
+            <a:fld id="{78648D2D-30FC-4EDC-A84C-462EA5562A88}" type="slidenum">
               <a:rPr b="1" lang="en-GB" sz="850" strike="noStrike" u="none">
                 <a:solidFill>
                   <a:schemeClr val="accent1"/>
@@ -31508,7 +31508,7 @@
                 <a:tab algn="l" pos="0"/>
               </a:tabLst>
             </a:pPr>
-            <a:fld id="{5FCBB160-3B7A-4336-973D-C651CB33EF3E}" type="slidenum">
+            <a:fld id="{86EFCECF-B931-4441-A841-43C40F7AB2FF}" type="slidenum">
               <a:rPr b="1" lang="en-GB" sz="850" strike="noStrike" u="none">
                 <a:solidFill>
                   <a:schemeClr val="accent1"/>
@@ -31864,7 +31864,7 @@
                 <a:tab algn="l" pos="0"/>
               </a:tabLst>
             </a:pPr>
-            <a:fld id="{616AEC85-DAB2-4C13-8629-D80BB995F952}" type="slidenum">
+            <a:fld id="{626A61F3-86C7-4F32-BB4E-925E69BF465D}" type="slidenum">
               <a:rPr b="1" lang="en-GB" sz="850" strike="noStrike" u="none">
                 <a:solidFill>
                   <a:schemeClr val="lt1"/>
@@ -34663,7 +34663,7 @@
                 <a:tab algn="l" pos="0"/>
               </a:tabLst>
             </a:pPr>
-            <a:fld id="{FE0527A4-A717-4EA7-B8C8-CD90F3161923}" type="slidenum">
+            <a:fld id="{405D798D-058D-4EF7-9109-9C85516B2B21}" type="slidenum">
               <a:rPr b="1" lang="en-GB" sz="850" strike="noStrike" u="none">
                 <a:solidFill>
                   <a:schemeClr val="accent1"/>
@@ -34964,7 +34964,7 @@
                 <a:tab algn="l" pos="0"/>
               </a:tabLst>
             </a:pPr>
-            <a:fld id="{7F3B0646-3BB0-4B83-A237-E4EBE6F36DBC}" type="slidenum">
+            <a:fld id="{7054B525-A8EB-4F14-ABD5-90EFC25A97AA}" type="slidenum">
               <a:rPr b="1" lang="en-GB" sz="850" strike="noStrike" u="none">
                 <a:solidFill>
                   <a:schemeClr val="accent1"/>
@@ -35265,7 +35265,7 @@
                 <a:tab algn="l" pos="0"/>
               </a:tabLst>
             </a:pPr>
-            <a:fld id="{D106216C-A93F-4152-A83D-1107F1B5A33E}" type="slidenum">
+            <a:fld id="{4A638123-E886-47B3-A2B5-03A36B213A0F}" type="slidenum">
               <a:rPr b="1" lang="en-GB" sz="850" strike="noStrike" u="none">
                 <a:solidFill>
                   <a:schemeClr val="accent1"/>
@@ -36129,8 +36129,8 @@
         </p:blipFill>
         <p:spPr>
           <a:xfrm>
-            <a:off x="4811760" y="3886200"/>
-            <a:ext cx="1588320" cy="1601280"/>
+            <a:off x="4425120" y="3960360"/>
+            <a:ext cx="2197080" cy="2215080"/>
           </a:xfrm>
           <a:prstGeom prst="rect">
             <a:avLst/>
@@ -36153,8 +36153,8 @@
         </p:blipFill>
         <p:spPr>
           <a:xfrm>
-            <a:off x="7671240" y="4114800"/>
-            <a:ext cx="3000240" cy="1387800"/>
+            <a:off x="6792840" y="4056480"/>
+            <a:ext cx="4820760" cy="2229840"/>
           </a:xfrm>
           <a:prstGeom prst="rect">
             <a:avLst/>
